--- a/presentation/OOPsIDidItAgain.pptx
+++ b/presentation/OOPsIDidItAgain.pptx
@@ -25,20 +25,22 @@
     <p:sldId id="274" r:id="rId19"/>
     <p:sldId id="275" r:id="rId20"/>
     <p:sldId id="276" r:id="rId21"/>
-    <p:sldId id="277" r:id="rId22"/>
-    <p:sldId id="278" r:id="rId23"/>
-    <p:sldId id="279" r:id="rId24"/>
-    <p:sldId id="280" r:id="rId25"/>
-    <p:sldId id="281" r:id="rId26"/>
-    <p:sldId id="282" r:id="rId27"/>
-    <p:sldId id="283" r:id="rId28"/>
-    <p:sldId id="284" r:id="rId29"/>
-    <p:sldId id="285" r:id="rId30"/>
-    <p:sldId id="286" r:id="rId31"/>
-    <p:sldId id="287" r:id="rId32"/>
-    <p:sldId id="288" r:id="rId33"/>
-    <p:sldId id="290" r:id="rId34"/>
-    <p:sldId id="291" r:id="rId35"/>
+    <p:sldId id="292" r:id="rId22"/>
+    <p:sldId id="277" r:id="rId23"/>
+    <p:sldId id="278" r:id="rId24"/>
+    <p:sldId id="279" r:id="rId25"/>
+    <p:sldId id="280" r:id="rId26"/>
+    <p:sldId id="281" r:id="rId27"/>
+    <p:sldId id="282" r:id="rId28"/>
+    <p:sldId id="283" r:id="rId29"/>
+    <p:sldId id="284" r:id="rId30"/>
+    <p:sldId id="285" r:id="rId31"/>
+    <p:sldId id="286" r:id="rId32"/>
+    <p:sldId id="287" r:id="rId33"/>
+    <p:sldId id="288" r:id="rId34"/>
+    <p:sldId id="294" r:id="rId35"/>
+    <p:sldId id="290" r:id="rId36"/>
+    <p:sldId id="291" r:id="rId37"/>
   </p:sldIdLst>
   <p:sldSz cx="12192000" cy="6858000"/>
   <p:notesSz cx="6858000" cy="9144000"/>
@@ -186,6 +188,7 @@
           <p14:sldIdLst>
             <p14:sldId id="275"/>
             <p14:sldId id="276"/>
+            <p14:sldId id="292"/>
             <p14:sldId id="277"/>
             <p14:sldId id="278"/>
             <p14:sldId id="279"/>
@@ -210,6 +213,7 @@
         <p14:section name="Outro" id="{AFFAF40C-C3D5-49EA-B21C-2FE57642CBA8}">
           <p14:sldIdLst>
             <p14:sldId id="288"/>
+            <p14:sldId id="294"/>
             <p14:sldId id="290"/>
             <p14:sldId id="291"/>
           </p14:sldIdLst>
@@ -221,6 +225,2782 @@
     </p:ext>
   </p:extLst>
 </p:presentation>
+</file>
+
+<file path=ppt/diagrams/colors1.xml><?xml version="1.0" encoding="utf-8"?>
+<dgm:colorsDef xmlns:dgm="http://schemas.openxmlformats.org/drawingml/2006/diagram" xmlns:a="http://schemas.openxmlformats.org/drawingml/2006/main" uniqueId="urn:microsoft.com/office/officeart/2005/8/colors/accent1_2">
+  <dgm:title val=""/>
+  <dgm:desc val=""/>
+  <dgm:catLst>
+    <dgm:cat type="accent1" pri="11200"/>
+  </dgm:catLst>
+  <dgm:styleLbl name="node0">
+    <dgm:fillClrLst meth="repeat">
+      <a:schemeClr val="accent1"/>
+    </dgm:fillClrLst>
+    <dgm:linClrLst meth="repeat">
+      <a:schemeClr val="lt1"/>
+    </dgm:linClrLst>
+    <dgm:effectClrLst/>
+    <dgm:txLinClrLst/>
+    <dgm:txFillClrLst/>
+    <dgm:txEffectClrLst/>
+  </dgm:styleLbl>
+  <dgm:styleLbl name="alignNode1">
+    <dgm:fillClrLst meth="repeat">
+      <a:schemeClr val="accent1"/>
+    </dgm:fillClrLst>
+    <dgm:linClrLst meth="repeat">
+      <a:schemeClr val="accent1"/>
+    </dgm:linClrLst>
+    <dgm:effectClrLst/>
+    <dgm:txLinClrLst/>
+    <dgm:txFillClrLst/>
+    <dgm:txEffectClrLst/>
+  </dgm:styleLbl>
+  <dgm:styleLbl name="node1">
+    <dgm:fillClrLst meth="repeat">
+      <a:schemeClr val="accent1"/>
+    </dgm:fillClrLst>
+    <dgm:linClrLst meth="repeat">
+      <a:schemeClr val="lt1"/>
+    </dgm:linClrLst>
+    <dgm:effectClrLst/>
+    <dgm:txLinClrLst/>
+    <dgm:txFillClrLst/>
+    <dgm:txEffectClrLst/>
+  </dgm:styleLbl>
+  <dgm:styleLbl name="lnNode1">
+    <dgm:fillClrLst meth="repeat">
+      <a:schemeClr val="accent1"/>
+    </dgm:fillClrLst>
+    <dgm:linClrLst meth="repeat">
+      <a:schemeClr val="lt1"/>
+    </dgm:linClrLst>
+    <dgm:effectClrLst/>
+    <dgm:txLinClrLst/>
+    <dgm:txFillClrLst/>
+    <dgm:txEffectClrLst/>
+  </dgm:styleLbl>
+  <dgm:styleLbl name="vennNode1">
+    <dgm:fillClrLst meth="repeat">
+      <a:schemeClr val="accent1">
+        <a:alpha val="50000"/>
+      </a:schemeClr>
+    </dgm:fillClrLst>
+    <dgm:linClrLst meth="repeat">
+      <a:schemeClr val="lt1"/>
+    </dgm:linClrLst>
+    <dgm:effectClrLst/>
+    <dgm:txLinClrLst/>
+    <dgm:txFillClrLst/>
+    <dgm:txEffectClrLst/>
+  </dgm:styleLbl>
+  <dgm:styleLbl name="node2">
+    <dgm:fillClrLst meth="repeat">
+      <a:schemeClr val="accent1"/>
+    </dgm:fillClrLst>
+    <dgm:linClrLst meth="repeat">
+      <a:schemeClr val="lt1"/>
+    </dgm:linClrLst>
+    <dgm:effectClrLst/>
+    <dgm:txLinClrLst/>
+    <dgm:txFillClrLst/>
+    <dgm:txEffectClrLst/>
+  </dgm:styleLbl>
+  <dgm:styleLbl name="node3">
+    <dgm:fillClrLst meth="repeat">
+      <a:schemeClr val="accent1"/>
+    </dgm:fillClrLst>
+    <dgm:linClrLst meth="repeat">
+      <a:schemeClr val="lt1"/>
+    </dgm:linClrLst>
+    <dgm:effectClrLst/>
+    <dgm:txLinClrLst/>
+    <dgm:txFillClrLst/>
+    <dgm:txEffectClrLst/>
+  </dgm:styleLbl>
+  <dgm:styleLbl name="node4">
+    <dgm:fillClrLst meth="repeat">
+      <a:schemeClr val="accent1"/>
+    </dgm:fillClrLst>
+    <dgm:linClrLst meth="repeat">
+      <a:schemeClr val="lt1"/>
+    </dgm:linClrLst>
+    <dgm:effectClrLst/>
+    <dgm:txLinClrLst/>
+    <dgm:txFillClrLst/>
+    <dgm:txEffectClrLst/>
+  </dgm:styleLbl>
+  <dgm:styleLbl name="fgImgPlace1">
+    <dgm:fillClrLst meth="repeat">
+      <a:schemeClr val="accent1">
+        <a:tint val="50000"/>
+      </a:schemeClr>
+    </dgm:fillClrLst>
+    <dgm:linClrLst meth="repeat">
+      <a:schemeClr val="lt1"/>
+    </dgm:linClrLst>
+    <dgm:effectClrLst/>
+    <dgm:txLinClrLst/>
+    <dgm:txFillClrLst meth="repeat">
+      <a:schemeClr val="lt1"/>
+    </dgm:txFillClrLst>
+    <dgm:txEffectClrLst/>
+  </dgm:styleLbl>
+  <dgm:styleLbl name="alignImgPlace1">
+    <dgm:fillClrLst meth="repeat">
+      <a:schemeClr val="accent1">
+        <a:tint val="50000"/>
+      </a:schemeClr>
+    </dgm:fillClrLst>
+    <dgm:linClrLst meth="repeat">
+      <a:schemeClr val="lt1"/>
+    </dgm:linClrLst>
+    <dgm:effectClrLst/>
+    <dgm:txLinClrLst/>
+    <dgm:txFillClrLst meth="repeat">
+      <a:schemeClr val="lt1"/>
+    </dgm:txFillClrLst>
+    <dgm:txEffectClrLst/>
+  </dgm:styleLbl>
+  <dgm:styleLbl name="bgImgPlace1">
+    <dgm:fillClrLst meth="repeat">
+      <a:schemeClr val="accent1">
+        <a:tint val="50000"/>
+      </a:schemeClr>
+    </dgm:fillClrLst>
+    <dgm:linClrLst meth="repeat">
+      <a:schemeClr val="lt1"/>
+    </dgm:linClrLst>
+    <dgm:effectClrLst/>
+    <dgm:txLinClrLst/>
+    <dgm:txFillClrLst meth="repeat">
+      <a:schemeClr val="lt1"/>
+    </dgm:txFillClrLst>
+    <dgm:txEffectClrLst/>
+  </dgm:styleLbl>
+  <dgm:styleLbl name="sibTrans2D1">
+    <dgm:fillClrLst meth="repeat">
+      <a:schemeClr val="accent1">
+        <a:tint val="60000"/>
+      </a:schemeClr>
+    </dgm:fillClrLst>
+    <dgm:linClrLst meth="repeat">
+      <a:schemeClr val="accent1">
+        <a:tint val="60000"/>
+      </a:schemeClr>
+    </dgm:linClrLst>
+    <dgm:effectClrLst/>
+    <dgm:txLinClrLst/>
+    <dgm:txFillClrLst/>
+    <dgm:txEffectClrLst/>
+  </dgm:styleLbl>
+  <dgm:styleLbl name="fgSibTrans2D1">
+    <dgm:fillClrLst meth="repeat">
+      <a:schemeClr val="accent1">
+        <a:tint val="60000"/>
+      </a:schemeClr>
+    </dgm:fillClrLst>
+    <dgm:linClrLst meth="repeat">
+      <a:schemeClr val="accent1">
+        <a:tint val="60000"/>
+      </a:schemeClr>
+    </dgm:linClrLst>
+    <dgm:effectClrLst/>
+    <dgm:txLinClrLst/>
+    <dgm:txFillClrLst/>
+    <dgm:txEffectClrLst/>
+  </dgm:styleLbl>
+  <dgm:styleLbl name="bgSibTrans2D1">
+    <dgm:fillClrLst meth="repeat">
+      <a:schemeClr val="accent1">
+        <a:tint val="60000"/>
+      </a:schemeClr>
+    </dgm:fillClrLst>
+    <dgm:linClrLst meth="repeat">
+      <a:schemeClr val="accent1">
+        <a:tint val="60000"/>
+      </a:schemeClr>
+    </dgm:linClrLst>
+    <dgm:effectClrLst/>
+    <dgm:txLinClrLst/>
+    <dgm:txFillClrLst/>
+    <dgm:txEffectClrLst/>
+  </dgm:styleLbl>
+  <dgm:styleLbl name="sibTrans1D1">
+    <dgm:fillClrLst meth="repeat">
+      <a:schemeClr val="accent1"/>
+    </dgm:fillClrLst>
+    <dgm:linClrLst meth="repeat">
+      <a:schemeClr val="accent1"/>
+    </dgm:linClrLst>
+    <dgm:effectClrLst/>
+    <dgm:txLinClrLst/>
+    <dgm:txFillClrLst meth="repeat">
+      <a:schemeClr val="tx1"/>
+    </dgm:txFillClrLst>
+    <dgm:txEffectClrLst/>
+  </dgm:styleLbl>
+  <dgm:styleLbl name="callout">
+    <dgm:fillClrLst meth="repeat">
+      <a:schemeClr val="accent1"/>
+    </dgm:fillClrLst>
+    <dgm:linClrLst meth="repeat">
+      <a:schemeClr val="accent1">
+        <a:tint val="50000"/>
+      </a:schemeClr>
+    </dgm:linClrLst>
+    <dgm:effectClrLst/>
+    <dgm:txLinClrLst/>
+    <dgm:txFillClrLst meth="repeat">
+      <a:schemeClr val="tx1"/>
+    </dgm:txFillClrLst>
+    <dgm:txEffectClrLst/>
+  </dgm:styleLbl>
+  <dgm:styleLbl name="asst0">
+    <dgm:fillClrLst meth="repeat">
+      <a:schemeClr val="accent1"/>
+    </dgm:fillClrLst>
+    <dgm:linClrLst meth="repeat">
+      <a:schemeClr val="lt1"/>
+    </dgm:linClrLst>
+    <dgm:effectClrLst/>
+    <dgm:txLinClrLst/>
+    <dgm:txFillClrLst/>
+    <dgm:txEffectClrLst/>
+  </dgm:styleLbl>
+  <dgm:styleLbl name="asst1">
+    <dgm:fillClrLst meth="repeat">
+      <a:schemeClr val="accent1"/>
+    </dgm:fillClrLst>
+    <dgm:linClrLst meth="repeat">
+      <a:schemeClr val="lt1"/>
+    </dgm:linClrLst>
+    <dgm:effectClrLst/>
+    <dgm:txLinClrLst/>
+    <dgm:txFillClrLst/>
+    <dgm:txEffectClrLst/>
+  </dgm:styleLbl>
+  <dgm:styleLbl name="asst2">
+    <dgm:fillClrLst meth="repeat">
+      <a:schemeClr val="accent1"/>
+    </dgm:fillClrLst>
+    <dgm:linClrLst meth="repeat">
+      <a:schemeClr val="lt1"/>
+    </dgm:linClrLst>
+    <dgm:effectClrLst/>
+    <dgm:txLinClrLst/>
+    <dgm:txFillClrLst/>
+    <dgm:txEffectClrLst/>
+  </dgm:styleLbl>
+  <dgm:styleLbl name="asst3">
+    <dgm:fillClrLst meth="repeat">
+      <a:schemeClr val="accent1"/>
+    </dgm:fillClrLst>
+    <dgm:linClrLst meth="repeat">
+      <a:schemeClr val="lt1"/>
+    </dgm:linClrLst>
+    <dgm:effectClrLst/>
+    <dgm:txLinClrLst/>
+    <dgm:txFillClrLst/>
+    <dgm:txEffectClrLst/>
+  </dgm:styleLbl>
+  <dgm:styleLbl name="asst4">
+    <dgm:fillClrLst meth="repeat">
+      <a:schemeClr val="accent1"/>
+    </dgm:fillClrLst>
+    <dgm:linClrLst meth="repeat">
+      <a:schemeClr val="lt1"/>
+    </dgm:linClrLst>
+    <dgm:effectClrLst/>
+    <dgm:txLinClrLst/>
+    <dgm:txFillClrLst/>
+    <dgm:txEffectClrLst/>
+  </dgm:styleLbl>
+  <dgm:styleLbl name="parChTrans2D1">
+    <dgm:fillClrLst meth="repeat">
+      <a:schemeClr val="accent1">
+        <a:tint val="60000"/>
+      </a:schemeClr>
+    </dgm:fillClrLst>
+    <dgm:linClrLst meth="repeat">
+      <a:schemeClr val="accent1">
+        <a:tint val="60000"/>
+      </a:schemeClr>
+    </dgm:linClrLst>
+    <dgm:effectClrLst/>
+    <dgm:txLinClrLst/>
+    <dgm:txFillClrLst meth="repeat">
+      <a:schemeClr val="lt1"/>
+    </dgm:txFillClrLst>
+    <dgm:txEffectClrLst/>
+  </dgm:styleLbl>
+  <dgm:styleLbl name="parChTrans2D2">
+    <dgm:fillClrLst meth="repeat">
+      <a:schemeClr val="accent1"/>
+    </dgm:fillClrLst>
+    <dgm:linClrLst meth="repeat">
+      <a:schemeClr val="accent1"/>
+    </dgm:linClrLst>
+    <dgm:effectClrLst/>
+    <dgm:txLinClrLst/>
+    <dgm:txFillClrLst meth="repeat">
+      <a:schemeClr val="lt1"/>
+    </dgm:txFillClrLst>
+    <dgm:txEffectClrLst/>
+  </dgm:styleLbl>
+  <dgm:styleLbl name="parChTrans2D3">
+    <dgm:fillClrLst meth="repeat">
+      <a:schemeClr val="accent1"/>
+    </dgm:fillClrLst>
+    <dgm:linClrLst meth="repeat">
+      <a:schemeClr val="accent1"/>
+    </dgm:linClrLst>
+    <dgm:effectClrLst/>
+    <dgm:txLinClrLst/>
+    <dgm:txFillClrLst meth="repeat">
+      <a:schemeClr val="lt1"/>
+    </dgm:txFillClrLst>
+    <dgm:txEffectClrLst/>
+  </dgm:styleLbl>
+  <dgm:styleLbl name="parChTrans2D4">
+    <dgm:fillClrLst meth="repeat">
+      <a:schemeClr val="accent1"/>
+    </dgm:fillClrLst>
+    <dgm:linClrLst meth="repeat">
+      <a:schemeClr val="accent1"/>
+    </dgm:linClrLst>
+    <dgm:effectClrLst/>
+    <dgm:txLinClrLst/>
+    <dgm:txFillClrLst meth="repeat">
+      <a:schemeClr val="lt1"/>
+    </dgm:txFillClrLst>
+    <dgm:txEffectClrLst/>
+  </dgm:styleLbl>
+  <dgm:styleLbl name="parChTrans1D1">
+    <dgm:fillClrLst meth="repeat">
+      <a:schemeClr val="accent1"/>
+    </dgm:fillClrLst>
+    <dgm:linClrLst meth="repeat">
+      <a:schemeClr val="accent1">
+        <a:shade val="60000"/>
+      </a:schemeClr>
+    </dgm:linClrLst>
+    <dgm:effectClrLst/>
+    <dgm:txLinClrLst/>
+    <dgm:txFillClrLst meth="repeat">
+      <a:schemeClr val="tx1"/>
+    </dgm:txFillClrLst>
+    <dgm:txEffectClrLst/>
+  </dgm:styleLbl>
+  <dgm:styleLbl name="parChTrans1D2">
+    <dgm:fillClrLst meth="repeat">
+      <a:schemeClr val="accent1"/>
+    </dgm:fillClrLst>
+    <dgm:linClrLst meth="repeat">
+      <a:schemeClr val="accent1">
+        <a:shade val="60000"/>
+      </a:schemeClr>
+    </dgm:linClrLst>
+    <dgm:effectClrLst/>
+    <dgm:txLinClrLst/>
+    <dgm:txFillClrLst meth="repeat">
+      <a:schemeClr val="tx1"/>
+    </dgm:txFillClrLst>
+    <dgm:txEffectClrLst/>
+  </dgm:styleLbl>
+  <dgm:styleLbl name="parChTrans1D3">
+    <dgm:fillClrLst meth="repeat">
+      <a:schemeClr val="accent1"/>
+    </dgm:fillClrLst>
+    <dgm:linClrLst meth="repeat">
+      <a:schemeClr val="accent1">
+        <a:shade val="80000"/>
+      </a:schemeClr>
+    </dgm:linClrLst>
+    <dgm:effectClrLst/>
+    <dgm:txLinClrLst/>
+    <dgm:txFillClrLst meth="repeat">
+      <a:schemeClr val="tx1"/>
+    </dgm:txFillClrLst>
+    <dgm:txEffectClrLst/>
+  </dgm:styleLbl>
+  <dgm:styleLbl name="parChTrans1D4">
+    <dgm:fillClrLst meth="repeat">
+      <a:schemeClr val="accent1"/>
+    </dgm:fillClrLst>
+    <dgm:linClrLst meth="repeat">
+      <a:schemeClr val="accent1">
+        <a:shade val="80000"/>
+      </a:schemeClr>
+    </dgm:linClrLst>
+    <dgm:effectClrLst/>
+    <dgm:txLinClrLst/>
+    <dgm:txFillClrLst meth="repeat">
+      <a:schemeClr val="tx1"/>
+    </dgm:txFillClrLst>
+    <dgm:txEffectClrLst/>
+  </dgm:styleLbl>
+  <dgm:styleLbl name="fgAcc1">
+    <dgm:fillClrLst meth="repeat">
+      <a:schemeClr val="lt1">
+        <a:alpha val="90000"/>
+      </a:schemeClr>
+    </dgm:fillClrLst>
+    <dgm:linClrLst meth="repeat">
+      <a:schemeClr val="accent1"/>
+    </dgm:linClrLst>
+    <dgm:effectClrLst/>
+    <dgm:txLinClrLst/>
+    <dgm:txFillClrLst meth="repeat">
+      <a:schemeClr val="dk1"/>
+    </dgm:txFillClrLst>
+    <dgm:txEffectClrLst/>
+  </dgm:styleLbl>
+  <dgm:styleLbl name="conFgAcc1">
+    <dgm:fillClrLst meth="repeat">
+      <a:schemeClr val="lt1">
+        <a:alpha val="90000"/>
+      </a:schemeClr>
+    </dgm:fillClrLst>
+    <dgm:linClrLst meth="repeat">
+      <a:schemeClr val="accent1"/>
+    </dgm:linClrLst>
+    <dgm:effectClrLst/>
+    <dgm:txLinClrLst/>
+    <dgm:txFillClrLst meth="repeat">
+      <a:schemeClr val="dk1"/>
+    </dgm:txFillClrLst>
+    <dgm:txEffectClrLst/>
+  </dgm:styleLbl>
+  <dgm:styleLbl name="alignAcc1">
+    <dgm:fillClrLst meth="repeat">
+      <a:schemeClr val="lt1">
+        <a:alpha val="90000"/>
+      </a:schemeClr>
+    </dgm:fillClrLst>
+    <dgm:linClrLst meth="repeat">
+      <a:schemeClr val="accent1"/>
+    </dgm:linClrLst>
+    <dgm:effectClrLst/>
+    <dgm:txLinClrLst/>
+    <dgm:txFillClrLst meth="repeat">
+      <a:schemeClr val="dk1"/>
+    </dgm:txFillClrLst>
+    <dgm:txEffectClrLst/>
+  </dgm:styleLbl>
+  <dgm:styleLbl name="trAlignAcc1">
+    <dgm:fillClrLst meth="repeat">
+      <a:schemeClr val="lt1">
+        <a:alpha val="40000"/>
+      </a:schemeClr>
+    </dgm:fillClrLst>
+    <dgm:linClrLst meth="repeat">
+      <a:schemeClr val="accent1"/>
+    </dgm:linClrLst>
+    <dgm:effectClrLst/>
+    <dgm:txLinClrLst/>
+    <dgm:txFillClrLst meth="repeat">
+      <a:schemeClr val="dk1"/>
+    </dgm:txFillClrLst>
+    <dgm:txEffectClrLst/>
+  </dgm:styleLbl>
+  <dgm:styleLbl name="bgAcc1">
+    <dgm:fillClrLst meth="repeat">
+      <a:schemeClr val="lt1">
+        <a:alpha val="90000"/>
+      </a:schemeClr>
+    </dgm:fillClrLst>
+    <dgm:linClrLst meth="repeat">
+      <a:schemeClr val="accent1"/>
+    </dgm:linClrLst>
+    <dgm:effectClrLst/>
+    <dgm:txLinClrLst/>
+    <dgm:txFillClrLst meth="repeat">
+      <a:schemeClr val="dk1"/>
+    </dgm:txFillClrLst>
+    <dgm:txEffectClrLst/>
+  </dgm:styleLbl>
+  <dgm:styleLbl name="solidFgAcc1">
+    <dgm:fillClrLst meth="repeat">
+      <a:schemeClr val="lt1"/>
+    </dgm:fillClrLst>
+    <dgm:linClrLst meth="repeat">
+      <a:schemeClr val="accent1"/>
+    </dgm:linClrLst>
+    <dgm:effectClrLst/>
+    <dgm:txLinClrLst/>
+    <dgm:txFillClrLst meth="repeat">
+      <a:schemeClr val="dk1"/>
+    </dgm:txFillClrLst>
+    <dgm:txEffectClrLst/>
+  </dgm:styleLbl>
+  <dgm:styleLbl name="solidAlignAcc1">
+    <dgm:fillClrLst meth="repeat">
+      <a:schemeClr val="lt1"/>
+    </dgm:fillClrLst>
+    <dgm:linClrLst meth="repeat">
+      <a:schemeClr val="accent1"/>
+    </dgm:linClrLst>
+    <dgm:effectClrLst/>
+    <dgm:txLinClrLst/>
+    <dgm:txFillClrLst meth="repeat">
+      <a:schemeClr val="dk1"/>
+    </dgm:txFillClrLst>
+    <dgm:txEffectClrLst/>
+  </dgm:styleLbl>
+  <dgm:styleLbl name="solidBgAcc1">
+    <dgm:fillClrLst meth="repeat">
+      <a:schemeClr val="lt1"/>
+    </dgm:fillClrLst>
+    <dgm:linClrLst meth="repeat">
+      <a:schemeClr val="accent1"/>
+    </dgm:linClrLst>
+    <dgm:effectClrLst/>
+    <dgm:txLinClrLst/>
+    <dgm:txFillClrLst meth="repeat">
+      <a:schemeClr val="dk1"/>
+    </dgm:txFillClrLst>
+    <dgm:txEffectClrLst/>
+  </dgm:styleLbl>
+  <dgm:styleLbl name="fgAccFollowNode1">
+    <dgm:fillClrLst meth="repeat">
+      <a:schemeClr val="accent1">
+        <a:alpha val="90000"/>
+        <a:tint val="40000"/>
+      </a:schemeClr>
+    </dgm:fillClrLst>
+    <dgm:linClrLst meth="repeat">
+      <a:schemeClr val="accent1">
+        <a:alpha val="90000"/>
+        <a:tint val="40000"/>
+      </a:schemeClr>
+    </dgm:linClrLst>
+    <dgm:effectClrLst/>
+    <dgm:txLinClrLst/>
+    <dgm:txFillClrLst meth="repeat">
+      <a:schemeClr val="dk1"/>
+    </dgm:txFillClrLst>
+    <dgm:txEffectClrLst/>
+  </dgm:styleLbl>
+  <dgm:styleLbl name="alignAccFollowNode1">
+    <dgm:fillClrLst meth="repeat">
+      <a:schemeClr val="accent1">
+        <a:alpha val="90000"/>
+        <a:tint val="40000"/>
+      </a:schemeClr>
+    </dgm:fillClrLst>
+    <dgm:linClrLst meth="repeat">
+      <a:schemeClr val="accent1">
+        <a:alpha val="90000"/>
+        <a:tint val="40000"/>
+      </a:schemeClr>
+    </dgm:linClrLst>
+    <dgm:effectClrLst/>
+    <dgm:txLinClrLst/>
+    <dgm:txFillClrLst meth="repeat">
+      <a:schemeClr val="dk1"/>
+    </dgm:txFillClrLst>
+    <dgm:txEffectClrLst/>
+  </dgm:styleLbl>
+  <dgm:styleLbl name="bgAccFollowNode1">
+    <dgm:fillClrLst meth="repeat">
+      <a:schemeClr val="accent1">
+        <a:alpha val="90000"/>
+        <a:tint val="40000"/>
+      </a:schemeClr>
+    </dgm:fillClrLst>
+    <dgm:linClrLst meth="repeat">
+      <a:schemeClr val="accent1">
+        <a:alpha val="90000"/>
+        <a:tint val="40000"/>
+      </a:schemeClr>
+    </dgm:linClrLst>
+    <dgm:effectClrLst/>
+    <dgm:txLinClrLst/>
+    <dgm:txFillClrLst meth="repeat">
+      <a:schemeClr val="dk1"/>
+    </dgm:txFillClrLst>
+    <dgm:txEffectClrLst/>
+  </dgm:styleLbl>
+  <dgm:styleLbl name="fgAcc0">
+    <dgm:fillClrLst meth="repeat">
+      <a:schemeClr val="lt1">
+        <a:alpha val="90000"/>
+      </a:schemeClr>
+    </dgm:fillClrLst>
+    <dgm:linClrLst meth="repeat">
+      <a:schemeClr val="accent1"/>
+    </dgm:linClrLst>
+    <dgm:effectClrLst/>
+    <dgm:txLinClrLst/>
+    <dgm:txFillClrLst meth="repeat">
+      <a:schemeClr val="dk1"/>
+    </dgm:txFillClrLst>
+    <dgm:txEffectClrLst/>
+  </dgm:styleLbl>
+  <dgm:styleLbl name="fgAcc2">
+    <dgm:fillClrLst meth="repeat">
+      <a:schemeClr val="lt1">
+        <a:alpha val="90000"/>
+      </a:schemeClr>
+    </dgm:fillClrLst>
+    <dgm:linClrLst meth="repeat">
+      <a:schemeClr val="accent1"/>
+    </dgm:linClrLst>
+    <dgm:effectClrLst/>
+    <dgm:txLinClrLst/>
+    <dgm:txFillClrLst meth="repeat">
+      <a:schemeClr val="dk1"/>
+    </dgm:txFillClrLst>
+    <dgm:txEffectClrLst/>
+  </dgm:styleLbl>
+  <dgm:styleLbl name="fgAcc3">
+    <dgm:fillClrLst meth="repeat">
+      <a:schemeClr val="lt1">
+        <a:alpha val="90000"/>
+      </a:schemeClr>
+    </dgm:fillClrLst>
+    <dgm:linClrLst meth="repeat">
+      <a:schemeClr val="accent1"/>
+    </dgm:linClrLst>
+    <dgm:effectClrLst/>
+    <dgm:txLinClrLst/>
+    <dgm:txFillClrLst meth="repeat">
+      <a:schemeClr val="dk1"/>
+    </dgm:txFillClrLst>
+    <dgm:txEffectClrLst/>
+  </dgm:styleLbl>
+  <dgm:styleLbl name="fgAcc4">
+    <dgm:fillClrLst meth="repeat">
+      <a:schemeClr val="lt1">
+        <a:alpha val="90000"/>
+      </a:schemeClr>
+    </dgm:fillClrLst>
+    <dgm:linClrLst meth="repeat">
+      <a:schemeClr val="accent1"/>
+    </dgm:linClrLst>
+    <dgm:effectClrLst/>
+    <dgm:txLinClrLst/>
+    <dgm:txFillClrLst meth="repeat">
+      <a:schemeClr val="dk1"/>
+    </dgm:txFillClrLst>
+    <dgm:txEffectClrLst/>
+  </dgm:styleLbl>
+  <dgm:styleLbl name="bgShp">
+    <dgm:fillClrLst meth="repeat">
+      <a:schemeClr val="accent1">
+        <a:tint val="40000"/>
+      </a:schemeClr>
+    </dgm:fillClrLst>
+    <dgm:linClrLst meth="repeat">
+      <a:schemeClr val="accent1"/>
+    </dgm:linClrLst>
+    <dgm:effectClrLst/>
+    <dgm:txLinClrLst/>
+    <dgm:txFillClrLst meth="repeat">
+      <a:schemeClr val="dk1"/>
+    </dgm:txFillClrLst>
+    <dgm:txEffectClrLst/>
+  </dgm:styleLbl>
+  <dgm:styleLbl name="dkBgShp">
+    <dgm:fillClrLst meth="repeat">
+      <a:schemeClr val="accent1">
+        <a:shade val="80000"/>
+      </a:schemeClr>
+    </dgm:fillClrLst>
+    <dgm:linClrLst meth="repeat">
+      <a:schemeClr val="accent1"/>
+    </dgm:linClrLst>
+    <dgm:effectClrLst/>
+    <dgm:txLinClrLst/>
+    <dgm:txFillClrLst meth="repeat">
+      <a:schemeClr val="lt1"/>
+    </dgm:txFillClrLst>
+    <dgm:txEffectClrLst/>
+  </dgm:styleLbl>
+  <dgm:styleLbl name="trBgShp">
+    <dgm:fillClrLst meth="repeat">
+      <a:schemeClr val="accent1">
+        <a:tint val="50000"/>
+        <a:alpha val="40000"/>
+      </a:schemeClr>
+    </dgm:fillClrLst>
+    <dgm:linClrLst meth="repeat">
+      <a:schemeClr val="accent1"/>
+    </dgm:linClrLst>
+    <dgm:effectClrLst/>
+    <dgm:txLinClrLst/>
+    <dgm:txFillClrLst meth="repeat">
+      <a:schemeClr val="lt1"/>
+    </dgm:txFillClrLst>
+    <dgm:txEffectClrLst/>
+  </dgm:styleLbl>
+  <dgm:styleLbl name="fgShp">
+    <dgm:fillClrLst meth="repeat">
+      <a:schemeClr val="accent1">
+        <a:tint val="60000"/>
+      </a:schemeClr>
+    </dgm:fillClrLst>
+    <dgm:linClrLst meth="repeat">
+      <a:schemeClr val="lt1"/>
+    </dgm:linClrLst>
+    <dgm:effectClrLst/>
+    <dgm:txLinClrLst/>
+    <dgm:txFillClrLst meth="repeat">
+      <a:schemeClr val="dk1"/>
+    </dgm:txFillClrLst>
+    <dgm:txEffectClrLst/>
+  </dgm:styleLbl>
+  <dgm:styleLbl name="revTx">
+    <dgm:fillClrLst meth="repeat">
+      <a:schemeClr val="lt1">
+        <a:alpha val="0"/>
+      </a:schemeClr>
+    </dgm:fillClrLst>
+    <dgm:linClrLst meth="repeat">
+      <a:schemeClr val="dk1">
+        <a:alpha val="0"/>
+      </a:schemeClr>
+    </dgm:linClrLst>
+    <dgm:effectClrLst/>
+    <dgm:txLinClrLst/>
+    <dgm:txFillClrLst meth="repeat">
+      <a:schemeClr val="tx1"/>
+    </dgm:txFillClrLst>
+    <dgm:txEffectClrLst/>
+  </dgm:styleLbl>
+</dgm:colorsDef>
+</file>
+
+<file path=ppt/diagrams/data1.xml><?xml version="1.0" encoding="utf-8"?>
+<dgm:dataModel xmlns:dgm="http://schemas.openxmlformats.org/drawingml/2006/diagram" xmlns:a="http://schemas.openxmlformats.org/drawingml/2006/main">
+  <dgm:ptLst>
+    <dgm:pt modelId="{C87D7490-D10D-43D9-93E6-3AECAB442C4D}" type="doc">
+      <dgm:prSet loTypeId="urn:microsoft.com/office/officeart/2005/8/layout/venn2" loCatId="relationship" qsTypeId="urn:microsoft.com/office/officeart/2005/8/quickstyle/simple1" qsCatId="simple" csTypeId="urn:microsoft.com/office/officeart/2005/8/colors/accent1_2" csCatId="accent1" phldr="1"/>
+      <dgm:spPr/>
+      <dgm:t>
+        <a:bodyPr/>
+        <a:lstStyle/>
+        <a:p>
+          <a:endParaRPr lang="pt-PT"/>
+        </a:p>
+      </dgm:t>
+    </dgm:pt>
+    <dgm:pt modelId="{97970210-C598-47FB-96E8-DDF779B4D978}">
+      <dgm:prSet phldrT="[Text]" custT="1"/>
+      <dgm:spPr>
+        <a:solidFill>
+          <a:schemeClr val="tx1">
+            <a:lumMod val="65000"/>
+            <a:lumOff val="35000"/>
+          </a:schemeClr>
+        </a:solidFill>
+      </dgm:spPr>
+      <dgm:t>
+        <a:bodyPr/>
+        <a:lstStyle/>
+        <a:p>
+          <a:r>
+            <a:rPr lang="en-US" sz="3200" dirty="0"/>
+            <a:t>POCO</a:t>
+          </a:r>
+          <a:endParaRPr lang="pt-PT" sz="3200" dirty="0"/>
+        </a:p>
+      </dgm:t>
+    </dgm:pt>
+    <dgm:pt modelId="{6CA5F3B0-BF91-4291-9A9F-2815C74DD475}" type="parTrans" cxnId="{22D9BC92-1B7A-4CDB-BB81-17D60BBE5FC5}">
+      <dgm:prSet/>
+      <dgm:spPr/>
+      <dgm:t>
+        <a:bodyPr/>
+        <a:lstStyle/>
+        <a:p>
+          <a:endParaRPr lang="pt-PT"/>
+        </a:p>
+      </dgm:t>
+    </dgm:pt>
+    <dgm:pt modelId="{86533509-7A4C-4B5F-A7A4-168B6161D42D}" type="sibTrans" cxnId="{22D9BC92-1B7A-4CDB-BB81-17D60BBE5FC5}">
+      <dgm:prSet/>
+      <dgm:spPr/>
+      <dgm:t>
+        <a:bodyPr/>
+        <a:lstStyle/>
+        <a:p>
+          <a:endParaRPr lang="pt-PT"/>
+        </a:p>
+      </dgm:t>
+    </dgm:pt>
+    <dgm:pt modelId="{D61B6ED3-0217-4E6C-B34A-72C4585E5797}">
+      <dgm:prSet phldrT="[Text]" custT="1"/>
+      <dgm:spPr>
+        <a:solidFill>
+          <a:schemeClr val="bg2">
+            <a:lumMod val="50000"/>
+          </a:schemeClr>
+        </a:solidFill>
+      </dgm:spPr>
+      <dgm:t>
+        <a:bodyPr/>
+        <a:lstStyle/>
+        <a:p>
+          <a:r>
+            <a:rPr lang="en-US" sz="3200" dirty="0"/>
+            <a:t>DTO</a:t>
+          </a:r>
+          <a:endParaRPr lang="pt-PT" sz="3200" dirty="0"/>
+        </a:p>
+      </dgm:t>
+    </dgm:pt>
+    <dgm:pt modelId="{8D8AEA40-0295-4192-AF44-1F800B7FD920}" type="parTrans" cxnId="{63424FC4-246B-4B05-B38C-4A018C0D0E45}">
+      <dgm:prSet/>
+      <dgm:spPr/>
+      <dgm:t>
+        <a:bodyPr/>
+        <a:lstStyle/>
+        <a:p>
+          <a:endParaRPr lang="pt-PT"/>
+        </a:p>
+      </dgm:t>
+    </dgm:pt>
+    <dgm:pt modelId="{C42FD7A8-8155-43E8-8333-AC39088940C7}" type="sibTrans" cxnId="{63424FC4-246B-4B05-B38C-4A018C0D0E45}">
+      <dgm:prSet/>
+      <dgm:spPr/>
+      <dgm:t>
+        <a:bodyPr/>
+        <a:lstStyle/>
+        <a:p>
+          <a:endParaRPr lang="pt-PT"/>
+        </a:p>
+      </dgm:t>
+    </dgm:pt>
+    <dgm:pt modelId="{EAA381EA-5E4A-4F8C-B4E1-C865777A8266}" type="pres">
+      <dgm:prSet presAssocID="{C87D7490-D10D-43D9-93E6-3AECAB442C4D}" presName="Name0" presStyleCnt="0">
+        <dgm:presLayoutVars>
+          <dgm:chMax val="7"/>
+          <dgm:resizeHandles val="exact"/>
+        </dgm:presLayoutVars>
+      </dgm:prSet>
+      <dgm:spPr/>
+    </dgm:pt>
+    <dgm:pt modelId="{8FFD76F6-5F32-4DAF-B914-219DDD5274BD}" type="pres">
+      <dgm:prSet presAssocID="{C87D7490-D10D-43D9-93E6-3AECAB442C4D}" presName="comp1" presStyleCnt="0"/>
+      <dgm:spPr/>
+    </dgm:pt>
+    <dgm:pt modelId="{2A631255-D0CF-4806-B1AA-898D611B7E52}" type="pres">
+      <dgm:prSet presAssocID="{C87D7490-D10D-43D9-93E6-3AECAB442C4D}" presName="circle1" presStyleLbl="node1" presStyleIdx="0" presStyleCnt="2" custScaleX="83762" custScaleY="78017" custLinFactNeighborY="0"/>
+      <dgm:spPr/>
+    </dgm:pt>
+    <dgm:pt modelId="{F89F00E6-9725-4C50-BA25-9F94F7C2D773}" type="pres">
+      <dgm:prSet presAssocID="{C87D7490-D10D-43D9-93E6-3AECAB442C4D}" presName="c1text" presStyleLbl="node1" presStyleIdx="0" presStyleCnt="2">
+        <dgm:presLayoutVars>
+          <dgm:bulletEnabled val="1"/>
+        </dgm:presLayoutVars>
+      </dgm:prSet>
+      <dgm:spPr/>
+    </dgm:pt>
+    <dgm:pt modelId="{412D3865-159B-4590-8360-A23B4D235DD4}" type="pres">
+      <dgm:prSet presAssocID="{C87D7490-D10D-43D9-93E6-3AECAB442C4D}" presName="comp2" presStyleCnt="0"/>
+      <dgm:spPr/>
+    </dgm:pt>
+    <dgm:pt modelId="{ECD2F705-32BF-4368-9B09-2B8F6B4D3748}" type="pres">
+      <dgm:prSet presAssocID="{C87D7490-D10D-43D9-93E6-3AECAB442C4D}" presName="circle2" presStyleLbl="node1" presStyleIdx="1" presStyleCnt="2" custScaleX="46564" custScaleY="45097" custLinFactNeighborY="2239"/>
+      <dgm:spPr/>
+    </dgm:pt>
+    <dgm:pt modelId="{1A1380E6-3B45-4002-BF30-7A1B9FA32DDB}" type="pres">
+      <dgm:prSet presAssocID="{C87D7490-D10D-43D9-93E6-3AECAB442C4D}" presName="c2text" presStyleLbl="node1" presStyleIdx="1" presStyleCnt="2">
+        <dgm:presLayoutVars>
+          <dgm:bulletEnabled val="1"/>
+        </dgm:presLayoutVars>
+      </dgm:prSet>
+      <dgm:spPr/>
+    </dgm:pt>
+  </dgm:ptLst>
+  <dgm:cxnLst>
+    <dgm:cxn modelId="{8CA2EC09-73EE-4F2A-86A0-3D77BC64F1A8}" type="presOf" srcId="{D61B6ED3-0217-4E6C-B34A-72C4585E5797}" destId="{ECD2F705-32BF-4368-9B09-2B8F6B4D3748}" srcOrd="0" destOrd="0" presId="urn:microsoft.com/office/officeart/2005/8/layout/venn2"/>
+    <dgm:cxn modelId="{D2AB4D19-F108-44FB-89D1-8772038CB2C9}" type="presOf" srcId="{C87D7490-D10D-43D9-93E6-3AECAB442C4D}" destId="{EAA381EA-5E4A-4F8C-B4E1-C865777A8266}" srcOrd="0" destOrd="0" presId="urn:microsoft.com/office/officeart/2005/8/layout/venn2"/>
+    <dgm:cxn modelId="{15BC4C2C-56E7-4771-A356-46E558F53BBF}" type="presOf" srcId="{97970210-C598-47FB-96E8-DDF779B4D978}" destId="{2A631255-D0CF-4806-B1AA-898D611B7E52}" srcOrd="0" destOrd="0" presId="urn:microsoft.com/office/officeart/2005/8/layout/venn2"/>
+    <dgm:cxn modelId="{F2ED928C-F3D4-43ED-B006-2DC37E90E280}" type="presOf" srcId="{97970210-C598-47FB-96E8-DDF779B4D978}" destId="{F89F00E6-9725-4C50-BA25-9F94F7C2D773}" srcOrd="1" destOrd="0" presId="urn:microsoft.com/office/officeart/2005/8/layout/venn2"/>
+    <dgm:cxn modelId="{22D9BC92-1B7A-4CDB-BB81-17D60BBE5FC5}" srcId="{C87D7490-D10D-43D9-93E6-3AECAB442C4D}" destId="{97970210-C598-47FB-96E8-DDF779B4D978}" srcOrd="0" destOrd="0" parTransId="{6CA5F3B0-BF91-4291-9A9F-2815C74DD475}" sibTransId="{86533509-7A4C-4B5F-A7A4-168B6161D42D}"/>
+    <dgm:cxn modelId="{A62B21A3-94A2-460D-98B7-C63DB90B6178}" type="presOf" srcId="{D61B6ED3-0217-4E6C-B34A-72C4585E5797}" destId="{1A1380E6-3B45-4002-BF30-7A1B9FA32DDB}" srcOrd="1" destOrd="0" presId="urn:microsoft.com/office/officeart/2005/8/layout/venn2"/>
+    <dgm:cxn modelId="{63424FC4-246B-4B05-B38C-4A018C0D0E45}" srcId="{C87D7490-D10D-43D9-93E6-3AECAB442C4D}" destId="{D61B6ED3-0217-4E6C-B34A-72C4585E5797}" srcOrd="1" destOrd="0" parTransId="{8D8AEA40-0295-4192-AF44-1F800B7FD920}" sibTransId="{C42FD7A8-8155-43E8-8333-AC39088940C7}"/>
+    <dgm:cxn modelId="{A8CBF7AB-1EF0-4E80-88C6-BDD24F54B8C0}" type="presParOf" srcId="{EAA381EA-5E4A-4F8C-B4E1-C865777A8266}" destId="{8FFD76F6-5F32-4DAF-B914-219DDD5274BD}" srcOrd="0" destOrd="0" presId="urn:microsoft.com/office/officeart/2005/8/layout/venn2"/>
+    <dgm:cxn modelId="{BA37C665-BC40-4984-9931-073C2FECC075}" type="presParOf" srcId="{8FFD76F6-5F32-4DAF-B914-219DDD5274BD}" destId="{2A631255-D0CF-4806-B1AA-898D611B7E52}" srcOrd="0" destOrd="0" presId="urn:microsoft.com/office/officeart/2005/8/layout/venn2"/>
+    <dgm:cxn modelId="{09CDAF80-BAF9-4752-9BC9-B6A8DDAF555A}" type="presParOf" srcId="{8FFD76F6-5F32-4DAF-B914-219DDD5274BD}" destId="{F89F00E6-9725-4C50-BA25-9F94F7C2D773}" srcOrd="1" destOrd="0" presId="urn:microsoft.com/office/officeart/2005/8/layout/venn2"/>
+    <dgm:cxn modelId="{8186398B-FD04-41E7-8009-D296BB34760F}" type="presParOf" srcId="{EAA381EA-5E4A-4F8C-B4E1-C865777A8266}" destId="{412D3865-159B-4590-8360-A23B4D235DD4}" srcOrd="1" destOrd="0" presId="urn:microsoft.com/office/officeart/2005/8/layout/venn2"/>
+    <dgm:cxn modelId="{87B14891-726A-4877-855E-C1E387DF2DDF}" type="presParOf" srcId="{412D3865-159B-4590-8360-A23B4D235DD4}" destId="{ECD2F705-32BF-4368-9B09-2B8F6B4D3748}" srcOrd="0" destOrd="0" presId="urn:microsoft.com/office/officeart/2005/8/layout/venn2"/>
+    <dgm:cxn modelId="{AD6D65D1-7072-4670-9679-3C13BC966337}" type="presParOf" srcId="{412D3865-159B-4590-8360-A23B4D235DD4}" destId="{1A1380E6-3B45-4002-BF30-7A1B9FA32DDB}" srcOrd="1" destOrd="0" presId="urn:microsoft.com/office/officeart/2005/8/layout/venn2"/>
+  </dgm:cxnLst>
+  <dgm:bg/>
+  <dgm:whole/>
+  <dgm:extLst>
+    <a:ext uri="http://schemas.microsoft.com/office/drawing/2008/diagram">
+      <dsp:dataModelExt xmlns:dsp="http://schemas.microsoft.com/office/drawing/2008/diagram" relId="rId6" minVer="http://schemas.openxmlformats.org/drawingml/2006/diagram"/>
+    </a:ext>
+  </dgm:extLst>
+</dgm:dataModel>
+</file>
+
+<file path=ppt/diagrams/drawing1.xml><?xml version="1.0" encoding="utf-8"?>
+<dsp:drawing xmlns:dgm="http://schemas.openxmlformats.org/drawingml/2006/diagram" xmlns:dsp="http://schemas.microsoft.com/office/drawing/2008/diagram" xmlns:a="http://schemas.openxmlformats.org/drawingml/2006/main">
+  <dsp:spTree>
+    <dsp:nvGrpSpPr>
+      <dsp:cNvPr id="0" name=""/>
+      <dsp:cNvGrpSpPr/>
+    </dsp:nvGrpSpPr>
+    <dsp:grpSpPr/>
+    <dsp:sp modelId="{2A631255-D0CF-4806-B1AA-898D611B7E52}">
+      <dsp:nvSpPr>
+        <dsp:cNvPr id="0" name=""/>
+        <dsp:cNvSpPr/>
+      </dsp:nvSpPr>
+      <dsp:spPr>
+        <a:xfrm>
+          <a:off x="1794608" y="595592"/>
+          <a:ext cx="4538783" cy="4227481"/>
+        </a:xfrm>
+        <a:prstGeom prst="ellipse">
+          <a:avLst/>
+        </a:prstGeom>
+        <a:solidFill>
+          <a:schemeClr val="tx1">
+            <a:lumMod val="65000"/>
+            <a:lumOff val="35000"/>
+          </a:schemeClr>
+        </a:solidFill>
+        <a:ln w="12700" cap="flat" cmpd="sng" algn="ctr">
+          <a:solidFill>
+            <a:schemeClr val="lt1">
+              <a:hueOff val="0"/>
+              <a:satOff val="0"/>
+              <a:lumOff val="0"/>
+              <a:alphaOff val="0"/>
+            </a:schemeClr>
+          </a:solidFill>
+          <a:prstDash val="solid"/>
+          <a:miter lim="800000"/>
+        </a:ln>
+        <a:effectLst/>
+      </dsp:spPr>
+      <dsp:style>
+        <a:lnRef idx="2">
+          <a:scrgbClr r="0" g="0" b="0"/>
+        </a:lnRef>
+        <a:fillRef idx="1">
+          <a:scrgbClr r="0" g="0" b="0"/>
+        </a:fillRef>
+        <a:effectRef idx="0">
+          <a:scrgbClr r="0" g="0" b="0"/>
+        </a:effectRef>
+        <a:fontRef idx="minor">
+          <a:schemeClr val="lt1"/>
+        </a:fontRef>
+      </dsp:style>
+      <dsp:txBody>
+        <a:bodyPr spcFirstLastPara="0" vert="horz" wrap="square" lIns="227584" tIns="227584" rIns="227584" bIns="227584" numCol="1" spcCol="1270" anchor="ctr" anchorCtr="0">
+          <a:noAutofit/>
+        </a:bodyPr>
+        <a:lstStyle/>
+        <a:p>
+          <a:pPr marL="0" lvl="0" indent="0" algn="ctr" defTabSz="1422400">
+            <a:lnSpc>
+              <a:spcPct val="90000"/>
+            </a:lnSpc>
+            <a:spcBef>
+              <a:spcPct val="0"/>
+            </a:spcBef>
+            <a:spcAft>
+              <a:spcPct val="35000"/>
+            </a:spcAft>
+            <a:buNone/>
+          </a:pPr>
+          <a:r>
+            <a:rPr lang="en-US" sz="3200" kern="1200" dirty="0"/>
+            <a:t>POCO</a:t>
+          </a:r>
+          <a:endParaRPr lang="pt-PT" sz="3200" kern="1200" dirty="0"/>
+        </a:p>
+      </dsp:txBody>
+      <dsp:txXfrm>
+        <a:off x="2872569" y="912653"/>
+        <a:ext cx="2382861" cy="718671"/>
+      </dsp:txXfrm>
+    </dsp:sp>
+    <dsp:sp modelId="{ECD2F705-32BF-4368-9B09-2B8F6B4D3748}">
+      <dsp:nvSpPr>
+        <dsp:cNvPr id="0" name=""/>
+        <dsp:cNvSpPr/>
+      </dsp:nvSpPr>
+      <dsp:spPr>
+        <a:xfrm>
+          <a:off x="3117819" y="2561288"/>
+          <a:ext cx="1892361" cy="1832742"/>
+        </a:xfrm>
+        <a:prstGeom prst="ellipse">
+          <a:avLst/>
+        </a:prstGeom>
+        <a:solidFill>
+          <a:schemeClr val="bg2">
+            <a:lumMod val="50000"/>
+          </a:schemeClr>
+        </a:solidFill>
+        <a:ln w="12700" cap="flat" cmpd="sng" algn="ctr">
+          <a:solidFill>
+            <a:schemeClr val="lt1">
+              <a:hueOff val="0"/>
+              <a:satOff val="0"/>
+              <a:lumOff val="0"/>
+              <a:alphaOff val="0"/>
+            </a:schemeClr>
+          </a:solidFill>
+          <a:prstDash val="solid"/>
+          <a:miter lim="800000"/>
+        </a:ln>
+        <a:effectLst/>
+      </dsp:spPr>
+      <dsp:style>
+        <a:lnRef idx="2">
+          <a:scrgbClr r="0" g="0" b="0"/>
+        </a:lnRef>
+        <a:fillRef idx="1">
+          <a:scrgbClr r="0" g="0" b="0"/>
+        </a:fillRef>
+        <a:effectRef idx="0">
+          <a:scrgbClr r="0" g="0" b="0"/>
+        </a:effectRef>
+        <a:fontRef idx="minor">
+          <a:schemeClr val="lt1"/>
+        </a:fontRef>
+      </dsp:style>
+      <dsp:txBody>
+        <a:bodyPr spcFirstLastPara="0" vert="horz" wrap="square" lIns="227584" tIns="227584" rIns="227584" bIns="227584" numCol="1" spcCol="1270" anchor="ctr" anchorCtr="0">
+          <a:noAutofit/>
+        </a:bodyPr>
+        <a:lstStyle/>
+        <a:p>
+          <a:pPr marL="0" lvl="0" indent="0" algn="ctr" defTabSz="1422400">
+            <a:lnSpc>
+              <a:spcPct val="90000"/>
+            </a:lnSpc>
+            <a:spcBef>
+              <a:spcPct val="0"/>
+            </a:spcBef>
+            <a:spcAft>
+              <a:spcPct val="35000"/>
+            </a:spcAft>
+            <a:buNone/>
+          </a:pPr>
+          <a:r>
+            <a:rPr lang="en-US" sz="3200" kern="1200" dirty="0"/>
+            <a:t>DTO</a:t>
+          </a:r>
+          <a:endParaRPr lang="pt-PT" sz="3200" kern="1200" dirty="0"/>
+        </a:p>
+      </dsp:txBody>
+      <dsp:txXfrm>
+        <a:off x="3394949" y="3019474"/>
+        <a:ext cx="1338101" cy="916371"/>
+      </dsp:txXfrm>
+    </dsp:sp>
+  </dsp:spTree>
+</dsp:drawing>
+</file>
+
+<file path=ppt/diagrams/layout1.xml><?xml version="1.0" encoding="utf-8"?>
+<dgm:layoutDef xmlns:dgm="http://schemas.openxmlformats.org/drawingml/2006/diagram" xmlns:a="http://schemas.openxmlformats.org/drawingml/2006/main" uniqueId="urn:microsoft.com/office/officeart/2005/8/layout/venn2">
+  <dgm:title val=""/>
+  <dgm:desc val=""/>
+  <dgm:catLst>
+    <dgm:cat type="relationship" pri="30000"/>
+  </dgm:catLst>
+  <dgm:sampData>
+    <dgm:dataModel>
+      <dgm:ptLst>
+        <dgm:pt modelId="0" type="doc"/>
+        <dgm:pt modelId="1">
+          <dgm:prSet phldr="1"/>
+        </dgm:pt>
+        <dgm:pt modelId="2">
+          <dgm:prSet phldr="1"/>
+        </dgm:pt>
+        <dgm:pt modelId="3">
+          <dgm:prSet phldr="1"/>
+        </dgm:pt>
+        <dgm:pt modelId="4">
+          <dgm:prSet phldr="1"/>
+        </dgm:pt>
+      </dgm:ptLst>
+      <dgm:cxnLst>
+        <dgm:cxn modelId="5" srcId="0" destId="1" srcOrd="0" destOrd="0"/>
+        <dgm:cxn modelId="6" srcId="0" destId="2" srcOrd="1" destOrd="0"/>
+        <dgm:cxn modelId="7" srcId="0" destId="3" srcOrd="2" destOrd="0"/>
+        <dgm:cxn modelId="8" srcId="0" destId="4" srcOrd="3" destOrd="0"/>
+      </dgm:cxnLst>
+      <dgm:bg/>
+      <dgm:whole/>
+    </dgm:dataModel>
+  </dgm:sampData>
+  <dgm:styleData>
+    <dgm:dataModel>
+      <dgm:ptLst>
+        <dgm:pt modelId="0" type="doc"/>
+        <dgm:pt modelId="1"/>
+        <dgm:pt modelId="2"/>
+      </dgm:ptLst>
+      <dgm:cxnLst>
+        <dgm:cxn modelId="3" srcId="0" destId="1" srcOrd="0" destOrd="0"/>
+        <dgm:cxn modelId="4" srcId="0" destId="2" srcOrd="1" destOrd="0"/>
+      </dgm:cxnLst>
+      <dgm:bg/>
+      <dgm:whole/>
+    </dgm:dataModel>
+  </dgm:styleData>
+  <dgm:clrData>
+    <dgm:dataModel>
+      <dgm:ptLst>
+        <dgm:pt modelId="0" type="doc"/>
+        <dgm:pt modelId="1"/>
+        <dgm:pt modelId="2"/>
+        <dgm:pt modelId="3"/>
+        <dgm:pt modelId="4"/>
+      </dgm:ptLst>
+      <dgm:cxnLst>
+        <dgm:cxn modelId="5" srcId="0" destId="1" srcOrd="0" destOrd="0"/>
+        <dgm:cxn modelId="6" srcId="0" destId="2" srcOrd="1" destOrd="0"/>
+        <dgm:cxn modelId="7" srcId="0" destId="3" srcOrd="2" destOrd="0"/>
+        <dgm:cxn modelId="8" srcId="0" destId="4" srcOrd="3" destOrd="0"/>
+      </dgm:cxnLst>
+      <dgm:bg/>
+      <dgm:whole/>
+    </dgm:dataModel>
+  </dgm:clrData>
+  <dgm:layoutNode name="Name0">
+    <dgm:varLst>
+      <dgm:chMax val="7"/>
+      <dgm:resizeHandles val="exact"/>
+    </dgm:varLst>
+    <dgm:alg type="composite">
+      <dgm:param type="ar" val="1"/>
+    </dgm:alg>
+    <dgm:shape xmlns:r="http://schemas.openxmlformats.org/officeDocument/2006/relationships" r:blip="">
+      <dgm:adjLst/>
+    </dgm:shape>
+    <dgm:presOf/>
+    <dgm:choose name="Name1">
+      <dgm:if name="Name2" axis="ch" ptType="node" func="cnt" op="lte" val="3">
+        <dgm:constrLst>
+          <dgm:constr type="w" for="ch" forName="comp1" refType="w"/>
+          <dgm:constr type="h" for="ch" forName="comp1" refType="w" refFor="ch" refForName="comp1"/>
+          <dgm:constr type="w" for="ch" forName="comp2" refType="w" fact="0.75"/>
+          <dgm:constr type="h" for="ch" forName="comp2" refType="w" refFor="ch" refForName="comp2"/>
+          <dgm:constr type="ctrX" for="ch" forName="comp2" refType="ctrX" refFor="ch" refForName="comp1"/>
+          <dgm:constr type="b" for="ch" forName="comp2" refType="b" refFor="ch" refForName="comp1"/>
+          <dgm:constr type="w" for="ch" forName="comp3" refType="w" fact="0.5"/>
+          <dgm:constr type="h" for="ch" forName="comp3" refType="w" refFor="ch" refForName="comp3"/>
+          <dgm:constr type="ctrX" for="ch" forName="comp3" refType="ctrX" refFor="ch" refForName="comp1"/>
+          <dgm:constr type="b" for="ch" forName="comp3" refType="b" refFor="ch" refForName="comp1"/>
+          <dgm:constr type="primFontSz" for="des" ptType="node" op="equ" val="65"/>
+        </dgm:constrLst>
+      </dgm:if>
+      <dgm:if name="Name3" axis="ch" ptType="node" func="cnt" op="equ" val="4">
+        <dgm:constrLst>
+          <dgm:constr type="w" for="ch" forName="comp1" refType="w"/>
+          <dgm:constr type="h" for="ch" forName="comp1" refType="w" refFor="ch" refForName="comp1"/>
+          <dgm:constr type="w" for="ch" forName="comp2" refType="w" fact="0.8"/>
+          <dgm:constr type="h" for="ch" forName="comp2" refType="w" refFor="ch" refForName="comp2"/>
+          <dgm:constr type="ctrX" for="ch" forName="comp2" refType="ctrX" refFor="ch" refForName="comp1"/>
+          <dgm:constr type="b" for="ch" forName="comp2" refType="b" refFor="ch" refForName="comp1"/>
+          <dgm:constr type="w" for="ch" forName="comp3" refType="w" fact="0.6"/>
+          <dgm:constr type="h" for="ch" forName="comp3" refType="w" refFor="ch" refForName="comp3"/>
+          <dgm:constr type="ctrX" for="ch" forName="comp3" refType="ctrX" refFor="ch" refForName="comp1"/>
+          <dgm:constr type="b" for="ch" forName="comp3" refType="b" refFor="ch" refForName="comp1"/>
+          <dgm:constr type="w" for="ch" forName="comp4" refType="w" fact="0.4"/>
+          <dgm:constr type="h" for="ch" forName="comp4" refType="w" refFor="ch" refForName="comp4"/>
+          <dgm:constr type="ctrX" for="ch" forName="comp4" refType="ctrX" refFor="ch" refForName="comp1"/>
+          <dgm:constr type="b" for="ch" forName="comp4" refType="b" refFor="ch" refForName="comp1"/>
+          <dgm:constr type="primFontSz" for="des" ptType="node" op="equ" val="65"/>
+        </dgm:constrLst>
+      </dgm:if>
+      <dgm:else name="Name4">
+        <dgm:constrLst>
+          <dgm:constr type="w" for="ch" forName="comp1" refType="w"/>
+          <dgm:constr type="h" for="ch" forName="comp1" refType="w" refFor="ch" refForName="comp1"/>
+          <dgm:constr type="w" for="ch" forName="comp2" refType="w" fact="0.85"/>
+          <dgm:constr type="h" for="ch" forName="comp2" refType="w" refFor="ch" refForName="comp2"/>
+          <dgm:constr type="ctrX" for="ch" forName="comp2" refType="ctrX" refFor="ch" refForName="comp1"/>
+          <dgm:constr type="b" for="ch" forName="comp2" refType="b" refFor="ch" refForName="comp1"/>
+          <dgm:constr type="w" for="ch" forName="comp3" refType="w" fact="0.7"/>
+          <dgm:constr type="h" for="ch" forName="comp3" refType="w" refFor="ch" refForName="comp3"/>
+          <dgm:constr type="ctrX" for="ch" forName="comp3" refType="ctrX" refFor="ch" refForName="comp1"/>
+          <dgm:constr type="b" for="ch" forName="comp3" refType="b" refFor="ch" refForName="comp1"/>
+          <dgm:constr type="w" for="ch" forName="comp4" refType="w" fact="0.55"/>
+          <dgm:constr type="h" for="ch" forName="comp4" refType="w" refFor="ch" refForName="comp4"/>
+          <dgm:constr type="ctrX" for="ch" forName="comp4" refType="ctrX" refFor="ch" refForName="comp1"/>
+          <dgm:constr type="b" for="ch" forName="comp4" refType="b" refFor="ch" refForName="comp1"/>
+          <dgm:constr type="w" for="ch" forName="comp5" refType="w" fact="0.4"/>
+          <dgm:constr type="h" for="ch" forName="comp5" refType="w" refFor="ch" refForName="comp5"/>
+          <dgm:constr type="ctrX" for="ch" forName="comp5" refType="ctrX" refFor="ch" refForName="comp1"/>
+          <dgm:constr type="b" for="ch" forName="comp5" refType="b" refFor="ch" refForName="comp1"/>
+          <dgm:constr type="w" for="ch" forName="comp6" refType="w" fact="0.25"/>
+          <dgm:constr type="h" for="ch" forName="comp6" refType="w" refFor="ch" refForName="comp6"/>
+          <dgm:constr type="ctrX" for="ch" forName="comp6" refType="ctrX" refFor="ch" refForName="comp1"/>
+          <dgm:constr type="b" for="ch" forName="comp6" refType="b" refFor="ch" refForName="comp1"/>
+          <dgm:constr type="w" for="ch" forName="comp7" refType="w" fact="0.15"/>
+          <dgm:constr type="h" for="ch" forName="comp7" refType="w" refFor="ch" refForName="comp7"/>
+          <dgm:constr type="ctrX" for="ch" forName="comp7" refType="ctrX" refFor="ch" refForName="comp1"/>
+          <dgm:constr type="b" for="ch" forName="comp7" refType="b" refFor="ch" refForName="comp1"/>
+          <dgm:constr type="primFontSz" for="des" ptType="node" op="equ" val="65"/>
+        </dgm:constrLst>
+      </dgm:else>
+    </dgm:choose>
+    <dgm:ruleLst/>
+    <dgm:choose name="Name5">
+      <dgm:if name="Name6" axis="ch" ptType="node" func="cnt" op="gte" val="1">
+        <dgm:layoutNode name="comp1">
+          <dgm:alg type="composite"/>
+          <dgm:shape xmlns:r="http://schemas.openxmlformats.org/officeDocument/2006/relationships" r:blip="">
+            <dgm:adjLst/>
+          </dgm:shape>
+          <dgm:presOf/>
+          <dgm:choose name="Name7">
+            <dgm:if name="Name8" axis="ch" ptType="node" func="cnt" op="equ" val="1">
+              <dgm:constrLst>
+                <dgm:constr type="w" for="ch" forName="circle1" refType="w"/>
+                <dgm:constr type="h" for="ch" forName="circle1" refType="h"/>
+                <dgm:constr type="ctrX" for="ch" forName="circle1" refType="w" fact="0.5"/>
+                <dgm:constr type="ctrY" for="ch" forName="circle1" refType="h" fact="0.5"/>
+                <dgm:constr type="ctrX" for="ch" forName="c1text" refType="w" fact="0.5"/>
+                <dgm:constr type="ctrY" for="ch" forName="c1text" refType="h" fact="0.5"/>
+                <dgm:constr type="w" for="ch" forName="c1text" refType="w" refFor="ch" refForName="circle1" fact="0.70711"/>
+                <dgm:constr type="h" for="ch" forName="c1text" refType="h" refFor="ch" refForName="circle1" fact="0.5"/>
+              </dgm:constrLst>
+            </dgm:if>
+            <dgm:if name="Name9" axis="ch" ptType="node" func="cnt" op="equ" val="2">
+              <dgm:constrLst>
+                <dgm:constr type="w" for="ch" forName="circle1" refType="w"/>
+                <dgm:constr type="h" for="ch" forName="circle1" refType="h"/>
+                <dgm:constr type="ctrX" for="ch" forName="circle1" refType="w" fact="0.5"/>
+                <dgm:constr type="ctrY" for="ch" forName="circle1" refType="h" fact="0.5"/>
+                <dgm:constr type="ctrX" for="ch" forName="c1text" refType="w" fact="0.5"/>
+                <dgm:constr type="ctrY" for="ch" forName="c1text" refType="h" fact="0.16"/>
+                <dgm:constr type="w" for="ch" forName="c1text" refType="w" refFor="ch" refForName="circle1" fact="0.525"/>
+                <dgm:constr type="h" for="ch" forName="c1text" refType="h" refFor="ch" refForName="circle1" fact="0.17"/>
+              </dgm:constrLst>
+            </dgm:if>
+            <dgm:if name="Name10" axis="ch" ptType="node" func="cnt" op="equ" val="3">
+              <dgm:constrLst>
+                <dgm:constr type="w" for="ch" forName="circle1" refType="w"/>
+                <dgm:constr type="h" for="ch" forName="circle1" refType="h"/>
+                <dgm:constr type="ctrX" for="ch" forName="circle1" refType="w" fact="0.5"/>
+                <dgm:constr type="ctrY" for="ch" forName="circle1" refType="h" fact="0.5"/>
+                <dgm:constr type="ctrX" for="ch" forName="c1text" refType="w" fact="0.5"/>
+                <dgm:constr type="ctrY" for="ch" forName="c1text" refType="h" fact="0.125"/>
+                <dgm:constr type="w" for="ch" forName="c1text" refType="w" refFor="ch" refForName="circle1" fact="0.3495"/>
+                <dgm:constr type="h" for="ch" forName="c1text" refType="h" refFor="ch" refForName="circle1" fact="0.15"/>
+              </dgm:constrLst>
+            </dgm:if>
+            <dgm:if name="Name11" axis="ch" ptType="node" func="cnt" op="equ" val="4">
+              <dgm:constrLst>
+                <dgm:constr type="w" for="ch" forName="circle1" refType="w"/>
+                <dgm:constr type="h" for="ch" forName="circle1" refType="h"/>
+                <dgm:constr type="ctrX" for="ch" forName="circle1" refType="w" fact="0.5"/>
+                <dgm:constr type="ctrY" for="ch" forName="circle1" refType="h" fact="0.5"/>
+                <dgm:constr type="ctrX" for="ch" forName="c1text" refType="w" fact="0.5"/>
+                <dgm:constr type="ctrY" for="ch" forName="c1text" refType="h" fact="0.125"/>
+                <dgm:constr type="w" for="ch" forName="c1text" refType="w" refFor="ch" refForName="circle1" fact="0.2796"/>
+                <dgm:constr type="h" for="ch" forName="c1text" refType="h" refFor="ch" refForName="circle1" fact="0.15"/>
+              </dgm:constrLst>
+            </dgm:if>
+            <dgm:if name="Name12" axis="ch" ptType="node" func="cnt" op="gte" val="5">
+              <dgm:constrLst>
+                <dgm:constr type="w" for="ch" forName="circle1" refType="w"/>
+                <dgm:constr type="h" for="ch" forName="circle1" refType="h"/>
+                <dgm:constr type="ctrX" for="ch" forName="circle1" refType="w" fact="0.5"/>
+                <dgm:constr type="ctrY" for="ch" forName="circle1" refType="h" fact="0.5"/>
+                <dgm:constr type="ctrX" for="ch" forName="c1text" refType="w" fact="0.5"/>
+                <dgm:constr type="ctrY" for="ch" forName="c1text" refType="h" fact="0.1"/>
+                <dgm:constr type="w" for="ch" forName="c1text" refType="w" refFor="ch" refForName="circle1" fact="0.375"/>
+                <dgm:constr type="h" for="ch" forName="c1text" refType="h" refFor="ch" refForName="circle1" fact="0.1"/>
+              </dgm:constrLst>
+            </dgm:if>
+            <dgm:else name="Name13"/>
+          </dgm:choose>
+          <dgm:ruleLst/>
+          <dgm:layoutNode name="circle1" styleLbl="node1">
+            <dgm:alg type="sp"/>
+            <dgm:shape xmlns:r="http://schemas.openxmlformats.org/officeDocument/2006/relationships" type="ellipse" r:blip="">
+              <dgm:adjLst/>
+            </dgm:shape>
+            <dgm:presOf axis="ch desOrSelf" ptType="node node" st="1 1" cnt="1 0"/>
+            <dgm:constrLst>
+              <dgm:constr type="h" refType="w"/>
+            </dgm:constrLst>
+            <dgm:ruleLst/>
+          </dgm:layoutNode>
+          <dgm:layoutNode name="c1text">
+            <dgm:varLst>
+              <dgm:bulletEnabled val="1"/>
+            </dgm:varLst>
+            <dgm:alg type="tx"/>
+            <dgm:shape xmlns:r="http://schemas.openxmlformats.org/officeDocument/2006/relationships" type="rect" r:blip="" hideGeom="1">
+              <dgm:adjLst/>
+            </dgm:shape>
+            <dgm:presOf axis="ch desOrSelf" ptType="node node" st="1 1" cnt="1 0"/>
+            <dgm:constrLst/>
+            <dgm:ruleLst>
+              <dgm:rule type="primFontSz" val="5" fact="NaN" max="NaN"/>
+            </dgm:ruleLst>
+          </dgm:layoutNode>
+        </dgm:layoutNode>
+      </dgm:if>
+      <dgm:else name="Name14"/>
+    </dgm:choose>
+    <dgm:choose name="Name15">
+      <dgm:if name="Name16" axis="ch" ptType="node" func="cnt" op="gte" val="2">
+        <dgm:layoutNode name="comp2">
+          <dgm:alg type="composite"/>
+          <dgm:shape xmlns:r="http://schemas.openxmlformats.org/officeDocument/2006/relationships" r:blip="">
+            <dgm:adjLst/>
+          </dgm:shape>
+          <dgm:presOf/>
+          <dgm:choose name="Name17">
+            <dgm:if name="Name18" axis="ch" ptType="node" func="cnt" op="equ" val="2">
+              <dgm:constrLst>
+                <dgm:constr type="w" for="ch" forName="circle2" refType="w"/>
+                <dgm:constr type="h" for="ch" forName="circle2" refType="h"/>
+                <dgm:constr type="ctrX" for="ch" forName="circle2" refType="w" fact="0.5"/>
+                <dgm:constr type="ctrY" for="ch" forName="circle2" refType="h" fact="0.5"/>
+                <dgm:constr type="ctrX" for="ch" forName="c2text" refType="w" fact="0.5"/>
+                <dgm:constr type="ctrY" for="ch" forName="c2text" refType="h" fact="0.5"/>
+                <dgm:constr type="w" for="ch" forName="c2text" refType="w" refFor="ch" refForName="circle2" fact="0.70711"/>
+                <dgm:constr type="h" for="ch" forName="c2text" refType="h" refFor="ch" refForName="circle2" fact="0.5"/>
+              </dgm:constrLst>
+            </dgm:if>
+            <dgm:if name="Name19" axis="ch" ptType="node" func="cnt" op="equ" val="3">
+              <dgm:constrLst>
+                <dgm:constr type="w" for="ch" forName="circle2" refType="w"/>
+                <dgm:constr type="h" for="ch" forName="circle2" refType="h"/>
+                <dgm:constr type="ctrX" for="ch" forName="circle2" refType="w" fact="0.5"/>
+                <dgm:constr type="ctrY" for="ch" forName="circle2" refType="h" fact="0.5"/>
+                <dgm:constr type="ctrX" for="ch" forName="c2text" refType="w" fact="0.5"/>
+                <dgm:constr type="ctrY" for="ch" forName="c2text" refType="h" fact="0.15625"/>
+                <dgm:constr type="w" for="ch" forName="c2text" refType="w" refFor="ch" refForName="circle2" fact="0.466"/>
+                <dgm:constr type="h" for="ch" forName="c2text" refType="h" refFor="ch" refForName="circle2" fact="0.1875"/>
+              </dgm:constrLst>
+            </dgm:if>
+            <dgm:if name="Name20" axis="ch" ptType="node" func="cnt" op="equ" val="4">
+              <dgm:constrLst>
+                <dgm:constr type="w" for="ch" forName="circle2" refType="w"/>
+                <dgm:constr type="h" for="ch" forName="circle2" refType="h"/>
+                <dgm:constr type="ctrX" for="ch" forName="circle2" refType="w" fact="0.5"/>
+                <dgm:constr type="ctrY" for="ch" forName="circle2" refType="h" fact="0.5"/>
+                <dgm:constr type="ctrX" for="ch" forName="c2text" refType="w" fact="0.5"/>
+                <dgm:constr type="ctrY" for="ch" forName="c2text" refType="h" fact="0.15"/>
+                <dgm:constr type="w" for="ch" forName="c2text" refType="w" refFor="ch" refForName="circle2" fact="0.3495"/>
+                <dgm:constr type="h" for="ch" forName="c2text" refType="h" refFor="ch" refForName="circle2" fact="0.18"/>
+              </dgm:constrLst>
+            </dgm:if>
+            <dgm:if name="Name21" axis="ch" ptType="node" func="cnt" op="gte" val="5">
+              <dgm:constrLst>
+                <dgm:constr type="w" for="ch" forName="circle2" refType="w"/>
+                <dgm:constr type="h" for="ch" forName="circle2" refType="h"/>
+                <dgm:constr type="ctrX" for="ch" forName="circle2" refType="w" fact="0.5"/>
+                <dgm:constr type="ctrY" for="ch" forName="circle2" refType="h" fact="0.5"/>
+                <dgm:constr type="ctrX" for="ch" forName="c2text" refType="w" fact="0.5"/>
+                <dgm:constr type="ctrY" for="ch" forName="c2text" refType="h" fact="0.115"/>
+                <dgm:constr type="w" for="ch" forName="c2text" refType="w" refFor="ch" refForName="circle2" fact="0.43125"/>
+                <dgm:constr type="h" for="ch" forName="c2text" refType="h" refFor="ch" refForName="circle2" fact="0.115"/>
+              </dgm:constrLst>
+            </dgm:if>
+            <dgm:else name="Name22"/>
+          </dgm:choose>
+          <dgm:ruleLst/>
+          <dgm:layoutNode name="circle2" styleLbl="node1">
+            <dgm:alg type="sp"/>
+            <dgm:shape xmlns:r="http://schemas.openxmlformats.org/officeDocument/2006/relationships" type="ellipse" r:blip="">
+              <dgm:adjLst/>
+            </dgm:shape>
+            <dgm:presOf axis="ch desOrSelf" ptType="node node" st="2 1" cnt="1 0"/>
+            <dgm:constrLst>
+              <dgm:constr type="h" refType="w"/>
+            </dgm:constrLst>
+            <dgm:ruleLst/>
+          </dgm:layoutNode>
+          <dgm:layoutNode name="c2text">
+            <dgm:varLst>
+              <dgm:bulletEnabled val="1"/>
+            </dgm:varLst>
+            <dgm:alg type="tx"/>
+            <dgm:shape xmlns:r="http://schemas.openxmlformats.org/officeDocument/2006/relationships" type="rect" r:blip="" hideGeom="1">
+              <dgm:adjLst/>
+            </dgm:shape>
+            <dgm:presOf axis="ch desOrSelf" ptType="node node" st="2 1" cnt="1 0"/>
+            <dgm:constrLst/>
+            <dgm:ruleLst>
+              <dgm:rule type="primFontSz" val="5" fact="NaN" max="NaN"/>
+            </dgm:ruleLst>
+          </dgm:layoutNode>
+        </dgm:layoutNode>
+      </dgm:if>
+      <dgm:else name="Name23"/>
+    </dgm:choose>
+    <dgm:choose name="Name24">
+      <dgm:if name="Name25" axis="ch" ptType="node" func="cnt" op="gte" val="3">
+        <dgm:layoutNode name="comp3">
+          <dgm:alg type="composite"/>
+          <dgm:shape xmlns:r="http://schemas.openxmlformats.org/officeDocument/2006/relationships" r:blip="">
+            <dgm:adjLst/>
+          </dgm:shape>
+          <dgm:presOf/>
+          <dgm:choose name="Name26">
+            <dgm:if name="Name27" axis="ch" ptType="node" func="cnt" op="equ" val="3">
+              <dgm:constrLst>
+                <dgm:constr type="w" for="ch" forName="circle3" refType="w"/>
+                <dgm:constr type="h" for="ch" forName="circle3" refType="h"/>
+                <dgm:constr type="ctrX" for="ch" forName="circle3" refType="w" fact="0.5"/>
+                <dgm:constr type="ctrY" for="ch" forName="circle3" refType="h" fact="0.5"/>
+                <dgm:constr type="ctrX" for="ch" forName="c3text" refType="w" fact="0.5"/>
+                <dgm:constr type="ctrY" for="ch" forName="c3text" refType="h" fact="0.5"/>
+                <dgm:constr type="w" for="ch" forName="c3text" refType="w" refFor="ch" refForName="circle3" fact="0.70711"/>
+                <dgm:constr type="h" for="ch" forName="c3text" refType="h" refFor="ch" refForName="circle3" fact="0.5"/>
+              </dgm:constrLst>
+            </dgm:if>
+            <dgm:if name="Name28" axis="ch" ptType="node" func="cnt" op="equ" val="4">
+              <dgm:constrLst>
+                <dgm:constr type="w" for="ch" forName="circle3" refType="w"/>
+                <dgm:constr type="h" for="ch" forName="circle3" refType="h"/>
+                <dgm:constr type="ctrX" for="ch" forName="circle3" refType="w" fact="0.5"/>
+                <dgm:constr type="ctrY" for="ch" forName="circle3" refType="h" fact="0.5"/>
+                <dgm:constr type="ctrX" for="ch" forName="c3text" refType="w" fact="0.5"/>
+                <dgm:constr type="ctrY" for="ch" forName="c3text" refType="h" fact="0.1875"/>
+                <dgm:constr type="w" for="ch" forName="c3text" refType="w" refFor="ch" refForName="circle3" fact="0.466"/>
+                <dgm:constr type="h" for="ch" forName="c3text" refType="h" refFor="ch" refForName="circle3" fact="0.225"/>
+              </dgm:constrLst>
+            </dgm:if>
+            <dgm:if name="Name29" axis="ch" ptType="node" func="cnt" op="gte" val="5">
+              <dgm:constrLst>
+                <dgm:constr type="w" for="ch" forName="circle3" refType="w"/>
+                <dgm:constr type="h" for="ch" forName="circle3" refType="h"/>
+                <dgm:constr type="ctrX" for="ch" forName="circle3" refType="w" fact="0.5"/>
+                <dgm:constr type="ctrY" for="ch" forName="circle3" refType="h" fact="0.5"/>
+                <dgm:constr type="ctrX" for="ch" forName="c3text" refType="w" fact="0.5"/>
+                <dgm:constr type="ctrY" for="ch" forName="c3text" refType="h" fact="0.138"/>
+                <dgm:constr type="w" for="ch" forName="c3text" refType="w" refFor="ch" refForName="circle3" fact="0.5175"/>
+                <dgm:constr type="h" for="ch" forName="c3text" refType="h" refFor="ch" refForName="circle3" fact="0.138"/>
+              </dgm:constrLst>
+            </dgm:if>
+            <dgm:else name="Name30"/>
+          </dgm:choose>
+          <dgm:ruleLst/>
+          <dgm:layoutNode name="circle3" styleLbl="node1">
+            <dgm:alg type="sp"/>
+            <dgm:shape xmlns:r="http://schemas.openxmlformats.org/officeDocument/2006/relationships" type="ellipse" r:blip="">
+              <dgm:adjLst/>
+            </dgm:shape>
+            <dgm:presOf axis="ch desOrSelf" ptType="node node" st="3 1" cnt="1 0"/>
+            <dgm:constrLst>
+              <dgm:constr type="h" refType="w"/>
+            </dgm:constrLst>
+            <dgm:ruleLst/>
+          </dgm:layoutNode>
+          <dgm:layoutNode name="c3text">
+            <dgm:varLst>
+              <dgm:bulletEnabled val="1"/>
+            </dgm:varLst>
+            <dgm:alg type="tx"/>
+            <dgm:shape xmlns:r="http://schemas.openxmlformats.org/officeDocument/2006/relationships" type="rect" r:blip="" hideGeom="1">
+              <dgm:adjLst/>
+            </dgm:shape>
+            <dgm:presOf axis="ch desOrSelf" ptType="node node" st="3 1" cnt="1 0"/>
+            <dgm:constrLst/>
+            <dgm:ruleLst>
+              <dgm:rule type="primFontSz" val="5" fact="NaN" max="NaN"/>
+            </dgm:ruleLst>
+          </dgm:layoutNode>
+        </dgm:layoutNode>
+      </dgm:if>
+      <dgm:else name="Name31"/>
+    </dgm:choose>
+    <dgm:choose name="Name32">
+      <dgm:if name="Name33" axis="ch" ptType="node" func="cnt" op="gte" val="4">
+        <dgm:layoutNode name="comp4">
+          <dgm:alg type="composite"/>
+          <dgm:shape xmlns:r="http://schemas.openxmlformats.org/officeDocument/2006/relationships" r:blip="">
+            <dgm:adjLst/>
+          </dgm:shape>
+          <dgm:presOf/>
+          <dgm:choose name="Name34">
+            <dgm:if name="Name35" axis="ch" ptType="node" func="cnt" op="equ" val="4">
+              <dgm:constrLst>
+                <dgm:constr type="w" for="ch" forName="circle4" refType="w"/>
+                <dgm:constr type="h" for="ch" forName="circle4" refType="h"/>
+                <dgm:constr type="ctrX" for="ch" forName="circle4" refType="w" fact="0.5"/>
+                <dgm:constr type="ctrY" for="ch" forName="circle4" refType="h" fact="0.5"/>
+                <dgm:constr type="ctrX" for="ch" forName="c4text" refType="w" fact="0.5"/>
+                <dgm:constr type="ctrY" for="ch" forName="c4text" refType="h" fact="0.5"/>
+                <dgm:constr type="w" for="ch" forName="c4text" refType="w" refFor="ch" refForName="circle4" fact="0.70711"/>
+                <dgm:constr type="h" for="ch" forName="c4text" refType="h" refFor="ch" refForName="circle4" fact="0.5"/>
+              </dgm:constrLst>
+            </dgm:if>
+            <dgm:if name="Name36" axis="ch" ptType="node" func="cnt" op="gte" val="5">
+              <dgm:constrLst>
+                <dgm:constr type="w" for="ch" forName="circle4" refType="w"/>
+                <dgm:constr type="h" for="ch" forName="circle4" refType="h"/>
+                <dgm:constr type="ctrX" for="ch" forName="circle4" refType="w" fact="0.5"/>
+                <dgm:constr type="ctrY" for="ch" forName="circle4" refType="h" fact="0.5"/>
+                <dgm:constr type="ctrX" for="ch" forName="c4text" refType="w" fact="0.5"/>
+                <dgm:constr type="ctrY" for="ch" forName="c4text" refType="h" fact="0.18"/>
+                <dgm:constr type="w" for="ch" forName="c4text" refType="w" refFor="ch" refForName="circle4" fact="0.54"/>
+                <dgm:constr type="h" for="ch" forName="c4text" refType="h" refFor="ch" refForName="circle4" fact="0.18"/>
+              </dgm:constrLst>
+            </dgm:if>
+            <dgm:else name="Name37"/>
+          </dgm:choose>
+          <dgm:ruleLst/>
+          <dgm:layoutNode name="circle4" styleLbl="node1">
+            <dgm:alg type="sp"/>
+            <dgm:shape xmlns:r="http://schemas.openxmlformats.org/officeDocument/2006/relationships" type="ellipse" r:blip="">
+              <dgm:adjLst/>
+            </dgm:shape>
+            <dgm:presOf axis="ch desOrSelf" ptType="node node" st="4 1" cnt="1 0"/>
+            <dgm:constrLst>
+              <dgm:constr type="h" refType="w"/>
+            </dgm:constrLst>
+            <dgm:ruleLst/>
+          </dgm:layoutNode>
+          <dgm:layoutNode name="c4text">
+            <dgm:varLst>
+              <dgm:bulletEnabled val="1"/>
+            </dgm:varLst>
+            <dgm:alg type="tx"/>
+            <dgm:shape xmlns:r="http://schemas.openxmlformats.org/officeDocument/2006/relationships" type="rect" r:blip="" hideGeom="1">
+              <dgm:adjLst/>
+            </dgm:shape>
+            <dgm:presOf axis="ch desOrSelf" ptType="node node" st="4 1" cnt="1 0"/>
+            <dgm:constrLst/>
+            <dgm:ruleLst>
+              <dgm:rule type="primFontSz" val="5" fact="NaN" max="NaN"/>
+            </dgm:ruleLst>
+          </dgm:layoutNode>
+        </dgm:layoutNode>
+      </dgm:if>
+      <dgm:else name="Name38"/>
+    </dgm:choose>
+    <dgm:choose name="Name39">
+      <dgm:if name="Name40" axis="ch" ptType="node" func="cnt" op="gte" val="5">
+        <dgm:layoutNode name="comp5">
+          <dgm:alg type="composite"/>
+          <dgm:shape xmlns:r="http://schemas.openxmlformats.org/officeDocument/2006/relationships" r:blip="">
+            <dgm:adjLst/>
+          </dgm:shape>
+          <dgm:presOf/>
+          <dgm:choose name="Name41">
+            <dgm:if name="Name42" axis="ch" ptType="node" func="cnt" op="equ" val="5">
+              <dgm:constrLst>
+                <dgm:constr type="w" for="ch" forName="circle5" refType="w"/>
+                <dgm:constr type="h" for="ch" forName="circle5" refType="h"/>
+                <dgm:constr type="ctrX" for="ch" forName="circle5" refType="w" fact="0.5"/>
+                <dgm:constr type="ctrY" for="ch" forName="circle5" refType="h" fact="0.5"/>
+                <dgm:constr type="ctrX" for="ch" forName="c5text" refType="w" fact="0.5"/>
+                <dgm:constr type="ctrY" for="ch" forName="c5text" refType="h" fact="0.5"/>
+                <dgm:constr type="w" for="ch" forName="c5text" refType="w" refFor="ch" refForName="circle5" fact="0.70711"/>
+                <dgm:constr type="h" for="ch" forName="c5text" refType="h" refFor="ch" refForName="circle5" fact="0.5"/>
+              </dgm:constrLst>
+            </dgm:if>
+            <dgm:if name="Name43" axis="ch" ptType="node" func="cnt" op="gte" val="6">
+              <dgm:constrLst>
+                <dgm:constr type="w" for="ch" forName="circle5" refType="w"/>
+                <dgm:constr type="h" for="ch" forName="circle5" refType="h"/>
+                <dgm:constr type="ctrX" for="ch" forName="circle5" refType="w" fact="0.5"/>
+                <dgm:constr type="ctrY" for="ch" forName="circle5" refType="h" fact="0.5"/>
+                <dgm:constr type="ctrX" for="ch" forName="c5text" refType="w" fact="0.5"/>
+                <dgm:constr type="ctrY" for="ch" forName="c5text" refType="h" fact="0.25"/>
+                <dgm:constr type="w" for="ch" forName="c5text" refType="w" refFor="ch" refForName="circle5" fact="0.65"/>
+                <dgm:constr type="h" for="ch" forName="c5text" refType="h" refFor="ch" refForName="circle5" fact="0.25"/>
+              </dgm:constrLst>
+            </dgm:if>
+            <dgm:else name="Name44"/>
+          </dgm:choose>
+          <dgm:ruleLst/>
+          <dgm:layoutNode name="circle5" styleLbl="node1">
+            <dgm:alg type="sp"/>
+            <dgm:shape xmlns:r="http://schemas.openxmlformats.org/officeDocument/2006/relationships" type="ellipse" r:blip="">
+              <dgm:adjLst/>
+            </dgm:shape>
+            <dgm:presOf axis="ch desOrSelf" ptType="node node" st="5 1" cnt="1 0"/>
+            <dgm:constrLst>
+              <dgm:constr type="h" refType="w"/>
+            </dgm:constrLst>
+            <dgm:ruleLst/>
+          </dgm:layoutNode>
+          <dgm:layoutNode name="c5text">
+            <dgm:varLst>
+              <dgm:bulletEnabled val="1"/>
+            </dgm:varLst>
+            <dgm:alg type="tx"/>
+            <dgm:shape xmlns:r="http://schemas.openxmlformats.org/officeDocument/2006/relationships" type="rect" r:blip="" hideGeom="1">
+              <dgm:adjLst/>
+            </dgm:shape>
+            <dgm:presOf axis="ch desOrSelf" ptType="node node" st="5 1" cnt="1 0"/>
+            <dgm:constrLst/>
+            <dgm:ruleLst>
+              <dgm:rule type="primFontSz" val="5" fact="NaN" max="NaN"/>
+            </dgm:ruleLst>
+          </dgm:layoutNode>
+        </dgm:layoutNode>
+      </dgm:if>
+      <dgm:else name="Name45"/>
+    </dgm:choose>
+    <dgm:choose name="Name46">
+      <dgm:if name="Name47" axis="ch" ptType="node" func="cnt" op="gte" val="6">
+        <dgm:layoutNode name="comp6">
+          <dgm:alg type="composite"/>
+          <dgm:shape xmlns:r="http://schemas.openxmlformats.org/officeDocument/2006/relationships" r:blip="">
+            <dgm:adjLst/>
+          </dgm:shape>
+          <dgm:presOf/>
+          <dgm:choose name="Name48">
+            <dgm:if name="Name49" axis="ch" ptType="node" func="cnt" op="equ" val="6">
+              <dgm:constrLst>
+                <dgm:constr type="w" for="ch" forName="circle6" refType="w"/>
+                <dgm:constr type="h" for="ch" forName="circle6" refType="h"/>
+                <dgm:constr type="ctrX" for="ch" forName="circle6" refType="w" fact="0.5"/>
+                <dgm:constr type="ctrY" for="ch" forName="circle6" refType="h" fact="0.5"/>
+                <dgm:constr type="ctrX" for="ch" forName="c6text" refType="w" fact="0.5"/>
+                <dgm:constr type="ctrY" for="ch" forName="c6text" refType="h" fact="0.5"/>
+                <dgm:constr type="w" for="ch" forName="c6text" refType="w" refFor="ch" refForName="circle6" fact="0.70711"/>
+                <dgm:constr type="h" for="ch" forName="c6text" refType="h" refFor="ch" refForName="circle6" fact="0.5"/>
+              </dgm:constrLst>
+            </dgm:if>
+            <dgm:if name="Name50" axis="ch" ptType="node" func="cnt" op="gte" val="7">
+              <dgm:constrLst>
+                <dgm:constr type="w" for="ch" forName="circle6" refType="w"/>
+                <dgm:constr type="h" for="ch" forName="circle6" refType="h"/>
+                <dgm:constr type="ctrX" for="ch" forName="circle6" refType="w" fact="0.5"/>
+                <dgm:constr type="ctrY" for="ch" forName="circle6" refType="h" fact="0.5"/>
+                <dgm:constr type="ctrX" for="ch" forName="c6text" refType="w" fact="0.5"/>
+                <dgm:constr type="ctrY" for="ch" forName="c6text" refType="h" fact="0.27"/>
+                <dgm:constr type="w" for="ch" forName="c6text" refType="w" refFor="ch" refForName="circle6" fact="0.68"/>
+                <dgm:constr type="h" for="ch" forName="c6text" refType="h" refFor="ch" refForName="circle6" fact="0.241"/>
+              </dgm:constrLst>
+            </dgm:if>
+            <dgm:else name="Name51"/>
+          </dgm:choose>
+          <dgm:ruleLst/>
+          <dgm:layoutNode name="circle6" styleLbl="node1">
+            <dgm:alg type="sp"/>
+            <dgm:shape xmlns:r="http://schemas.openxmlformats.org/officeDocument/2006/relationships" type="ellipse" r:blip="">
+              <dgm:adjLst/>
+            </dgm:shape>
+            <dgm:presOf axis="ch desOrSelf" ptType="node node" st="6 1" cnt="1 0"/>
+            <dgm:constrLst>
+              <dgm:constr type="h" refType="w"/>
+            </dgm:constrLst>
+            <dgm:ruleLst/>
+          </dgm:layoutNode>
+          <dgm:layoutNode name="c6text">
+            <dgm:varLst>
+              <dgm:bulletEnabled val="1"/>
+            </dgm:varLst>
+            <dgm:alg type="tx"/>
+            <dgm:shape xmlns:r="http://schemas.openxmlformats.org/officeDocument/2006/relationships" type="rect" r:blip="" hideGeom="1">
+              <dgm:adjLst/>
+            </dgm:shape>
+            <dgm:presOf axis="ch desOrSelf" ptType="node node" st="6 1" cnt="1 0"/>
+            <dgm:constrLst/>
+            <dgm:ruleLst>
+              <dgm:rule type="primFontSz" val="5" fact="NaN" max="NaN"/>
+            </dgm:ruleLst>
+          </dgm:layoutNode>
+        </dgm:layoutNode>
+      </dgm:if>
+      <dgm:else name="Name52"/>
+    </dgm:choose>
+    <dgm:choose name="Name53">
+      <dgm:if name="Name54" axis="ch" ptType="node" func="cnt" op="gte" val="7">
+        <dgm:layoutNode name="comp7">
+          <dgm:alg type="composite"/>
+          <dgm:shape xmlns:r="http://schemas.openxmlformats.org/officeDocument/2006/relationships" r:blip="">
+            <dgm:adjLst/>
+          </dgm:shape>
+          <dgm:presOf/>
+          <dgm:constrLst>
+            <dgm:constr type="w" for="ch" forName="circle7" refType="w"/>
+            <dgm:constr type="h" for="ch" forName="circle7" refType="h"/>
+            <dgm:constr type="ctrX" for="ch" forName="circle7" refType="w" fact="0.5"/>
+            <dgm:constr type="ctrY" for="ch" forName="circle7" refType="h" fact="0.5"/>
+            <dgm:constr type="ctrX" for="ch" forName="c7text" refType="w" fact="0.5"/>
+            <dgm:constr type="ctrY" for="ch" forName="c7text" refType="h" fact="0.5"/>
+            <dgm:constr type="w" for="ch" forName="c7text" refType="w" refFor="ch" refForName="circle7" fact="0.70711"/>
+            <dgm:constr type="h" for="ch" forName="c7text" refType="h" refFor="ch" refForName="circle7" fact="0.5"/>
+          </dgm:constrLst>
+          <dgm:ruleLst/>
+          <dgm:layoutNode name="circle7" styleLbl="node1">
+            <dgm:alg type="sp"/>
+            <dgm:shape xmlns:r="http://schemas.openxmlformats.org/officeDocument/2006/relationships" type="ellipse" r:blip="">
+              <dgm:adjLst/>
+            </dgm:shape>
+            <dgm:presOf axis="ch desOrSelf" ptType="node node" st="7 1" cnt="1 0"/>
+            <dgm:constrLst>
+              <dgm:constr type="h" refType="w"/>
+            </dgm:constrLst>
+            <dgm:ruleLst/>
+          </dgm:layoutNode>
+          <dgm:layoutNode name="c7text">
+            <dgm:varLst>
+              <dgm:bulletEnabled val="1"/>
+            </dgm:varLst>
+            <dgm:alg type="tx"/>
+            <dgm:shape xmlns:r="http://schemas.openxmlformats.org/officeDocument/2006/relationships" type="rect" r:blip="" hideGeom="1">
+              <dgm:adjLst/>
+            </dgm:shape>
+            <dgm:presOf axis="ch desOrSelf" ptType="node node" st="7 1" cnt="1 0"/>
+            <dgm:constrLst/>
+            <dgm:ruleLst>
+              <dgm:rule type="primFontSz" val="5" fact="NaN" max="NaN"/>
+            </dgm:ruleLst>
+          </dgm:layoutNode>
+        </dgm:layoutNode>
+      </dgm:if>
+      <dgm:else name="Name55"/>
+    </dgm:choose>
+  </dgm:layoutNode>
+</dgm:layoutDef>
+</file>
+
+<file path=ppt/diagrams/quickStyle1.xml><?xml version="1.0" encoding="utf-8"?>
+<dgm:styleDef xmlns:dgm="http://schemas.openxmlformats.org/drawingml/2006/diagram" xmlns:a="http://schemas.openxmlformats.org/drawingml/2006/main" uniqueId="urn:microsoft.com/office/officeart/2005/8/quickstyle/simple1">
+  <dgm:title val=""/>
+  <dgm:desc val=""/>
+  <dgm:catLst>
+    <dgm:cat type="simple" pri="10100"/>
+  </dgm:catLst>
+  <dgm:scene3d>
+    <a:camera prst="orthographicFront"/>
+    <a:lightRig rig="threePt" dir="t"/>
+  </dgm:scene3d>
+  <dgm:styleLbl name="node0">
+    <dgm:scene3d>
+      <a:camera prst="orthographicFront"/>
+      <a:lightRig rig="threePt" dir="t"/>
+    </dgm:scene3d>
+    <dgm:sp3d/>
+    <dgm:txPr/>
+    <dgm:style>
+      <a:lnRef idx="2">
+        <a:scrgbClr r="0" g="0" b="0"/>
+      </a:lnRef>
+      <a:fillRef idx="1">
+        <a:scrgbClr r="0" g="0" b="0"/>
+      </a:fillRef>
+      <a:effectRef idx="0">
+        <a:scrgbClr r="0" g="0" b="0"/>
+      </a:effectRef>
+      <a:fontRef idx="minor">
+        <a:schemeClr val="lt1"/>
+      </a:fontRef>
+    </dgm:style>
+  </dgm:styleLbl>
+  <dgm:styleLbl name="lnNode1">
+    <dgm:scene3d>
+      <a:camera prst="orthographicFront"/>
+      <a:lightRig rig="threePt" dir="t"/>
+    </dgm:scene3d>
+    <dgm:sp3d/>
+    <dgm:txPr/>
+    <dgm:style>
+      <a:lnRef idx="2">
+        <a:scrgbClr r="0" g="0" b="0"/>
+      </a:lnRef>
+      <a:fillRef idx="1">
+        <a:scrgbClr r="0" g="0" b="0"/>
+      </a:fillRef>
+      <a:effectRef idx="0">
+        <a:scrgbClr r="0" g="0" b="0"/>
+      </a:effectRef>
+      <a:fontRef idx="minor">
+        <a:schemeClr val="lt1"/>
+      </a:fontRef>
+    </dgm:style>
+  </dgm:styleLbl>
+  <dgm:styleLbl name="vennNode1">
+    <dgm:scene3d>
+      <a:camera prst="orthographicFront"/>
+      <a:lightRig rig="threePt" dir="t"/>
+    </dgm:scene3d>
+    <dgm:sp3d/>
+    <dgm:txPr/>
+    <dgm:style>
+      <a:lnRef idx="2">
+        <a:scrgbClr r="0" g="0" b="0"/>
+      </a:lnRef>
+      <a:fillRef idx="1">
+        <a:scrgbClr r="0" g="0" b="0"/>
+      </a:fillRef>
+      <a:effectRef idx="0">
+        <a:scrgbClr r="0" g="0" b="0"/>
+      </a:effectRef>
+      <a:fontRef idx="minor">
+        <a:schemeClr val="tx1"/>
+      </a:fontRef>
+    </dgm:style>
+  </dgm:styleLbl>
+  <dgm:styleLbl name="alignNode1">
+    <dgm:scene3d>
+      <a:camera prst="orthographicFront"/>
+      <a:lightRig rig="threePt" dir="t"/>
+    </dgm:scene3d>
+    <dgm:sp3d/>
+    <dgm:txPr/>
+    <dgm:style>
+      <a:lnRef idx="2">
+        <a:scrgbClr r="0" g="0" b="0"/>
+      </a:lnRef>
+      <a:fillRef idx="1">
+        <a:scrgbClr r="0" g="0" b="0"/>
+      </a:fillRef>
+      <a:effectRef idx="0">
+        <a:scrgbClr r="0" g="0" b="0"/>
+      </a:effectRef>
+      <a:fontRef idx="minor">
+        <a:schemeClr val="lt1"/>
+      </a:fontRef>
+    </dgm:style>
+  </dgm:styleLbl>
+  <dgm:styleLbl name="node1">
+    <dgm:scene3d>
+      <a:camera prst="orthographicFront"/>
+      <a:lightRig rig="threePt" dir="t"/>
+    </dgm:scene3d>
+    <dgm:sp3d/>
+    <dgm:txPr/>
+    <dgm:style>
+      <a:lnRef idx="2">
+        <a:scrgbClr r="0" g="0" b="0"/>
+      </a:lnRef>
+      <a:fillRef idx="1">
+        <a:scrgbClr r="0" g="0" b="0"/>
+      </a:fillRef>
+      <a:effectRef idx="0">
+        <a:scrgbClr r="0" g="0" b="0"/>
+      </a:effectRef>
+      <a:fontRef idx="minor">
+        <a:schemeClr val="lt1"/>
+      </a:fontRef>
+    </dgm:style>
+  </dgm:styleLbl>
+  <dgm:styleLbl name="node2">
+    <dgm:scene3d>
+      <a:camera prst="orthographicFront"/>
+      <a:lightRig rig="threePt" dir="t"/>
+    </dgm:scene3d>
+    <dgm:sp3d/>
+    <dgm:txPr/>
+    <dgm:style>
+      <a:lnRef idx="2">
+        <a:scrgbClr r="0" g="0" b="0"/>
+      </a:lnRef>
+      <a:fillRef idx="1">
+        <a:scrgbClr r="0" g="0" b="0"/>
+      </a:fillRef>
+      <a:effectRef idx="0">
+        <a:scrgbClr r="0" g="0" b="0"/>
+      </a:effectRef>
+      <a:fontRef idx="minor">
+        <a:schemeClr val="lt1"/>
+      </a:fontRef>
+    </dgm:style>
+  </dgm:styleLbl>
+  <dgm:styleLbl name="node3">
+    <dgm:scene3d>
+      <a:camera prst="orthographicFront"/>
+      <a:lightRig rig="threePt" dir="t"/>
+    </dgm:scene3d>
+    <dgm:sp3d/>
+    <dgm:txPr/>
+    <dgm:style>
+      <a:lnRef idx="2">
+        <a:scrgbClr r="0" g="0" b="0"/>
+      </a:lnRef>
+      <a:fillRef idx="1">
+        <a:scrgbClr r="0" g="0" b="0"/>
+      </a:fillRef>
+      <a:effectRef idx="0">
+        <a:scrgbClr r="0" g="0" b="0"/>
+      </a:effectRef>
+      <a:fontRef idx="minor">
+        <a:schemeClr val="lt1"/>
+      </a:fontRef>
+    </dgm:style>
+  </dgm:styleLbl>
+  <dgm:styleLbl name="node4">
+    <dgm:scene3d>
+      <a:camera prst="orthographicFront"/>
+      <a:lightRig rig="threePt" dir="t"/>
+    </dgm:scene3d>
+    <dgm:sp3d/>
+    <dgm:txPr/>
+    <dgm:style>
+      <a:lnRef idx="2">
+        <a:scrgbClr r="0" g="0" b="0"/>
+      </a:lnRef>
+      <a:fillRef idx="1">
+        <a:scrgbClr r="0" g="0" b="0"/>
+      </a:fillRef>
+      <a:effectRef idx="0">
+        <a:scrgbClr r="0" g="0" b="0"/>
+      </a:effectRef>
+      <a:fontRef idx="minor">
+        <a:schemeClr val="lt1"/>
+      </a:fontRef>
+    </dgm:style>
+  </dgm:styleLbl>
+  <dgm:styleLbl name="fgImgPlace1">
+    <dgm:scene3d>
+      <a:camera prst="orthographicFront"/>
+      <a:lightRig rig="threePt" dir="t"/>
+    </dgm:scene3d>
+    <dgm:sp3d/>
+    <dgm:txPr/>
+    <dgm:style>
+      <a:lnRef idx="2">
+        <a:scrgbClr r="0" g="0" b="0"/>
+      </a:lnRef>
+      <a:fillRef idx="1">
+        <a:scrgbClr r="0" g="0" b="0"/>
+      </a:fillRef>
+      <a:effectRef idx="0">
+        <a:scrgbClr r="0" g="0" b="0"/>
+      </a:effectRef>
+      <a:fontRef idx="minor"/>
+    </dgm:style>
+  </dgm:styleLbl>
+  <dgm:styleLbl name="alignImgPlace1">
+    <dgm:scene3d>
+      <a:camera prst="orthographicFront"/>
+      <a:lightRig rig="threePt" dir="t"/>
+    </dgm:scene3d>
+    <dgm:sp3d/>
+    <dgm:txPr/>
+    <dgm:style>
+      <a:lnRef idx="2">
+        <a:scrgbClr r="0" g="0" b="0"/>
+      </a:lnRef>
+      <a:fillRef idx="1">
+        <a:scrgbClr r="0" g="0" b="0"/>
+      </a:fillRef>
+      <a:effectRef idx="0">
+        <a:scrgbClr r="0" g="0" b="0"/>
+      </a:effectRef>
+      <a:fontRef idx="minor"/>
+    </dgm:style>
+  </dgm:styleLbl>
+  <dgm:styleLbl name="bgImgPlace1">
+    <dgm:scene3d>
+      <a:camera prst="orthographicFront"/>
+      <a:lightRig rig="threePt" dir="t"/>
+    </dgm:scene3d>
+    <dgm:sp3d/>
+    <dgm:txPr/>
+    <dgm:style>
+      <a:lnRef idx="2">
+        <a:scrgbClr r="0" g="0" b="0"/>
+      </a:lnRef>
+      <a:fillRef idx="1">
+        <a:scrgbClr r="0" g="0" b="0"/>
+      </a:fillRef>
+      <a:effectRef idx="0">
+        <a:scrgbClr r="0" g="0" b="0"/>
+      </a:effectRef>
+      <a:fontRef idx="minor"/>
+    </dgm:style>
+  </dgm:styleLbl>
+  <dgm:styleLbl name="sibTrans2D1">
+    <dgm:scene3d>
+      <a:camera prst="orthographicFront"/>
+      <a:lightRig rig="threePt" dir="t"/>
+    </dgm:scene3d>
+    <dgm:sp3d/>
+    <dgm:txPr/>
+    <dgm:style>
+      <a:lnRef idx="0">
+        <a:scrgbClr r="0" g="0" b="0"/>
+      </a:lnRef>
+      <a:fillRef idx="1">
+        <a:scrgbClr r="0" g="0" b="0"/>
+      </a:fillRef>
+      <a:effectRef idx="0">
+        <a:scrgbClr r="0" g="0" b="0"/>
+      </a:effectRef>
+      <a:fontRef idx="minor">
+        <a:schemeClr val="lt1"/>
+      </a:fontRef>
+    </dgm:style>
+  </dgm:styleLbl>
+  <dgm:styleLbl name="fgSibTrans2D1">
+    <dgm:scene3d>
+      <a:camera prst="orthographicFront"/>
+      <a:lightRig rig="threePt" dir="t"/>
+    </dgm:scene3d>
+    <dgm:sp3d/>
+    <dgm:txPr/>
+    <dgm:style>
+      <a:lnRef idx="0">
+        <a:scrgbClr r="0" g="0" b="0"/>
+      </a:lnRef>
+      <a:fillRef idx="1">
+        <a:scrgbClr r="0" g="0" b="0"/>
+      </a:fillRef>
+      <a:effectRef idx="0">
+        <a:scrgbClr r="0" g="0" b="0"/>
+      </a:effectRef>
+      <a:fontRef idx="minor">
+        <a:schemeClr val="lt1"/>
+      </a:fontRef>
+    </dgm:style>
+  </dgm:styleLbl>
+  <dgm:styleLbl name="bgSibTrans2D1">
+    <dgm:scene3d>
+      <a:camera prst="orthographicFront"/>
+      <a:lightRig rig="threePt" dir="t"/>
+    </dgm:scene3d>
+    <dgm:sp3d/>
+    <dgm:txPr/>
+    <dgm:style>
+      <a:lnRef idx="0">
+        <a:scrgbClr r="0" g="0" b="0"/>
+      </a:lnRef>
+      <a:fillRef idx="1">
+        <a:scrgbClr r="0" g="0" b="0"/>
+      </a:fillRef>
+      <a:effectRef idx="0">
+        <a:scrgbClr r="0" g="0" b="0"/>
+      </a:effectRef>
+      <a:fontRef idx="minor">
+        <a:schemeClr val="lt1"/>
+      </a:fontRef>
+    </dgm:style>
+  </dgm:styleLbl>
+  <dgm:styleLbl name="sibTrans1D1">
+    <dgm:scene3d>
+      <a:camera prst="orthographicFront"/>
+      <a:lightRig rig="threePt" dir="t"/>
+    </dgm:scene3d>
+    <dgm:sp3d/>
+    <dgm:txPr/>
+    <dgm:style>
+      <a:lnRef idx="1">
+        <a:scrgbClr r="0" g="0" b="0"/>
+      </a:lnRef>
+      <a:fillRef idx="0">
+        <a:scrgbClr r="0" g="0" b="0"/>
+      </a:fillRef>
+      <a:effectRef idx="0">
+        <a:scrgbClr r="0" g="0" b="0"/>
+      </a:effectRef>
+      <a:fontRef idx="minor"/>
+    </dgm:style>
+  </dgm:styleLbl>
+  <dgm:styleLbl name="callout">
+    <dgm:scene3d>
+      <a:camera prst="orthographicFront"/>
+      <a:lightRig rig="threePt" dir="t"/>
+    </dgm:scene3d>
+    <dgm:sp3d/>
+    <dgm:txPr/>
+    <dgm:style>
+      <a:lnRef idx="2">
+        <a:scrgbClr r="0" g="0" b="0"/>
+      </a:lnRef>
+      <a:fillRef idx="1">
+        <a:scrgbClr r="0" g="0" b="0"/>
+      </a:fillRef>
+      <a:effectRef idx="0">
+        <a:scrgbClr r="0" g="0" b="0"/>
+      </a:effectRef>
+      <a:fontRef idx="minor"/>
+    </dgm:style>
+  </dgm:styleLbl>
+  <dgm:styleLbl name="asst0">
+    <dgm:scene3d>
+      <a:camera prst="orthographicFront"/>
+      <a:lightRig rig="threePt" dir="t"/>
+    </dgm:scene3d>
+    <dgm:sp3d/>
+    <dgm:txPr/>
+    <dgm:style>
+      <a:lnRef idx="2">
+        <a:scrgbClr r="0" g="0" b="0"/>
+      </a:lnRef>
+      <a:fillRef idx="1">
+        <a:scrgbClr r="0" g="0" b="0"/>
+      </a:fillRef>
+      <a:effectRef idx="0">
+        <a:scrgbClr r="0" g="0" b="0"/>
+      </a:effectRef>
+      <a:fontRef idx="minor">
+        <a:schemeClr val="lt1"/>
+      </a:fontRef>
+    </dgm:style>
+  </dgm:styleLbl>
+  <dgm:styleLbl name="asst1">
+    <dgm:scene3d>
+      <a:camera prst="orthographicFront"/>
+      <a:lightRig rig="threePt" dir="t"/>
+    </dgm:scene3d>
+    <dgm:sp3d/>
+    <dgm:txPr/>
+    <dgm:style>
+      <a:lnRef idx="2">
+        <a:scrgbClr r="0" g="0" b="0"/>
+      </a:lnRef>
+      <a:fillRef idx="1">
+        <a:scrgbClr r="0" g="0" b="0"/>
+      </a:fillRef>
+      <a:effectRef idx="0">
+        <a:scrgbClr r="0" g="0" b="0"/>
+      </a:effectRef>
+      <a:fontRef idx="minor">
+        <a:schemeClr val="lt1"/>
+      </a:fontRef>
+    </dgm:style>
+  </dgm:styleLbl>
+  <dgm:styleLbl name="asst2">
+    <dgm:scene3d>
+      <a:camera prst="orthographicFront"/>
+      <a:lightRig rig="threePt" dir="t"/>
+    </dgm:scene3d>
+    <dgm:sp3d/>
+    <dgm:txPr/>
+    <dgm:style>
+      <a:lnRef idx="2">
+        <a:scrgbClr r="0" g="0" b="0"/>
+      </a:lnRef>
+      <a:fillRef idx="1">
+        <a:scrgbClr r="0" g="0" b="0"/>
+      </a:fillRef>
+      <a:effectRef idx="0">
+        <a:scrgbClr r="0" g="0" b="0"/>
+      </a:effectRef>
+      <a:fontRef idx="minor">
+        <a:schemeClr val="lt1"/>
+      </a:fontRef>
+    </dgm:style>
+  </dgm:styleLbl>
+  <dgm:styleLbl name="asst3">
+    <dgm:scene3d>
+      <a:camera prst="orthographicFront"/>
+      <a:lightRig rig="threePt" dir="t"/>
+    </dgm:scene3d>
+    <dgm:sp3d/>
+    <dgm:txPr/>
+    <dgm:style>
+      <a:lnRef idx="2">
+        <a:scrgbClr r="0" g="0" b="0"/>
+      </a:lnRef>
+      <a:fillRef idx="1">
+        <a:scrgbClr r="0" g="0" b="0"/>
+      </a:fillRef>
+      <a:effectRef idx="0">
+        <a:scrgbClr r="0" g="0" b="0"/>
+      </a:effectRef>
+      <a:fontRef idx="minor">
+        <a:schemeClr val="lt1"/>
+      </a:fontRef>
+    </dgm:style>
+  </dgm:styleLbl>
+  <dgm:styleLbl name="asst4">
+    <dgm:scene3d>
+      <a:camera prst="orthographicFront"/>
+      <a:lightRig rig="threePt" dir="t"/>
+    </dgm:scene3d>
+    <dgm:sp3d/>
+    <dgm:txPr/>
+    <dgm:style>
+      <a:lnRef idx="2">
+        <a:scrgbClr r="0" g="0" b="0"/>
+      </a:lnRef>
+      <a:fillRef idx="1">
+        <a:scrgbClr r="0" g="0" b="0"/>
+      </a:fillRef>
+      <a:effectRef idx="0">
+        <a:scrgbClr r="0" g="0" b="0"/>
+      </a:effectRef>
+      <a:fontRef idx="minor">
+        <a:schemeClr val="lt1"/>
+      </a:fontRef>
+    </dgm:style>
+  </dgm:styleLbl>
+  <dgm:styleLbl name="parChTrans2D1">
+    <dgm:scene3d>
+      <a:camera prst="orthographicFront"/>
+      <a:lightRig rig="threePt" dir="t"/>
+    </dgm:scene3d>
+    <dgm:sp3d/>
+    <dgm:txPr/>
+    <dgm:style>
+      <a:lnRef idx="2">
+        <a:scrgbClr r="0" g="0" b="0"/>
+      </a:lnRef>
+      <a:fillRef idx="1">
+        <a:scrgbClr r="0" g="0" b="0"/>
+      </a:fillRef>
+      <a:effectRef idx="0">
+        <a:scrgbClr r="0" g="0" b="0"/>
+      </a:effectRef>
+      <a:fontRef idx="minor">
+        <a:schemeClr val="lt1"/>
+      </a:fontRef>
+    </dgm:style>
+  </dgm:styleLbl>
+  <dgm:styleLbl name="parChTrans2D2">
+    <dgm:scene3d>
+      <a:camera prst="orthographicFront"/>
+      <a:lightRig rig="threePt" dir="t"/>
+    </dgm:scene3d>
+    <dgm:sp3d/>
+    <dgm:txPr/>
+    <dgm:style>
+      <a:lnRef idx="2">
+        <a:scrgbClr r="0" g="0" b="0"/>
+      </a:lnRef>
+      <a:fillRef idx="1">
+        <a:scrgbClr r="0" g="0" b="0"/>
+      </a:fillRef>
+      <a:effectRef idx="0">
+        <a:scrgbClr r="0" g="0" b="0"/>
+      </a:effectRef>
+      <a:fontRef idx="minor">
+        <a:schemeClr val="lt1"/>
+      </a:fontRef>
+    </dgm:style>
+  </dgm:styleLbl>
+  <dgm:styleLbl name="parChTrans2D3">
+    <dgm:scene3d>
+      <a:camera prst="orthographicFront"/>
+      <a:lightRig rig="threePt" dir="t"/>
+    </dgm:scene3d>
+    <dgm:sp3d/>
+    <dgm:txPr/>
+    <dgm:style>
+      <a:lnRef idx="2">
+        <a:scrgbClr r="0" g="0" b="0"/>
+      </a:lnRef>
+      <a:fillRef idx="1">
+        <a:scrgbClr r="0" g="0" b="0"/>
+      </a:fillRef>
+      <a:effectRef idx="0">
+        <a:scrgbClr r="0" g="0" b="0"/>
+      </a:effectRef>
+      <a:fontRef idx="minor">
+        <a:schemeClr val="lt1"/>
+      </a:fontRef>
+    </dgm:style>
+  </dgm:styleLbl>
+  <dgm:styleLbl name="parChTrans2D4">
+    <dgm:scene3d>
+      <a:camera prst="orthographicFront"/>
+      <a:lightRig rig="threePt" dir="t"/>
+    </dgm:scene3d>
+    <dgm:sp3d/>
+    <dgm:txPr/>
+    <dgm:style>
+      <a:lnRef idx="2">
+        <a:scrgbClr r="0" g="0" b="0"/>
+      </a:lnRef>
+      <a:fillRef idx="1">
+        <a:scrgbClr r="0" g="0" b="0"/>
+      </a:fillRef>
+      <a:effectRef idx="0">
+        <a:scrgbClr r="0" g="0" b="0"/>
+      </a:effectRef>
+      <a:fontRef idx="minor">
+        <a:schemeClr val="lt1"/>
+      </a:fontRef>
+    </dgm:style>
+  </dgm:styleLbl>
+  <dgm:styleLbl name="parChTrans1D1">
+    <dgm:scene3d>
+      <a:camera prst="orthographicFront"/>
+      <a:lightRig rig="threePt" dir="t"/>
+    </dgm:scene3d>
+    <dgm:sp3d/>
+    <dgm:txPr/>
+    <dgm:style>
+      <a:lnRef idx="2">
+        <a:scrgbClr r="0" g="0" b="0"/>
+      </a:lnRef>
+      <a:fillRef idx="0">
+        <a:scrgbClr r="0" g="0" b="0"/>
+      </a:fillRef>
+      <a:effectRef idx="0">
+        <a:scrgbClr r="0" g="0" b="0"/>
+      </a:effectRef>
+      <a:fontRef idx="minor"/>
+    </dgm:style>
+  </dgm:styleLbl>
+  <dgm:styleLbl name="parChTrans1D2">
+    <dgm:scene3d>
+      <a:camera prst="orthographicFront"/>
+      <a:lightRig rig="threePt" dir="t"/>
+    </dgm:scene3d>
+    <dgm:sp3d/>
+    <dgm:txPr/>
+    <dgm:style>
+      <a:lnRef idx="2">
+        <a:scrgbClr r="0" g="0" b="0"/>
+      </a:lnRef>
+      <a:fillRef idx="0">
+        <a:scrgbClr r="0" g="0" b="0"/>
+      </a:fillRef>
+      <a:effectRef idx="0">
+        <a:scrgbClr r="0" g="0" b="0"/>
+      </a:effectRef>
+      <a:fontRef idx="minor"/>
+    </dgm:style>
+  </dgm:styleLbl>
+  <dgm:styleLbl name="parChTrans1D3">
+    <dgm:scene3d>
+      <a:camera prst="orthographicFront"/>
+      <a:lightRig rig="threePt" dir="t"/>
+    </dgm:scene3d>
+    <dgm:sp3d/>
+    <dgm:txPr/>
+    <dgm:style>
+      <a:lnRef idx="2">
+        <a:scrgbClr r="0" g="0" b="0"/>
+      </a:lnRef>
+      <a:fillRef idx="0">
+        <a:scrgbClr r="0" g="0" b="0"/>
+      </a:fillRef>
+      <a:effectRef idx="0">
+        <a:scrgbClr r="0" g="0" b="0"/>
+      </a:effectRef>
+      <a:fontRef idx="minor"/>
+    </dgm:style>
+  </dgm:styleLbl>
+  <dgm:styleLbl name="parChTrans1D4">
+    <dgm:scene3d>
+      <a:camera prst="orthographicFront"/>
+      <a:lightRig rig="threePt" dir="t"/>
+    </dgm:scene3d>
+    <dgm:sp3d/>
+    <dgm:txPr/>
+    <dgm:style>
+      <a:lnRef idx="2">
+        <a:scrgbClr r="0" g="0" b="0"/>
+      </a:lnRef>
+      <a:fillRef idx="0">
+        <a:scrgbClr r="0" g="0" b="0"/>
+      </a:fillRef>
+      <a:effectRef idx="0">
+        <a:scrgbClr r="0" g="0" b="0"/>
+      </a:effectRef>
+      <a:fontRef idx="minor"/>
+    </dgm:style>
+  </dgm:styleLbl>
+  <dgm:styleLbl name="fgAcc1">
+    <dgm:scene3d>
+      <a:camera prst="orthographicFront"/>
+      <a:lightRig rig="threePt" dir="t"/>
+    </dgm:scene3d>
+    <dgm:sp3d/>
+    <dgm:txPr/>
+    <dgm:style>
+      <a:lnRef idx="2">
+        <a:scrgbClr r="0" g="0" b="0"/>
+      </a:lnRef>
+      <a:fillRef idx="1">
+        <a:scrgbClr r="0" g="0" b="0"/>
+      </a:fillRef>
+      <a:effectRef idx="0">
+        <a:scrgbClr r="0" g="0" b="0"/>
+      </a:effectRef>
+      <a:fontRef idx="minor"/>
+    </dgm:style>
+  </dgm:styleLbl>
+  <dgm:styleLbl name="conFgAcc1">
+    <dgm:scene3d>
+      <a:camera prst="orthographicFront"/>
+      <a:lightRig rig="threePt" dir="t"/>
+    </dgm:scene3d>
+    <dgm:sp3d/>
+    <dgm:txPr/>
+    <dgm:style>
+      <a:lnRef idx="2">
+        <a:scrgbClr r="0" g="0" b="0"/>
+      </a:lnRef>
+      <a:fillRef idx="1">
+        <a:scrgbClr r="0" g="0" b="0"/>
+      </a:fillRef>
+      <a:effectRef idx="0">
+        <a:scrgbClr r="0" g="0" b="0"/>
+      </a:effectRef>
+      <a:fontRef idx="minor"/>
+    </dgm:style>
+  </dgm:styleLbl>
+  <dgm:styleLbl name="alignAcc1">
+    <dgm:scene3d>
+      <a:camera prst="orthographicFront"/>
+      <a:lightRig rig="threePt" dir="t"/>
+    </dgm:scene3d>
+    <dgm:sp3d/>
+    <dgm:txPr/>
+    <dgm:style>
+      <a:lnRef idx="2">
+        <a:scrgbClr r="0" g="0" b="0"/>
+      </a:lnRef>
+      <a:fillRef idx="1">
+        <a:scrgbClr r="0" g="0" b="0"/>
+      </a:fillRef>
+      <a:effectRef idx="0">
+        <a:scrgbClr r="0" g="0" b="0"/>
+      </a:effectRef>
+      <a:fontRef idx="minor"/>
+    </dgm:style>
+  </dgm:styleLbl>
+  <dgm:styleLbl name="trAlignAcc1">
+    <dgm:scene3d>
+      <a:camera prst="orthographicFront"/>
+      <a:lightRig rig="threePt" dir="t"/>
+    </dgm:scene3d>
+    <dgm:sp3d/>
+    <dgm:txPr/>
+    <dgm:style>
+      <a:lnRef idx="1">
+        <a:scrgbClr r="0" g="0" b="0"/>
+      </a:lnRef>
+      <a:fillRef idx="1">
+        <a:scrgbClr r="0" g="0" b="0"/>
+      </a:fillRef>
+      <a:effectRef idx="0">
+        <a:scrgbClr r="0" g="0" b="0"/>
+      </a:effectRef>
+      <a:fontRef idx="minor"/>
+    </dgm:style>
+  </dgm:styleLbl>
+  <dgm:styleLbl name="bgAcc1">
+    <dgm:scene3d>
+      <a:camera prst="orthographicFront"/>
+      <a:lightRig rig="threePt" dir="t"/>
+    </dgm:scene3d>
+    <dgm:sp3d/>
+    <dgm:txPr/>
+    <dgm:style>
+      <a:lnRef idx="2">
+        <a:scrgbClr r="0" g="0" b="0"/>
+      </a:lnRef>
+      <a:fillRef idx="1">
+        <a:scrgbClr r="0" g="0" b="0"/>
+      </a:fillRef>
+      <a:effectRef idx="0">
+        <a:scrgbClr r="0" g="0" b="0"/>
+      </a:effectRef>
+      <a:fontRef idx="minor"/>
+    </dgm:style>
+  </dgm:styleLbl>
+  <dgm:styleLbl name="solidFgAcc1">
+    <dgm:scene3d>
+      <a:camera prst="orthographicFront"/>
+      <a:lightRig rig="threePt" dir="t"/>
+    </dgm:scene3d>
+    <dgm:sp3d/>
+    <dgm:txPr/>
+    <dgm:style>
+      <a:lnRef idx="2">
+        <a:scrgbClr r="0" g="0" b="0"/>
+      </a:lnRef>
+      <a:fillRef idx="1">
+        <a:scrgbClr r="0" g="0" b="0"/>
+      </a:fillRef>
+      <a:effectRef idx="0">
+        <a:scrgbClr r="0" g="0" b="0"/>
+      </a:effectRef>
+      <a:fontRef idx="minor"/>
+    </dgm:style>
+  </dgm:styleLbl>
+  <dgm:styleLbl name="solidAlignAcc1">
+    <dgm:scene3d>
+      <a:camera prst="orthographicFront"/>
+      <a:lightRig rig="threePt" dir="t"/>
+    </dgm:scene3d>
+    <dgm:sp3d/>
+    <dgm:txPr/>
+    <dgm:style>
+      <a:lnRef idx="2">
+        <a:scrgbClr r="0" g="0" b="0"/>
+      </a:lnRef>
+      <a:fillRef idx="1">
+        <a:scrgbClr r="0" g="0" b="0"/>
+      </a:fillRef>
+      <a:effectRef idx="0">
+        <a:scrgbClr r="0" g="0" b="0"/>
+      </a:effectRef>
+      <a:fontRef idx="minor"/>
+    </dgm:style>
+  </dgm:styleLbl>
+  <dgm:styleLbl name="solidBgAcc1">
+    <dgm:scene3d>
+      <a:camera prst="orthographicFront"/>
+      <a:lightRig rig="threePt" dir="t"/>
+    </dgm:scene3d>
+    <dgm:sp3d/>
+    <dgm:txPr/>
+    <dgm:style>
+      <a:lnRef idx="2">
+        <a:scrgbClr r="0" g="0" b="0"/>
+      </a:lnRef>
+      <a:fillRef idx="1">
+        <a:scrgbClr r="0" g="0" b="0"/>
+      </a:fillRef>
+      <a:effectRef idx="0">
+        <a:scrgbClr r="0" g="0" b="0"/>
+      </a:effectRef>
+      <a:fontRef idx="minor"/>
+    </dgm:style>
+  </dgm:styleLbl>
+  <dgm:styleLbl name="fgAccFollowNode1">
+    <dgm:scene3d>
+      <a:camera prst="orthographicFront"/>
+      <a:lightRig rig="threePt" dir="t"/>
+    </dgm:scene3d>
+    <dgm:sp3d/>
+    <dgm:txPr/>
+    <dgm:style>
+      <a:lnRef idx="2">
+        <a:scrgbClr r="0" g="0" b="0"/>
+      </a:lnRef>
+      <a:fillRef idx="1">
+        <a:scrgbClr r="0" g="0" b="0"/>
+      </a:fillRef>
+      <a:effectRef idx="0">
+        <a:scrgbClr r="0" g="0" b="0"/>
+      </a:effectRef>
+      <a:fontRef idx="minor"/>
+    </dgm:style>
+  </dgm:styleLbl>
+  <dgm:styleLbl name="alignAccFollowNode1">
+    <dgm:scene3d>
+      <a:camera prst="orthographicFront"/>
+      <a:lightRig rig="threePt" dir="t"/>
+    </dgm:scene3d>
+    <dgm:sp3d/>
+    <dgm:txPr/>
+    <dgm:style>
+      <a:lnRef idx="2">
+        <a:scrgbClr r="0" g="0" b="0"/>
+      </a:lnRef>
+      <a:fillRef idx="1">
+        <a:scrgbClr r="0" g="0" b="0"/>
+      </a:fillRef>
+      <a:effectRef idx="0">
+        <a:scrgbClr r="0" g="0" b="0"/>
+      </a:effectRef>
+      <a:fontRef idx="minor"/>
+    </dgm:style>
+  </dgm:styleLbl>
+  <dgm:styleLbl name="bgAccFollowNode1">
+    <dgm:scene3d>
+      <a:camera prst="orthographicFront"/>
+      <a:lightRig rig="threePt" dir="t"/>
+    </dgm:scene3d>
+    <dgm:sp3d/>
+    <dgm:txPr/>
+    <dgm:style>
+      <a:lnRef idx="2">
+        <a:scrgbClr r="0" g="0" b="0"/>
+      </a:lnRef>
+      <a:fillRef idx="1">
+        <a:scrgbClr r="0" g="0" b="0"/>
+      </a:fillRef>
+      <a:effectRef idx="0">
+        <a:scrgbClr r="0" g="0" b="0"/>
+      </a:effectRef>
+      <a:fontRef idx="minor"/>
+    </dgm:style>
+  </dgm:styleLbl>
+  <dgm:styleLbl name="fgAcc0">
+    <dgm:scene3d>
+      <a:camera prst="orthographicFront"/>
+      <a:lightRig rig="threePt" dir="t"/>
+    </dgm:scene3d>
+    <dgm:sp3d/>
+    <dgm:txPr/>
+    <dgm:style>
+      <a:lnRef idx="2">
+        <a:scrgbClr r="0" g="0" b="0"/>
+      </a:lnRef>
+      <a:fillRef idx="1">
+        <a:scrgbClr r="0" g="0" b="0"/>
+      </a:fillRef>
+      <a:effectRef idx="0">
+        <a:scrgbClr r="0" g="0" b="0"/>
+      </a:effectRef>
+      <a:fontRef idx="minor"/>
+    </dgm:style>
+  </dgm:styleLbl>
+  <dgm:styleLbl name="fgAcc2">
+    <dgm:scene3d>
+      <a:camera prst="orthographicFront"/>
+      <a:lightRig rig="threePt" dir="t"/>
+    </dgm:scene3d>
+    <dgm:sp3d/>
+    <dgm:txPr/>
+    <dgm:style>
+      <a:lnRef idx="2">
+        <a:scrgbClr r="0" g="0" b="0"/>
+      </a:lnRef>
+      <a:fillRef idx="1">
+        <a:scrgbClr r="0" g="0" b="0"/>
+      </a:fillRef>
+      <a:effectRef idx="0">
+        <a:scrgbClr r="0" g="0" b="0"/>
+      </a:effectRef>
+      <a:fontRef idx="minor"/>
+    </dgm:style>
+  </dgm:styleLbl>
+  <dgm:styleLbl name="fgAcc3">
+    <dgm:scene3d>
+      <a:camera prst="orthographicFront"/>
+      <a:lightRig rig="threePt" dir="t"/>
+    </dgm:scene3d>
+    <dgm:sp3d/>
+    <dgm:txPr/>
+    <dgm:style>
+      <a:lnRef idx="2">
+        <a:scrgbClr r="0" g="0" b="0"/>
+      </a:lnRef>
+      <a:fillRef idx="1">
+        <a:scrgbClr r="0" g="0" b="0"/>
+      </a:fillRef>
+      <a:effectRef idx="0">
+        <a:scrgbClr r="0" g="0" b="0"/>
+      </a:effectRef>
+      <a:fontRef idx="minor"/>
+    </dgm:style>
+  </dgm:styleLbl>
+  <dgm:styleLbl name="fgAcc4">
+    <dgm:scene3d>
+      <a:camera prst="orthographicFront"/>
+      <a:lightRig rig="threePt" dir="t"/>
+    </dgm:scene3d>
+    <dgm:sp3d/>
+    <dgm:txPr/>
+    <dgm:style>
+      <a:lnRef idx="2">
+        <a:scrgbClr r="0" g="0" b="0"/>
+      </a:lnRef>
+      <a:fillRef idx="1">
+        <a:scrgbClr r="0" g="0" b="0"/>
+      </a:fillRef>
+      <a:effectRef idx="0">
+        <a:scrgbClr r="0" g="0" b="0"/>
+      </a:effectRef>
+      <a:fontRef idx="minor"/>
+    </dgm:style>
+  </dgm:styleLbl>
+  <dgm:styleLbl name="bgShp">
+    <dgm:scene3d>
+      <a:camera prst="orthographicFront"/>
+      <a:lightRig rig="threePt" dir="t"/>
+    </dgm:scene3d>
+    <dgm:sp3d/>
+    <dgm:txPr/>
+    <dgm:style>
+      <a:lnRef idx="0">
+        <a:scrgbClr r="0" g="0" b="0"/>
+      </a:lnRef>
+      <a:fillRef idx="1">
+        <a:scrgbClr r="0" g="0" b="0"/>
+      </a:fillRef>
+      <a:effectRef idx="0">
+        <a:scrgbClr r="0" g="0" b="0"/>
+      </a:effectRef>
+      <a:fontRef idx="minor"/>
+    </dgm:style>
+  </dgm:styleLbl>
+  <dgm:styleLbl name="dkBgShp">
+    <dgm:scene3d>
+      <a:camera prst="orthographicFront"/>
+      <a:lightRig rig="threePt" dir="t"/>
+    </dgm:scene3d>
+    <dgm:sp3d/>
+    <dgm:txPr/>
+    <dgm:style>
+      <a:lnRef idx="0">
+        <a:scrgbClr r="0" g="0" b="0"/>
+      </a:lnRef>
+      <a:fillRef idx="1">
+        <a:scrgbClr r="0" g="0" b="0"/>
+      </a:fillRef>
+      <a:effectRef idx="0">
+        <a:scrgbClr r="0" g="0" b="0"/>
+      </a:effectRef>
+      <a:fontRef idx="minor"/>
+    </dgm:style>
+  </dgm:styleLbl>
+  <dgm:styleLbl name="trBgShp">
+    <dgm:scene3d>
+      <a:camera prst="orthographicFront"/>
+      <a:lightRig rig="threePt" dir="t"/>
+    </dgm:scene3d>
+    <dgm:sp3d/>
+    <dgm:txPr/>
+    <dgm:style>
+      <a:lnRef idx="0">
+        <a:scrgbClr r="0" g="0" b="0"/>
+      </a:lnRef>
+      <a:fillRef idx="1">
+        <a:scrgbClr r="0" g="0" b="0"/>
+      </a:fillRef>
+      <a:effectRef idx="0">
+        <a:scrgbClr r="0" g="0" b="0"/>
+      </a:effectRef>
+      <a:fontRef idx="minor"/>
+    </dgm:style>
+  </dgm:styleLbl>
+  <dgm:styleLbl name="fgShp">
+    <dgm:scene3d>
+      <a:camera prst="orthographicFront"/>
+      <a:lightRig rig="threePt" dir="t"/>
+    </dgm:scene3d>
+    <dgm:sp3d/>
+    <dgm:txPr/>
+    <dgm:style>
+      <a:lnRef idx="2">
+        <a:scrgbClr r="0" g="0" b="0"/>
+      </a:lnRef>
+      <a:fillRef idx="1">
+        <a:scrgbClr r="0" g="0" b="0"/>
+      </a:fillRef>
+      <a:effectRef idx="0">
+        <a:scrgbClr r="0" g="0" b="0"/>
+      </a:effectRef>
+      <a:fontRef idx="minor"/>
+    </dgm:style>
+  </dgm:styleLbl>
+  <dgm:styleLbl name="revTx">
+    <dgm:scene3d>
+      <a:camera prst="orthographicFront"/>
+      <a:lightRig rig="threePt" dir="t"/>
+    </dgm:scene3d>
+    <dgm:sp3d/>
+    <dgm:txPr/>
+    <dgm:style>
+      <a:lnRef idx="0">
+        <a:scrgbClr r="0" g="0" b="0"/>
+      </a:lnRef>
+      <a:fillRef idx="0">
+        <a:scrgbClr r="0" g="0" b="0"/>
+      </a:fillRef>
+      <a:effectRef idx="0">
+        <a:scrgbClr r="0" g="0" b="0"/>
+      </a:effectRef>
+      <a:fontRef idx="minor"/>
+    </dgm:style>
+  </dgm:styleLbl>
+</dgm:styleDef>
 </file>
 
 <file path=ppt/slideLayouts/slideLayout1.xml><?xml version="1.0" encoding="utf-8"?>
@@ -354,7 +3134,7 @@
           <a:p>
             <a:fld id="{21DC8992-6760-4568-B836-8A41DAB74142}" type="datetimeFigureOut">
               <a:rPr lang="pt-PT" smtClean="0"/>
-              <a:t>07/02/2021</a:t>
+              <a:t>24/01/2022</a:t>
             </a:fld>
             <a:endParaRPr lang="pt-PT"/>
           </a:p>
@@ -524,7 +3304,7 @@
           <a:p>
             <a:fld id="{21DC8992-6760-4568-B836-8A41DAB74142}" type="datetimeFigureOut">
               <a:rPr lang="pt-PT" smtClean="0"/>
-              <a:t>07/02/2021</a:t>
+              <a:t>24/01/2022</a:t>
             </a:fld>
             <a:endParaRPr lang="pt-PT"/>
           </a:p>
@@ -704,7 +3484,7 @@
           <a:p>
             <a:fld id="{21DC8992-6760-4568-B836-8A41DAB74142}" type="datetimeFigureOut">
               <a:rPr lang="pt-PT" smtClean="0"/>
-              <a:t>07/02/2021</a:t>
+              <a:t>24/01/2022</a:t>
             </a:fld>
             <a:endParaRPr lang="pt-PT"/>
           </a:p>
@@ -874,7 +3654,7 @@
           <a:p>
             <a:fld id="{21DC8992-6760-4568-B836-8A41DAB74142}" type="datetimeFigureOut">
               <a:rPr lang="pt-PT" smtClean="0"/>
-              <a:t>07/02/2021</a:t>
+              <a:t>24/01/2022</a:t>
             </a:fld>
             <a:endParaRPr lang="pt-PT"/>
           </a:p>
@@ -1120,7 +3900,7 @@
           <a:p>
             <a:fld id="{21DC8992-6760-4568-B836-8A41DAB74142}" type="datetimeFigureOut">
               <a:rPr lang="pt-PT" smtClean="0"/>
-              <a:t>07/02/2021</a:t>
+              <a:t>24/01/2022</a:t>
             </a:fld>
             <a:endParaRPr lang="pt-PT"/>
           </a:p>
@@ -1352,7 +4132,7 @@
           <a:p>
             <a:fld id="{21DC8992-6760-4568-B836-8A41DAB74142}" type="datetimeFigureOut">
               <a:rPr lang="pt-PT" smtClean="0"/>
-              <a:t>07/02/2021</a:t>
+              <a:t>24/01/2022</a:t>
             </a:fld>
             <a:endParaRPr lang="pt-PT"/>
           </a:p>
@@ -1719,7 +4499,7 @@
           <a:p>
             <a:fld id="{21DC8992-6760-4568-B836-8A41DAB74142}" type="datetimeFigureOut">
               <a:rPr lang="pt-PT" smtClean="0"/>
-              <a:t>07/02/2021</a:t>
+              <a:t>24/01/2022</a:t>
             </a:fld>
             <a:endParaRPr lang="pt-PT"/>
           </a:p>
@@ -1837,7 +4617,7 @@
           <a:p>
             <a:fld id="{21DC8992-6760-4568-B836-8A41DAB74142}" type="datetimeFigureOut">
               <a:rPr lang="pt-PT" smtClean="0"/>
-              <a:t>07/02/2021</a:t>
+              <a:t>24/01/2022</a:t>
             </a:fld>
             <a:endParaRPr lang="pt-PT"/>
           </a:p>
@@ -1932,7 +4712,7 @@
           <a:p>
             <a:fld id="{21DC8992-6760-4568-B836-8A41DAB74142}" type="datetimeFigureOut">
               <a:rPr lang="pt-PT" smtClean="0"/>
-              <a:t>07/02/2021</a:t>
+              <a:t>24/01/2022</a:t>
             </a:fld>
             <a:endParaRPr lang="pt-PT"/>
           </a:p>
@@ -2209,7 +4989,7 @@
           <a:p>
             <a:fld id="{21DC8992-6760-4568-B836-8A41DAB74142}" type="datetimeFigureOut">
               <a:rPr lang="pt-PT" smtClean="0"/>
-              <a:t>07/02/2021</a:t>
+              <a:t>24/01/2022</a:t>
             </a:fld>
             <a:endParaRPr lang="pt-PT"/>
           </a:p>
@@ -2466,7 +5246,7 @@
           <a:p>
             <a:fld id="{21DC8992-6760-4568-B836-8A41DAB74142}" type="datetimeFigureOut">
               <a:rPr lang="pt-PT" smtClean="0"/>
-              <a:t>07/02/2021</a:t>
+              <a:t>24/01/2022</a:t>
             </a:fld>
             <a:endParaRPr lang="pt-PT"/>
           </a:p>
@@ -2679,7 +5459,7 @@
           <a:p>
             <a:fld id="{21DC8992-6760-4568-B836-8A41DAB74142}" type="datetimeFigureOut">
               <a:rPr lang="pt-PT" smtClean="0"/>
-              <a:t>07/02/2021</a:t>
+              <a:t>24/01/2022</a:t>
             </a:fld>
             <a:endParaRPr lang="pt-PT"/>
           </a:p>
@@ -4359,7 +7139,7 @@
             <a:pPr lvl="1"/>
             <a:r>
               <a:rPr lang="en-US" dirty="0"/>
-              <a:t>Easier to unit test → stub/mock actual dependencies</a:t>
+              <a:t>Clearer relation between dependencies &amp; use cases</a:t>
             </a:r>
           </a:p>
           <a:p>
@@ -4739,50 +7519,6 @@
               <a:t>Ideally, we'd like our handlers to orchestrate each use case logic, not do everything</a:t>
             </a:r>
           </a:p>
-          <a:p>
-            <a:pPr marL="0" indent="0">
-              <a:buNone/>
-            </a:pPr>
-            <a:r>
-              <a:rPr lang="en-US" dirty="0"/>
-              <a:t>* But if we didn't, this could be a nice middle ground</a:t>
-            </a:r>
-          </a:p>
-        </p:txBody>
-      </p:sp>
-      <p:sp>
-        <p:nvSpPr>
-          <p:cNvPr id="4" name="TextBox 3">
-            <a:extLst>
-              <a:ext uri="{FF2B5EF4-FFF2-40B4-BE49-F238E27FC236}">
-                <a16:creationId xmlns:a16="http://schemas.microsoft.com/office/drawing/2014/main" id="{B746D693-BDFE-4DD8-87A1-72CA2BFFAFBC}"/>
-              </a:ext>
-            </a:extLst>
-          </p:cNvPr>
-          <p:cNvSpPr txBox="1"/>
-          <p:nvPr/>
-        </p:nvSpPr>
-        <p:spPr>
-          <a:xfrm>
-            <a:off x="5585381" y="681037"/>
-            <a:ext cx="357790" cy="523220"/>
-          </a:xfrm>
-          <a:prstGeom prst="rect">
-            <a:avLst/>
-          </a:prstGeom>
-          <a:noFill/>
-        </p:spPr>
-        <p:txBody>
-          <a:bodyPr wrap="none" rtlCol="0">
-            <a:spAutoFit/>
-          </a:bodyPr>
-          <a:lstStyle/>
-          <a:p>
-            <a:r>
-              <a:rPr lang="pt-PT" sz="2800" dirty="0"/>
-              <a:t>*</a:t>
-            </a:r>
-          </a:p>
         </p:txBody>
       </p:sp>
     </p:spTree>
@@ -4852,82 +7588,6 @@
                       </p:childTnLst>
                     </p:cTn>
                   </p:par>
-                  <p:par>
-                    <p:cTn id="7" fill="hold">
-                      <p:stCondLst>
-                        <p:cond delay="indefinite"/>
-                      </p:stCondLst>
-                      <p:childTnLst>
-                        <p:par>
-                          <p:cTn id="8" fill="hold">
-                            <p:stCondLst>
-                              <p:cond delay="0"/>
-                            </p:stCondLst>
-                            <p:childTnLst>
-                              <p:par>
-                                <p:cTn id="9" presetID="1" presetClass="entr" presetSubtype="0" fill="hold" nodeType="clickEffect">
-                                  <p:stCondLst>
-                                    <p:cond delay="0"/>
-                                  </p:stCondLst>
-                                  <p:childTnLst>
-                                    <p:set>
-                                      <p:cBhvr>
-                                        <p:cTn id="10" dur="1" fill="hold">
-                                          <p:stCondLst>
-                                            <p:cond delay="0"/>
-                                          </p:stCondLst>
-                                        </p:cTn>
-                                        <p:tgtEl>
-                                          <p:spTgt spid="3">
-                                            <p:txEl>
-                                              <p:pRg st="1" end="1"/>
-                                            </p:txEl>
-                                          </p:spTgt>
-                                        </p:tgtEl>
-                                        <p:attrNameLst>
-                                          <p:attrName>style.visibility</p:attrName>
-                                        </p:attrNameLst>
-                                      </p:cBhvr>
-                                      <p:to>
-                                        <p:strVal val="visible"/>
-                                      </p:to>
-                                    </p:set>
-                                  </p:childTnLst>
-                                </p:cTn>
-                              </p:par>
-                              <p:par>
-                                <p:cTn id="11" presetID="1" presetClass="entr" presetSubtype="0" fill="hold" grpId="0" nodeType="withEffect">
-                                  <p:stCondLst>
-                                    <p:cond delay="0"/>
-                                  </p:stCondLst>
-                                  <p:childTnLst>
-                                    <p:set>
-                                      <p:cBhvr>
-                                        <p:cTn id="12" dur="1" fill="hold">
-                                          <p:stCondLst>
-                                            <p:cond delay="0"/>
-                                          </p:stCondLst>
-                                        </p:cTn>
-                                        <p:tgtEl>
-                                          <p:spTgt spid="4"/>
-                                        </p:tgtEl>
-                                        <p:attrNameLst>
-                                          <p:attrName>style.visibility</p:attrName>
-                                        </p:attrNameLst>
-                                      </p:cBhvr>
-                                      <p:to>
-                                        <p:strVal val="visible"/>
-                                      </p:to>
-                                    </p:set>
-                                  </p:childTnLst>
-                                </p:cTn>
-                              </p:par>
-                            </p:childTnLst>
-                          </p:cTn>
-                        </p:par>
-                      </p:childTnLst>
-                    </p:cTn>
-                  </p:par>
                 </p:childTnLst>
               </p:cTn>
               <p:prevCondLst>
@@ -4949,9 +7609,6 @@
         </p:cTn>
       </p:par>
     </p:tnLst>
-    <p:bldLst>
-      <p:bldP spid="4" grpId="0"/>
-    </p:bldLst>
   </p:timing>
 </p:sld>
 </file>
@@ -5298,6 +7955,116 @@
           <p:cNvPr id="2" name="Title 1">
             <a:extLst>
               <a:ext uri="{FF2B5EF4-FFF2-40B4-BE49-F238E27FC236}">
+                <a16:creationId xmlns:a16="http://schemas.microsoft.com/office/drawing/2014/main" id="{E4AF1753-5C93-463D-BCBA-B32291E3181B}"/>
+              </a:ext>
+            </a:extLst>
+          </p:cNvPr>
+          <p:cNvSpPr txBox="1">
+            <a:spLocks/>
+          </p:cNvSpPr>
+          <p:nvPr/>
+        </p:nvSpPr>
+        <p:spPr>
+          <a:xfrm>
+            <a:off x="838200" y="365125"/>
+            <a:ext cx="10515600" cy="1325563"/>
+          </a:xfrm>
+          <a:prstGeom prst="rect">
+            <a:avLst/>
+          </a:prstGeom>
+        </p:spPr>
+        <p:txBody>
+          <a:bodyPr/>
+          <a:lstStyle>
+            <a:lvl1pPr algn="l" defTabSz="914400" rtl="0" eaLnBrk="1" latinLnBrk="0" hangingPunct="1">
+              <a:lnSpc>
+                <a:spcPct val="90000"/>
+              </a:lnSpc>
+              <a:spcBef>
+                <a:spcPct val="0"/>
+              </a:spcBef>
+              <a:buNone/>
+              <a:defRPr sz="4400" kern="1200">
+                <a:solidFill>
+                  <a:schemeClr val="tx1"/>
+                </a:solidFill>
+                <a:latin typeface="+mj-lt"/>
+                <a:ea typeface="+mj-ea"/>
+                <a:cs typeface="+mj-cs"/>
+              </a:defRPr>
+            </a:lvl1pPr>
+          </a:lstStyle>
+          <a:p>
+            <a:r>
+              <a:rPr lang="en-US" dirty="0"/>
+              <a:t>POCO vs DTO</a:t>
+            </a:r>
+          </a:p>
+        </p:txBody>
+      </p:sp>
+      <p:graphicFrame>
+        <p:nvGraphicFramePr>
+          <p:cNvPr id="3" name="Diagram 2">
+            <a:extLst>
+              <a:ext uri="{FF2B5EF4-FFF2-40B4-BE49-F238E27FC236}">
+                <a16:creationId xmlns:a16="http://schemas.microsoft.com/office/drawing/2014/main" id="{CF376611-5105-49A7-968B-470ED6495803}"/>
+              </a:ext>
+            </a:extLst>
+          </p:cNvPr>
+          <p:cNvGraphicFramePr/>
+          <p:nvPr>
+            <p:extLst>
+              <p:ext uri="{D42A27DB-BD31-4B8C-83A1-F6EECF244321}">
+                <p14:modId xmlns:p14="http://schemas.microsoft.com/office/powerpoint/2010/main" val="3546332405"/>
+              </p:ext>
+            </p:extLst>
+          </p:nvPr>
+        </p:nvGraphicFramePr>
+        <p:xfrm>
+          <a:off x="2032000" y="719666"/>
+          <a:ext cx="8128000" cy="5418667"/>
+        </p:xfrm>
+        <a:graphic>
+          <a:graphicData uri="http://schemas.openxmlformats.org/drawingml/2006/diagram">
+            <dgm:relIds xmlns:dgm="http://schemas.openxmlformats.org/drawingml/2006/diagram" xmlns:r="http://schemas.openxmlformats.org/officeDocument/2006/relationships" r:dm="rId2" r:lo="rId3" r:qs="rId4" r:cs="rId5"/>
+          </a:graphicData>
+        </a:graphic>
+      </p:graphicFrame>
+    </p:spTree>
+    <p:extLst>
+      <p:ext uri="{BB962C8B-B14F-4D97-AF65-F5344CB8AC3E}">
+        <p14:creationId xmlns:p14="http://schemas.microsoft.com/office/powerpoint/2010/main" val="3123246972"/>
+      </p:ext>
+    </p:extLst>
+  </p:cSld>
+  <p:clrMapOvr>
+    <a:masterClrMapping/>
+  </p:clrMapOvr>
+</p:sld>
+</file>
+
+<file path=ppt/slides/slide22.xml><?xml version="1.0" encoding="utf-8"?>
+<p:sld xmlns:a="http://schemas.openxmlformats.org/drawingml/2006/main" xmlns:r="http://schemas.openxmlformats.org/officeDocument/2006/relationships" xmlns:p="http://schemas.openxmlformats.org/presentationml/2006/main">
+  <p:cSld>
+    <p:spTree>
+      <p:nvGrpSpPr>
+        <p:cNvPr id="1" name=""/>
+        <p:cNvGrpSpPr/>
+        <p:nvPr/>
+      </p:nvGrpSpPr>
+      <p:grpSpPr>
+        <a:xfrm>
+          <a:off x="0" y="0"/>
+          <a:ext cx="0" cy="0"/>
+          <a:chOff x="0" y="0"/>
+          <a:chExt cx="0" cy="0"/>
+        </a:xfrm>
+      </p:grpSpPr>
+      <p:sp>
+        <p:nvSpPr>
+          <p:cNvPr id="2" name="Title 1">
+            <a:extLst>
+              <a:ext uri="{FF2B5EF4-FFF2-40B4-BE49-F238E27FC236}">
                 <a16:creationId xmlns:a16="http://schemas.microsoft.com/office/drawing/2014/main" id="{BEFCF972-40D4-4D22-A98F-5B0D0395E747}"/>
               </a:ext>
             </a:extLst>
@@ -5316,7 +8083,7 @@
           <a:p>
             <a:r>
               <a:rPr lang="en-US" dirty="0"/>
-              <a:t>Object oriented programming</a:t>
+              <a:t>Object-oriented programming</a:t>
             </a:r>
           </a:p>
         </p:txBody>
@@ -5496,7 +8263,7 @@
 </p:sld>
 </file>
 
-<file path=ppt/slides/slide22.xml><?xml version="1.0" encoding="utf-8"?>
+<file path=ppt/slides/slide23.xml><?xml version="1.0" encoding="utf-8"?>
 <p:sld xmlns:a="http://schemas.openxmlformats.org/drawingml/2006/main" xmlns:r="http://schemas.openxmlformats.org/officeDocument/2006/relationships" xmlns:p="http://schemas.openxmlformats.org/presentationml/2006/main">
   <p:cSld>
     <p:spTree>
@@ -5622,7 +8389,7 @@
 </p:sld>
 </file>
 
-<file path=ppt/slides/slide23.xml><?xml version="1.0" encoding="utf-8"?>
+<file path=ppt/slides/slide24.xml><?xml version="1.0" encoding="utf-8"?>
 <p:sld xmlns:a="http://schemas.openxmlformats.org/drawingml/2006/main" xmlns:r="http://schemas.openxmlformats.org/officeDocument/2006/relationships" xmlns:p="http://schemas.openxmlformats.org/presentationml/2006/main">
   <p:cSld>
     <p:spTree>
@@ -6013,7 +8780,7 @@
 </p:sld>
 </file>
 
-<file path=ppt/slides/slide24.xml><?xml version="1.0" encoding="utf-8"?>
+<file path=ppt/slides/slide25.xml><?xml version="1.0" encoding="utf-8"?>
 <p:sld xmlns:a="http://schemas.openxmlformats.org/drawingml/2006/main" xmlns:r="http://schemas.openxmlformats.org/officeDocument/2006/relationships" xmlns:p="http://schemas.openxmlformats.org/presentationml/2006/main">
   <p:cSld>
     <p:spTree>
@@ -6078,7 +8845,7 @@
 </p:sld>
 </file>
 
-<file path=ppt/slides/slide25.xml><?xml version="1.0" encoding="utf-8"?>
+<file path=ppt/slides/slide26.xml><?xml version="1.0" encoding="utf-8"?>
 <p:sld xmlns:a="http://schemas.openxmlformats.org/drawingml/2006/main" xmlns:r="http://schemas.openxmlformats.org/officeDocument/2006/relationships" xmlns:p="http://schemas.openxmlformats.org/presentationml/2006/main">
   <p:cSld>
     <p:spTree>
@@ -6126,7 +8893,7 @@
             <a:pPr algn="ctr"/>
             <a:r>
               <a:rPr lang="en-US" sz="2800" dirty="0"/>
-              <a:t>(Not really object oriented specific, but common in such languages)</a:t>
+              <a:t>(Not really object-oriented specific, but common in such languages)</a:t>
             </a:r>
             <a:endParaRPr lang="pt-PT" sz="2800" dirty="0"/>
           </a:p>
@@ -6136,115 +8903,6 @@
     <p:extLst>
       <p:ext uri="{BB962C8B-B14F-4D97-AF65-F5344CB8AC3E}">
         <p14:creationId xmlns:p14="http://schemas.microsoft.com/office/powerpoint/2010/main" val="1945985091"/>
-      </p:ext>
-    </p:extLst>
-  </p:cSld>
-  <p:clrMapOvr>
-    <a:masterClrMapping/>
-  </p:clrMapOvr>
-</p:sld>
-</file>
-
-<file path=ppt/slides/slide26.xml><?xml version="1.0" encoding="utf-8"?>
-<p:sld xmlns:a="http://schemas.openxmlformats.org/drawingml/2006/main" xmlns:r="http://schemas.openxmlformats.org/officeDocument/2006/relationships" xmlns:p="http://schemas.openxmlformats.org/presentationml/2006/main">
-  <p:cSld>
-    <p:spTree>
-      <p:nvGrpSpPr>
-        <p:cNvPr id="1" name=""/>
-        <p:cNvGrpSpPr/>
-        <p:nvPr/>
-      </p:nvGrpSpPr>
-      <p:grpSpPr>
-        <a:xfrm>
-          <a:off x="0" y="0"/>
-          <a:ext cx="0" cy="0"/>
-          <a:chOff x="0" y="0"/>
-          <a:chExt cx="0" cy="0"/>
-        </a:xfrm>
-      </p:grpSpPr>
-      <p:sp>
-        <p:nvSpPr>
-          <p:cNvPr id="2" name="Title 1">
-            <a:extLst>
-              <a:ext uri="{FF2B5EF4-FFF2-40B4-BE49-F238E27FC236}">
-                <a16:creationId xmlns:a16="http://schemas.microsoft.com/office/drawing/2014/main" id="{AC91DBF9-7007-4BB8-8622-BE788E00C8E8}"/>
-              </a:ext>
-            </a:extLst>
-          </p:cNvPr>
-          <p:cNvSpPr>
-            <a:spLocks noGrp="1"/>
-          </p:cNvSpPr>
-          <p:nvPr>
-            <p:ph type="title"/>
-          </p:nvPr>
-        </p:nvSpPr>
-        <p:spPr/>
-        <p:txBody>
-          <a:bodyPr/>
-          <a:lstStyle/>
-          <a:p>
-            <a:r>
-              <a:rPr lang="en-US" dirty="0"/>
-              <a:t>One more look at some code</a:t>
-            </a:r>
-            <a:endParaRPr lang="pt-PT" dirty="0"/>
-          </a:p>
-        </p:txBody>
-      </p:sp>
-      <p:sp>
-        <p:nvSpPr>
-          <p:cNvPr id="3" name="Content Placeholder 2">
-            <a:extLst>
-              <a:ext uri="{FF2B5EF4-FFF2-40B4-BE49-F238E27FC236}">
-                <a16:creationId xmlns:a16="http://schemas.microsoft.com/office/drawing/2014/main" id="{27C86653-040F-47C8-95F2-C32479440CFB}"/>
-              </a:ext>
-            </a:extLst>
-          </p:cNvPr>
-          <p:cNvSpPr>
-            <a:spLocks noGrp="1"/>
-          </p:cNvSpPr>
-          <p:nvPr>
-            <p:ph idx="1"/>
-          </p:nvPr>
-        </p:nvSpPr>
-        <p:spPr/>
-        <p:txBody>
-          <a:bodyPr>
-            <a:normAutofit/>
-          </a:bodyPr>
-          <a:lstStyle/>
-          <a:p>
-            <a:r>
-              <a:rPr lang="en-US" dirty="0"/>
-              <a:t>Use Maybe type or nullable reference types</a:t>
-            </a:r>
-          </a:p>
-          <a:p>
-            <a:r>
-              <a:rPr lang="en-US" dirty="0"/>
-              <a:t>Avoid primitive obsession</a:t>
-            </a:r>
-          </a:p>
-          <a:p>
-            <a:pPr lvl="1"/>
-            <a:r>
-              <a:rPr lang="en-US" dirty="0"/>
-              <a:t>Use strongly typed identifiers</a:t>
-            </a:r>
-          </a:p>
-          <a:p>
-            <a:r>
-              <a:rPr lang="en-US" dirty="0"/>
-              <a:t>Implement a discriminated union to enforce handling of all expected scenarios</a:t>
-            </a:r>
-            <a:endParaRPr lang="pt-PT" dirty="0"/>
-          </a:p>
-        </p:txBody>
-      </p:sp>
-    </p:spTree>
-    <p:extLst>
-      <p:ext uri="{BB962C8B-B14F-4D97-AF65-F5344CB8AC3E}">
-        <p14:creationId xmlns:p14="http://schemas.microsoft.com/office/powerpoint/2010/main" val="2722599537"/>
       </p:ext>
     </p:extLst>
   </p:cSld>
@@ -6293,6 +8951,116 @@
           <a:lstStyle/>
           <a:p>
             <a:r>
+              <a:rPr lang="en-US" dirty="0"/>
+              <a:t>One more look at some code</a:t>
+            </a:r>
+            <a:endParaRPr lang="pt-PT" dirty="0"/>
+          </a:p>
+        </p:txBody>
+      </p:sp>
+      <p:sp>
+        <p:nvSpPr>
+          <p:cNvPr id="3" name="Content Placeholder 2">
+            <a:extLst>
+              <a:ext uri="{FF2B5EF4-FFF2-40B4-BE49-F238E27FC236}">
+                <a16:creationId xmlns:a16="http://schemas.microsoft.com/office/drawing/2014/main" id="{27C86653-040F-47C8-95F2-C32479440CFB}"/>
+              </a:ext>
+            </a:extLst>
+          </p:cNvPr>
+          <p:cNvSpPr>
+            <a:spLocks noGrp="1"/>
+          </p:cNvSpPr>
+          <p:nvPr>
+            <p:ph idx="1"/>
+          </p:nvPr>
+        </p:nvSpPr>
+        <p:spPr/>
+        <p:txBody>
+          <a:bodyPr>
+            <a:normAutofit/>
+          </a:bodyPr>
+          <a:lstStyle/>
+          <a:p>
+            <a:r>
+              <a:rPr lang="en-US" dirty="0"/>
+              <a:t>Avoid primitive obsession</a:t>
+            </a:r>
+          </a:p>
+          <a:p>
+            <a:pPr lvl="1"/>
+            <a:r>
+              <a:rPr lang="en-US" dirty="0"/>
+              <a:t>Use strongly typed identifiers</a:t>
+            </a:r>
+          </a:p>
+          <a:p>
+            <a:r>
+              <a:rPr lang="en-US"/>
+              <a:t>Use Maybe type or nullable reference types</a:t>
+            </a:r>
+            <a:endParaRPr lang="en-US" dirty="0"/>
+          </a:p>
+          <a:p>
+            <a:r>
+              <a:rPr lang="en-US" dirty="0"/>
+              <a:t>Implement a discriminated union to enforce handling of all expected scenarios</a:t>
+            </a:r>
+            <a:endParaRPr lang="pt-PT" dirty="0"/>
+          </a:p>
+        </p:txBody>
+      </p:sp>
+    </p:spTree>
+    <p:extLst>
+      <p:ext uri="{BB962C8B-B14F-4D97-AF65-F5344CB8AC3E}">
+        <p14:creationId xmlns:p14="http://schemas.microsoft.com/office/powerpoint/2010/main" val="2722599537"/>
+      </p:ext>
+    </p:extLst>
+  </p:cSld>
+  <p:clrMapOvr>
+    <a:masterClrMapping/>
+  </p:clrMapOvr>
+</p:sld>
+</file>
+
+<file path=ppt/slides/slide28.xml><?xml version="1.0" encoding="utf-8"?>
+<p:sld xmlns:a="http://schemas.openxmlformats.org/drawingml/2006/main" xmlns:r="http://schemas.openxmlformats.org/officeDocument/2006/relationships" xmlns:p="http://schemas.openxmlformats.org/presentationml/2006/main">
+  <p:cSld>
+    <p:spTree>
+      <p:nvGrpSpPr>
+        <p:cNvPr id="1" name=""/>
+        <p:cNvGrpSpPr/>
+        <p:nvPr/>
+      </p:nvGrpSpPr>
+      <p:grpSpPr>
+        <a:xfrm>
+          <a:off x="0" y="0"/>
+          <a:ext cx="0" cy="0"/>
+          <a:chOff x="0" y="0"/>
+          <a:chExt cx="0" cy="0"/>
+        </a:xfrm>
+      </p:grpSpPr>
+      <p:sp>
+        <p:nvSpPr>
+          <p:cNvPr id="2" name="Title 1">
+            <a:extLst>
+              <a:ext uri="{FF2B5EF4-FFF2-40B4-BE49-F238E27FC236}">
+                <a16:creationId xmlns:a16="http://schemas.microsoft.com/office/drawing/2014/main" id="{AC91DBF9-7007-4BB8-8622-BE788E00C8E8}"/>
+              </a:ext>
+            </a:extLst>
+          </p:cNvPr>
+          <p:cNvSpPr>
+            <a:spLocks noGrp="1"/>
+          </p:cNvSpPr>
+          <p:nvPr>
+            <p:ph type="title"/>
+          </p:nvPr>
+        </p:nvSpPr>
+        <p:spPr/>
+        <p:txBody>
+          <a:bodyPr/>
+          <a:lstStyle/>
+          <a:p>
+            <a:r>
               <a:rPr lang="pt-PT" dirty="0"/>
               <a:t>Some takeaways</a:t>
             </a:r>
@@ -6328,16 +9096,6 @@
           <a:lstStyle/>
           <a:p>
             <a:r>
-              <a:rPr lang="en-US"/>
-              <a:t>Maybe/</a:t>
-            </a:r>
-            <a:r>
-              <a:rPr lang="en-US" dirty="0"/>
-              <a:t>NRTs forces us to think → “old-school” null handling is easy to forget/mess up</a:t>
-            </a:r>
-          </a:p>
-          <a:p>
-            <a:r>
               <a:rPr lang="en-US" dirty="0"/>
               <a:t>Avoiding primitive obsession</a:t>
             </a:r>
@@ -6369,6 +9127,12 @@
             <a:r>
               <a:rPr lang="en-US" dirty="0"/>
               <a:t>Focused on ids, but it also applies to other usages of primitive types</a:t>
+            </a:r>
+          </a:p>
+          <a:p>
+            <a:r>
+              <a:rPr lang="en-US" dirty="0"/>
+              <a:t>Maybe/NRTs forces us to think → “old-school” null handling is easy to forget/mess up</a:t>
             </a:r>
           </a:p>
           <a:p>
@@ -6717,7 +9481,7 @@
 </p:sld>
 </file>
 
-<file path=ppt/slides/slide28.xml><?xml version="1.0" encoding="utf-8"?>
+<file path=ppt/slides/slide29.xml><?xml version="1.0" encoding="utf-8"?>
 <p:sld xmlns:a="http://schemas.openxmlformats.org/drawingml/2006/main" xmlns:r="http://schemas.openxmlformats.org/officeDocument/2006/relationships" xmlns:p="http://schemas.openxmlformats.org/presentationml/2006/main">
   <p:cSld>
     <p:spTree>
@@ -6782,7 +9546,350 @@
 </p:sld>
 </file>
 
-<file path=ppt/slides/slide29.xml><?xml version="1.0" encoding="utf-8"?>
+<file path=ppt/slides/slide3.xml><?xml version="1.0" encoding="utf-8"?>
+<p:sld xmlns:a="http://schemas.openxmlformats.org/drawingml/2006/main" xmlns:r="http://schemas.openxmlformats.org/officeDocument/2006/relationships" xmlns:p="http://schemas.openxmlformats.org/presentationml/2006/main">
+  <p:cSld>
+    <p:bg>
+      <p:bgPr>
+        <a:solidFill>
+          <a:srgbClr val="F2F2F2"/>
+        </a:solidFill>
+        <a:effectLst/>
+      </p:bgPr>
+    </p:bg>
+    <p:spTree>
+      <p:nvGrpSpPr>
+        <p:cNvPr id="1" name=""/>
+        <p:cNvGrpSpPr/>
+        <p:nvPr/>
+      </p:nvGrpSpPr>
+      <p:grpSpPr>
+        <a:xfrm>
+          <a:off x="0" y="0"/>
+          <a:ext cx="0" cy="0"/>
+          <a:chOff x="0" y="0"/>
+          <a:chExt cx="0" cy="0"/>
+        </a:xfrm>
+      </p:grpSpPr>
+      <p:sp>
+        <p:nvSpPr>
+          <p:cNvPr id="2" name="Title 1">
+            <a:extLst>
+              <a:ext uri="{FF2B5EF4-FFF2-40B4-BE49-F238E27FC236}">
+                <a16:creationId xmlns:a16="http://schemas.microsoft.com/office/drawing/2014/main" id="{65D7092C-BE6E-410F-8115-F30632955673}"/>
+              </a:ext>
+            </a:extLst>
+          </p:cNvPr>
+          <p:cNvSpPr>
+            <a:spLocks noGrp="1"/>
+          </p:cNvSpPr>
+          <p:nvPr>
+            <p:ph type="title"/>
+          </p:nvPr>
+        </p:nvSpPr>
+        <p:spPr/>
+        <p:txBody>
+          <a:bodyPr/>
+          <a:lstStyle/>
+          <a:p>
+            <a:r>
+              <a:rPr lang="pt-PT" dirty="0" err="1"/>
+              <a:t>Intro</a:t>
+            </a:r>
+            <a:endParaRPr lang="pt-PT" dirty="0"/>
+          </a:p>
+        </p:txBody>
+      </p:sp>
+      <p:sp>
+        <p:nvSpPr>
+          <p:cNvPr id="3" name="Content Placeholder 2">
+            <a:extLst>
+              <a:ext uri="{FF2B5EF4-FFF2-40B4-BE49-F238E27FC236}">
+                <a16:creationId xmlns:a16="http://schemas.microsoft.com/office/drawing/2014/main" id="{8C6CFE7A-CE5A-439C-A2E2-4AD41B40CF26}"/>
+              </a:ext>
+            </a:extLst>
+          </p:cNvPr>
+          <p:cNvSpPr>
+            <a:spLocks noGrp="1"/>
+          </p:cNvSpPr>
+          <p:nvPr>
+            <p:ph idx="1"/>
+          </p:nvPr>
+        </p:nvSpPr>
+        <p:spPr/>
+        <p:txBody>
+          <a:bodyPr/>
+          <a:lstStyle/>
+          <a:p>
+            <a:r>
+              <a:rPr lang="en-US" dirty="0"/>
+              <a:t>Object-oriented is (still) the most broadly used programming paradigm</a:t>
+            </a:r>
+          </a:p>
+          <a:p>
+            <a:r>
+              <a:rPr lang="en-US" dirty="0"/>
+              <a:t>But are we really doing OO?</a:t>
+            </a:r>
+          </a:p>
+          <a:p>
+            <a:r>
+              <a:rPr lang="en-US" dirty="0"/>
+              <a:t>I'd argue a lot of the "OO" code we see is actually procedural </a:t>
+            </a:r>
+          </a:p>
+          <a:p>
+            <a:pPr lvl="1"/>
+            <a:r>
+              <a:rPr lang="en-US" dirty="0"/>
+              <a:t>My experience, maybe you have been luckier</a:t>
+            </a:r>
+          </a:p>
+          <a:p>
+            <a:endParaRPr lang="pt-PT" dirty="0"/>
+          </a:p>
+        </p:txBody>
+      </p:sp>
+    </p:spTree>
+    <p:extLst>
+      <p:ext uri="{BB962C8B-B14F-4D97-AF65-F5344CB8AC3E}">
+        <p14:creationId xmlns:p14="http://schemas.microsoft.com/office/powerpoint/2010/main" val="1205803648"/>
+      </p:ext>
+    </p:extLst>
+  </p:cSld>
+  <p:clrMapOvr>
+    <a:masterClrMapping/>
+  </p:clrMapOvr>
+  <p:timing>
+    <p:tnLst>
+      <p:par>
+        <p:cTn id="1" dur="indefinite" restart="never" nodeType="tmRoot">
+          <p:childTnLst>
+            <p:seq concurrent="1" nextAc="seek">
+              <p:cTn id="2" dur="indefinite" nodeType="mainSeq">
+                <p:childTnLst>
+                  <p:par>
+                    <p:cTn id="3" fill="hold">
+                      <p:stCondLst>
+                        <p:cond delay="indefinite"/>
+                      </p:stCondLst>
+                      <p:childTnLst>
+                        <p:par>
+                          <p:cTn id="4" fill="hold">
+                            <p:stCondLst>
+                              <p:cond delay="0"/>
+                            </p:stCondLst>
+                            <p:childTnLst>
+                              <p:par>
+                                <p:cTn id="5" presetID="1" presetClass="entr" presetSubtype="0" fill="hold" nodeType="clickEffect">
+                                  <p:stCondLst>
+                                    <p:cond delay="0"/>
+                                  </p:stCondLst>
+                                  <p:childTnLst>
+                                    <p:set>
+                                      <p:cBhvr>
+                                        <p:cTn id="6" dur="1" fill="hold">
+                                          <p:stCondLst>
+                                            <p:cond delay="0"/>
+                                          </p:stCondLst>
+                                        </p:cTn>
+                                        <p:tgtEl>
+                                          <p:spTgt spid="3">
+                                            <p:txEl>
+                                              <p:pRg st="0" end="0"/>
+                                            </p:txEl>
+                                          </p:spTgt>
+                                        </p:tgtEl>
+                                        <p:attrNameLst>
+                                          <p:attrName>style.visibility</p:attrName>
+                                        </p:attrNameLst>
+                                      </p:cBhvr>
+                                      <p:to>
+                                        <p:strVal val="visible"/>
+                                      </p:to>
+                                    </p:set>
+                                  </p:childTnLst>
+                                </p:cTn>
+                              </p:par>
+                            </p:childTnLst>
+                          </p:cTn>
+                        </p:par>
+                      </p:childTnLst>
+                    </p:cTn>
+                  </p:par>
+                  <p:par>
+                    <p:cTn id="7" fill="hold">
+                      <p:stCondLst>
+                        <p:cond delay="indefinite"/>
+                      </p:stCondLst>
+                      <p:childTnLst>
+                        <p:par>
+                          <p:cTn id="8" fill="hold">
+                            <p:stCondLst>
+                              <p:cond delay="0"/>
+                            </p:stCondLst>
+                            <p:childTnLst>
+                              <p:par>
+                                <p:cTn id="9" presetID="1" presetClass="entr" presetSubtype="0" fill="hold" nodeType="clickEffect">
+                                  <p:stCondLst>
+                                    <p:cond delay="0"/>
+                                  </p:stCondLst>
+                                  <p:childTnLst>
+                                    <p:set>
+                                      <p:cBhvr>
+                                        <p:cTn id="10" dur="1" fill="hold">
+                                          <p:stCondLst>
+                                            <p:cond delay="0"/>
+                                          </p:stCondLst>
+                                        </p:cTn>
+                                        <p:tgtEl>
+                                          <p:spTgt spid="3">
+                                            <p:txEl>
+                                              <p:pRg st="1" end="1"/>
+                                            </p:txEl>
+                                          </p:spTgt>
+                                        </p:tgtEl>
+                                        <p:attrNameLst>
+                                          <p:attrName>style.visibility</p:attrName>
+                                        </p:attrNameLst>
+                                      </p:cBhvr>
+                                      <p:to>
+                                        <p:strVal val="visible"/>
+                                      </p:to>
+                                    </p:set>
+                                  </p:childTnLst>
+                                </p:cTn>
+                              </p:par>
+                            </p:childTnLst>
+                          </p:cTn>
+                        </p:par>
+                      </p:childTnLst>
+                    </p:cTn>
+                  </p:par>
+                  <p:par>
+                    <p:cTn id="11" fill="hold">
+                      <p:stCondLst>
+                        <p:cond delay="indefinite"/>
+                      </p:stCondLst>
+                      <p:childTnLst>
+                        <p:par>
+                          <p:cTn id="12" fill="hold">
+                            <p:stCondLst>
+                              <p:cond delay="0"/>
+                            </p:stCondLst>
+                            <p:childTnLst>
+                              <p:par>
+                                <p:cTn id="13" presetID="1" presetClass="entr" presetSubtype="0" fill="hold" nodeType="clickEffect">
+                                  <p:stCondLst>
+                                    <p:cond delay="0"/>
+                                  </p:stCondLst>
+                                  <p:childTnLst>
+                                    <p:set>
+                                      <p:cBhvr>
+                                        <p:cTn id="14" dur="1" fill="hold">
+                                          <p:stCondLst>
+                                            <p:cond delay="0"/>
+                                          </p:stCondLst>
+                                        </p:cTn>
+                                        <p:tgtEl>
+                                          <p:spTgt spid="3">
+                                            <p:txEl>
+                                              <p:pRg st="2" end="2"/>
+                                            </p:txEl>
+                                          </p:spTgt>
+                                        </p:tgtEl>
+                                        <p:attrNameLst>
+                                          <p:attrName>style.visibility</p:attrName>
+                                        </p:attrNameLst>
+                                      </p:cBhvr>
+                                      <p:to>
+                                        <p:strVal val="visible"/>
+                                      </p:to>
+                                    </p:set>
+                                  </p:childTnLst>
+                                </p:cTn>
+                              </p:par>
+                            </p:childTnLst>
+                          </p:cTn>
+                        </p:par>
+                      </p:childTnLst>
+                    </p:cTn>
+                  </p:par>
+                  <p:par>
+                    <p:cTn id="15" fill="hold">
+                      <p:stCondLst>
+                        <p:cond delay="indefinite"/>
+                      </p:stCondLst>
+                      <p:childTnLst>
+                        <p:par>
+                          <p:cTn id="16" fill="hold">
+                            <p:stCondLst>
+                              <p:cond delay="0"/>
+                            </p:stCondLst>
+                            <p:childTnLst>
+                              <p:par>
+                                <p:cTn id="17" presetID="1" presetClass="entr" presetSubtype="0" fill="hold" nodeType="clickEffect">
+                                  <p:stCondLst>
+                                    <p:cond delay="0"/>
+                                  </p:stCondLst>
+                                  <p:childTnLst>
+                                    <p:set>
+                                      <p:cBhvr>
+                                        <p:cTn id="18" dur="1" fill="hold">
+                                          <p:stCondLst>
+                                            <p:cond delay="0"/>
+                                          </p:stCondLst>
+                                        </p:cTn>
+                                        <p:tgtEl>
+                                          <p:spTgt spid="3">
+                                            <p:txEl>
+                                              <p:pRg st="3" end="3"/>
+                                            </p:txEl>
+                                          </p:spTgt>
+                                        </p:tgtEl>
+                                        <p:attrNameLst>
+                                          <p:attrName>style.visibility</p:attrName>
+                                        </p:attrNameLst>
+                                      </p:cBhvr>
+                                      <p:to>
+                                        <p:strVal val="visible"/>
+                                      </p:to>
+                                    </p:set>
+                                  </p:childTnLst>
+                                </p:cTn>
+                              </p:par>
+                            </p:childTnLst>
+                          </p:cTn>
+                        </p:par>
+                      </p:childTnLst>
+                    </p:cTn>
+                  </p:par>
+                </p:childTnLst>
+              </p:cTn>
+              <p:prevCondLst>
+                <p:cond evt="onPrev" delay="0">
+                  <p:tgtEl>
+                    <p:sldTgt/>
+                  </p:tgtEl>
+                </p:cond>
+              </p:prevCondLst>
+              <p:nextCondLst>
+                <p:cond evt="onNext" delay="0">
+                  <p:tgtEl>
+                    <p:sldTgt/>
+                  </p:tgtEl>
+                </p:cond>
+              </p:nextCondLst>
+            </p:seq>
+          </p:childTnLst>
+        </p:cTn>
+      </p:par>
+    </p:tnLst>
+  </p:timing>
+</p:sld>
+</file>
+
+<file path=ppt/slides/slide30.xml><?xml version="1.0" encoding="utf-8"?>
 <p:sld xmlns:a="http://schemas.openxmlformats.org/drawingml/2006/main" xmlns:r="http://schemas.openxmlformats.org/officeDocument/2006/relationships" xmlns:p="http://schemas.openxmlformats.org/presentationml/2006/main">
   <p:cSld>
     <p:spTree>
@@ -7181,350 +10288,7 @@
 </p:sld>
 </file>
 
-<file path=ppt/slides/slide3.xml><?xml version="1.0" encoding="utf-8"?>
-<p:sld xmlns:a="http://schemas.openxmlformats.org/drawingml/2006/main" xmlns:r="http://schemas.openxmlformats.org/officeDocument/2006/relationships" xmlns:p="http://schemas.openxmlformats.org/presentationml/2006/main">
-  <p:cSld>
-    <p:bg>
-      <p:bgPr>
-        <a:solidFill>
-          <a:srgbClr val="F2F2F2"/>
-        </a:solidFill>
-        <a:effectLst/>
-      </p:bgPr>
-    </p:bg>
-    <p:spTree>
-      <p:nvGrpSpPr>
-        <p:cNvPr id="1" name=""/>
-        <p:cNvGrpSpPr/>
-        <p:nvPr/>
-      </p:nvGrpSpPr>
-      <p:grpSpPr>
-        <a:xfrm>
-          <a:off x="0" y="0"/>
-          <a:ext cx="0" cy="0"/>
-          <a:chOff x="0" y="0"/>
-          <a:chExt cx="0" cy="0"/>
-        </a:xfrm>
-      </p:grpSpPr>
-      <p:sp>
-        <p:nvSpPr>
-          <p:cNvPr id="2" name="Title 1">
-            <a:extLst>
-              <a:ext uri="{FF2B5EF4-FFF2-40B4-BE49-F238E27FC236}">
-                <a16:creationId xmlns:a16="http://schemas.microsoft.com/office/drawing/2014/main" id="{65D7092C-BE6E-410F-8115-F30632955673}"/>
-              </a:ext>
-            </a:extLst>
-          </p:cNvPr>
-          <p:cNvSpPr>
-            <a:spLocks noGrp="1"/>
-          </p:cNvSpPr>
-          <p:nvPr>
-            <p:ph type="title"/>
-          </p:nvPr>
-        </p:nvSpPr>
-        <p:spPr/>
-        <p:txBody>
-          <a:bodyPr/>
-          <a:lstStyle/>
-          <a:p>
-            <a:r>
-              <a:rPr lang="pt-PT" dirty="0" err="1"/>
-              <a:t>Intro</a:t>
-            </a:r>
-            <a:endParaRPr lang="pt-PT" dirty="0"/>
-          </a:p>
-        </p:txBody>
-      </p:sp>
-      <p:sp>
-        <p:nvSpPr>
-          <p:cNvPr id="3" name="Content Placeholder 2">
-            <a:extLst>
-              <a:ext uri="{FF2B5EF4-FFF2-40B4-BE49-F238E27FC236}">
-                <a16:creationId xmlns:a16="http://schemas.microsoft.com/office/drawing/2014/main" id="{8C6CFE7A-CE5A-439C-A2E2-4AD41B40CF26}"/>
-              </a:ext>
-            </a:extLst>
-          </p:cNvPr>
-          <p:cNvSpPr>
-            <a:spLocks noGrp="1"/>
-          </p:cNvSpPr>
-          <p:nvPr>
-            <p:ph idx="1"/>
-          </p:nvPr>
-        </p:nvSpPr>
-        <p:spPr/>
-        <p:txBody>
-          <a:bodyPr/>
-          <a:lstStyle/>
-          <a:p>
-            <a:r>
-              <a:rPr lang="en-US" dirty="0"/>
-              <a:t>Object oriented is (still) the most broadly used programming paradigm</a:t>
-            </a:r>
-          </a:p>
-          <a:p>
-            <a:r>
-              <a:rPr lang="en-US" dirty="0"/>
-              <a:t>But are we really doing OO?</a:t>
-            </a:r>
-          </a:p>
-          <a:p>
-            <a:r>
-              <a:rPr lang="en-US" dirty="0"/>
-              <a:t>I'd argue a lot of the "OO" code we see is actually procedural </a:t>
-            </a:r>
-          </a:p>
-          <a:p>
-            <a:pPr lvl="1"/>
-            <a:r>
-              <a:rPr lang="en-US" dirty="0"/>
-              <a:t>My experience, maybe you have been luckier</a:t>
-            </a:r>
-          </a:p>
-          <a:p>
-            <a:endParaRPr lang="pt-PT" dirty="0"/>
-          </a:p>
-        </p:txBody>
-      </p:sp>
-    </p:spTree>
-    <p:extLst>
-      <p:ext uri="{BB962C8B-B14F-4D97-AF65-F5344CB8AC3E}">
-        <p14:creationId xmlns:p14="http://schemas.microsoft.com/office/powerpoint/2010/main" val="1205803648"/>
-      </p:ext>
-    </p:extLst>
-  </p:cSld>
-  <p:clrMapOvr>
-    <a:masterClrMapping/>
-  </p:clrMapOvr>
-  <p:timing>
-    <p:tnLst>
-      <p:par>
-        <p:cTn id="1" dur="indefinite" restart="never" nodeType="tmRoot">
-          <p:childTnLst>
-            <p:seq concurrent="1" nextAc="seek">
-              <p:cTn id="2" dur="indefinite" nodeType="mainSeq">
-                <p:childTnLst>
-                  <p:par>
-                    <p:cTn id="3" fill="hold">
-                      <p:stCondLst>
-                        <p:cond delay="indefinite"/>
-                      </p:stCondLst>
-                      <p:childTnLst>
-                        <p:par>
-                          <p:cTn id="4" fill="hold">
-                            <p:stCondLst>
-                              <p:cond delay="0"/>
-                            </p:stCondLst>
-                            <p:childTnLst>
-                              <p:par>
-                                <p:cTn id="5" presetID="1" presetClass="entr" presetSubtype="0" fill="hold" nodeType="clickEffect">
-                                  <p:stCondLst>
-                                    <p:cond delay="0"/>
-                                  </p:stCondLst>
-                                  <p:childTnLst>
-                                    <p:set>
-                                      <p:cBhvr>
-                                        <p:cTn id="6" dur="1" fill="hold">
-                                          <p:stCondLst>
-                                            <p:cond delay="0"/>
-                                          </p:stCondLst>
-                                        </p:cTn>
-                                        <p:tgtEl>
-                                          <p:spTgt spid="3">
-                                            <p:txEl>
-                                              <p:pRg st="0" end="0"/>
-                                            </p:txEl>
-                                          </p:spTgt>
-                                        </p:tgtEl>
-                                        <p:attrNameLst>
-                                          <p:attrName>style.visibility</p:attrName>
-                                        </p:attrNameLst>
-                                      </p:cBhvr>
-                                      <p:to>
-                                        <p:strVal val="visible"/>
-                                      </p:to>
-                                    </p:set>
-                                  </p:childTnLst>
-                                </p:cTn>
-                              </p:par>
-                            </p:childTnLst>
-                          </p:cTn>
-                        </p:par>
-                      </p:childTnLst>
-                    </p:cTn>
-                  </p:par>
-                  <p:par>
-                    <p:cTn id="7" fill="hold">
-                      <p:stCondLst>
-                        <p:cond delay="indefinite"/>
-                      </p:stCondLst>
-                      <p:childTnLst>
-                        <p:par>
-                          <p:cTn id="8" fill="hold">
-                            <p:stCondLst>
-                              <p:cond delay="0"/>
-                            </p:stCondLst>
-                            <p:childTnLst>
-                              <p:par>
-                                <p:cTn id="9" presetID="1" presetClass="entr" presetSubtype="0" fill="hold" nodeType="clickEffect">
-                                  <p:stCondLst>
-                                    <p:cond delay="0"/>
-                                  </p:stCondLst>
-                                  <p:childTnLst>
-                                    <p:set>
-                                      <p:cBhvr>
-                                        <p:cTn id="10" dur="1" fill="hold">
-                                          <p:stCondLst>
-                                            <p:cond delay="0"/>
-                                          </p:stCondLst>
-                                        </p:cTn>
-                                        <p:tgtEl>
-                                          <p:spTgt spid="3">
-                                            <p:txEl>
-                                              <p:pRg st="1" end="1"/>
-                                            </p:txEl>
-                                          </p:spTgt>
-                                        </p:tgtEl>
-                                        <p:attrNameLst>
-                                          <p:attrName>style.visibility</p:attrName>
-                                        </p:attrNameLst>
-                                      </p:cBhvr>
-                                      <p:to>
-                                        <p:strVal val="visible"/>
-                                      </p:to>
-                                    </p:set>
-                                  </p:childTnLst>
-                                </p:cTn>
-                              </p:par>
-                            </p:childTnLst>
-                          </p:cTn>
-                        </p:par>
-                      </p:childTnLst>
-                    </p:cTn>
-                  </p:par>
-                  <p:par>
-                    <p:cTn id="11" fill="hold">
-                      <p:stCondLst>
-                        <p:cond delay="indefinite"/>
-                      </p:stCondLst>
-                      <p:childTnLst>
-                        <p:par>
-                          <p:cTn id="12" fill="hold">
-                            <p:stCondLst>
-                              <p:cond delay="0"/>
-                            </p:stCondLst>
-                            <p:childTnLst>
-                              <p:par>
-                                <p:cTn id="13" presetID="1" presetClass="entr" presetSubtype="0" fill="hold" nodeType="clickEffect">
-                                  <p:stCondLst>
-                                    <p:cond delay="0"/>
-                                  </p:stCondLst>
-                                  <p:childTnLst>
-                                    <p:set>
-                                      <p:cBhvr>
-                                        <p:cTn id="14" dur="1" fill="hold">
-                                          <p:stCondLst>
-                                            <p:cond delay="0"/>
-                                          </p:stCondLst>
-                                        </p:cTn>
-                                        <p:tgtEl>
-                                          <p:spTgt spid="3">
-                                            <p:txEl>
-                                              <p:pRg st="2" end="2"/>
-                                            </p:txEl>
-                                          </p:spTgt>
-                                        </p:tgtEl>
-                                        <p:attrNameLst>
-                                          <p:attrName>style.visibility</p:attrName>
-                                        </p:attrNameLst>
-                                      </p:cBhvr>
-                                      <p:to>
-                                        <p:strVal val="visible"/>
-                                      </p:to>
-                                    </p:set>
-                                  </p:childTnLst>
-                                </p:cTn>
-                              </p:par>
-                            </p:childTnLst>
-                          </p:cTn>
-                        </p:par>
-                      </p:childTnLst>
-                    </p:cTn>
-                  </p:par>
-                  <p:par>
-                    <p:cTn id="15" fill="hold">
-                      <p:stCondLst>
-                        <p:cond delay="indefinite"/>
-                      </p:stCondLst>
-                      <p:childTnLst>
-                        <p:par>
-                          <p:cTn id="16" fill="hold">
-                            <p:stCondLst>
-                              <p:cond delay="0"/>
-                            </p:stCondLst>
-                            <p:childTnLst>
-                              <p:par>
-                                <p:cTn id="17" presetID="1" presetClass="entr" presetSubtype="0" fill="hold" nodeType="clickEffect">
-                                  <p:stCondLst>
-                                    <p:cond delay="0"/>
-                                  </p:stCondLst>
-                                  <p:childTnLst>
-                                    <p:set>
-                                      <p:cBhvr>
-                                        <p:cTn id="18" dur="1" fill="hold">
-                                          <p:stCondLst>
-                                            <p:cond delay="0"/>
-                                          </p:stCondLst>
-                                        </p:cTn>
-                                        <p:tgtEl>
-                                          <p:spTgt spid="3">
-                                            <p:txEl>
-                                              <p:pRg st="3" end="3"/>
-                                            </p:txEl>
-                                          </p:spTgt>
-                                        </p:tgtEl>
-                                        <p:attrNameLst>
-                                          <p:attrName>style.visibility</p:attrName>
-                                        </p:attrNameLst>
-                                      </p:cBhvr>
-                                      <p:to>
-                                        <p:strVal val="visible"/>
-                                      </p:to>
-                                    </p:set>
-                                  </p:childTnLst>
-                                </p:cTn>
-                              </p:par>
-                            </p:childTnLst>
-                          </p:cTn>
-                        </p:par>
-                      </p:childTnLst>
-                    </p:cTn>
-                  </p:par>
-                </p:childTnLst>
-              </p:cTn>
-              <p:prevCondLst>
-                <p:cond evt="onPrev" delay="0">
-                  <p:tgtEl>
-                    <p:sldTgt/>
-                  </p:tgtEl>
-                </p:cond>
-              </p:prevCondLst>
-              <p:nextCondLst>
-                <p:cond evt="onNext" delay="0">
-                  <p:tgtEl>
-                    <p:sldTgt/>
-                  </p:tgtEl>
-                </p:cond>
-              </p:nextCondLst>
-            </p:seq>
-          </p:childTnLst>
-        </p:cTn>
-      </p:par>
-    </p:tnLst>
-  </p:timing>
-</p:sld>
-</file>
-
-<file path=ppt/slides/slide30.xml><?xml version="1.0" encoding="utf-8"?>
+<file path=ppt/slides/slide31.xml><?xml version="1.0" encoding="utf-8"?>
 <p:sld xmlns:a="http://schemas.openxmlformats.org/drawingml/2006/main" xmlns:r="http://schemas.openxmlformats.org/officeDocument/2006/relationships" xmlns:p="http://schemas.openxmlformats.org/presentationml/2006/main">
   <p:cSld>
     <p:spTree>
@@ -7614,7 +10378,7 @@
 </p:sld>
 </file>
 
-<file path=ppt/slides/slide31.xml><?xml version="1.0" encoding="utf-8"?>
+<file path=ppt/slides/slide32.xml><?xml version="1.0" encoding="utf-8"?>
 <p:sld xmlns:a="http://schemas.openxmlformats.org/drawingml/2006/main" xmlns:r="http://schemas.openxmlformats.org/officeDocument/2006/relationships" xmlns:p="http://schemas.openxmlformats.org/presentationml/2006/main">
   <p:cSld>
     <p:spTree>
@@ -8069,7 +10833,7 @@
 </p:sld>
 </file>
 
-<file path=ppt/slides/slide32.xml><?xml version="1.0" encoding="utf-8"?>
+<file path=ppt/slides/slide33.xml><?xml version="1.0" encoding="utf-8"?>
 <p:sld xmlns:a="http://schemas.openxmlformats.org/drawingml/2006/main" xmlns:r="http://schemas.openxmlformats.org/officeDocument/2006/relationships" xmlns:p="http://schemas.openxmlformats.org/presentationml/2006/main">
   <p:cSld>
     <p:spTree>
@@ -8156,19 +10920,22 @@
           <a:p>
             <a:r>
               <a:rPr lang="en-US" dirty="0"/>
-              <a:t>Probably some samples remind of things seen in content about DDD, maybe also CQRS and other such buzzwords</a:t>
+              <a:t>Procedural, object-oriented and functional are all valid</a:t>
             </a:r>
           </a:p>
           <a:p>
             <a:r>
               <a:rPr lang="en-US" dirty="0"/>
-              <a:t>I’d argue that’s because these went back to the basics to use tried and true patterns </a:t>
+              <a:t>But don’t hate </a:t>
             </a:r>
             <a:r>
               <a:rPr lang="en-US"/>
-              <a:t>and practices</a:t>
-            </a:r>
-            <a:endParaRPr lang="en-US" dirty="0"/>
+              <a:t>object-oriented when </a:t>
+            </a:r>
+            <a:r>
+              <a:rPr lang="en-US" dirty="0"/>
+              <a:t>writing procedural</a:t>
+            </a:r>
           </a:p>
         </p:txBody>
       </p:sp>
@@ -8411,7 +11178,237 @@
 </p:sld>
 </file>
 
-<file path=ppt/slides/slide33.xml><?xml version="1.0" encoding="utf-8"?>
+<file path=ppt/slides/slide34.xml><?xml version="1.0" encoding="utf-8"?>
+<p:sld xmlns:a="http://schemas.openxmlformats.org/drawingml/2006/main" xmlns:r="http://schemas.openxmlformats.org/officeDocument/2006/relationships" xmlns:p="http://schemas.openxmlformats.org/presentationml/2006/main">
+  <p:cSld>
+    <p:spTree>
+      <p:nvGrpSpPr>
+        <p:cNvPr id="1" name=""/>
+        <p:cNvGrpSpPr/>
+        <p:nvPr/>
+      </p:nvGrpSpPr>
+      <p:grpSpPr>
+        <a:xfrm>
+          <a:off x="0" y="0"/>
+          <a:ext cx="0" cy="0"/>
+          <a:chOff x="0" y="0"/>
+          <a:chExt cx="0" cy="0"/>
+        </a:xfrm>
+      </p:grpSpPr>
+      <p:sp>
+        <p:nvSpPr>
+          <p:cNvPr id="2" name="Title 1">
+            <a:extLst>
+              <a:ext uri="{FF2B5EF4-FFF2-40B4-BE49-F238E27FC236}">
+                <a16:creationId xmlns:a16="http://schemas.microsoft.com/office/drawing/2014/main" id="{AC91DBF9-7007-4BB8-8622-BE788E00C8E8}"/>
+              </a:ext>
+            </a:extLst>
+          </p:cNvPr>
+          <p:cNvSpPr>
+            <a:spLocks noGrp="1"/>
+          </p:cNvSpPr>
+          <p:nvPr>
+            <p:ph type="title"/>
+          </p:nvPr>
+        </p:nvSpPr>
+        <p:spPr/>
+        <p:txBody>
+          <a:bodyPr/>
+          <a:lstStyle/>
+          <a:p>
+            <a:r>
+              <a:rPr lang="pt-PT" dirty="0"/>
+              <a:t>Outro</a:t>
+            </a:r>
+          </a:p>
+        </p:txBody>
+      </p:sp>
+      <p:sp>
+        <p:nvSpPr>
+          <p:cNvPr id="3" name="Content Placeholder 2">
+            <a:extLst>
+              <a:ext uri="{FF2B5EF4-FFF2-40B4-BE49-F238E27FC236}">
+                <a16:creationId xmlns:a16="http://schemas.microsoft.com/office/drawing/2014/main" id="{27C86653-040F-47C8-95F2-C32479440CFB}"/>
+              </a:ext>
+            </a:extLst>
+          </p:cNvPr>
+          <p:cNvSpPr>
+            <a:spLocks noGrp="1"/>
+          </p:cNvSpPr>
+          <p:nvPr>
+            <p:ph idx="1"/>
+          </p:nvPr>
+        </p:nvSpPr>
+        <p:spPr>
+          <a:xfrm>
+            <a:off x="838200" y="1690688"/>
+            <a:ext cx="10515600" cy="4191882"/>
+          </a:xfrm>
+        </p:spPr>
+        <p:txBody>
+          <a:bodyPr>
+            <a:noAutofit/>
+          </a:bodyPr>
+          <a:lstStyle/>
+          <a:p>
+            <a:r>
+              <a:rPr lang="en-US" dirty="0"/>
+              <a:t>Probably some samples remind of things seen in content about DDD, maybe also CQRS and other such buzzwords</a:t>
+            </a:r>
+          </a:p>
+          <a:p>
+            <a:r>
+              <a:rPr lang="en-US" dirty="0"/>
+              <a:t>I’d argue that’s because these went back to the basics to use tried and true patterns and practices</a:t>
+            </a:r>
+          </a:p>
+        </p:txBody>
+      </p:sp>
+    </p:spTree>
+    <p:extLst>
+      <p:ext uri="{BB962C8B-B14F-4D97-AF65-F5344CB8AC3E}">
+        <p14:creationId xmlns:p14="http://schemas.microsoft.com/office/powerpoint/2010/main" val="2620489485"/>
+      </p:ext>
+    </p:extLst>
+  </p:cSld>
+  <p:clrMapOvr>
+    <a:masterClrMapping/>
+  </p:clrMapOvr>
+  <p:timing>
+    <p:tnLst>
+      <p:par>
+        <p:cTn id="1" dur="indefinite" restart="never" nodeType="tmRoot">
+          <p:childTnLst>
+            <p:seq concurrent="1" nextAc="seek">
+              <p:cTn id="2" dur="indefinite" nodeType="mainSeq">
+                <p:childTnLst>
+                  <p:par>
+                    <p:cTn id="3" fill="hold">
+                      <p:stCondLst>
+                        <p:cond delay="indefinite"/>
+                        <p:cond evt="onBegin" delay="0">
+                          <p:tn val="2"/>
+                        </p:cond>
+                      </p:stCondLst>
+                      <p:childTnLst>
+                        <p:par>
+                          <p:cTn id="4" fill="hold">
+                            <p:stCondLst>
+                              <p:cond delay="0"/>
+                            </p:stCondLst>
+                            <p:childTnLst>
+                              <p:par>
+                                <p:cTn id="5" presetID="1" presetClass="entr" presetSubtype="0" fill="hold" nodeType="withEffect">
+                                  <p:stCondLst>
+                                    <p:cond delay="0"/>
+                                  </p:stCondLst>
+                                  <p:childTnLst>
+                                    <p:set>
+                                      <p:cBhvr>
+                                        <p:cTn id="6" dur="1" fill="hold">
+                                          <p:stCondLst>
+                                            <p:cond delay="0"/>
+                                          </p:stCondLst>
+                                        </p:cTn>
+                                        <p:tgtEl>
+                                          <p:spTgt spid="3">
+                                            <p:txEl>
+                                              <p:pRg st="0" end="0"/>
+                                            </p:txEl>
+                                          </p:spTgt>
+                                        </p:tgtEl>
+                                        <p:attrNameLst>
+                                          <p:attrName>style.visibility</p:attrName>
+                                        </p:attrNameLst>
+                                      </p:cBhvr>
+                                      <p:to>
+                                        <p:strVal val="visible"/>
+                                      </p:to>
+                                    </p:set>
+                                  </p:childTnLst>
+                                </p:cTn>
+                              </p:par>
+                            </p:childTnLst>
+                          </p:cTn>
+                        </p:par>
+                      </p:childTnLst>
+                    </p:cTn>
+                  </p:par>
+                  <p:par>
+                    <p:cTn id="7" fill="hold">
+                      <p:stCondLst>
+                        <p:cond delay="indefinite"/>
+                      </p:stCondLst>
+                      <p:childTnLst>
+                        <p:par>
+                          <p:cTn id="8" fill="hold">
+                            <p:stCondLst>
+                              <p:cond delay="0"/>
+                            </p:stCondLst>
+                            <p:childTnLst>
+                              <p:par>
+                                <p:cTn id="9" presetID="1" presetClass="entr" presetSubtype="0" fill="hold" nodeType="clickEffect">
+                                  <p:stCondLst>
+                                    <p:cond delay="0"/>
+                                  </p:stCondLst>
+                                  <p:childTnLst>
+                                    <p:set>
+                                      <p:cBhvr>
+                                        <p:cTn id="10" dur="1" fill="hold">
+                                          <p:stCondLst>
+                                            <p:cond delay="0"/>
+                                          </p:stCondLst>
+                                        </p:cTn>
+                                        <p:tgtEl>
+                                          <p:spTgt spid="3">
+                                            <p:txEl>
+                                              <p:pRg st="1" end="1"/>
+                                            </p:txEl>
+                                          </p:spTgt>
+                                        </p:tgtEl>
+                                        <p:attrNameLst>
+                                          <p:attrName>style.visibility</p:attrName>
+                                        </p:attrNameLst>
+                                      </p:cBhvr>
+                                      <p:to>
+                                        <p:strVal val="visible"/>
+                                      </p:to>
+                                    </p:set>
+                                  </p:childTnLst>
+                                </p:cTn>
+                              </p:par>
+                            </p:childTnLst>
+                          </p:cTn>
+                        </p:par>
+                      </p:childTnLst>
+                    </p:cTn>
+                  </p:par>
+                </p:childTnLst>
+              </p:cTn>
+              <p:prevCondLst>
+                <p:cond evt="onPrev" delay="0">
+                  <p:tgtEl>
+                    <p:sldTgt/>
+                  </p:tgtEl>
+                </p:cond>
+              </p:prevCondLst>
+              <p:nextCondLst>
+                <p:cond evt="onNext" delay="0">
+                  <p:tgtEl>
+                    <p:sldTgt/>
+                  </p:tgtEl>
+                </p:cond>
+              </p:nextCondLst>
+            </p:seq>
+          </p:childTnLst>
+        </p:cTn>
+      </p:par>
+    </p:tnLst>
+  </p:timing>
+</p:sld>
+</file>
+
+<file path=ppt/slides/slide35.xml><?xml version="1.0" encoding="utf-8"?>
 <p:sld xmlns:a="http://schemas.openxmlformats.org/drawingml/2006/main" xmlns:r="http://schemas.openxmlformats.org/officeDocument/2006/relationships" xmlns:p="http://schemas.openxmlformats.org/presentationml/2006/main">
   <p:cSld>
     <p:spTree>
@@ -8561,7 +11558,7 @@
 </p:sld>
 </file>
 
-<file path=ppt/slides/slide34.xml><?xml version="1.0" encoding="utf-8"?>
+<file path=ppt/slides/slide36.xml><?xml version="1.0" encoding="utf-8"?>
 <p:sld xmlns:a="http://schemas.openxmlformats.org/drawingml/2006/main" xmlns:r="http://schemas.openxmlformats.org/officeDocument/2006/relationships" xmlns:p="http://schemas.openxmlformats.org/presentationml/2006/main">
   <p:cSld>
     <p:spTree>
@@ -9137,7 +12134,7 @@
             <a:pPr lvl="1"/>
             <a:r>
               <a:rPr lang="en-US" dirty="0"/>
-              <a:t>Checkout cart</a:t>
+              <a:t>Remove item from cart</a:t>
             </a:r>
           </a:p>
           <a:p>

--- a/presentation/OOPsIDidItAgain.pptx
+++ b/presentation/OOPsIDidItAgain.pptx
@@ -13,34 +13,35 @@
     <p:sldId id="261" r:id="rId7"/>
     <p:sldId id="262" r:id="rId8"/>
     <p:sldId id="263" r:id="rId9"/>
-    <p:sldId id="264" r:id="rId10"/>
+    <p:sldId id="295" r:id="rId10"/>
     <p:sldId id="265" r:id="rId11"/>
-    <p:sldId id="267" r:id="rId12"/>
-    <p:sldId id="268" r:id="rId13"/>
-    <p:sldId id="269" r:id="rId14"/>
-    <p:sldId id="270" r:id="rId15"/>
-    <p:sldId id="271" r:id="rId16"/>
-    <p:sldId id="272" r:id="rId17"/>
-    <p:sldId id="273" r:id="rId18"/>
-    <p:sldId id="274" r:id="rId19"/>
-    <p:sldId id="275" r:id="rId20"/>
-    <p:sldId id="276" r:id="rId21"/>
-    <p:sldId id="292" r:id="rId22"/>
-    <p:sldId id="277" r:id="rId23"/>
-    <p:sldId id="278" r:id="rId24"/>
-    <p:sldId id="279" r:id="rId25"/>
-    <p:sldId id="280" r:id="rId26"/>
-    <p:sldId id="281" r:id="rId27"/>
-    <p:sldId id="282" r:id="rId28"/>
-    <p:sldId id="283" r:id="rId29"/>
-    <p:sldId id="284" r:id="rId30"/>
-    <p:sldId id="285" r:id="rId31"/>
-    <p:sldId id="286" r:id="rId32"/>
-    <p:sldId id="287" r:id="rId33"/>
-    <p:sldId id="288" r:id="rId34"/>
-    <p:sldId id="294" r:id="rId35"/>
-    <p:sldId id="290" r:id="rId36"/>
-    <p:sldId id="291" r:id="rId37"/>
+    <p:sldId id="297" r:id="rId12"/>
+    <p:sldId id="267" r:id="rId13"/>
+    <p:sldId id="268" r:id="rId14"/>
+    <p:sldId id="298" r:id="rId15"/>
+    <p:sldId id="270" r:id="rId16"/>
+    <p:sldId id="271" r:id="rId17"/>
+    <p:sldId id="272" r:id="rId18"/>
+    <p:sldId id="273" r:id="rId19"/>
+    <p:sldId id="274" r:id="rId20"/>
+    <p:sldId id="275" r:id="rId21"/>
+    <p:sldId id="276" r:id="rId22"/>
+    <p:sldId id="299" r:id="rId23"/>
+    <p:sldId id="277" r:id="rId24"/>
+    <p:sldId id="278" r:id="rId25"/>
+    <p:sldId id="279" r:id="rId26"/>
+    <p:sldId id="280" r:id="rId27"/>
+    <p:sldId id="281" r:id="rId28"/>
+    <p:sldId id="282" r:id="rId29"/>
+    <p:sldId id="283" r:id="rId30"/>
+    <p:sldId id="284" r:id="rId31"/>
+    <p:sldId id="285" r:id="rId32"/>
+    <p:sldId id="286" r:id="rId33"/>
+    <p:sldId id="287" r:id="rId34"/>
+    <p:sldId id="288" r:id="rId35"/>
+    <p:sldId id="294" r:id="rId36"/>
+    <p:sldId id="290" r:id="rId37"/>
+    <p:sldId id="291" r:id="rId38"/>
   </p:sldIdLst>
   <p:sldSz cx="12192000" cy="6858000"/>
   <p:notesSz cx="6858000" cy="9144000"/>
@@ -164,15 +165,16 @@
           <p14:sldIdLst>
             <p14:sldId id="262"/>
             <p14:sldId id="263"/>
-            <p14:sldId id="264"/>
+            <p14:sldId id="295"/>
             <p14:sldId id="265"/>
+            <p14:sldId id="297"/>
           </p14:sldIdLst>
         </p14:section>
         <p14:section name="Super Service" id="{DF8B4715-1939-411D-B1CA-87B43007CD10}">
           <p14:sldIdLst>
             <p14:sldId id="267"/>
             <p14:sldId id="268"/>
-            <p14:sldId id="269"/>
+            <p14:sldId id="298"/>
             <p14:sldId id="270"/>
           </p14:sldIdLst>
         </p14:section>
@@ -188,7 +190,7 @@
           <p14:sldIdLst>
             <p14:sldId id="275"/>
             <p14:sldId id="276"/>
-            <p14:sldId id="292"/>
+            <p14:sldId id="299"/>
             <p14:sldId id="277"/>
             <p14:sldId id="278"/>
             <p14:sldId id="279"/>
@@ -225,2782 +227,6 @@
     </p:ext>
   </p:extLst>
 </p:presentation>
-</file>
-
-<file path=ppt/diagrams/colors1.xml><?xml version="1.0" encoding="utf-8"?>
-<dgm:colorsDef xmlns:dgm="http://schemas.openxmlformats.org/drawingml/2006/diagram" xmlns:a="http://schemas.openxmlformats.org/drawingml/2006/main" uniqueId="urn:microsoft.com/office/officeart/2005/8/colors/accent1_2">
-  <dgm:title val=""/>
-  <dgm:desc val=""/>
-  <dgm:catLst>
-    <dgm:cat type="accent1" pri="11200"/>
-  </dgm:catLst>
-  <dgm:styleLbl name="node0">
-    <dgm:fillClrLst meth="repeat">
-      <a:schemeClr val="accent1"/>
-    </dgm:fillClrLst>
-    <dgm:linClrLst meth="repeat">
-      <a:schemeClr val="lt1"/>
-    </dgm:linClrLst>
-    <dgm:effectClrLst/>
-    <dgm:txLinClrLst/>
-    <dgm:txFillClrLst/>
-    <dgm:txEffectClrLst/>
-  </dgm:styleLbl>
-  <dgm:styleLbl name="alignNode1">
-    <dgm:fillClrLst meth="repeat">
-      <a:schemeClr val="accent1"/>
-    </dgm:fillClrLst>
-    <dgm:linClrLst meth="repeat">
-      <a:schemeClr val="accent1"/>
-    </dgm:linClrLst>
-    <dgm:effectClrLst/>
-    <dgm:txLinClrLst/>
-    <dgm:txFillClrLst/>
-    <dgm:txEffectClrLst/>
-  </dgm:styleLbl>
-  <dgm:styleLbl name="node1">
-    <dgm:fillClrLst meth="repeat">
-      <a:schemeClr val="accent1"/>
-    </dgm:fillClrLst>
-    <dgm:linClrLst meth="repeat">
-      <a:schemeClr val="lt1"/>
-    </dgm:linClrLst>
-    <dgm:effectClrLst/>
-    <dgm:txLinClrLst/>
-    <dgm:txFillClrLst/>
-    <dgm:txEffectClrLst/>
-  </dgm:styleLbl>
-  <dgm:styleLbl name="lnNode1">
-    <dgm:fillClrLst meth="repeat">
-      <a:schemeClr val="accent1"/>
-    </dgm:fillClrLst>
-    <dgm:linClrLst meth="repeat">
-      <a:schemeClr val="lt1"/>
-    </dgm:linClrLst>
-    <dgm:effectClrLst/>
-    <dgm:txLinClrLst/>
-    <dgm:txFillClrLst/>
-    <dgm:txEffectClrLst/>
-  </dgm:styleLbl>
-  <dgm:styleLbl name="vennNode1">
-    <dgm:fillClrLst meth="repeat">
-      <a:schemeClr val="accent1">
-        <a:alpha val="50000"/>
-      </a:schemeClr>
-    </dgm:fillClrLst>
-    <dgm:linClrLst meth="repeat">
-      <a:schemeClr val="lt1"/>
-    </dgm:linClrLst>
-    <dgm:effectClrLst/>
-    <dgm:txLinClrLst/>
-    <dgm:txFillClrLst/>
-    <dgm:txEffectClrLst/>
-  </dgm:styleLbl>
-  <dgm:styleLbl name="node2">
-    <dgm:fillClrLst meth="repeat">
-      <a:schemeClr val="accent1"/>
-    </dgm:fillClrLst>
-    <dgm:linClrLst meth="repeat">
-      <a:schemeClr val="lt1"/>
-    </dgm:linClrLst>
-    <dgm:effectClrLst/>
-    <dgm:txLinClrLst/>
-    <dgm:txFillClrLst/>
-    <dgm:txEffectClrLst/>
-  </dgm:styleLbl>
-  <dgm:styleLbl name="node3">
-    <dgm:fillClrLst meth="repeat">
-      <a:schemeClr val="accent1"/>
-    </dgm:fillClrLst>
-    <dgm:linClrLst meth="repeat">
-      <a:schemeClr val="lt1"/>
-    </dgm:linClrLst>
-    <dgm:effectClrLst/>
-    <dgm:txLinClrLst/>
-    <dgm:txFillClrLst/>
-    <dgm:txEffectClrLst/>
-  </dgm:styleLbl>
-  <dgm:styleLbl name="node4">
-    <dgm:fillClrLst meth="repeat">
-      <a:schemeClr val="accent1"/>
-    </dgm:fillClrLst>
-    <dgm:linClrLst meth="repeat">
-      <a:schemeClr val="lt1"/>
-    </dgm:linClrLst>
-    <dgm:effectClrLst/>
-    <dgm:txLinClrLst/>
-    <dgm:txFillClrLst/>
-    <dgm:txEffectClrLst/>
-  </dgm:styleLbl>
-  <dgm:styleLbl name="fgImgPlace1">
-    <dgm:fillClrLst meth="repeat">
-      <a:schemeClr val="accent1">
-        <a:tint val="50000"/>
-      </a:schemeClr>
-    </dgm:fillClrLst>
-    <dgm:linClrLst meth="repeat">
-      <a:schemeClr val="lt1"/>
-    </dgm:linClrLst>
-    <dgm:effectClrLst/>
-    <dgm:txLinClrLst/>
-    <dgm:txFillClrLst meth="repeat">
-      <a:schemeClr val="lt1"/>
-    </dgm:txFillClrLst>
-    <dgm:txEffectClrLst/>
-  </dgm:styleLbl>
-  <dgm:styleLbl name="alignImgPlace1">
-    <dgm:fillClrLst meth="repeat">
-      <a:schemeClr val="accent1">
-        <a:tint val="50000"/>
-      </a:schemeClr>
-    </dgm:fillClrLst>
-    <dgm:linClrLst meth="repeat">
-      <a:schemeClr val="lt1"/>
-    </dgm:linClrLst>
-    <dgm:effectClrLst/>
-    <dgm:txLinClrLst/>
-    <dgm:txFillClrLst meth="repeat">
-      <a:schemeClr val="lt1"/>
-    </dgm:txFillClrLst>
-    <dgm:txEffectClrLst/>
-  </dgm:styleLbl>
-  <dgm:styleLbl name="bgImgPlace1">
-    <dgm:fillClrLst meth="repeat">
-      <a:schemeClr val="accent1">
-        <a:tint val="50000"/>
-      </a:schemeClr>
-    </dgm:fillClrLst>
-    <dgm:linClrLst meth="repeat">
-      <a:schemeClr val="lt1"/>
-    </dgm:linClrLst>
-    <dgm:effectClrLst/>
-    <dgm:txLinClrLst/>
-    <dgm:txFillClrLst meth="repeat">
-      <a:schemeClr val="lt1"/>
-    </dgm:txFillClrLst>
-    <dgm:txEffectClrLst/>
-  </dgm:styleLbl>
-  <dgm:styleLbl name="sibTrans2D1">
-    <dgm:fillClrLst meth="repeat">
-      <a:schemeClr val="accent1">
-        <a:tint val="60000"/>
-      </a:schemeClr>
-    </dgm:fillClrLst>
-    <dgm:linClrLst meth="repeat">
-      <a:schemeClr val="accent1">
-        <a:tint val="60000"/>
-      </a:schemeClr>
-    </dgm:linClrLst>
-    <dgm:effectClrLst/>
-    <dgm:txLinClrLst/>
-    <dgm:txFillClrLst/>
-    <dgm:txEffectClrLst/>
-  </dgm:styleLbl>
-  <dgm:styleLbl name="fgSibTrans2D1">
-    <dgm:fillClrLst meth="repeat">
-      <a:schemeClr val="accent1">
-        <a:tint val="60000"/>
-      </a:schemeClr>
-    </dgm:fillClrLst>
-    <dgm:linClrLst meth="repeat">
-      <a:schemeClr val="accent1">
-        <a:tint val="60000"/>
-      </a:schemeClr>
-    </dgm:linClrLst>
-    <dgm:effectClrLst/>
-    <dgm:txLinClrLst/>
-    <dgm:txFillClrLst/>
-    <dgm:txEffectClrLst/>
-  </dgm:styleLbl>
-  <dgm:styleLbl name="bgSibTrans2D1">
-    <dgm:fillClrLst meth="repeat">
-      <a:schemeClr val="accent1">
-        <a:tint val="60000"/>
-      </a:schemeClr>
-    </dgm:fillClrLst>
-    <dgm:linClrLst meth="repeat">
-      <a:schemeClr val="accent1">
-        <a:tint val="60000"/>
-      </a:schemeClr>
-    </dgm:linClrLst>
-    <dgm:effectClrLst/>
-    <dgm:txLinClrLst/>
-    <dgm:txFillClrLst/>
-    <dgm:txEffectClrLst/>
-  </dgm:styleLbl>
-  <dgm:styleLbl name="sibTrans1D1">
-    <dgm:fillClrLst meth="repeat">
-      <a:schemeClr val="accent1"/>
-    </dgm:fillClrLst>
-    <dgm:linClrLst meth="repeat">
-      <a:schemeClr val="accent1"/>
-    </dgm:linClrLst>
-    <dgm:effectClrLst/>
-    <dgm:txLinClrLst/>
-    <dgm:txFillClrLst meth="repeat">
-      <a:schemeClr val="tx1"/>
-    </dgm:txFillClrLst>
-    <dgm:txEffectClrLst/>
-  </dgm:styleLbl>
-  <dgm:styleLbl name="callout">
-    <dgm:fillClrLst meth="repeat">
-      <a:schemeClr val="accent1"/>
-    </dgm:fillClrLst>
-    <dgm:linClrLst meth="repeat">
-      <a:schemeClr val="accent1">
-        <a:tint val="50000"/>
-      </a:schemeClr>
-    </dgm:linClrLst>
-    <dgm:effectClrLst/>
-    <dgm:txLinClrLst/>
-    <dgm:txFillClrLst meth="repeat">
-      <a:schemeClr val="tx1"/>
-    </dgm:txFillClrLst>
-    <dgm:txEffectClrLst/>
-  </dgm:styleLbl>
-  <dgm:styleLbl name="asst0">
-    <dgm:fillClrLst meth="repeat">
-      <a:schemeClr val="accent1"/>
-    </dgm:fillClrLst>
-    <dgm:linClrLst meth="repeat">
-      <a:schemeClr val="lt1"/>
-    </dgm:linClrLst>
-    <dgm:effectClrLst/>
-    <dgm:txLinClrLst/>
-    <dgm:txFillClrLst/>
-    <dgm:txEffectClrLst/>
-  </dgm:styleLbl>
-  <dgm:styleLbl name="asst1">
-    <dgm:fillClrLst meth="repeat">
-      <a:schemeClr val="accent1"/>
-    </dgm:fillClrLst>
-    <dgm:linClrLst meth="repeat">
-      <a:schemeClr val="lt1"/>
-    </dgm:linClrLst>
-    <dgm:effectClrLst/>
-    <dgm:txLinClrLst/>
-    <dgm:txFillClrLst/>
-    <dgm:txEffectClrLst/>
-  </dgm:styleLbl>
-  <dgm:styleLbl name="asst2">
-    <dgm:fillClrLst meth="repeat">
-      <a:schemeClr val="accent1"/>
-    </dgm:fillClrLst>
-    <dgm:linClrLst meth="repeat">
-      <a:schemeClr val="lt1"/>
-    </dgm:linClrLst>
-    <dgm:effectClrLst/>
-    <dgm:txLinClrLst/>
-    <dgm:txFillClrLst/>
-    <dgm:txEffectClrLst/>
-  </dgm:styleLbl>
-  <dgm:styleLbl name="asst3">
-    <dgm:fillClrLst meth="repeat">
-      <a:schemeClr val="accent1"/>
-    </dgm:fillClrLst>
-    <dgm:linClrLst meth="repeat">
-      <a:schemeClr val="lt1"/>
-    </dgm:linClrLst>
-    <dgm:effectClrLst/>
-    <dgm:txLinClrLst/>
-    <dgm:txFillClrLst/>
-    <dgm:txEffectClrLst/>
-  </dgm:styleLbl>
-  <dgm:styleLbl name="asst4">
-    <dgm:fillClrLst meth="repeat">
-      <a:schemeClr val="accent1"/>
-    </dgm:fillClrLst>
-    <dgm:linClrLst meth="repeat">
-      <a:schemeClr val="lt1"/>
-    </dgm:linClrLst>
-    <dgm:effectClrLst/>
-    <dgm:txLinClrLst/>
-    <dgm:txFillClrLst/>
-    <dgm:txEffectClrLst/>
-  </dgm:styleLbl>
-  <dgm:styleLbl name="parChTrans2D1">
-    <dgm:fillClrLst meth="repeat">
-      <a:schemeClr val="accent1">
-        <a:tint val="60000"/>
-      </a:schemeClr>
-    </dgm:fillClrLst>
-    <dgm:linClrLst meth="repeat">
-      <a:schemeClr val="accent1">
-        <a:tint val="60000"/>
-      </a:schemeClr>
-    </dgm:linClrLst>
-    <dgm:effectClrLst/>
-    <dgm:txLinClrLst/>
-    <dgm:txFillClrLst meth="repeat">
-      <a:schemeClr val="lt1"/>
-    </dgm:txFillClrLst>
-    <dgm:txEffectClrLst/>
-  </dgm:styleLbl>
-  <dgm:styleLbl name="parChTrans2D2">
-    <dgm:fillClrLst meth="repeat">
-      <a:schemeClr val="accent1"/>
-    </dgm:fillClrLst>
-    <dgm:linClrLst meth="repeat">
-      <a:schemeClr val="accent1"/>
-    </dgm:linClrLst>
-    <dgm:effectClrLst/>
-    <dgm:txLinClrLst/>
-    <dgm:txFillClrLst meth="repeat">
-      <a:schemeClr val="lt1"/>
-    </dgm:txFillClrLst>
-    <dgm:txEffectClrLst/>
-  </dgm:styleLbl>
-  <dgm:styleLbl name="parChTrans2D3">
-    <dgm:fillClrLst meth="repeat">
-      <a:schemeClr val="accent1"/>
-    </dgm:fillClrLst>
-    <dgm:linClrLst meth="repeat">
-      <a:schemeClr val="accent1"/>
-    </dgm:linClrLst>
-    <dgm:effectClrLst/>
-    <dgm:txLinClrLst/>
-    <dgm:txFillClrLst meth="repeat">
-      <a:schemeClr val="lt1"/>
-    </dgm:txFillClrLst>
-    <dgm:txEffectClrLst/>
-  </dgm:styleLbl>
-  <dgm:styleLbl name="parChTrans2D4">
-    <dgm:fillClrLst meth="repeat">
-      <a:schemeClr val="accent1"/>
-    </dgm:fillClrLst>
-    <dgm:linClrLst meth="repeat">
-      <a:schemeClr val="accent1"/>
-    </dgm:linClrLst>
-    <dgm:effectClrLst/>
-    <dgm:txLinClrLst/>
-    <dgm:txFillClrLst meth="repeat">
-      <a:schemeClr val="lt1"/>
-    </dgm:txFillClrLst>
-    <dgm:txEffectClrLst/>
-  </dgm:styleLbl>
-  <dgm:styleLbl name="parChTrans1D1">
-    <dgm:fillClrLst meth="repeat">
-      <a:schemeClr val="accent1"/>
-    </dgm:fillClrLst>
-    <dgm:linClrLst meth="repeat">
-      <a:schemeClr val="accent1">
-        <a:shade val="60000"/>
-      </a:schemeClr>
-    </dgm:linClrLst>
-    <dgm:effectClrLst/>
-    <dgm:txLinClrLst/>
-    <dgm:txFillClrLst meth="repeat">
-      <a:schemeClr val="tx1"/>
-    </dgm:txFillClrLst>
-    <dgm:txEffectClrLst/>
-  </dgm:styleLbl>
-  <dgm:styleLbl name="parChTrans1D2">
-    <dgm:fillClrLst meth="repeat">
-      <a:schemeClr val="accent1"/>
-    </dgm:fillClrLst>
-    <dgm:linClrLst meth="repeat">
-      <a:schemeClr val="accent1">
-        <a:shade val="60000"/>
-      </a:schemeClr>
-    </dgm:linClrLst>
-    <dgm:effectClrLst/>
-    <dgm:txLinClrLst/>
-    <dgm:txFillClrLst meth="repeat">
-      <a:schemeClr val="tx1"/>
-    </dgm:txFillClrLst>
-    <dgm:txEffectClrLst/>
-  </dgm:styleLbl>
-  <dgm:styleLbl name="parChTrans1D3">
-    <dgm:fillClrLst meth="repeat">
-      <a:schemeClr val="accent1"/>
-    </dgm:fillClrLst>
-    <dgm:linClrLst meth="repeat">
-      <a:schemeClr val="accent1">
-        <a:shade val="80000"/>
-      </a:schemeClr>
-    </dgm:linClrLst>
-    <dgm:effectClrLst/>
-    <dgm:txLinClrLst/>
-    <dgm:txFillClrLst meth="repeat">
-      <a:schemeClr val="tx1"/>
-    </dgm:txFillClrLst>
-    <dgm:txEffectClrLst/>
-  </dgm:styleLbl>
-  <dgm:styleLbl name="parChTrans1D4">
-    <dgm:fillClrLst meth="repeat">
-      <a:schemeClr val="accent1"/>
-    </dgm:fillClrLst>
-    <dgm:linClrLst meth="repeat">
-      <a:schemeClr val="accent1">
-        <a:shade val="80000"/>
-      </a:schemeClr>
-    </dgm:linClrLst>
-    <dgm:effectClrLst/>
-    <dgm:txLinClrLst/>
-    <dgm:txFillClrLst meth="repeat">
-      <a:schemeClr val="tx1"/>
-    </dgm:txFillClrLst>
-    <dgm:txEffectClrLst/>
-  </dgm:styleLbl>
-  <dgm:styleLbl name="fgAcc1">
-    <dgm:fillClrLst meth="repeat">
-      <a:schemeClr val="lt1">
-        <a:alpha val="90000"/>
-      </a:schemeClr>
-    </dgm:fillClrLst>
-    <dgm:linClrLst meth="repeat">
-      <a:schemeClr val="accent1"/>
-    </dgm:linClrLst>
-    <dgm:effectClrLst/>
-    <dgm:txLinClrLst/>
-    <dgm:txFillClrLst meth="repeat">
-      <a:schemeClr val="dk1"/>
-    </dgm:txFillClrLst>
-    <dgm:txEffectClrLst/>
-  </dgm:styleLbl>
-  <dgm:styleLbl name="conFgAcc1">
-    <dgm:fillClrLst meth="repeat">
-      <a:schemeClr val="lt1">
-        <a:alpha val="90000"/>
-      </a:schemeClr>
-    </dgm:fillClrLst>
-    <dgm:linClrLst meth="repeat">
-      <a:schemeClr val="accent1"/>
-    </dgm:linClrLst>
-    <dgm:effectClrLst/>
-    <dgm:txLinClrLst/>
-    <dgm:txFillClrLst meth="repeat">
-      <a:schemeClr val="dk1"/>
-    </dgm:txFillClrLst>
-    <dgm:txEffectClrLst/>
-  </dgm:styleLbl>
-  <dgm:styleLbl name="alignAcc1">
-    <dgm:fillClrLst meth="repeat">
-      <a:schemeClr val="lt1">
-        <a:alpha val="90000"/>
-      </a:schemeClr>
-    </dgm:fillClrLst>
-    <dgm:linClrLst meth="repeat">
-      <a:schemeClr val="accent1"/>
-    </dgm:linClrLst>
-    <dgm:effectClrLst/>
-    <dgm:txLinClrLst/>
-    <dgm:txFillClrLst meth="repeat">
-      <a:schemeClr val="dk1"/>
-    </dgm:txFillClrLst>
-    <dgm:txEffectClrLst/>
-  </dgm:styleLbl>
-  <dgm:styleLbl name="trAlignAcc1">
-    <dgm:fillClrLst meth="repeat">
-      <a:schemeClr val="lt1">
-        <a:alpha val="40000"/>
-      </a:schemeClr>
-    </dgm:fillClrLst>
-    <dgm:linClrLst meth="repeat">
-      <a:schemeClr val="accent1"/>
-    </dgm:linClrLst>
-    <dgm:effectClrLst/>
-    <dgm:txLinClrLst/>
-    <dgm:txFillClrLst meth="repeat">
-      <a:schemeClr val="dk1"/>
-    </dgm:txFillClrLst>
-    <dgm:txEffectClrLst/>
-  </dgm:styleLbl>
-  <dgm:styleLbl name="bgAcc1">
-    <dgm:fillClrLst meth="repeat">
-      <a:schemeClr val="lt1">
-        <a:alpha val="90000"/>
-      </a:schemeClr>
-    </dgm:fillClrLst>
-    <dgm:linClrLst meth="repeat">
-      <a:schemeClr val="accent1"/>
-    </dgm:linClrLst>
-    <dgm:effectClrLst/>
-    <dgm:txLinClrLst/>
-    <dgm:txFillClrLst meth="repeat">
-      <a:schemeClr val="dk1"/>
-    </dgm:txFillClrLst>
-    <dgm:txEffectClrLst/>
-  </dgm:styleLbl>
-  <dgm:styleLbl name="solidFgAcc1">
-    <dgm:fillClrLst meth="repeat">
-      <a:schemeClr val="lt1"/>
-    </dgm:fillClrLst>
-    <dgm:linClrLst meth="repeat">
-      <a:schemeClr val="accent1"/>
-    </dgm:linClrLst>
-    <dgm:effectClrLst/>
-    <dgm:txLinClrLst/>
-    <dgm:txFillClrLst meth="repeat">
-      <a:schemeClr val="dk1"/>
-    </dgm:txFillClrLst>
-    <dgm:txEffectClrLst/>
-  </dgm:styleLbl>
-  <dgm:styleLbl name="solidAlignAcc1">
-    <dgm:fillClrLst meth="repeat">
-      <a:schemeClr val="lt1"/>
-    </dgm:fillClrLst>
-    <dgm:linClrLst meth="repeat">
-      <a:schemeClr val="accent1"/>
-    </dgm:linClrLst>
-    <dgm:effectClrLst/>
-    <dgm:txLinClrLst/>
-    <dgm:txFillClrLst meth="repeat">
-      <a:schemeClr val="dk1"/>
-    </dgm:txFillClrLst>
-    <dgm:txEffectClrLst/>
-  </dgm:styleLbl>
-  <dgm:styleLbl name="solidBgAcc1">
-    <dgm:fillClrLst meth="repeat">
-      <a:schemeClr val="lt1"/>
-    </dgm:fillClrLst>
-    <dgm:linClrLst meth="repeat">
-      <a:schemeClr val="accent1"/>
-    </dgm:linClrLst>
-    <dgm:effectClrLst/>
-    <dgm:txLinClrLst/>
-    <dgm:txFillClrLst meth="repeat">
-      <a:schemeClr val="dk1"/>
-    </dgm:txFillClrLst>
-    <dgm:txEffectClrLst/>
-  </dgm:styleLbl>
-  <dgm:styleLbl name="fgAccFollowNode1">
-    <dgm:fillClrLst meth="repeat">
-      <a:schemeClr val="accent1">
-        <a:alpha val="90000"/>
-        <a:tint val="40000"/>
-      </a:schemeClr>
-    </dgm:fillClrLst>
-    <dgm:linClrLst meth="repeat">
-      <a:schemeClr val="accent1">
-        <a:alpha val="90000"/>
-        <a:tint val="40000"/>
-      </a:schemeClr>
-    </dgm:linClrLst>
-    <dgm:effectClrLst/>
-    <dgm:txLinClrLst/>
-    <dgm:txFillClrLst meth="repeat">
-      <a:schemeClr val="dk1"/>
-    </dgm:txFillClrLst>
-    <dgm:txEffectClrLst/>
-  </dgm:styleLbl>
-  <dgm:styleLbl name="alignAccFollowNode1">
-    <dgm:fillClrLst meth="repeat">
-      <a:schemeClr val="accent1">
-        <a:alpha val="90000"/>
-        <a:tint val="40000"/>
-      </a:schemeClr>
-    </dgm:fillClrLst>
-    <dgm:linClrLst meth="repeat">
-      <a:schemeClr val="accent1">
-        <a:alpha val="90000"/>
-        <a:tint val="40000"/>
-      </a:schemeClr>
-    </dgm:linClrLst>
-    <dgm:effectClrLst/>
-    <dgm:txLinClrLst/>
-    <dgm:txFillClrLst meth="repeat">
-      <a:schemeClr val="dk1"/>
-    </dgm:txFillClrLst>
-    <dgm:txEffectClrLst/>
-  </dgm:styleLbl>
-  <dgm:styleLbl name="bgAccFollowNode1">
-    <dgm:fillClrLst meth="repeat">
-      <a:schemeClr val="accent1">
-        <a:alpha val="90000"/>
-        <a:tint val="40000"/>
-      </a:schemeClr>
-    </dgm:fillClrLst>
-    <dgm:linClrLst meth="repeat">
-      <a:schemeClr val="accent1">
-        <a:alpha val="90000"/>
-        <a:tint val="40000"/>
-      </a:schemeClr>
-    </dgm:linClrLst>
-    <dgm:effectClrLst/>
-    <dgm:txLinClrLst/>
-    <dgm:txFillClrLst meth="repeat">
-      <a:schemeClr val="dk1"/>
-    </dgm:txFillClrLst>
-    <dgm:txEffectClrLst/>
-  </dgm:styleLbl>
-  <dgm:styleLbl name="fgAcc0">
-    <dgm:fillClrLst meth="repeat">
-      <a:schemeClr val="lt1">
-        <a:alpha val="90000"/>
-      </a:schemeClr>
-    </dgm:fillClrLst>
-    <dgm:linClrLst meth="repeat">
-      <a:schemeClr val="accent1"/>
-    </dgm:linClrLst>
-    <dgm:effectClrLst/>
-    <dgm:txLinClrLst/>
-    <dgm:txFillClrLst meth="repeat">
-      <a:schemeClr val="dk1"/>
-    </dgm:txFillClrLst>
-    <dgm:txEffectClrLst/>
-  </dgm:styleLbl>
-  <dgm:styleLbl name="fgAcc2">
-    <dgm:fillClrLst meth="repeat">
-      <a:schemeClr val="lt1">
-        <a:alpha val="90000"/>
-      </a:schemeClr>
-    </dgm:fillClrLst>
-    <dgm:linClrLst meth="repeat">
-      <a:schemeClr val="accent1"/>
-    </dgm:linClrLst>
-    <dgm:effectClrLst/>
-    <dgm:txLinClrLst/>
-    <dgm:txFillClrLst meth="repeat">
-      <a:schemeClr val="dk1"/>
-    </dgm:txFillClrLst>
-    <dgm:txEffectClrLst/>
-  </dgm:styleLbl>
-  <dgm:styleLbl name="fgAcc3">
-    <dgm:fillClrLst meth="repeat">
-      <a:schemeClr val="lt1">
-        <a:alpha val="90000"/>
-      </a:schemeClr>
-    </dgm:fillClrLst>
-    <dgm:linClrLst meth="repeat">
-      <a:schemeClr val="accent1"/>
-    </dgm:linClrLst>
-    <dgm:effectClrLst/>
-    <dgm:txLinClrLst/>
-    <dgm:txFillClrLst meth="repeat">
-      <a:schemeClr val="dk1"/>
-    </dgm:txFillClrLst>
-    <dgm:txEffectClrLst/>
-  </dgm:styleLbl>
-  <dgm:styleLbl name="fgAcc4">
-    <dgm:fillClrLst meth="repeat">
-      <a:schemeClr val="lt1">
-        <a:alpha val="90000"/>
-      </a:schemeClr>
-    </dgm:fillClrLst>
-    <dgm:linClrLst meth="repeat">
-      <a:schemeClr val="accent1"/>
-    </dgm:linClrLst>
-    <dgm:effectClrLst/>
-    <dgm:txLinClrLst/>
-    <dgm:txFillClrLst meth="repeat">
-      <a:schemeClr val="dk1"/>
-    </dgm:txFillClrLst>
-    <dgm:txEffectClrLst/>
-  </dgm:styleLbl>
-  <dgm:styleLbl name="bgShp">
-    <dgm:fillClrLst meth="repeat">
-      <a:schemeClr val="accent1">
-        <a:tint val="40000"/>
-      </a:schemeClr>
-    </dgm:fillClrLst>
-    <dgm:linClrLst meth="repeat">
-      <a:schemeClr val="accent1"/>
-    </dgm:linClrLst>
-    <dgm:effectClrLst/>
-    <dgm:txLinClrLst/>
-    <dgm:txFillClrLst meth="repeat">
-      <a:schemeClr val="dk1"/>
-    </dgm:txFillClrLst>
-    <dgm:txEffectClrLst/>
-  </dgm:styleLbl>
-  <dgm:styleLbl name="dkBgShp">
-    <dgm:fillClrLst meth="repeat">
-      <a:schemeClr val="accent1">
-        <a:shade val="80000"/>
-      </a:schemeClr>
-    </dgm:fillClrLst>
-    <dgm:linClrLst meth="repeat">
-      <a:schemeClr val="accent1"/>
-    </dgm:linClrLst>
-    <dgm:effectClrLst/>
-    <dgm:txLinClrLst/>
-    <dgm:txFillClrLst meth="repeat">
-      <a:schemeClr val="lt1"/>
-    </dgm:txFillClrLst>
-    <dgm:txEffectClrLst/>
-  </dgm:styleLbl>
-  <dgm:styleLbl name="trBgShp">
-    <dgm:fillClrLst meth="repeat">
-      <a:schemeClr val="accent1">
-        <a:tint val="50000"/>
-        <a:alpha val="40000"/>
-      </a:schemeClr>
-    </dgm:fillClrLst>
-    <dgm:linClrLst meth="repeat">
-      <a:schemeClr val="accent1"/>
-    </dgm:linClrLst>
-    <dgm:effectClrLst/>
-    <dgm:txLinClrLst/>
-    <dgm:txFillClrLst meth="repeat">
-      <a:schemeClr val="lt1"/>
-    </dgm:txFillClrLst>
-    <dgm:txEffectClrLst/>
-  </dgm:styleLbl>
-  <dgm:styleLbl name="fgShp">
-    <dgm:fillClrLst meth="repeat">
-      <a:schemeClr val="accent1">
-        <a:tint val="60000"/>
-      </a:schemeClr>
-    </dgm:fillClrLst>
-    <dgm:linClrLst meth="repeat">
-      <a:schemeClr val="lt1"/>
-    </dgm:linClrLst>
-    <dgm:effectClrLst/>
-    <dgm:txLinClrLst/>
-    <dgm:txFillClrLst meth="repeat">
-      <a:schemeClr val="dk1"/>
-    </dgm:txFillClrLst>
-    <dgm:txEffectClrLst/>
-  </dgm:styleLbl>
-  <dgm:styleLbl name="revTx">
-    <dgm:fillClrLst meth="repeat">
-      <a:schemeClr val="lt1">
-        <a:alpha val="0"/>
-      </a:schemeClr>
-    </dgm:fillClrLst>
-    <dgm:linClrLst meth="repeat">
-      <a:schemeClr val="dk1">
-        <a:alpha val="0"/>
-      </a:schemeClr>
-    </dgm:linClrLst>
-    <dgm:effectClrLst/>
-    <dgm:txLinClrLst/>
-    <dgm:txFillClrLst meth="repeat">
-      <a:schemeClr val="tx1"/>
-    </dgm:txFillClrLst>
-    <dgm:txEffectClrLst/>
-  </dgm:styleLbl>
-</dgm:colorsDef>
-</file>
-
-<file path=ppt/diagrams/data1.xml><?xml version="1.0" encoding="utf-8"?>
-<dgm:dataModel xmlns:dgm="http://schemas.openxmlformats.org/drawingml/2006/diagram" xmlns:a="http://schemas.openxmlformats.org/drawingml/2006/main">
-  <dgm:ptLst>
-    <dgm:pt modelId="{C87D7490-D10D-43D9-93E6-3AECAB442C4D}" type="doc">
-      <dgm:prSet loTypeId="urn:microsoft.com/office/officeart/2005/8/layout/venn2" loCatId="relationship" qsTypeId="urn:microsoft.com/office/officeart/2005/8/quickstyle/simple1" qsCatId="simple" csTypeId="urn:microsoft.com/office/officeart/2005/8/colors/accent1_2" csCatId="accent1" phldr="1"/>
-      <dgm:spPr/>
-      <dgm:t>
-        <a:bodyPr/>
-        <a:lstStyle/>
-        <a:p>
-          <a:endParaRPr lang="pt-PT"/>
-        </a:p>
-      </dgm:t>
-    </dgm:pt>
-    <dgm:pt modelId="{97970210-C598-47FB-96E8-DDF779B4D978}">
-      <dgm:prSet phldrT="[Text]" custT="1"/>
-      <dgm:spPr>
-        <a:solidFill>
-          <a:schemeClr val="tx1">
-            <a:lumMod val="65000"/>
-            <a:lumOff val="35000"/>
-          </a:schemeClr>
-        </a:solidFill>
-      </dgm:spPr>
-      <dgm:t>
-        <a:bodyPr/>
-        <a:lstStyle/>
-        <a:p>
-          <a:r>
-            <a:rPr lang="en-US" sz="3200" dirty="0"/>
-            <a:t>POCO</a:t>
-          </a:r>
-          <a:endParaRPr lang="pt-PT" sz="3200" dirty="0"/>
-        </a:p>
-      </dgm:t>
-    </dgm:pt>
-    <dgm:pt modelId="{6CA5F3B0-BF91-4291-9A9F-2815C74DD475}" type="parTrans" cxnId="{22D9BC92-1B7A-4CDB-BB81-17D60BBE5FC5}">
-      <dgm:prSet/>
-      <dgm:spPr/>
-      <dgm:t>
-        <a:bodyPr/>
-        <a:lstStyle/>
-        <a:p>
-          <a:endParaRPr lang="pt-PT"/>
-        </a:p>
-      </dgm:t>
-    </dgm:pt>
-    <dgm:pt modelId="{86533509-7A4C-4B5F-A7A4-168B6161D42D}" type="sibTrans" cxnId="{22D9BC92-1B7A-4CDB-BB81-17D60BBE5FC5}">
-      <dgm:prSet/>
-      <dgm:spPr/>
-      <dgm:t>
-        <a:bodyPr/>
-        <a:lstStyle/>
-        <a:p>
-          <a:endParaRPr lang="pt-PT"/>
-        </a:p>
-      </dgm:t>
-    </dgm:pt>
-    <dgm:pt modelId="{D61B6ED3-0217-4E6C-B34A-72C4585E5797}">
-      <dgm:prSet phldrT="[Text]" custT="1"/>
-      <dgm:spPr>
-        <a:solidFill>
-          <a:schemeClr val="bg2">
-            <a:lumMod val="50000"/>
-          </a:schemeClr>
-        </a:solidFill>
-      </dgm:spPr>
-      <dgm:t>
-        <a:bodyPr/>
-        <a:lstStyle/>
-        <a:p>
-          <a:r>
-            <a:rPr lang="en-US" sz="3200" dirty="0"/>
-            <a:t>DTO</a:t>
-          </a:r>
-          <a:endParaRPr lang="pt-PT" sz="3200" dirty="0"/>
-        </a:p>
-      </dgm:t>
-    </dgm:pt>
-    <dgm:pt modelId="{8D8AEA40-0295-4192-AF44-1F800B7FD920}" type="parTrans" cxnId="{63424FC4-246B-4B05-B38C-4A018C0D0E45}">
-      <dgm:prSet/>
-      <dgm:spPr/>
-      <dgm:t>
-        <a:bodyPr/>
-        <a:lstStyle/>
-        <a:p>
-          <a:endParaRPr lang="pt-PT"/>
-        </a:p>
-      </dgm:t>
-    </dgm:pt>
-    <dgm:pt modelId="{C42FD7A8-8155-43E8-8333-AC39088940C7}" type="sibTrans" cxnId="{63424FC4-246B-4B05-B38C-4A018C0D0E45}">
-      <dgm:prSet/>
-      <dgm:spPr/>
-      <dgm:t>
-        <a:bodyPr/>
-        <a:lstStyle/>
-        <a:p>
-          <a:endParaRPr lang="pt-PT"/>
-        </a:p>
-      </dgm:t>
-    </dgm:pt>
-    <dgm:pt modelId="{EAA381EA-5E4A-4F8C-B4E1-C865777A8266}" type="pres">
-      <dgm:prSet presAssocID="{C87D7490-D10D-43D9-93E6-3AECAB442C4D}" presName="Name0" presStyleCnt="0">
-        <dgm:presLayoutVars>
-          <dgm:chMax val="7"/>
-          <dgm:resizeHandles val="exact"/>
-        </dgm:presLayoutVars>
-      </dgm:prSet>
-      <dgm:spPr/>
-    </dgm:pt>
-    <dgm:pt modelId="{8FFD76F6-5F32-4DAF-B914-219DDD5274BD}" type="pres">
-      <dgm:prSet presAssocID="{C87D7490-D10D-43D9-93E6-3AECAB442C4D}" presName="comp1" presStyleCnt="0"/>
-      <dgm:spPr/>
-    </dgm:pt>
-    <dgm:pt modelId="{2A631255-D0CF-4806-B1AA-898D611B7E52}" type="pres">
-      <dgm:prSet presAssocID="{C87D7490-D10D-43D9-93E6-3AECAB442C4D}" presName="circle1" presStyleLbl="node1" presStyleIdx="0" presStyleCnt="2" custScaleX="83762" custScaleY="78017" custLinFactNeighborY="0"/>
-      <dgm:spPr/>
-    </dgm:pt>
-    <dgm:pt modelId="{F89F00E6-9725-4C50-BA25-9F94F7C2D773}" type="pres">
-      <dgm:prSet presAssocID="{C87D7490-D10D-43D9-93E6-3AECAB442C4D}" presName="c1text" presStyleLbl="node1" presStyleIdx="0" presStyleCnt="2">
-        <dgm:presLayoutVars>
-          <dgm:bulletEnabled val="1"/>
-        </dgm:presLayoutVars>
-      </dgm:prSet>
-      <dgm:spPr/>
-    </dgm:pt>
-    <dgm:pt modelId="{412D3865-159B-4590-8360-A23B4D235DD4}" type="pres">
-      <dgm:prSet presAssocID="{C87D7490-D10D-43D9-93E6-3AECAB442C4D}" presName="comp2" presStyleCnt="0"/>
-      <dgm:spPr/>
-    </dgm:pt>
-    <dgm:pt modelId="{ECD2F705-32BF-4368-9B09-2B8F6B4D3748}" type="pres">
-      <dgm:prSet presAssocID="{C87D7490-D10D-43D9-93E6-3AECAB442C4D}" presName="circle2" presStyleLbl="node1" presStyleIdx="1" presStyleCnt="2" custScaleX="46564" custScaleY="45097" custLinFactNeighborY="2239"/>
-      <dgm:spPr/>
-    </dgm:pt>
-    <dgm:pt modelId="{1A1380E6-3B45-4002-BF30-7A1B9FA32DDB}" type="pres">
-      <dgm:prSet presAssocID="{C87D7490-D10D-43D9-93E6-3AECAB442C4D}" presName="c2text" presStyleLbl="node1" presStyleIdx="1" presStyleCnt="2">
-        <dgm:presLayoutVars>
-          <dgm:bulletEnabled val="1"/>
-        </dgm:presLayoutVars>
-      </dgm:prSet>
-      <dgm:spPr/>
-    </dgm:pt>
-  </dgm:ptLst>
-  <dgm:cxnLst>
-    <dgm:cxn modelId="{8CA2EC09-73EE-4F2A-86A0-3D77BC64F1A8}" type="presOf" srcId="{D61B6ED3-0217-4E6C-B34A-72C4585E5797}" destId="{ECD2F705-32BF-4368-9B09-2B8F6B4D3748}" srcOrd="0" destOrd="0" presId="urn:microsoft.com/office/officeart/2005/8/layout/venn2"/>
-    <dgm:cxn modelId="{D2AB4D19-F108-44FB-89D1-8772038CB2C9}" type="presOf" srcId="{C87D7490-D10D-43D9-93E6-3AECAB442C4D}" destId="{EAA381EA-5E4A-4F8C-B4E1-C865777A8266}" srcOrd="0" destOrd="0" presId="urn:microsoft.com/office/officeart/2005/8/layout/venn2"/>
-    <dgm:cxn modelId="{15BC4C2C-56E7-4771-A356-46E558F53BBF}" type="presOf" srcId="{97970210-C598-47FB-96E8-DDF779B4D978}" destId="{2A631255-D0CF-4806-B1AA-898D611B7E52}" srcOrd="0" destOrd="0" presId="urn:microsoft.com/office/officeart/2005/8/layout/venn2"/>
-    <dgm:cxn modelId="{F2ED928C-F3D4-43ED-B006-2DC37E90E280}" type="presOf" srcId="{97970210-C598-47FB-96E8-DDF779B4D978}" destId="{F89F00E6-9725-4C50-BA25-9F94F7C2D773}" srcOrd="1" destOrd="0" presId="urn:microsoft.com/office/officeart/2005/8/layout/venn2"/>
-    <dgm:cxn modelId="{22D9BC92-1B7A-4CDB-BB81-17D60BBE5FC5}" srcId="{C87D7490-D10D-43D9-93E6-3AECAB442C4D}" destId="{97970210-C598-47FB-96E8-DDF779B4D978}" srcOrd="0" destOrd="0" parTransId="{6CA5F3B0-BF91-4291-9A9F-2815C74DD475}" sibTransId="{86533509-7A4C-4B5F-A7A4-168B6161D42D}"/>
-    <dgm:cxn modelId="{A62B21A3-94A2-460D-98B7-C63DB90B6178}" type="presOf" srcId="{D61B6ED3-0217-4E6C-B34A-72C4585E5797}" destId="{1A1380E6-3B45-4002-BF30-7A1B9FA32DDB}" srcOrd="1" destOrd="0" presId="urn:microsoft.com/office/officeart/2005/8/layout/venn2"/>
-    <dgm:cxn modelId="{63424FC4-246B-4B05-B38C-4A018C0D0E45}" srcId="{C87D7490-D10D-43D9-93E6-3AECAB442C4D}" destId="{D61B6ED3-0217-4E6C-B34A-72C4585E5797}" srcOrd="1" destOrd="0" parTransId="{8D8AEA40-0295-4192-AF44-1F800B7FD920}" sibTransId="{C42FD7A8-8155-43E8-8333-AC39088940C7}"/>
-    <dgm:cxn modelId="{A8CBF7AB-1EF0-4E80-88C6-BDD24F54B8C0}" type="presParOf" srcId="{EAA381EA-5E4A-4F8C-B4E1-C865777A8266}" destId="{8FFD76F6-5F32-4DAF-B914-219DDD5274BD}" srcOrd="0" destOrd="0" presId="urn:microsoft.com/office/officeart/2005/8/layout/venn2"/>
-    <dgm:cxn modelId="{BA37C665-BC40-4984-9931-073C2FECC075}" type="presParOf" srcId="{8FFD76F6-5F32-4DAF-B914-219DDD5274BD}" destId="{2A631255-D0CF-4806-B1AA-898D611B7E52}" srcOrd="0" destOrd="0" presId="urn:microsoft.com/office/officeart/2005/8/layout/venn2"/>
-    <dgm:cxn modelId="{09CDAF80-BAF9-4752-9BC9-B6A8DDAF555A}" type="presParOf" srcId="{8FFD76F6-5F32-4DAF-B914-219DDD5274BD}" destId="{F89F00E6-9725-4C50-BA25-9F94F7C2D773}" srcOrd="1" destOrd="0" presId="urn:microsoft.com/office/officeart/2005/8/layout/venn2"/>
-    <dgm:cxn modelId="{8186398B-FD04-41E7-8009-D296BB34760F}" type="presParOf" srcId="{EAA381EA-5E4A-4F8C-B4E1-C865777A8266}" destId="{412D3865-159B-4590-8360-A23B4D235DD4}" srcOrd="1" destOrd="0" presId="urn:microsoft.com/office/officeart/2005/8/layout/venn2"/>
-    <dgm:cxn modelId="{87B14891-726A-4877-855E-C1E387DF2DDF}" type="presParOf" srcId="{412D3865-159B-4590-8360-A23B4D235DD4}" destId="{ECD2F705-32BF-4368-9B09-2B8F6B4D3748}" srcOrd="0" destOrd="0" presId="urn:microsoft.com/office/officeart/2005/8/layout/venn2"/>
-    <dgm:cxn modelId="{AD6D65D1-7072-4670-9679-3C13BC966337}" type="presParOf" srcId="{412D3865-159B-4590-8360-A23B4D235DD4}" destId="{1A1380E6-3B45-4002-BF30-7A1B9FA32DDB}" srcOrd="1" destOrd="0" presId="urn:microsoft.com/office/officeart/2005/8/layout/venn2"/>
-  </dgm:cxnLst>
-  <dgm:bg/>
-  <dgm:whole/>
-  <dgm:extLst>
-    <a:ext uri="http://schemas.microsoft.com/office/drawing/2008/diagram">
-      <dsp:dataModelExt xmlns:dsp="http://schemas.microsoft.com/office/drawing/2008/diagram" relId="rId6" minVer="http://schemas.openxmlformats.org/drawingml/2006/diagram"/>
-    </a:ext>
-  </dgm:extLst>
-</dgm:dataModel>
-</file>
-
-<file path=ppt/diagrams/drawing1.xml><?xml version="1.0" encoding="utf-8"?>
-<dsp:drawing xmlns:dgm="http://schemas.openxmlformats.org/drawingml/2006/diagram" xmlns:dsp="http://schemas.microsoft.com/office/drawing/2008/diagram" xmlns:a="http://schemas.openxmlformats.org/drawingml/2006/main">
-  <dsp:spTree>
-    <dsp:nvGrpSpPr>
-      <dsp:cNvPr id="0" name=""/>
-      <dsp:cNvGrpSpPr/>
-    </dsp:nvGrpSpPr>
-    <dsp:grpSpPr/>
-    <dsp:sp modelId="{2A631255-D0CF-4806-B1AA-898D611B7E52}">
-      <dsp:nvSpPr>
-        <dsp:cNvPr id="0" name=""/>
-        <dsp:cNvSpPr/>
-      </dsp:nvSpPr>
-      <dsp:spPr>
-        <a:xfrm>
-          <a:off x="1794608" y="595592"/>
-          <a:ext cx="4538783" cy="4227481"/>
-        </a:xfrm>
-        <a:prstGeom prst="ellipse">
-          <a:avLst/>
-        </a:prstGeom>
-        <a:solidFill>
-          <a:schemeClr val="tx1">
-            <a:lumMod val="65000"/>
-            <a:lumOff val="35000"/>
-          </a:schemeClr>
-        </a:solidFill>
-        <a:ln w="12700" cap="flat" cmpd="sng" algn="ctr">
-          <a:solidFill>
-            <a:schemeClr val="lt1">
-              <a:hueOff val="0"/>
-              <a:satOff val="0"/>
-              <a:lumOff val="0"/>
-              <a:alphaOff val="0"/>
-            </a:schemeClr>
-          </a:solidFill>
-          <a:prstDash val="solid"/>
-          <a:miter lim="800000"/>
-        </a:ln>
-        <a:effectLst/>
-      </dsp:spPr>
-      <dsp:style>
-        <a:lnRef idx="2">
-          <a:scrgbClr r="0" g="0" b="0"/>
-        </a:lnRef>
-        <a:fillRef idx="1">
-          <a:scrgbClr r="0" g="0" b="0"/>
-        </a:fillRef>
-        <a:effectRef idx="0">
-          <a:scrgbClr r="0" g="0" b="0"/>
-        </a:effectRef>
-        <a:fontRef idx="minor">
-          <a:schemeClr val="lt1"/>
-        </a:fontRef>
-      </dsp:style>
-      <dsp:txBody>
-        <a:bodyPr spcFirstLastPara="0" vert="horz" wrap="square" lIns="227584" tIns="227584" rIns="227584" bIns="227584" numCol="1" spcCol="1270" anchor="ctr" anchorCtr="0">
-          <a:noAutofit/>
-        </a:bodyPr>
-        <a:lstStyle/>
-        <a:p>
-          <a:pPr marL="0" lvl="0" indent="0" algn="ctr" defTabSz="1422400">
-            <a:lnSpc>
-              <a:spcPct val="90000"/>
-            </a:lnSpc>
-            <a:spcBef>
-              <a:spcPct val="0"/>
-            </a:spcBef>
-            <a:spcAft>
-              <a:spcPct val="35000"/>
-            </a:spcAft>
-            <a:buNone/>
-          </a:pPr>
-          <a:r>
-            <a:rPr lang="en-US" sz="3200" kern="1200" dirty="0"/>
-            <a:t>POCO</a:t>
-          </a:r>
-          <a:endParaRPr lang="pt-PT" sz="3200" kern="1200" dirty="0"/>
-        </a:p>
-      </dsp:txBody>
-      <dsp:txXfrm>
-        <a:off x="2872569" y="912653"/>
-        <a:ext cx="2382861" cy="718671"/>
-      </dsp:txXfrm>
-    </dsp:sp>
-    <dsp:sp modelId="{ECD2F705-32BF-4368-9B09-2B8F6B4D3748}">
-      <dsp:nvSpPr>
-        <dsp:cNvPr id="0" name=""/>
-        <dsp:cNvSpPr/>
-      </dsp:nvSpPr>
-      <dsp:spPr>
-        <a:xfrm>
-          <a:off x="3117819" y="2561288"/>
-          <a:ext cx="1892361" cy="1832742"/>
-        </a:xfrm>
-        <a:prstGeom prst="ellipse">
-          <a:avLst/>
-        </a:prstGeom>
-        <a:solidFill>
-          <a:schemeClr val="bg2">
-            <a:lumMod val="50000"/>
-          </a:schemeClr>
-        </a:solidFill>
-        <a:ln w="12700" cap="flat" cmpd="sng" algn="ctr">
-          <a:solidFill>
-            <a:schemeClr val="lt1">
-              <a:hueOff val="0"/>
-              <a:satOff val="0"/>
-              <a:lumOff val="0"/>
-              <a:alphaOff val="0"/>
-            </a:schemeClr>
-          </a:solidFill>
-          <a:prstDash val="solid"/>
-          <a:miter lim="800000"/>
-        </a:ln>
-        <a:effectLst/>
-      </dsp:spPr>
-      <dsp:style>
-        <a:lnRef idx="2">
-          <a:scrgbClr r="0" g="0" b="0"/>
-        </a:lnRef>
-        <a:fillRef idx="1">
-          <a:scrgbClr r="0" g="0" b="0"/>
-        </a:fillRef>
-        <a:effectRef idx="0">
-          <a:scrgbClr r="0" g="0" b="0"/>
-        </a:effectRef>
-        <a:fontRef idx="minor">
-          <a:schemeClr val="lt1"/>
-        </a:fontRef>
-      </dsp:style>
-      <dsp:txBody>
-        <a:bodyPr spcFirstLastPara="0" vert="horz" wrap="square" lIns="227584" tIns="227584" rIns="227584" bIns="227584" numCol="1" spcCol="1270" anchor="ctr" anchorCtr="0">
-          <a:noAutofit/>
-        </a:bodyPr>
-        <a:lstStyle/>
-        <a:p>
-          <a:pPr marL="0" lvl="0" indent="0" algn="ctr" defTabSz="1422400">
-            <a:lnSpc>
-              <a:spcPct val="90000"/>
-            </a:lnSpc>
-            <a:spcBef>
-              <a:spcPct val="0"/>
-            </a:spcBef>
-            <a:spcAft>
-              <a:spcPct val="35000"/>
-            </a:spcAft>
-            <a:buNone/>
-          </a:pPr>
-          <a:r>
-            <a:rPr lang="en-US" sz="3200" kern="1200" dirty="0"/>
-            <a:t>DTO</a:t>
-          </a:r>
-          <a:endParaRPr lang="pt-PT" sz="3200" kern="1200" dirty="0"/>
-        </a:p>
-      </dsp:txBody>
-      <dsp:txXfrm>
-        <a:off x="3394949" y="3019474"/>
-        <a:ext cx="1338101" cy="916371"/>
-      </dsp:txXfrm>
-    </dsp:sp>
-  </dsp:spTree>
-</dsp:drawing>
-</file>
-
-<file path=ppt/diagrams/layout1.xml><?xml version="1.0" encoding="utf-8"?>
-<dgm:layoutDef xmlns:dgm="http://schemas.openxmlformats.org/drawingml/2006/diagram" xmlns:a="http://schemas.openxmlformats.org/drawingml/2006/main" uniqueId="urn:microsoft.com/office/officeart/2005/8/layout/venn2">
-  <dgm:title val=""/>
-  <dgm:desc val=""/>
-  <dgm:catLst>
-    <dgm:cat type="relationship" pri="30000"/>
-  </dgm:catLst>
-  <dgm:sampData>
-    <dgm:dataModel>
-      <dgm:ptLst>
-        <dgm:pt modelId="0" type="doc"/>
-        <dgm:pt modelId="1">
-          <dgm:prSet phldr="1"/>
-        </dgm:pt>
-        <dgm:pt modelId="2">
-          <dgm:prSet phldr="1"/>
-        </dgm:pt>
-        <dgm:pt modelId="3">
-          <dgm:prSet phldr="1"/>
-        </dgm:pt>
-        <dgm:pt modelId="4">
-          <dgm:prSet phldr="1"/>
-        </dgm:pt>
-      </dgm:ptLst>
-      <dgm:cxnLst>
-        <dgm:cxn modelId="5" srcId="0" destId="1" srcOrd="0" destOrd="0"/>
-        <dgm:cxn modelId="6" srcId="0" destId="2" srcOrd="1" destOrd="0"/>
-        <dgm:cxn modelId="7" srcId="0" destId="3" srcOrd="2" destOrd="0"/>
-        <dgm:cxn modelId="8" srcId="0" destId="4" srcOrd="3" destOrd="0"/>
-      </dgm:cxnLst>
-      <dgm:bg/>
-      <dgm:whole/>
-    </dgm:dataModel>
-  </dgm:sampData>
-  <dgm:styleData>
-    <dgm:dataModel>
-      <dgm:ptLst>
-        <dgm:pt modelId="0" type="doc"/>
-        <dgm:pt modelId="1"/>
-        <dgm:pt modelId="2"/>
-      </dgm:ptLst>
-      <dgm:cxnLst>
-        <dgm:cxn modelId="3" srcId="0" destId="1" srcOrd="0" destOrd="0"/>
-        <dgm:cxn modelId="4" srcId="0" destId="2" srcOrd="1" destOrd="0"/>
-      </dgm:cxnLst>
-      <dgm:bg/>
-      <dgm:whole/>
-    </dgm:dataModel>
-  </dgm:styleData>
-  <dgm:clrData>
-    <dgm:dataModel>
-      <dgm:ptLst>
-        <dgm:pt modelId="0" type="doc"/>
-        <dgm:pt modelId="1"/>
-        <dgm:pt modelId="2"/>
-        <dgm:pt modelId="3"/>
-        <dgm:pt modelId="4"/>
-      </dgm:ptLst>
-      <dgm:cxnLst>
-        <dgm:cxn modelId="5" srcId="0" destId="1" srcOrd="0" destOrd="0"/>
-        <dgm:cxn modelId="6" srcId="0" destId="2" srcOrd="1" destOrd="0"/>
-        <dgm:cxn modelId="7" srcId="0" destId="3" srcOrd="2" destOrd="0"/>
-        <dgm:cxn modelId="8" srcId="0" destId="4" srcOrd="3" destOrd="0"/>
-      </dgm:cxnLst>
-      <dgm:bg/>
-      <dgm:whole/>
-    </dgm:dataModel>
-  </dgm:clrData>
-  <dgm:layoutNode name="Name0">
-    <dgm:varLst>
-      <dgm:chMax val="7"/>
-      <dgm:resizeHandles val="exact"/>
-    </dgm:varLst>
-    <dgm:alg type="composite">
-      <dgm:param type="ar" val="1"/>
-    </dgm:alg>
-    <dgm:shape xmlns:r="http://schemas.openxmlformats.org/officeDocument/2006/relationships" r:blip="">
-      <dgm:adjLst/>
-    </dgm:shape>
-    <dgm:presOf/>
-    <dgm:choose name="Name1">
-      <dgm:if name="Name2" axis="ch" ptType="node" func="cnt" op="lte" val="3">
-        <dgm:constrLst>
-          <dgm:constr type="w" for="ch" forName="comp1" refType="w"/>
-          <dgm:constr type="h" for="ch" forName="comp1" refType="w" refFor="ch" refForName="comp1"/>
-          <dgm:constr type="w" for="ch" forName="comp2" refType="w" fact="0.75"/>
-          <dgm:constr type="h" for="ch" forName="comp2" refType="w" refFor="ch" refForName="comp2"/>
-          <dgm:constr type="ctrX" for="ch" forName="comp2" refType="ctrX" refFor="ch" refForName="comp1"/>
-          <dgm:constr type="b" for="ch" forName="comp2" refType="b" refFor="ch" refForName="comp1"/>
-          <dgm:constr type="w" for="ch" forName="comp3" refType="w" fact="0.5"/>
-          <dgm:constr type="h" for="ch" forName="comp3" refType="w" refFor="ch" refForName="comp3"/>
-          <dgm:constr type="ctrX" for="ch" forName="comp3" refType="ctrX" refFor="ch" refForName="comp1"/>
-          <dgm:constr type="b" for="ch" forName="comp3" refType="b" refFor="ch" refForName="comp1"/>
-          <dgm:constr type="primFontSz" for="des" ptType="node" op="equ" val="65"/>
-        </dgm:constrLst>
-      </dgm:if>
-      <dgm:if name="Name3" axis="ch" ptType="node" func="cnt" op="equ" val="4">
-        <dgm:constrLst>
-          <dgm:constr type="w" for="ch" forName="comp1" refType="w"/>
-          <dgm:constr type="h" for="ch" forName="comp1" refType="w" refFor="ch" refForName="comp1"/>
-          <dgm:constr type="w" for="ch" forName="comp2" refType="w" fact="0.8"/>
-          <dgm:constr type="h" for="ch" forName="comp2" refType="w" refFor="ch" refForName="comp2"/>
-          <dgm:constr type="ctrX" for="ch" forName="comp2" refType="ctrX" refFor="ch" refForName="comp1"/>
-          <dgm:constr type="b" for="ch" forName="comp2" refType="b" refFor="ch" refForName="comp1"/>
-          <dgm:constr type="w" for="ch" forName="comp3" refType="w" fact="0.6"/>
-          <dgm:constr type="h" for="ch" forName="comp3" refType="w" refFor="ch" refForName="comp3"/>
-          <dgm:constr type="ctrX" for="ch" forName="comp3" refType="ctrX" refFor="ch" refForName="comp1"/>
-          <dgm:constr type="b" for="ch" forName="comp3" refType="b" refFor="ch" refForName="comp1"/>
-          <dgm:constr type="w" for="ch" forName="comp4" refType="w" fact="0.4"/>
-          <dgm:constr type="h" for="ch" forName="comp4" refType="w" refFor="ch" refForName="comp4"/>
-          <dgm:constr type="ctrX" for="ch" forName="comp4" refType="ctrX" refFor="ch" refForName="comp1"/>
-          <dgm:constr type="b" for="ch" forName="comp4" refType="b" refFor="ch" refForName="comp1"/>
-          <dgm:constr type="primFontSz" for="des" ptType="node" op="equ" val="65"/>
-        </dgm:constrLst>
-      </dgm:if>
-      <dgm:else name="Name4">
-        <dgm:constrLst>
-          <dgm:constr type="w" for="ch" forName="comp1" refType="w"/>
-          <dgm:constr type="h" for="ch" forName="comp1" refType="w" refFor="ch" refForName="comp1"/>
-          <dgm:constr type="w" for="ch" forName="comp2" refType="w" fact="0.85"/>
-          <dgm:constr type="h" for="ch" forName="comp2" refType="w" refFor="ch" refForName="comp2"/>
-          <dgm:constr type="ctrX" for="ch" forName="comp2" refType="ctrX" refFor="ch" refForName="comp1"/>
-          <dgm:constr type="b" for="ch" forName="comp2" refType="b" refFor="ch" refForName="comp1"/>
-          <dgm:constr type="w" for="ch" forName="comp3" refType="w" fact="0.7"/>
-          <dgm:constr type="h" for="ch" forName="comp3" refType="w" refFor="ch" refForName="comp3"/>
-          <dgm:constr type="ctrX" for="ch" forName="comp3" refType="ctrX" refFor="ch" refForName="comp1"/>
-          <dgm:constr type="b" for="ch" forName="comp3" refType="b" refFor="ch" refForName="comp1"/>
-          <dgm:constr type="w" for="ch" forName="comp4" refType="w" fact="0.55"/>
-          <dgm:constr type="h" for="ch" forName="comp4" refType="w" refFor="ch" refForName="comp4"/>
-          <dgm:constr type="ctrX" for="ch" forName="comp4" refType="ctrX" refFor="ch" refForName="comp1"/>
-          <dgm:constr type="b" for="ch" forName="comp4" refType="b" refFor="ch" refForName="comp1"/>
-          <dgm:constr type="w" for="ch" forName="comp5" refType="w" fact="0.4"/>
-          <dgm:constr type="h" for="ch" forName="comp5" refType="w" refFor="ch" refForName="comp5"/>
-          <dgm:constr type="ctrX" for="ch" forName="comp5" refType="ctrX" refFor="ch" refForName="comp1"/>
-          <dgm:constr type="b" for="ch" forName="comp5" refType="b" refFor="ch" refForName="comp1"/>
-          <dgm:constr type="w" for="ch" forName="comp6" refType="w" fact="0.25"/>
-          <dgm:constr type="h" for="ch" forName="comp6" refType="w" refFor="ch" refForName="comp6"/>
-          <dgm:constr type="ctrX" for="ch" forName="comp6" refType="ctrX" refFor="ch" refForName="comp1"/>
-          <dgm:constr type="b" for="ch" forName="comp6" refType="b" refFor="ch" refForName="comp1"/>
-          <dgm:constr type="w" for="ch" forName="comp7" refType="w" fact="0.15"/>
-          <dgm:constr type="h" for="ch" forName="comp7" refType="w" refFor="ch" refForName="comp7"/>
-          <dgm:constr type="ctrX" for="ch" forName="comp7" refType="ctrX" refFor="ch" refForName="comp1"/>
-          <dgm:constr type="b" for="ch" forName="comp7" refType="b" refFor="ch" refForName="comp1"/>
-          <dgm:constr type="primFontSz" for="des" ptType="node" op="equ" val="65"/>
-        </dgm:constrLst>
-      </dgm:else>
-    </dgm:choose>
-    <dgm:ruleLst/>
-    <dgm:choose name="Name5">
-      <dgm:if name="Name6" axis="ch" ptType="node" func="cnt" op="gte" val="1">
-        <dgm:layoutNode name="comp1">
-          <dgm:alg type="composite"/>
-          <dgm:shape xmlns:r="http://schemas.openxmlformats.org/officeDocument/2006/relationships" r:blip="">
-            <dgm:adjLst/>
-          </dgm:shape>
-          <dgm:presOf/>
-          <dgm:choose name="Name7">
-            <dgm:if name="Name8" axis="ch" ptType="node" func="cnt" op="equ" val="1">
-              <dgm:constrLst>
-                <dgm:constr type="w" for="ch" forName="circle1" refType="w"/>
-                <dgm:constr type="h" for="ch" forName="circle1" refType="h"/>
-                <dgm:constr type="ctrX" for="ch" forName="circle1" refType="w" fact="0.5"/>
-                <dgm:constr type="ctrY" for="ch" forName="circle1" refType="h" fact="0.5"/>
-                <dgm:constr type="ctrX" for="ch" forName="c1text" refType="w" fact="0.5"/>
-                <dgm:constr type="ctrY" for="ch" forName="c1text" refType="h" fact="0.5"/>
-                <dgm:constr type="w" for="ch" forName="c1text" refType="w" refFor="ch" refForName="circle1" fact="0.70711"/>
-                <dgm:constr type="h" for="ch" forName="c1text" refType="h" refFor="ch" refForName="circle1" fact="0.5"/>
-              </dgm:constrLst>
-            </dgm:if>
-            <dgm:if name="Name9" axis="ch" ptType="node" func="cnt" op="equ" val="2">
-              <dgm:constrLst>
-                <dgm:constr type="w" for="ch" forName="circle1" refType="w"/>
-                <dgm:constr type="h" for="ch" forName="circle1" refType="h"/>
-                <dgm:constr type="ctrX" for="ch" forName="circle1" refType="w" fact="0.5"/>
-                <dgm:constr type="ctrY" for="ch" forName="circle1" refType="h" fact="0.5"/>
-                <dgm:constr type="ctrX" for="ch" forName="c1text" refType="w" fact="0.5"/>
-                <dgm:constr type="ctrY" for="ch" forName="c1text" refType="h" fact="0.16"/>
-                <dgm:constr type="w" for="ch" forName="c1text" refType="w" refFor="ch" refForName="circle1" fact="0.525"/>
-                <dgm:constr type="h" for="ch" forName="c1text" refType="h" refFor="ch" refForName="circle1" fact="0.17"/>
-              </dgm:constrLst>
-            </dgm:if>
-            <dgm:if name="Name10" axis="ch" ptType="node" func="cnt" op="equ" val="3">
-              <dgm:constrLst>
-                <dgm:constr type="w" for="ch" forName="circle1" refType="w"/>
-                <dgm:constr type="h" for="ch" forName="circle1" refType="h"/>
-                <dgm:constr type="ctrX" for="ch" forName="circle1" refType="w" fact="0.5"/>
-                <dgm:constr type="ctrY" for="ch" forName="circle1" refType="h" fact="0.5"/>
-                <dgm:constr type="ctrX" for="ch" forName="c1text" refType="w" fact="0.5"/>
-                <dgm:constr type="ctrY" for="ch" forName="c1text" refType="h" fact="0.125"/>
-                <dgm:constr type="w" for="ch" forName="c1text" refType="w" refFor="ch" refForName="circle1" fact="0.3495"/>
-                <dgm:constr type="h" for="ch" forName="c1text" refType="h" refFor="ch" refForName="circle1" fact="0.15"/>
-              </dgm:constrLst>
-            </dgm:if>
-            <dgm:if name="Name11" axis="ch" ptType="node" func="cnt" op="equ" val="4">
-              <dgm:constrLst>
-                <dgm:constr type="w" for="ch" forName="circle1" refType="w"/>
-                <dgm:constr type="h" for="ch" forName="circle1" refType="h"/>
-                <dgm:constr type="ctrX" for="ch" forName="circle1" refType="w" fact="0.5"/>
-                <dgm:constr type="ctrY" for="ch" forName="circle1" refType="h" fact="0.5"/>
-                <dgm:constr type="ctrX" for="ch" forName="c1text" refType="w" fact="0.5"/>
-                <dgm:constr type="ctrY" for="ch" forName="c1text" refType="h" fact="0.125"/>
-                <dgm:constr type="w" for="ch" forName="c1text" refType="w" refFor="ch" refForName="circle1" fact="0.2796"/>
-                <dgm:constr type="h" for="ch" forName="c1text" refType="h" refFor="ch" refForName="circle1" fact="0.15"/>
-              </dgm:constrLst>
-            </dgm:if>
-            <dgm:if name="Name12" axis="ch" ptType="node" func="cnt" op="gte" val="5">
-              <dgm:constrLst>
-                <dgm:constr type="w" for="ch" forName="circle1" refType="w"/>
-                <dgm:constr type="h" for="ch" forName="circle1" refType="h"/>
-                <dgm:constr type="ctrX" for="ch" forName="circle1" refType="w" fact="0.5"/>
-                <dgm:constr type="ctrY" for="ch" forName="circle1" refType="h" fact="0.5"/>
-                <dgm:constr type="ctrX" for="ch" forName="c1text" refType="w" fact="0.5"/>
-                <dgm:constr type="ctrY" for="ch" forName="c1text" refType="h" fact="0.1"/>
-                <dgm:constr type="w" for="ch" forName="c1text" refType="w" refFor="ch" refForName="circle1" fact="0.375"/>
-                <dgm:constr type="h" for="ch" forName="c1text" refType="h" refFor="ch" refForName="circle1" fact="0.1"/>
-              </dgm:constrLst>
-            </dgm:if>
-            <dgm:else name="Name13"/>
-          </dgm:choose>
-          <dgm:ruleLst/>
-          <dgm:layoutNode name="circle1" styleLbl="node1">
-            <dgm:alg type="sp"/>
-            <dgm:shape xmlns:r="http://schemas.openxmlformats.org/officeDocument/2006/relationships" type="ellipse" r:blip="">
-              <dgm:adjLst/>
-            </dgm:shape>
-            <dgm:presOf axis="ch desOrSelf" ptType="node node" st="1 1" cnt="1 0"/>
-            <dgm:constrLst>
-              <dgm:constr type="h" refType="w"/>
-            </dgm:constrLst>
-            <dgm:ruleLst/>
-          </dgm:layoutNode>
-          <dgm:layoutNode name="c1text">
-            <dgm:varLst>
-              <dgm:bulletEnabled val="1"/>
-            </dgm:varLst>
-            <dgm:alg type="tx"/>
-            <dgm:shape xmlns:r="http://schemas.openxmlformats.org/officeDocument/2006/relationships" type="rect" r:blip="" hideGeom="1">
-              <dgm:adjLst/>
-            </dgm:shape>
-            <dgm:presOf axis="ch desOrSelf" ptType="node node" st="1 1" cnt="1 0"/>
-            <dgm:constrLst/>
-            <dgm:ruleLst>
-              <dgm:rule type="primFontSz" val="5" fact="NaN" max="NaN"/>
-            </dgm:ruleLst>
-          </dgm:layoutNode>
-        </dgm:layoutNode>
-      </dgm:if>
-      <dgm:else name="Name14"/>
-    </dgm:choose>
-    <dgm:choose name="Name15">
-      <dgm:if name="Name16" axis="ch" ptType="node" func="cnt" op="gte" val="2">
-        <dgm:layoutNode name="comp2">
-          <dgm:alg type="composite"/>
-          <dgm:shape xmlns:r="http://schemas.openxmlformats.org/officeDocument/2006/relationships" r:blip="">
-            <dgm:adjLst/>
-          </dgm:shape>
-          <dgm:presOf/>
-          <dgm:choose name="Name17">
-            <dgm:if name="Name18" axis="ch" ptType="node" func="cnt" op="equ" val="2">
-              <dgm:constrLst>
-                <dgm:constr type="w" for="ch" forName="circle2" refType="w"/>
-                <dgm:constr type="h" for="ch" forName="circle2" refType="h"/>
-                <dgm:constr type="ctrX" for="ch" forName="circle2" refType="w" fact="0.5"/>
-                <dgm:constr type="ctrY" for="ch" forName="circle2" refType="h" fact="0.5"/>
-                <dgm:constr type="ctrX" for="ch" forName="c2text" refType="w" fact="0.5"/>
-                <dgm:constr type="ctrY" for="ch" forName="c2text" refType="h" fact="0.5"/>
-                <dgm:constr type="w" for="ch" forName="c2text" refType="w" refFor="ch" refForName="circle2" fact="0.70711"/>
-                <dgm:constr type="h" for="ch" forName="c2text" refType="h" refFor="ch" refForName="circle2" fact="0.5"/>
-              </dgm:constrLst>
-            </dgm:if>
-            <dgm:if name="Name19" axis="ch" ptType="node" func="cnt" op="equ" val="3">
-              <dgm:constrLst>
-                <dgm:constr type="w" for="ch" forName="circle2" refType="w"/>
-                <dgm:constr type="h" for="ch" forName="circle2" refType="h"/>
-                <dgm:constr type="ctrX" for="ch" forName="circle2" refType="w" fact="0.5"/>
-                <dgm:constr type="ctrY" for="ch" forName="circle2" refType="h" fact="0.5"/>
-                <dgm:constr type="ctrX" for="ch" forName="c2text" refType="w" fact="0.5"/>
-                <dgm:constr type="ctrY" for="ch" forName="c2text" refType="h" fact="0.15625"/>
-                <dgm:constr type="w" for="ch" forName="c2text" refType="w" refFor="ch" refForName="circle2" fact="0.466"/>
-                <dgm:constr type="h" for="ch" forName="c2text" refType="h" refFor="ch" refForName="circle2" fact="0.1875"/>
-              </dgm:constrLst>
-            </dgm:if>
-            <dgm:if name="Name20" axis="ch" ptType="node" func="cnt" op="equ" val="4">
-              <dgm:constrLst>
-                <dgm:constr type="w" for="ch" forName="circle2" refType="w"/>
-                <dgm:constr type="h" for="ch" forName="circle2" refType="h"/>
-                <dgm:constr type="ctrX" for="ch" forName="circle2" refType="w" fact="0.5"/>
-                <dgm:constr type="ctrY" for="ch" forName="circle2" refType="h" fact="0.5"/>
-                <dgm:constr type="ctrX" for="ch" forName="c2text" refType="w" fact="0.5"/>
-                <dgm:constr type="ctrY" for="ch" forName="c2text" refType="h" fact="0.15"/>
-                <dgm:constr type="w" for="ch" forName="c2text" refType="w" refFor="ch" refForName="circle2" fact="0.3495"/>
-                <dgm:constr type="h" for="ch" forName="c2text" refType="h" refFor="ch" refForName="circle2" fact="0.18"/>
-              </dgm:constrLst>
-            </dgm:if>
-            <dgm:if name="Name21" axis="ch" ptType="node" func="cnt" op="gte" val="5">
-              <dgm:constrLst>
-                <dgm:constr type="w" for="ch" forName="circle2" refType="w"/>
-                <dgm:constr type="h" for="ch" forName="circle2" refType="h"/>
-                <dgm:constr type="ctrX" for="ch" forName="circle2" refType="w" fact="0.5"/>
-                <dgm:constr type="ctrY" for="ch" forName="circle2" refType="h" fact="0.5"/>
-                <dgm:constr type="ctrX" for="ch" forName="c2text" refType="w" fact="0.5"/>
-                <dgm:constr type="ctrY" for="ch" forName="c2text" refType="h" fact="0.115"/>
-                <dgm:constr type="w" for="ch" forName="c2text" refType="w" refFor="ch" refForName="circle2" fact="0.43125"/>
-                <dgm:constr type="h" for="ch" forName="c2text" refType="h" refFor="ch" refForName="circle2" fact="0.115"/>
-              </dgm:constrLst>
-            </dgm:if>
-            <dgm:else name="Name22"/>
-          </dgm:choose>
-          <dgm:ruleLst/>
-          <dgm:layoutNode name="circle2" styleLbl="node1">
-            <dgm:alg type="sp"/>
-            <dgm:shape xmlns:r="http://schemas.openxmlformats.org/officeDocument/2006/relationships" type="ellipse" r:blip="">
-              <dgm:adjLst/>
-            </dgm:shape>
-            <dgm:presOf axis="ch desOrSelf" ptType="node node" st="2 1" cnt="1 0"/>
-            <dgm:constrLst>
-              <dgm:constr type="h" refType="w"/>
-            </dgm:constrLst>
-            <dgm:ruleLst/>
-          </dgm:layoutNode>
-          <dgm:layoutNode name="c2text">
-            <dgm:varLst>
-              <dgm:bulletEnabled val="1"/>
-            </dgm:varLst>
-            <dgm:alg type="tx"/>
-            <dgm:shape xmlns:r="http://schemas.openxmlformats.org/officeDocument/2006/relationships" type="rect" r:blip="" hideGeom="1">
-              <dgm:adjLst/>
-            </dgm:shape>
-            <dgm:presOf axis="ch desOrSelf" ptType="node node" st="2 1" cnt="1 0"/>
-            <dgm:constrLst/>
-            <dgm:ruleLst>
-              <dgm:rule type="primFontSz" val="5" fact="NaN" max="NaN"/>
-            </dgm:ruleLst>
-          </dgm:layoutNode>
-        </dgm:layoutNode>
-      </dgm:if>
-      <dgm:else name="Name23"/>
-    </dgm:choose>
-    <dgm:choose name="Name24">
-      <dgm:if name="Name25" axis="ch" ptType="node" func="cnt" op="gte" val="3">
-        <dgm:layoutNode name="comp3">
-          <dgm:alg type="composite"/>
-          <dgm:shape xmlns:r="http://schemas.openxmlformats.org/officeDocument/2006/relationships" r:blip="">
-            <dgm:adjLst/>
-          </dgm:shape>
-          <dgm:presOf/>
-          <dgm:choose name="Name26">
-            <dgm:if name="Name27" axis="ch" ptType="node" func="cnt" op="equ" val="3">
-              <dgm:constrLst>
-                <dgm:constr type="w" for="ch" forName="circle3" refType="w"/>
-                <dgm:constr type="h" for="ch" forName="circle3" refType="h"/>
-                <dgm:constr type="ctrX" for="ch" forName="circle3" refType="w" fact="0.5"/>
-                <dgm:constr type="ctrY" for="ch" forName="circle3" refType="h" fact="0.5"/>
-                <dgm:constr type="ctrX" for="ch" forName="c3text" refType="w" fact="0.5"/>
-                <dgm:constr type="ctrY" for="ch" forName="c3text" refType="h" fact="0.5"/>
-                <dgm:constr type="w" for="ch" forName="c3text" refType="w" refFor="ch" refForName="circle3" fact="0.70711"/>
-                <dgm:constr type="h" for="ch" forName="c3text" refType="h" refFor="ch" refForName="circle3" fact="0.5"/>
-              </dgm:constrLst>
-            </dgm:if>
-            <dgm:if name="Name28" axis="ch" ptType="node" func="cnt" op="equ" val="4">
-              <dgm:constrLst>
-                <dgm:constr type="w" for="ch" forName="circle3" refType="w"/>
-                <dgm:constr type="h" for="ch" forName="circle3" refType="h"/>
-                <dgm:constr type="ctrX" for="ch" forName="circle3" refType="w" fact="0.5"/>
-                <dgm:constr type="ctrY" for="ch" forName="circle3" refType="h" fact="0.5"/>
-                <dgm:constr type="ctrX" for="ch" forName="c3text" refType="w" fact="0.5"/>
-                <dgm:constr type="ctrY" for="ch" forName="c3text" refType="h" fact="0.1875"/>
-                <dgm:constr type="w" for="ch" forName="c3text" refType="w" refFor="ch" refForName="circle3" fact="0.466"/>
-                <dgm:constr type="h" for="ch" forName="c3text" refType="h" refFor="ch" refForName="circle3" fact="0.225"/>
-              </dgm:constrLst>
-            </dgm:if>
-            <dgm:if name="Name29" axis="ch" ptType="node" func="cnt" op="gte" val="5">
-              <dgm:constrLst>
-                <dgm:constr type="w" for="ch" forName="circle3" refType="w"/>
-                <dgm:constr type="h" for="ch" forName="circle3" refType="h"/>
-                <dgm:constr type="ctrX" for="ch" forName="circle3" refType="w" fact="0.5"/>
-                <dgm:constr type="ctrY" for="ch" forName="circle3" refType="h" fact="0.5"/>
-                <dgm:constr type="ctrX" for="ch" forName="c3text" refType="w" fact="0.5"/>
-                <dgm:constr type="ctrY" for="ch" forName="c3text" refType="h" fact="0.138"/>
-                <dgm:constr type="w" for="ch" forName="c3text" refType="w" refFor="ch" refForName="circle3" fact="0.5175"/>
-                <dgm:constr type="h" for="ch" forName="c3text" refType="h" refFor="ch" refForName="circle3" fact="0.138"/>
-              </dgm:constrLst>
-            </dgm:if>
-            <dgm:else name="Name30"/>
-          </dgm:choose>
-          <dgm:ruleLst/>
-          <dgm:layoutNode name="circle3" styleLbl="node1">
-            <dgm:alg type="sp"/>
-            <dgm:shape xmlns:r="http://schemas.openxmlformats.org/officeDocument/2006/relationships" type="ellipse" r:blip="">
-              <dgm:adjLst/>
-            </dgm:shape>
-            <dgm:presOf axis="ch desOrSelf" ptType="node node" st="3 1" cnt="1 0"/>
-            <dgm:constrLst>
-              <dgm:constr type="h" refType="w"/>
-            </dgm:constrLst>
-            <dgm:ruleLst/>
-          </dgm:layoutNode>
-          <dgm:layoutNode name="c3text">
-            <dgm:varLst>
-              <dgm:bulletEnabled val="1"/>
-            </dgm:varLst>
-            <dgm:alg type="tx"/>
-            <dgm:shape xmlns:r="http://schemas.openxmlformats.org/officeDocument/2006/relationships" type="rect" r:blip="" hideGeom="1">
-              <dgm:adjLst/>
-            </dgm:shape>
-            <dgm:presOf axis="ch desOrSelf" ptType="node node" st="3 1" cnt="1 0"/>
-            <dgm:constrLst/>
-            <dgm:ruleLst>
-              <dgm:rule type="primFontSz" val="5" fact="NaN" max="NaN"/>
-            </dgm:ruleLst>
-          </dgm:layoutNode>
-        </dgm:layoutNode>
-      </dgm:if>
-      <dgm:else name="Name31"/>
-    </dgm:choose>
-    <dgm:choose name="Name32">
-      <dgm:if name="Name33" axis="ch" ptType="node" func="cnt" op="gte" val="4">
-        <dgm:layoutNode name="comp4">
-          <dgm:alg type="composite"/>
-          <dgm:shape xmlns:r="http://schemas.openxmlformats.org/officeDocument/2006/relationships" r:blip="">
-            <dgm:adjLst/>
-          </dgm:shape>
-          <dgm:presOf/>
-          <dgm:choose name="Name34">
-            <dgm:if name="Name35" axis="ch" ptType="node" func="cnt" op="equ" val="4">
-              <dgm:constrLst>
-                <dgm:constr type="w" for="ch" forName="circle4" refType="w"/>
-                <dgm:constr type="h" for="ch" forName="circle4" refType="h"/>
-                <dgm:constr type="ctrX" for="ch" forName="circle4" refType="w" fact="0.5"/>
-                <dgm:constr type="ctrY" for="ch" forName="circle4" refType="h" fact="0.5"/>
-                <dgm:constr type="ctrX" for="ch" forName="c4text" refType="w" fact="0.5"/>
-                <dgm:constr type="ctrY" for="ch" forName="c4text" refType="h" fact="0.5"/>
-                <dgm:constr type="w" for="ch" forName="c4text" refType="w" refFor="ch" refForName="circle4" fact="0.70711"/>
-                <dgm:constr type="h" for="ch" forName="c4text" refType="h" refFor="ch" refForName="circle4" fact="0.5"/>
-              </dgm:constrLst>
-            </dgm:if>
-            <dgm:if name="Name36" axis="ch" ptType="node" func="cnt" op="gte" val="5">
-              <dgm:constrLst>
-                <dgm:constr type="w" for="ch" forName="circle4" refType="w"/>
-                <dgm:constr type="h" for="ch" forName="circle4" refType="h"/>
-                <dgm:constr type="ctrX" for="ch" forName="circle4" refType="w" fact="0.5"/>
-                <dgm:constr type="ctrY" for="ch" forName="circle4" refType="h" fact="0.5"/>
-                <dgm:constr type="ctrX" for="ch" forName="c4text" refType="w" fact="0.5"/>
-                <dgm:constr type="ctrY" for="ch" forName="c4text" refType="h" fact="0.18"/>
-                <dgm:constr type="w" for="ch" forName="c4text" refType="w" refFor="ch" refForName="circle4" fact="0.54"/>
-                <dgm:constr type="h" for="ch" forName="c4text" refType="h" refFor="ch" refForName="circle4" fact="0.18"/>
-              </dgm:constrLst>
-            </dgm:if>
-            <dgm:else name="Name37"/>
-          </dgm:choose>
-          <dgm:ruleLst/>
-          <dgm:layoutNode name="circle4" styleLbl="node1">
-            <dgm:alg type="sp"/>
-            <dgm:shape xmlns:r="http://schemas.openxmlformats.org/officeDocument/2006/relationships" type="ellipse" r:blip="">
-              <dgm:adjLst/>
-            </dgm:shape>
-            <dgm:presOf axis="ch desOrSelf" ptType="node node" st="4 1" cnt="1 0"/>
-            <dgm:constrLst>
-              <dgm:constr type="h" refType="w"/>
-            </dgm:constrLst>
-            <dgm:ruleLst/>
-          </dgm:layoutNode>
-          <dgm:layoutNode name="c4text">
-            <dgm:varLst>
-              <dgm:bulletEnabled val="1"/>
-            </dgm:varLst>
-            <dgm:alg type="tx"/>
-            <dgm:shape xmlns:r="http://schemas.openxmlformats.org/officeDocument/2006/relationships" type="rect" r:blip="" hideGeom="1">
-              <dgm:adjLst/>
-            </dgm:shape>
-            <dgm:presOf axis="ch desOrSelf" ptType="node node" st="4 1" cnt="1 0"/>
-            <dgm:constrLst/>
-            <dgm:ruleLst>
-              <dgm:rule type="primFontSz" val="5" fact="NaN" max="NaN"/>
-            </dgm:ruleLst>
-          </dgm:layoutNode>
-        </dgm:layoutNode>
-      </dgm:if>
-      <dgm:else name="Name38"/>
-    </dgm:choose>
-    <dgm:choose name="Name39">
-      <dgm:if name="Name40" axis="ch" ptType="node" func="cnt" op="gte" val="5">
-        <dgm:layoutNode name="comp5">
-          <dgm:alg type="composite"/>
-          <dgm:shape xmlns:r="http://schemas.openxmlformats.org/officeDocument/2006/relationships" r:blip="">
-            <dgm:adjLst/>
-          </dgm:shape>
-          <dgm:presOf/>
-          <dgm:choose name="Name41">
-            <dgm:if name="Name42" axis="ch" ptType="node" func="cnt" op="equ" val="5">
-              <dgm:constrLst>
-                <dgm:constr type="w" for="ch" forName="circle5" refType="w"/>
-                <dgm:constr type="h" for="ch" forName="circle5" refType="h"/>
-                <dgm:constr type="ctrX" for="ch" forName="circle5" refType="w" fact="0.5"/>
-                <dgm:constr type="ctrY" for="ch" forName="circle5" refType="h" fact="0.5"/>
-                <dgm:constr type="ctrX" for="ch" forName="c5text" refType="w" fact="0.5"/>
-                <dgm:constr type="ctrY" for="ch" forName="c5text" refType="h" fact="0.5"/>
-                <dgm:constr type="w" for="ch" forName="c5text" refType="w" refFor="ch" refForName="circle5" fact="0.70711"/>
-                <dgm:constr type="h" for="ch" forName="c5text" refType="h" refFor="ch" refForName="circle5" fact="0.5"/>
-              </dgm:constrLst>
-            </dgm:if>
-            <dgm:if name="Name43" axis="ch" ptType="node" func="cnt" op="gte" val="6">
-              <dgm:constrLst>
-                <dgm:constr type="w" for="ch" forName="circle5" refType="w"/>
-                <dgm:constr type="h" for="ch" forName="circle5" refType="h"/>
-                <dgm:constr type="ctrX" for="ch" forName="circle5" refType="w" fact="0.5"/>
-                <dgm:constr type="ctrY" for="ch" forName="circle5" refType="h" fact="0.5"/>
-                <dgm:constr type="ctrX" for="ch" forName="c5text" refType="w" fact="0.5"/>
-                <dgm:constr type="ctrY" for="ch" forName="c5text" refType="h" fact="0.25"/>
-                <dgm:constr type="w" for="ch" forName="c5text" refType="w" refFor="ch" refForName="circle5" fact="0.65"/>
-                <dgm:constr type="h" for="ch" forName="c5text" refType="h" refFor="ch" refForName="circle5" fact="0.25"/>
-              </dgm:constrLst>
-            </dgm:if>
-            <dgm:else name="Name44"/>
-          </dgm:choose>
-          <dgm:ruleLst/>
-          <dgm:layoutNode name="circle5" styleLbl="node1">
-            <dgm:alg type="sp"/>
-            <dgm:shape xmlns:r="http://schemas.openxmlformats.org/officeDocument/2006/relationships" type="ellipse" r:blip="">
-              <dgm:adjLst/>
-            </dgm:shape>
-            <dgm:presOf axis="ch desOrSelf" ptType="node node" st="5 1" cnt="1 0"/>
-            <dgm:constrLst>
-              <dgm:constr type="h" refType="w"/>
-            </dgm:constrLst>
-            <dgm:ruleLst/>
-          </dgm:layoutNode>
-          <dgm:layoutNode name="c5text">
-            <dgm:varLst>
-              <dgm:bulletEnabled val="1"/>
-            </dgm:varLst>
-            <dgm:alg type="tx"/>
-            <dgm:shape xmlns:r="http://schemas.openxmlformats.org/officeDocument/2006/relationships" type="rect" r:blip="" hideGeom="1">
-              <dgm:adjLst/>
-            </dgm:shape>
-            <dgm:presOf axis="ch desOrSelf" ptType="node node" st="5 1" cnt="1 0"/>
-            <dgm:constrLst/>
-            <dgm:ruleLst>
-              <dgm:rule type="primFontSz" val="5" fact="NaN" max="NaN"/>
-            </dgm:ruleLst>
-          </dgm:layoutNode>
-        </dgm:layoutNode>
-      </dgm:if>
-      <dgm:else name="Name45"/>
-    </dgm:choose>
-    <dgm:choose name="Name46">
-      <dgm:if name="Name47" axis="ch" ptType="node" func="cnt" op="gte" val="6">
-        <dgm:layoutNode name="comp6">
-          <dgm:alg type="composite"/>
-          <dgm:shape xmlns:r="http://schemas.openxmlformats.org/officeDocument/2006/relationships" r:blip="">
-            <dgm:adjLst/>
-          </dgm:shape>
-          <dgm:presOf/>
-          <dgm:choose name="Name48">
-            <dgm:if name="Name49" axis="ch" ptType="node" func="cnt" op="equ" val="6">
-              <dgm:constrLst>
-                <dgm:constr type="w" for="ch" forName="circle6" refType="w"/>
-                <dgm:constr type="h" for="ch" forName="circle6" refType="h"/>
-                <dgm:constr type="ctrX" for="ch" forName="circle6" refType="w" fact="0.5"/>
-                <dgm:constr type="ctrY" for="ch" forName="circle6" refType="h" fact="0.5"/>
-                <dgm:constr type="ctrX" for="ch" forName="c6text" refType="w" fact="0.5"/>
-                <dgm:constr type="ctrY" for="ch" forName="c6text" refType="h" fact="0.5"/>
-                <dgm:constr type="w" for="ch" forName="c6text" refType="w" refFor="ch" refForName="circle6" fact="0.70711"/>
-                <dgm:constr type="h" for="ch" forName="c6text" refType="h" refFor="ch" refForName="circle6" fact="0.5"/>
-              </dgm:constrLst>
-            </dgm:if>
-            <dgm:if name="Name50" axis="ch" ptType="node" func="cnt" op="gte" val="7">
-              <dgm:constrLst>
-                <dgm:constr type="w" for="ch" forName="circle6" refType="w"/>
-                <dgm:constr type="h" for="ch" forName="circle6" refType="h"/>
-                <dgm:constr type="ctrX" for="ch" forName="circle6" refType="w" fact="0.5"/>
-                <dgm:constr type="ctrY" for="ch" forName="circle6" refType="h" fact="0.5"/>
-                <dgm:constr type="ctrX" for="ch" forName="c6text" refType="w" fact="0.5"/>
-                <dgm:constr type="ctrY" for="ch" forName="c6text" refType="h" fact="0.27"/>
-                <dgm:constr type="w" for="ch" forName="c6text" refType="w" refFor="ch" refForName="circle6" fact="0.68"/>
-                <dgm:constr type="h" for="ch" forName="c6text" refType="h" refFor="ch" refForName="circle6" fact="0.241"/>
-              </dgm:constrLst>
-            </dgm:if>
-            <dgm:else name="Name51"/>
-          </dgm:choose>
-          <dgm:ruleLst/>
-          <dgm:layoutNode name="circle6" styleLbl="node1">
-            <dgm:alg type="sp"/>
-            <dgm:shape xmlns:r="http://schemas.openxmlformats.org/officeDocument/2006/relationships" type="ellipse" r:blip="">
-              <dgm:adjLst/>
-            </dgm:shape>
-            <dgm:presOf axis="ch desOrSelf" ptType="node node" st="6 1" cnt="1 0"/>
-            <dgm:constrLst>
-              <dgm:constr type="h" refType="w"/>
-            </dgm:constrLst>
-            <dgm:ruleLst/>
-          </dgm:layoutNode>
-          <dgm:layoutNode name="c6text">
-            <dgm:varLst>
-              <dgm:bulletEnabled val="1"/>
-            </dgm:varLst>
-            <dgm:alg type="tx"/>
-            <dgm:shape xmlns:r="http://schemas.openxmlformats.org/officeDocument/2006/relationships" type="rect" r:blip="" hideGeom="1">
-              <dgm:adjLst/>
-            </dgm:shape>
-            <dgm:presOf axis="ch desOrSelf" ptType="node node" st="6 1" cnt="1 0"/>
-            <dgm:constrLst/>
-            <dgm:ruleLst>
-              <dgm:rule type="primFontSz" val="5" fact="NaN" max="NaN"/>
-            </dgm:ruleLst>
-          </dgm:layoutNode>
-        </dgm:layoutNode>
-      </dgm:if>
-      <dgm:else name="Name52"/>
-    </dgm:choose>
-    <dgm:choose name="Name53">
-      <dgm:if name="Name54" axis="ch" ptType="node" func="cnt" op="gte" val="7">
-        <dgm:layoutNode name="comp7">
-          <dgm:alg type="composite"/>
-          <dgm:shape xmlns:r="http://schemas.openxmlformats.org/officeDocument/2006/relationships" r:blip="">
-            <dgm:adjLst/>
-          </dgm:shape>
-          <dgm:presOf/>
-          <dgm:constrLst>
-            <dgm:constr type="w" for="ch" forName="circle7" refType="w"/>
-            <dgm:constr type="h" for="ch" forName="circle7" refType="h"/>
-            <dgm:constr type="ctrX" for="ch" forName="circle7" refType="w" fact="0.5"/>
-            <dgm:constr type="ctrY" for="ch" forName="circle7" refType="h" fact="0.5"/>
-            <dgm:constr type="ctrX" for="ch" forName="c7text" refType="w" fact="0.5"/>
-            <dgm:constr type="ctrY" for="ch" forName="c7text" refType="h" fact="0.5"/>
-            <dgm:constr type="w" for="ch" forName="c7text" refType="w" refFor="ch" refForName="circle7" fact="0.70711"/>
-            <dgm:constr type="h" for="ch" forName="c7text" refType="h" refFor="ch" refForName="circle7" fact="0.5"/>
-          </dgm:constrLst>
-          <dgm:ruleLst/>
-          <dgm:layoutNode name="circle7" styleLbl="node1">
-            <dgm:alg type="sp"/>
-            <dgm:shape xmlns:r="http://schemas.openxmlformats.org/officeDocument/2006/relationships" type="ellipse" r:blip="">
-              <dgm:adjLst/>
-            </dgm:shape>
-            <dgm:presOf axis="ch desOrSelf" ptType="node node" st="7 1" cnt="1 0"/>
-            <dgm:constrLst>
-              <dgm:constr type="h" refType="w"/>
-            </dgm:constrLst>
-            <dgm:ruleLst/>
-          </dgm:layoutNode>
-          <dgm:layoutNode name="c7text">
-            <dgm:varLst>
-              <dgm:bulletEnabled val="1"/>
-            </dgm:varLst>
-            <dgm:alg type="tx"/>
-            <dgm:shape xmlns:r="http://schemas.openxmlformats.org/officeDocument/2006/relationships" type="rect" r:blip="" hideGeom="1">
-              <dgm:adjLst/>
-            </dgm:shape>
-            <dgm:presOf axis="ch desOrSelf" ptType="node node" st="7 1" cnt="1 0"/>
-            <dgm:constrLst/>
-            <dgm:ruleLst>
-              <dgm:rule type="primFontSz" val="5" fact="NaN" max="NaN"/>
-            </dgm:ruleLst>
-          </dgm:layoutNode>
-        </dgm:layoutNode>
-      </dgm:if>
-      <dgm:else name="Name55"/>
-    </dgm:choose>
-  </dgm:layoutNode>
-</dgm:layoutDef>
-</file>
-
-<file path=ppt/diagrams/quickStyle1.xml><?xml version="1.0" encoding="utf-8"?>
-<dgm:styleDef xmlns:dgm="http://schemas.openxmlformats.org/drawingml/2006/diagram" xmlns:a="http://schemas.openxmlformats.org/drawingml/2006/main" uniqueId="urn:microsoft.com/office/officeart/2005/8/quickstyle/simple1">
-  <dgm:title val=""/>
-  <dgm:desc val=""/>
-  <dgm:catLst>
-    <dgm:cat type="simple" pri="10100"/>
-  </dgm:catLst>
-  <dgm:scene3d>
-    <a:camera prst="orthographicFront"/>
-    <a:lightRig rig="threePt" dir="t"/>
-  </dgm:scene3d>
-  <dgm:styleLbl name="node0">
-    <dgm:scene3d>
-      <a:camera prst="orthographicFront"/>
-      <a:lightRig rig="threePt" dir="t"/>
-    </dgm:scene3d>
-    <dgm:sp3d/>
-    <dgm:txPr/>
-    <dgm:style>
-      <a:lnRef idx="2">
-        <a:scrgbClr r="0" g="0" b="0"/>
-      </a:lnRef>
-      <a:fillRef idx="1">
-        <a:scrgbClr r="0" g="0" b="0"/>
-      </a:fillRef>
-      <a:effectRef idx="0">
-        <a:scrgbClr r="0" g="0" b="0"/>
-      </a:effectRef>
-      <a:fontRef idx="minor">
-        <a:schemeClr val="lt1"/>
-      </a:fontRef>
-    </dgm:style>
-  </dgm:styleLbl>
-  <dgm:styleLbl name="lnNode1">
-    <dgm:scene3d>
-      <a:camera prst="orthographicFront"/>
-      <a:lightRig rig="threePt" dir="t"/>
-    </dgm:scene3d>
-    <dgm:sp3d/>
-    <dgm:txPr/>
-    <dgm:style>
-      <a:lnRef idx="2">
-        <a:scrgbClr r="0" g="0" b="0"/>
-      </a:lnRef>
-      <a:fillRef idx="1">
-        <a:scrgbClr r="0" g="0" b="0"/>
-      </a:fillRef>
-      <a:effectRef idx="0">
-        <a:scrgbClr r="0" g="0" b="0"/>
-      </a:effectRef>
-      <a:fontRef idx="minor">
-        <a:schemeClr val="lt1"/>
-      </a:fontRef>
-    </dgm:style>
-  </dgm:styleLbl>
-  <dgm:styleLbl name="vennNode1">
-    <dgm:scene3d>
-      <a:camera prst="orthographicFront"/>
-      <a:lightRig rig="threePt" dir="t"/>
-    </dgm:scene3d>
-    <dgm:sp3d/>
-    <dgm:txPr/>
-    <dgm:style>
-      <a:lnRef idx="2">
-        <a:scrgbClr r="0" g="0" b="0"/>
-      </a:lnRef>
-      <a:fillRef idx="1">
-        <a:scrgbClr r="0" g="0" b="0"/>
-      </a:fillRef>
-      <a:effectRef idx="0">
-        <a:scrgbClr r="0" g="0" b="0"/>
-      </a:effectRef>
-      <a:fontRef idx="minor">
-        <a:schemeClr val="tx1"/>
-      </a:fontRef>
-    </dgm:style>
-  </dgm:styleLbl>
-  <dgm:styleLbl name="alignNode1">
-    <dgm:scene3d>
-      <a:camera prst="orthographicFront"/>
-      <a:lightRig rig="threePt" dir="t"/>
-    </dgm:scene3d>
-    <dgm:sp3d/>
-    <dgm:txPr/>
-    <dgm:style>
-      <a:lnRef idx="2">
-        <a:scrgbClr r="0" g="0" b="0"/>
-      </a:lnRef>
-      <a:fillRef idx="1">
-        <a:scrgbClr r="0" g="0" b="0"/>
-      </a:fillRef>
-      <a:effectRef idx="0">
-        <a:scrgbClr r="0" g="0" b="0"/>
-      </a:effectRef>
-      <a:fontRef idx="minor">
-        <a:schemeClr val="lt1"/>
-      </a:fontRef>
-    </dgm:style>
-  </dgm:styleLbl>
-  <dgm:styleLbl name="node1">
-    <dgm:scene3d>
-      <a:camera prst="orthographicFront"/>
-      <a:lightRig rig="threePt" dir="t"/>
-    </dgm:scene3d>
-    <dgm:sp3d/>
-    <dgm:txPr/>
-    <dgm:style>
-      <a:lnRef idx="2">
-        <a:scrgbClr r="0" g="0" b="0"/>
-      </a:lnRef>
-      <a:fillRef idx="1">
-        <a:scrgbClr r="0" g="0" b="0"/>
-      </a:fillRef>
-      <a:effectRef idx="0">
-        <a:scrgbClr r="0" g="0" b="0"/>
-      </a:effectRef>
-      <a:fontRef idx="minor">
-        <a:schemeClr val="lt1"/>
-      </a:fontRef>
-    </dgm:style>
-  </dgm:styleLbl>
-  <dgm:styleLbl name="node2">
-    <dgm:scene3d>
-      <a:camera prst="orthographicFront"/>
-      <a:lightRig rig="threePt" dir="t"/>
-    </dgm:scene3d>
-    <dgm:sp3d/>
-    <dgm:txPr/>
-    <dgm:style>
-      <a:lnRef idx="2">
-        <a:scrgbClr r="0" g="0" b="0"/>
-      </a:lnRef>
-      <a:fillRef idx="1">
-        <a:scrgbClr r="0" g="0" b="0"/>
-      </a:fillRef>
-      <a:effectRef idx="0">
-        <a:scrgbClr r="0" g="0" b="0"/>
-      </a:effectRef>
-      <a:fontRef idx="minor">
-        <a:schemeClr val="lt1"/>
-      </a:fontRef>
-    </dgm:style>
-  </dgm:styleLbl>
-  <dgm:styleLbl name="node3">
-    <dgm:scene3d>
-      <a:camera prst="orthographicFront"/>
-      <a:lightRig rig="threePt" dir="t"/>
-    </dgm:scene3d>
-    <dgm:sp3d/>
-    <dgm:txPr/>
-    <dgm:style>
-      <a:lnRef idx="2">
-        <a:scrgbClr r="0" g="0" b="0"/>
-      </a:lnRef>
-      <a:fillRef idx="1">
-        <a:scrgbClr r="0" g="0" b="0"/>
-      </a:fillRef>
-      <a:effectRef idx="0">
-        <a:scrgbClr r="0" g="0" b="0"/>
-      </a:effectRef>
-      <a:fontRef idx="minor">
-        <a:schemeClr val="lt1"/>
-      </a:fontRef>
-    </dgm:style>
-  </dgm:styleLbl>
-  <dgm:styleLbl name="node4">
-    <dgm:scene3d>
-      <a:camera prst="orthographicFront"/>
-      <a:lightRig rig="threePt" dir="t"/>
-    </dgm:scene3d>
-    <dgm:sp3d/>
-    <dgm:txPr/>
-    <dgm:style>
-      <a:lnRef idx="2">
-        <a:scrgbClr r="0" g="0" b="0"/>
-      </a:lnRef>
-      <a:fillRef idx="1">
-        <a:scrgbClr r="0" g="0" b="0"/>
-      </a:fillRef>
-      <a:effectRef idx="0">
-        <a:scrgbClr r="0" g="0" b="0"/>
-      </a:effectRef>
-      <a:fontRef idx="minor">
-        <a:schemeClr val="lt1"/>
-      </a:fontRef>
-    </dgm:style>
-  </dgm:styleLbl>
-  <dgm:styleLbl name="fgImgPlace1">
-    <dgm:scene3d>
-      <a:camera prst="orthographicFront"/>
-      <a:lightRig rig="threePt" dir="t"/>
-    </dgm:scene3d>
-    <dgm:sp3d/>
-    <dgm:txPr/>
-    <dgm:style>
-      <a:lnRef idx="2">
-        <a:scrgbClr r="0" g="0" b="0"/>
-      </a:lnRef>
-      <a:fillRef idx="1">
-        <a:scrgbClr r="0" g="0" b="0"/>
-      </a:fillRef>
-      <a:effectRef idx="0">
-        <a:scrgbClr r="0" g="0" b="0"/>
-      </a:effectRef>
-      <a:fontRef idx="minor"/>
-    </dgm:style>
-  </dgm:styleLbl>
-  <dgm:styleLbl name="alignImgPlace1">
-    <dgm:scene3d>
-      <a:camera prst="orthographicFront"/>
-      <a:lightRig rig="threePt" dir="t"/>
-    </dgm:scene3d>
-    <dgm:sp3d/>
-    <dgm:txPr/>
-    <dgm:style>
-      <a:lnRef idx="2">
-        <a:scrgbClr r="0" g="0" b="0"/>
-      </a:lnRef>
-      <a:fillRef idx="1">
-        <a:scrgbClr r="0" g="0" b="0"/>
-      </a:fillRef>
-      <a:effectRef idx="0">
-        <a:scrgbClr r="0" g="0" b="0"/>
-      </a:effectRef>
-      <a:fontRef idx="minor"/>
-    </dgm:style>
-  </dgm:styleLbl>
-  <dgm:styleLbl name="bgImgPlace1">
-    <dgm:scene3d>
-      <a:camera prst="orthographicFront"/>
-      <a:lightRig rig="threePt" dir="t"/>
-    </dgm:scene3d>
-    <dgm:sp3d/>
-    <dgm:txPr/>
-    <dgm:style>
-      <a:lnRef idx="2">
-        <a:scrgbClr r="0" g="0" b="0"/>
-      </a:lnRef>
-      <a:fillRef idx="1">
-        <a:scrgbClr r="0" g="0" b="0"/>
-      </a:fillRef>
-      <a:effectRef idx="0">
-        <a:scrgbClr r="0" g="0" b="0"/>
-      </a:effectRef>
-      <a:fontRef idx="minor"/>
-    </dgm:style>
-  </dgm:styleLbl>
-  <dgm:styleLbl name="sibTrans2D1">
-    <dgm:scene3d>
-      <a:camera prst="orthographicFront"/>
-      <a:lightRig rig="threePt" dir="t"/>
-    </dgm:scene3d>
-    <dgm:sp3d/>
-    <dgm:txPr/>
-    <dgm:style>
-      <a:lnRef idx="0">
-        <a:scrgbClr r="0" g="0" b="0"/>
-      </a:lnRef>
-      <a:fillRef idx="1">
-        <a:scrgbClr r="0" g="0" b="0"/>
-      </a:fillRef>
-      <a:effectRef idx="0">
-        <a:scrgbClr r="0" g="0" b="0"/>
-      </a:effectRef>
-      <a:fontRef idx="minor">
-        <a:schemeClr val="lt1"/>
-      </a:fontRef>
-    </dgm:style>
-  </dgm:styleLbl>
-  <dgm:styleLbl name="fgSibTrans2D1">
-    <dgm:scene3d>
-      <a:camera prst="orthographicFront"/>
-      <a:lightRig rig="threePt" dir="t"/>
-    </dgm:scene3d>
-    <dgm:sp3d/>
-    <dgm:txPr/>
-    <dgm:style>
-      <a:lnRef idx="0">
-        <a:scrgbClr r="0" g="0" b="0"/>
-      </a:lnRef>
-      <a:fillRef idx="1">
-        <a:scrgbClr r="0" g="0" b="0"/>
-      </a:fillRef>
-      <a:effectRef idx="0">
-        <a:scrgbClr r="0" g="0" b="0"/>
-      </a:effectRef>
-      <a:fontRef idx="minor">
-        <a:schemeClr val="lt1"/>
-      </a:fontRef>
-    </dgm:style>
-  </dgm:styleLbl>
-  <dgm:styleLbl name="bgSibTrans2D1">
-    <dgm:scene3d>
-      <a:camera prst="orthographicFront"/>
-      <a:lightRig rig="threePt" dir="t"/>
-    </dgm:scene3d>
-    <dgm:sp3d/>
-    <dgm:txPr/>
-    <dgm:style>
-      <a:lnRef idx="0">
-        <a:scrgbClr r="0" g="0" b="0"/>
-      </a:lnRef>
-      <a:fillRef idx="1">
-        <a:scrgbClr r="0" g="0" b="0"/>
-      </a:fillRef>
-      <a:effectRef idx="0">
-        <a:scrgbClr r="0" g="0" b="0"/>
-      </a:effectRef>
-      <a:fontRef idx="minor">
-        <a:schemeClr val="lt1"/>
-      </a:fontRef>
-    </dgm:style>
-  </dgm:styleLbl>
-  <dgm:styleLbl name="sibTrans1D1">
-    <dgm:scene3d>
-      <a:camera prst="orthographicFront"/>
-      <a:lightRig rig="threePt" dir="t"/>
-    </dgm:scene3d>
-    <dgm:sp3d/>
-    <dgm:txPr/>
-    <dgm:style>
-      <a:lnRef idx="1">
-        <a:scrgbClr r="0" g="0" b="0"/>
-      </a:lnRef>
-      <a:fillRef idx="0">
-        <a:scrgbClr r="0" g="0" b="0"/>
-      </a:fillRef>
-      <a:effectRef idx="0">
-        <a:scrgbClr r="0" g="0" b="0"/>
-      </a:effectRef>
-      <a:fontRef idx="minor"/>
-    </dgm:style>
-  </dgm:styleLbl>
-  <dgm:styleLbl name="callout">
-    <dgm:scene3d>
-      <a:camera prst="orthographicFront"/>
-      <a:lightRig rig="threePt" dir="t"/>
-    </dgm:scene3d>
-    <dgm:sp3d/>
-    <dgm:txPr/>
-    <dgm:style>
-      <a:lnRef idx="2">
-        <a:scrgbClr r="0" g="0" b="0"/>
-      </a:lnRef>
-      <a:fillRef idx="1">
-        <a:scrgbClr r="0" g="0" b="0"/>
-      </a:fillRef>
-      <a:effectRef idx="0">
-        <a:scrgbClr r="0" g="0" b="0"/>
-      </a:effectRef>
-      <a:fontRef idx="minor"/>
-    </dgm:style>
-  </dgm:styleLbl>
-  <dgm:styleLbl name="asst0">
-    <dgm:scene3d>
-      <a:camera prst="orthographicFront"/>
-      <a:lightRig rig="threePt" dir="t"/>
-    </dgm:scene3d>
-    <dgm:sp3d/>
-    <dgm:txPr/>
-    <dgm:style>
-      <a:lnRef idx="2">
-        <a:scrgbClr r="0" g="0" b="0"/>
-      </a:lnRef>
-      <a:fillRef idx="1">
-        <a:scrgbClr r="0" g="0" b="0"/>
-      </a:fillRef>
-      <a:effectRef idx="0">
-        <a:scrgbClr r="0" g="0" b="0"/>
-      </a:effectRef>
-      <a:fontRef idx="minor">
-        <a:schemeClr val="lt1"/>
-      </a:fontRef>
-    </dgm:style>
-  </dgm:styleLbl>
-  <dgm:styleLbl name="asst1">
-    <dgm:scene3d>
-      <a:camera prst="orthographicFront"/>
-      <a:lightRig rig="threePt" dir="t"/>
-    </dgm:scene3d>
-    <dgm:sp3d/>
-    <dgm:txPr/>
-    <dgm:style>
-      <a:lnRef idx="2">
-        <a:scrgbClr r="0" g="0" b="0"/>
-      </a:lnRef>
-      <a:fillRef idx="1">
-        <a:scrgbClr r="0" g="0" b="0"/>
-      </a:fillRef>
-      <a:effectRef idx="0">
-        <a:scrgbClr r="0" g="0" b="0"/>
-      </a:effectRef>
-      <a:fontRef idx="minor">
-        <a:schemeClr val="lt1"/>
-      </a:fontRef>
-    </dgm:style>
-  </dgm:styleLbl>
-  <dgm:styleLbl name="asst2">
-    <dgm:scene3d>
-      <a:camera prst="orthographicFront"/>
-      <a:lightRig rig="threePt" dir="t"/>
-    </dgm:scene3d>
-    <dgm:sp3d/>
-    <dgm:txPr/>
-    <dgm:style>
-      <a:lnRef idx="2">
-        <a:scrgbClr r="0" g="0" b="0"/>
-      </a:lnRef>
-      <a:fillRef idx="1">
-        <a:scrgbClr r="0" g="0" b="0"/>
-      </a:fillRef>
-      <a:effectRef idx="0">
-        <a:scrgbClr r="0" g="0" b="0"/>
-      </a:effectRef>
-      <a:fontRef idx="minor">
-        <a:schemeClr val="lt1"/>
-      </a:fontRef>
-    </dgm:style>
-  </dgm:styleLbl>
-  <dgm:styleLbl name="asst3">
-    <dgm:scene3d>
-      <a:camera prst="orthographicFront"/>
-      <a:lightRig rig="threePt" dir="t"/>
-    </dgm:scene3d>
-    <dgm:sp3d/>
-    <dgm:txPr/>
-    <dgm:style>
-      <a:lnRef idx="2">
-        <a:scrgbClr r="0" g="0" b="0"/>
-      </a:lnRef>
-      <a:fillRef idx="1">
-        <a:scrgbClr r="0" g="0" b="0"/>
-      </a:fillRef>
-      <a:effectRef idx="0">
-        <a:scrgbClr r="0" g="0" b="0"/>
-      </a:effectRef>
-      <a:fontRef idx="minor">
-        <a:schemeClr val="lt1"/>
-      </a:fontRef>
-    </dgm:style>
-  </dgm:styleLbl>
-  <dgm:styleLbl name="asst4">
-    <dgm:scene3d>
-      <a:camera prst="orthographicFront"/>
-      <a:lightRig rig="threePt" dir="t"/>
-    </dgm:scene3d>
-    <dgm:sp3d/>
-    <dgm:txPr/>
-    <dgm:style>
-      <a:lnRef idx="2">
-        <a:scrgbClr r="0" g="0" b="0"/>
-      </a:lnRef>
-      <a:fillRef idx="1">
-        <a:scrgbClr r="0" g="0" b="0"/>
-      </a:fillRef>
-      <a:effectRef idx="0">
-        <a:scrgbClr r="0" g="0" b="0"/>
-      </a:effectRef>
-      <a:fontRef idx="minor">
-        <a:schemeClr val="lt1"/>
-      </a:fontRef>
-    </dgm:style>
-  </dgm:styleLbl>
-  <dgm:styleLbl name="parChTrans2D1">
-    <dgm:scene3d>
-      <a:camera prst="orthographicFront"/>
-      <a:lightRig rig="threePt" dir="t"/>
-    </dgm:scene3d>
-    <dgm:sp3d/>
-    <dgm:txPr/>
-    <dgm:style>
-      <a:lnRef idx="2">
-        <a:scrgbClr r="0" g="0" b="0"/>
-      </a:lnRef>
-      <a:fillRef idx="1">
-        <a:scrgbClr r="0" g="0" b="0"/>
-      </a:fillRef>
-      <a:effectRef idx="0">
-        <a:scrgbClr r="0" g="0" b="0"/>
-      </a:effectRef>
-      <a:fontRef idx="minor">
-        <a:schemeClr val="lt1"/>
-      </a:fontRef>
-    </dgm:style>
-  </dgm:styleLbl>
-  <dgm:styleLbl name="parChTrans2D2">
-    <dgm:scene3d>
-      <a:camera prst="orthographicFront"/>
-      <a:lightRig rig="threePt" dir="t"/>
-    </dgm:scene3d>
-    <dgm:sp3d/>
-    <dgm:txPr/>
-    <dgm:style>
-      <a:lnRef idx="2">
-        <a:scrgbClr r="0" g="0" b="0"/>
-      </a:lnRef>
-      <a:fillRef idx="1">
-        <a:scrgbClr r="0" g="0" b="0"/>
-      </a:fillRef>
-      <a:effectRef idx="0">
-        <a:scrgbClr r="0" g="0" b="0"/>
-      </a:effectRef>
-      <a:fontRef idx="minor">
-        <a:schemeClr val="lt1"/>
-      </a:fontRef>
-    </dgm:style>
-  </dgm:styleLbl>
-  <dgm:styleLbl name="parChTrans2D3">
-    <dgm:scene3d>
-      <a:camera prst="orthographicFront"/>
-      <a:lightRig rig="threePt" dir="t"/>
-    </dgm:scene3d>
-    <dgm:sp3d/>
-    <dgm:txPr/>
-    <dgm:style>
-      <a:lnRef idx="2">
-        <a:scrgbClr r="0" g="0" b="0"/>
-      </a:lnRef>
-      <a:fillRef idx="1">
-        <a:scrgbClr r="0" g="0" b="0"/>
-      </a:fillRef>
-      <a:effectRef idx="0">
-        <a:scrgbClr r="0" g="0" b="0"/>
-      </a:effectRef>
-      <a:fontRef idx="minor">
-        <a:schemeClr val="lt1"/>
-      </a:fontRef>
-    </dgm:style>
-  </dgm:styleLbl>
-  <dgm:styleLbl name="parChTrans2D4">
-    <dgm:scene3d>
-      <a:camera prst="orthographicFront"/>
-      <a:lightRig rig="threePt" dir="t"/>
-    </dgm:scene3d>
-    <dgm:sp3d/>
-    <dgm:txPr/>
-    <dgm:style>
-      <a:lnRef idx="2">
-        <a:scrgbClr r="0" g="0" b="0"/>
-      </a:lnRef>
-      <a:fillRef idx="1">
-        <a:scrgbClr r="0" g="0" b="0"/>
-      </a:fillRef>
-      <a:effectRef idx="0">
-        <a:scrgbClr r="0" g="0" b="0"/>
-      </a:effectRef>
-      <a:fontRef idx="minor">
-        <a:schemeClr val="lt1"/>
-      </a:fontRef>
-    </dgm:style>
-  </dgm:styleLbl>
-  <dgm:styleLbl name="parChTrans1D1">
-    <dgm:scene3d>
-      <a:camera prst="orthographicFront"/>
-      <a:lightRig rig="threePt" dir="t"/>
-    </dgm:scene3d>
-    <dgm:sp3d/>
-    <dgm:txPr/>
-    <dgm:style>
-      <a:lnRef idx="2">
-        <a:scrgbClr r="0" g="0" b="0"/>
-      </a:lnRef>
-      <a:fillRef idx="0">
-        <a:scrgbClr r="0" g="0" b="0"/>
-      </a:fillRef>
-      <a:effectRef idx="0">
-        <a:scrgbClr r="0" g="0" b="0"/>
-      </a:effectRef>
-      <a:fontRef idx="minor"/>
-    </dgm:style>
-  </dgm:styleLbl>
-  <dgm:styleLbl name="parChTrans1D2">
-    <dgm:scene3d>
-      <a:camera prst="orthographicFront"/>
-      <a:lightRig rig="threePt" dir="t"/>
-    </dgm:scene3d>
-    <dgm:sp3d/>
-    <dgm:txPr/>
-    <dgm:style>
-      <a:lnRef idx="2">
-        <a:scrgbClr r="0" g="0" b="0"/>
-      </a:lnRef>
-      <a:fillRef idx="0">
-        <a:scrgbClr r="0" g="0" b="0"/>
-      </a:fillRef>
-      <a:effectRef idx="0">
-        <a:scrgbClr r="0" g="0" b="0"/>
-      </a:effectRef>
-      <a:fontRef idx="minor"/>
-    </dgm:style>
-  </dgm:styleLbl>
-  <dgm:styleLbl name="parChTrans1D3">
-    <dgm:scene3d>
-      <a:camera prst="orthographicFront"/>
-      <a:lightRig rig="threePt" dir="t"/>
-    </dgm:scene3d>
-    <dgm:sp3d/>
-    <dgm:txPr/>
-    <dgm:style>
-      <a:lnRef idx="2">
-        <a:scrgbClr r="0" g="0" b="0"/>
-      </a:lnRef>
-      <a:fillRef idx="0">
-        <a:scrgbClr r="0" g="0" b="0"/>
-      </a:fillRef>
-      <a:effectRef idx="0">
-        <a:scrgbClr r="0" g="0" b="0"/>
-      </a:effectRef>
-      <a:fontRef idx="minor"/>
-    </dgm:style>
-  </dgm:styleLbl>
-  <dgm:styleLbl name="parChTrans1D4">
-    <dgm:scene3d>
-      <a:camera prst="orthographicFront"/>
-      <a:lightRig rig="threePt" dir="t"/>
-    </dgm:scene3d>
-    <dgm:sp3d/>
-    <dgm:txPr/>
-    <dgm:style>
-      <a:lnRef idx="2">
-        <a:scrgbClr r="0" g="0" b="0"/>
-      </a:lnRef>
-      <a:fillRef idx="0">
-        <a:scrgbClr r="0" g="0" b="0"/>
-      </a:fillRef>
-      <a:effectRef idx="0">
-        <a:scrgbClr r="0" g="0" b="0"/>
-      </a:effectRef>
-      <a:fontRef idx="minor"/>
-    </dgm:style>
-  </dgm:styleLbl>
-  <dgm:styleLbl name="fgAcc1">
-    <dgm:scene3d>
-      <a:camera prst="orthographicFront"/>
-      <a:lightRig rig="threePt" dir="t"/>
-    </dgm:scene3d>
-    <dgm:sp3d/>
-    <dgm:txPr/>
-    <dgm:style>
-      <a:lnRef idx="2">
-        <a:scrgbClr r="0" g="0" b="0"/>
-      </a:lnRef>
-      <a:fillRef idx="1">
-        <a:scrgbClr r="0" g="0" b="0"/>
-      </a:fillRef>
-      <a:effectRef idx="0">
-        <a:scrgbClr r="0" g="0" b="0"/>
-      </a:effectRef>
-      <a:fontRef idx="minor"/>
-    </dgm:style>
-  </dgm:styleLbl>
-  <dgm:styleLbl name="conFgAcc1">
-    <dgm:scene3d>
-      <a:camera prst="orthographicFront"/>
-      <a:lightRig rig="threePt" dir="t"/>
-    </dgm:scene3d>
-    <dgm:sp3d/>
-    <dgm:txPr/>
-    <dgm:style>
-      <a:lnRef idx="2">
-        <a:scrgbClr r="0" g="0" b="0"/>
-      </a:lnRef>
-      <a:fillRef idx="1">
-        <a:scrgbClr r="0" g="0" b="0"/>
-      </a:fillRef>
-      <a:effectRef idx="0">
-        <a:scrgbClr r="0" g="0" b="0"/>
-      </a:effectRef>
-      <a:fontRef idx="minor"/>
-    </dgm:style>
-  </dgm:styleLbl>
-  <dgm:styleLbl name="alignAcc1">
-    <dgm:scene3d>
-      <a:camera prst="orthographicFront"/>
-      <a:lightRig rig="threePt" dir="t"/>
-    </dgm:scene3d>
-    <dgm:sp3d/>
-    <dgm:txPr/>
-    <dgm:style>
-      <a:lnRef idx="2">
-        <a:scrgbClr r="0" g="0" b="0"/>
-      </a:lnRef>
-      <a:fillRef idx="1">
-        <a:scrgbClr r="0" g="0" b="0"/>
-      </a:fillRef>
-      <a:effectRef idx="0">
-        <a:scrgbClr r="0" g="0" b="0"/>
-      </a:effectRef>
-      <a:fontRef idx="minor"/>
-    </dgm:style>
-  </dgm:styleLbl>
-  <dgm:styleLbl name="trAlignAcc1">
-    <dgm:scene3d>
-      <a:camera prst="orthographicFront"/>
-      <a:lightRig rig="threePt" dir="t"/>
-    </dgm:scene3d>
-    <dgm:sp3d/>
-    <dgm:txPr/>
-    <dgm:style>
-      <a:lnRef idx="1">
-        <a:scrgbClr r="0" g="0" b="0"/>
-      </a:lnRef>
-      <a:fillRef idx="1">
-        <a:scrgbClr r="0" g="0" b="0"/>
-      </a:fillRef>
-      <a:effectRef idx="0">
-        <a:scrgbClr r="0" g="0" b="0"/>
-      </a:effectRef>
-      <a:fontRef idx="minor"/>
-    </dgm:style>
-  </dgm:styleLbl>
-  <dgm:styleLbl name="bgAcc1">
-    <dgm:scene3d>
-      <a:camera prst="orthographicFront"/>
-      <a:lightRig rig="threePt" dir="t"/>
-    </dgm:scene3d>
-    <dgm:sp3d/>
-    <dgm:txPr/>
-    <dgm:style>
-      <a:lnRef idx="2">
-        <a:scrgbClr r="0" g="0" b="0"/>
-      </a:lnRef>
-      <a:fillRef idx="1">
-        <a:scrgbClr r="0" g="0" b="0"/>
-      </a:fillRef>
-      <a:effectRef idx="0">
-        <a:scrgbClr r="0" g="0" b="0"/>
-      </a:effectRef>
-      <a:fontRef idx="minor"/>
-    </dgm:style>
-  </dgm:styleLbl>
-  <dgm:styleLbl name="solidFgAcc1">
-    <dgm:scene3d>
-      <a:camera prst="orthographicFront"/>
-      <a:lightRig rig="threePt" dir="t"/>
-    </dgm:scene3d>
-    <dgm:sp3d/>
-    <dgm:txPr/>
-    <dgm:style>
-      <a:lnRef idx="2">
-        <a:scrgbClr r="0" g="0" b="0"/>
-      </a:lnRef>
-      <a:fillRef idx="1">
-        <a:scrgbClr r="0" g="0" b="0"/>
-      </a:fillRef>
-      <a:effectRef idx="0">
-        <a:scrgbClr r="0" g="0" b="0"/>
-      </a:effectRef>
-      <a:fontRef idx="minor"/>
-    </dgm:style>
-  </dgm:styleLbl>
-  <dgm:styleLbl name="solidAlignAcc1">
-    <dgm:scene3d>
-      <a:camera prst="orthographicFront"/>
-      <a:lightRig rig="threePt" dir="t"/>
-    </dgm:scene3d>
-    <dgm:sp3d/>
-    <dgm:txPr/>
-    <dgm:style>
-      <a:lnRef idx="2">
-        <a:scrgbClr r="0" g="0" b="0"/>
-      </a:lnRef>
-      <a:fillRef idx="1">
-        <a:scrgbClr r="0" g="0" b="0"/>
-      </a:fillRef>
-      <a:effectRef idx="0">
-        <a:scrgbClr r="0" g="0" b="0"/>
-      </a:effectRef>
-      <a:fontRef idx="minor"/>
-    </dgm:style>
-  </dgm:styleLbl>
-  <dgm:styleLbl name="solidBgAcc1">
-    <dgm:scene3d>
-      <a:camera prst="orthographicFront"/>
-      <a:lightRig rig="threePt" dir="t"/>
-    </dgm:scene3d>
-    <dgm:sp3d/>
-    <dgm:txPr/>
-    <dgm:style>
-      <a:lnRef idx="2">
-        <a:scrgbClr r="0" g="0" b="0"/>
-      </a:lnRef>
-      <a:fillRef idx="1">
-        <a:scrgbClr r="0" g="0" b="0"/>
-      </a:fillRef>
-      <a:effectRef idx="0">
-        <a:scrgbClr r="0" g="0" b="0"/>
-      </a:effectRef>
-      <a:fontRef idx="minor"/>
-    </dgm:style>
-  </dgm:styleLbl>
-  <dgm:styleLbl name="fgAccFollowNode1">
-    <dgm:scene3d>
-      <a:camera prst="orthographicFront"/>
-      <a:lightRig rig="threePt" dir="t"/>
-    </dgm:scene3d>
-    <dgm:sp3d/>
-    <dgm:txPr/>
-    <dgm:style>
-      <a:lnRef idx="2">
-        <a:scrgbClr r="0" g="0" b="0"/>
-      </a:lnRef>
-      <a:fillRef idx="1">
-        <a:scrgbClr r="0" g="0" b="0"/>
-      </a:fillRef>
-      <a:effectRef idx="0">
-        <a:scrgbClr r="0" g="0" b="0"/>
-      </a:effectRef>
-      <a:fontRef idx="minor"/>
-    </dgm:style>
-  </dgm:styleLbl>
-  <dgm:styleLbl name="alignAccFollowNode1">
-    <dgm:scene3d>
-      <a:camera prst="orthographicFront"/>
-      <a:lightRig rig="threePt" dir="t"/>
-    </dgm:scene3d>
-    <dgm:sp3d/>
-    <dgm:txPr/>
-    <dgm:style>
-      <a:lnRef idx="2">
-        <a:scrgbClr r="0" g="0" b="0"/>
-      </a:lnRef>
-      <a:fillRef idx="1">
-        <a:scrgbClr r="0" g="0" b="0"/>
-      </a:fillRef>
-      <a:effectRef idx="0">
-        <a:scrgbClr r="0" g="0" b="0"/>
-      </a:effectRef>
-      <a:fontRef idx="minor"/>
-    </dgm:style>
-  </dgm:styleLbl>
-  <dgm:styleLbl name="bgAccFollowNode1">
-    <dgm:scene3d>
-      <a:camera prst="orthographicFront"/>
-      <a:lightRig rig="threePt" dir="t"/>
-    </dgm:scene3d>
-    <dgm:sp3d/>
-    <dgm:txPr/>
-    <dgm:style>
-      <a:lnRef idx="2">
-        <a:scrgbClr r="0" g="0" b="0"/>
-      </a:lnRef>
-      <a:fillRef idx="1">
-        <a:scrgbClr r="0" g="0" b="0"/>
-      </a:fillRef>
-      <a:effectRef idx="0">
-        <a:scrgbClr r="0" g="0" b="0"/>
-      </a:effectRef>
-      <a:fontRef idx="minor"/>
-    </dgm:style>
-  </dgm:styleLbl>
-  <dgm:styleLbl name="fgAcc0">
-    <dgm:scene3d>
-      <a:camera prst="orthographicFront"/>
-      <a:lightRig rig="threePt" dir="t"/>
-    </dgm:scene3d>
-    <dgm:sp3d/>
-    <dgm:txPr/>
-    <dgm:style>
-      <a:lnRef idx="2">
-        <a:scrgbClr r="0" g="0" b="0"/>
-      </a:lnRef>
-      <a:fillRef idx="1">
-        <a:scrgbClr r="0" g="0" b="0"/>
-      </a:fillRef>
-      <a:effectRef idx="0">
-        <a:scrgbClr r="0" g="0" b="0"/>
-      </a:effectRef>
-      <a:fontRef idx="minor"/>
-    </dgm:style>
-  </dgm:styleLbl>
-  <dgm:styleLbl name="fgAcc2">
-    <dgm:scene3d>
-      <a:camera prst="orthographicFront"/>
-      <a:lightRig rig="threePt" dir="t"/>
-    </dgm:scene3d>
-    <dgm:sp3d/>
-    <dgm:txPr/>
-    <dgm:style>
-      <a:lnRef idx="2">
-        <a:scrgbClr r="0" g="0" b="0"/>
-      </a:lnRef>
-      <a:fillRef idx="1">
-        <a:scrgbClr r="0" g="0" b="0"/>
-      </a:fillRef>
-      <a:effectRef idx="0">
-        <a:scrgbClr r="0" g="0" b="0"/>
-      </a:effectRef>
-      <a:fontRef idx="minor"/>
-    </dgm:style>
-  </dgm:styleLbl>
-  <dgm:styleLbl name="fgAcc3">
-    <dgm:scene3d>
-      <a:camera prst="orthographicFront"/>
-      <a:lightRig rig="threePt" dir="t"/>
-    </dgm:scene3d>
-    <dgm:sp3d/>
-    <dgm:txPr/>
-    <dgm:style>
-      <a:lnRef idx="2">
-        <a:scrgbClr r="0" g="0" b="0"/>
-      </a:lnRef>
-      <a:fillRef idx="1">
-        <a:scrgbClr r="0" g="0" b="0"/>
-      </a:fillRef>
-      <a:effectRef idx="0">
-        <a:scrgbClr r="0" g="0" b="0"/>
-      </a:effectRef>
-      <a:fontRef idx="minor"/>
-    </dgm:style>
-  </dgm:styleLbl>
-  <dgm:styleLbl name="fgAcc4">
-    <dgm:scene3d>
-      <a:camera prst="orthographicFront"/>
-      <a:lightRig rig="threePt" dir="t"/>
-    </dgm:scene3d>
-    <dgm:sp3d/>
-    <dgm:txPr/>
-    <dgm:style>
-      <a:lnRef idx="2">
-        <a:scrgbClr r="0" g="0" b="0"/>
-      </a:lnRef>
-      <a:fillRef idx="1">
-        <a:scrgbClr r="0" g="0" b="0"/>
-      </a:fillRef>
-      <a:effectRef idx="0">
-        <a:scrgbClr r="0" g="0" b="0"/>
-      </a:effectRef>
-      <a:fontRef idx="minor"/>
-    </dgm:style>
-  </dgm:styleLbl>
-  <dgm:styleLbl name="bgShp">
-    <dgm:scene3d>
-      <a:camera prst="orthographicFront"/>
-      <a:lightRig rig="threePt" dir="t"/>
-    </dgm:scene3d>
-    <dgm:sp3d/>
-    <dgm:txPr/>
-    <dgm:style>
-      <a:lnRef idx="0">
-        <a:scrgbClr r="0" g="0" b="0"/>
-      </a:lnRef>
-      <a:fillRef idx="1">
-        <a:scrgbClr r="0" g="0" b="0"/>
-      </a:fillRef>
-      <a:effectRef idx="0">
-        <a:scrgbClr r="0" g="0" b="0"/>
-      </a:effectRef>
-      <a:fontRef idx="minor"/>
-    </dgm:style>
-  </dgm:styleLbl>
-  <dgm:styleLbl name="dkBgShp">
-    <dgm:scene3d>
-      <a:camera prst="orthographicFront"/>
-      <a:lightRig rig="threePt" dir="t"/>
-    </dgm:scene3d>
-    <dgm:sp3d/>
-    <dgm:txPr/>
-    <dgm:style>
-      <a:lnRef idx="0">
-        <a:scrgbClr r="0" g="0" b="0"/>
-      </a:lnRef>
-      <a:fillRef idx="1">
-        <a:scrgbClr r="0" g="0" b="0"/>
-      </a:fillRef>
-      <a:effectRef idx="0">
-        <a:scrgbClr r="0" g="0" b="0"/>
-      </a:effectRef>
-      <a:fontRef idx="minor"/>
-    </dgm:style>
-  </dgm:styleLbl>
-  <dgm:styleLbl name="trBgShp">
-    <dgm:scene3d>
-      <a:camera prst="orthographicFront"/>
-      <a:lightRig rig="threePt" dir="t"/>
-    </dgm:scene3d>
-    <dgm:sp3d/>
-    <dgm:txPr/>
-    <dgm:style>
-      <a:lnRef idx="0">
-        <a:scrgbClr r="0" g="0" b="0"/>
-      </a:lnRef>
-      <a:fillRef idx="1">
-        <a:scrgbClr r="0" g="0" b="0"/>
-      </a:fillRef>
-      <a:effectRef idx="0">
-        <a:scrgbClr r="0" g="0" b="0"/>
-      </a:effectRef>
-      <a:fontRef idx="minor"/>
-    </dgm:style>
-  </dgm:styleLbl>
-  <dgm:styleLbl name="fgShp">
-    <dgm:scene3d>
-      <a:camera prst="orthographicFront"/>
-      <a:lightRig rig="threePt" dir="t"/>
-    </dgm:scene3d>
-    <dgm:sp3d/>
-    <dgm:txPr/>
-    <dgm:style>
-      <a:lnRef idx="2">
-        <a:scrgbClr r="0" g="0" b="0"/>
-      </a:lnRef>
-      <a:fillRef idx="1">
-        <a:scrgbClr r="0" g="0" b="0"/>
-      </a:fillRef>
-      <a:effectRef idx="0">
-        <a:scrgbClr r="0" g="0" b="0"/>
-      </a:effectRef>
-      <a:fontRef idx="minor"/>
-    </dgm:style>
-  </dgm:styleLbl>
-  <dgm:styleLbl name="revTx">
-    <dgm:scene3d>
-      <a:camera prst="orthographicFront"/>
-      <a:lightRig rig="threePt" dir="t"/>
-    </dgm:scene3d>
-    <dgm:sp3d/>
-    <dgm:txPr/>
-    <dgm:style>
-      <a:lnRef idx="0">
-        <a:scrgbClr r="0" g="0" b="0"/>
-      </a:lnRef>
-      <a:fillRef idx="0">
-        <a:scrgbClr r="0" g="0" b="0"/>
-      </a:fillRef>
-      <a:effectRef idx="0">
-        <a:scrgbClr r="0" g="0" b="0"/>
-      </a:effectRef>
-      <a:fontRef idx="minor"/>
-    </dgm:style>
-  </dgm:styleLbl>
-</dgm:styleDef>
 </file>
 
 <file path=ppt/slideLayouts/slideLayout1.xml><?xml version="1.0" encoding="utf-8"?>
@@ -3134,7 +360,7 @@
           <a:p>
             <a:fld id="{21DC8992-6760-4568-B836-8A41DAB74142}" type="datetimeFigureOut">
               <a:rPr lang="pt-PT" smtClean="0"/>
-              <a:t>24/01/2022</a:t>
+              <a:t>15/04/2023</a:t>
             </a:fld>
             <a:endParaRPr lang="pt-PT"/>
           </a:p>
@@ -3304,7 +530,7 @@
           <a:p>
             <a:fld id="{21DC8992-6760-4568-B836-8A41DAB74142}" type="datetimeFigureOut">
               <a:rPr lang="pt-PT" smtClean="0"/>
-              <a:t>24/01/2022</a:t>
+              <a:t>15/04/2023</a:t>
             </a:fld>
             <a:endParaRPr lang="pt-PT"/>
           </a:p>
@@ -3484,7 +710,7 @@
           <a:p>
             <a:fld id="{21DC8992-6760-4568-B836-8A41DAB74142}" type="datetimeFigureOut">
               <a:rPr lang="pt-PT" smtClean="0"/>
-              <a:t>24/01/2022</a:t>
+              <a:t>15/04/2023</a:t>
             </a:fld>
             <a:endParaRPr lang="pt-PT"/>
           </a:p>
@@ -3654,7 +880,7 @@
           <a:p>
             <a:fld id="{21DC8992-6760-4568-B836-8A41DAB74142}" type="datetimeFigureOut">
               <a:rPr lang="pt-PT" smtClean="0"/>
-              <a:t>24/01/2022</a:t>
+              <a:t>15/04/2023</a:t>
             </a:fld>
             <a:endParaRPr lang="pt-PT"/>
           </a:p>
@@ -3900,7 +1126,7 @@
           <a:p>
             <a:fld id="{21DC8992-6760-4568-B836-8A41DAB74142}" type="datetimeFigureOut">
               <a:rPr lang="pt-PT" smtClean="0"/>
-              <a:t>24/01/2022</a:t>
+              <a:t>15/04/2023</a:t>
             </a:fld>
             <a:endParaRPr lang="pt-PT"/>
           </a:p>
@@ -4132,7 +1358,7 @@
           <a:p>
             <a:fld id="{21DC8992-6760-4568-B836-8A41DAB74142}" type="datetimeFigureOut">
               <a:rPr lang="pt-PT" smtClean="0"/>
-              <a:t>24/01/2022</a:t>
+              <a:t>15/04/2023</a:t>
             </a:fld>
             <a:endParaRPr lang="pt-PT"/>
           </a:p>
@@ -4499,7 +1725,7 @@
           <a:p>
             <a:fld id="{21DC8992-6760-4568-B836-8A41DAB74142}" type="datetimeFigureOut">
               <a:rPr lang="pt-PT" smtClean="0"/>
-              <a:t>24/01/2022</a:t>
+              <a:t>15/04/2023</a:t>
             </a:fld>
             <a:endParaRPr lang="pt-PT"/>
           </a:p>
@@ -4617,7 +1843,7 @@
           <a:p>
             <a:fld id="{21DC8992-6760-4568-B836-8A41DAB74142}" type="datetimeFigureOut">
               <a:rPr lang="pt-PT" smtClean="0"/>
-              <a:t>24/01/2022</a:t>
+              <a:t>15/04/2023</a:t>
             </a:fld>
             <a:endParaRPr lang="pt-PT"/>
           </a:p>
@@ -4712,7 +1938,7 @@
           <a:p>
             <a:fld id="{21DC8992-6760-4568-B836-8A41DAB74142}" type="datetimeFigureOut">
               <a:rPr lang="pt-PT" smtClean="0"/>
-              <a:t>24/01/2022</a:t>
+              <a:t>15/04/2023</a:t>
             </a:fld>
             <a:endParaRPr lang="pt-PT"/>
           </a:p>
@@ -4989,7 +2215,7 @@
           <a:p>
             <a:fld id="{21DC8992-6760-4568-B836-8A41DAB74142}" type="datetimeFigureOut">
               <a:rPr lang="pt-PT" smtClean="0"/>
-              <a:t>24/01/2022</a:t>
+              <a:t>15/04/2023</a:t>
             </a:fld>
             <a:endParaRPr lang="pt-PT"/>
           </a:p>
@@ -5246,7 +2472,7 @@
           <a:p>
             <a:fld id="{21DC8992-6760-4568-B836-8A41DAB74142}" type="datetimeFigureOut">
               <a:rPr lang="pt-PT" smtClean="0"/>
-              <a:t>24/01/2022</a:t>
+              <a:t>15/04/2023</a:t>
             </a:fld>
             <a:endParaRPr lang="pt-PT"/>
           </a:p>
@@ -5459,7 +2685,7 @@
           <a:p>
             <a:fld id="{21DC8992-6760-4568-B836-8A41DAB74142}" type="datetimeFigureOut">
               <a:rPr lang="pt-PT" smtClean="0"/>
-              <a:t>24/01/2022</a:t>
+              <a:t>15/04/2023</a:t>
             </a:fld>
             <a:endParaRPr lang="pt-PT"/>
           </a:p>
@@ -6024,7 +3250,7 @@
           <a:p>
             <a:r>
               <a:rPr lang="pt-PT" dirty="0" err="1"/>
-              <a:t>People</a:t>
+              <a:t>Aside</a:t>
             </a:r>
             <a:r>
               <a:rPr lang="pt-PT" dirty="0"/>
@@ -6032,20 +3258,17 @@
             </a:r>
             <a:r>
               <a:rPr lang="pt-PT" dirty="0" err="1"/>
-              <a:t>love</a:t>
+              <a:t>on</a:t>
             </a:r>
             <a:r>
               <a:rPr lang="pt-PT" dirty="0"/>
-              <a:t> to </a:t>
+              <a:t> </a:t>
             </a:r>
             <a:r>
               <a:rPr lang="pt-PT" dirty="0" err="1"/>
-              <a:t>preach</a:t>
-            </a:r>
-            <a:r>
-              <a:rPr lang="pt-PT" dirty="0"/>
-              <a:t> SOLID...</a:t>
-            </a:r>
+              <a:t>principles</a:t>
+            </a:r>
+            <a:endParaRPr lang="pt-PT" dirty="0"/>
           </a:p>
         </p:txBody>
       </p:sp>
@@ -6070,24 +3293,15 @@
           <a:bodyPr/>
           <a:lstStyle/>
           <a:p>
-            <a:pPr marL="0" indent="0">
-              <a:buNone/>
-            </a:pPr>
             <a:r>
               <a:rPr lang="en-US" dirty="0"/>
-              <a:t>But is it being practiced?</a:t>
+              <a:t>Beware on blindly following “principles”</a:t>
             </a:r>
           </a:p>
           <a:p>
             <a:r>
               <a:rPr lang="en-US" dirty="0"/>
-              <a:t>(S)ingle responsibility principle</a:t>
-            </a:r>
-          </a:p>
-          <a:p>
-            <a:r>
-              <a:rPr lang="en-US" dirty="0"/>
-              <a:t>(O)pen-closed principle</a:t>
+              <a:t>I’ll use SOLID in these examples, due to it being commonly referenced</a:t>
             </a:r>
             <a:endParaRPr lang="pt-PT" dirty="0"/>
           </a:p>
@@ -6097,6 +3311,273 @@
     <p:extLst>
       <p:ext uri="{BB962C8B-B14F-4D97-AF65-F5344CB8AC3E}">
         <p14:creationId xmlns:p14="http://schemas.microsoft.com/office/powerpoint/2010/main" val="2218396844"/>
+      </p:ext>
+    </p:extLst>
+  </p:cSld>
+  <p:clrMapOvr>
+    <a:masterClrMapping/>
+  </p:clrMapOvr>
+  <p:timing>
+    <p:tnLst>
+      <p:par>
+        <p:cTn id="1" dur="indefinite" restart="never" nodeType="tmRoot">
+          <p:childTnLst>
+            <p:seq concurrent="1" nextAc="seek">
+              <p:cTn id="2" dur="indefinite" nodeType="mainSeq">
+                <p:childTnLst>
+                  <p:par>
+                    <p:cTn id="3" fill="hold">
+                      <p:stCondLst>
+                        <p:cond delay="indefinite"/>
+                      </p:stCondLst>
+                      <p:childTnLst>
+                        <p:par>
+                          <p:cTn id="4" fill="hold">
+                            <p:stCondLst>
+                              <p:cond delay="0"/>
+                            </p:stCondLst>
+                            <p:childTnLst>
+                              <p:par>
+                                <p:cTn id="5" presetID="1" presetClass="entr" presetSubtype="0" fill="hold" grpId="0" nodeType="clickEffect">
+                                  <p:stCondLst>
+                                    <p:cond delay="0"/>
+                                  </p:stCondLst>
+                                  <p:childTnLst>
+                                    <p:set>
+                                      <p:cBhvr>
+                                        <p:cTn id="6" dur="1" fill="hold">
+                                          <p:stCondLst>
+                                            <p:cond delay="0"/>
+                                          </p:stCondLst>
+                                        </p:cTn>
+                                        <p:tgtEl>
+                                          <p:spTgt spid="3">
+                                            <p:txEl>
+                                              <p:pRg st="0" end="0"/>
+                                            </p:txEl>
+                                          </p:spTgt>
+                                        </p:tgtEl>
+                                        <p:attrNameLst>
+                                          <p:attrName>style.visibility</p:attrName>
+                                        </p:attrNameLst>
+                                      </p:cBhvr>
+                                      <p:to>
+                                        <p:strVal val="visible"/>
+                                      </p:to>
+                                    </p:set>
+                                  </p:childTnLst>
+                                </p:cTn>
+                              </p:par>
+                            </p:childTnLst>
+                          </p:cTn>
+                        </p:par>
+                      </p:childTnLst>
+                    </p:cTn>
+                  </p:par>
+                  <p:par>
+                    <p:cTn id="7" fill="hold">
+                      <p:stCondLst>
+                        <p:cond delay="indefinite"/>
+                      </p:stCondLst>
+                      <p:childTnLst>
+                        <p:par>
+                          <p:cTn id="8" fill="hold">
+                            <p:stCondLst>
+                              <p:cond delay="0"/>
+                            </p:stCondLst>
+                            <p:childTnLst>
+                              <p:par>
+                                <p:cTn id="9" presetID="1" presetClass="entr" presetSubtype="0" fill="hold" grpId="0" nodeType="clickEffect">
+                                  <p:stCondLst>
+                                    <p:cond delay="0"/>
+                                  </p:stCondLst>
+                                  <p:childTnLst>
+                                    <p:set>
+                                      <p:cBhvr>
+                                        <p:cTn id="10" dur="1" fill="hold">
+                                          <p:stCondLst>
+                                            <p:cond delay="0"/>
+                                          </p:stCondLst>
+                                        </p:cTn>
+                                        <p:tgtEl>
+                                          <p:spTgt spid="3">
+                                            <p:txEl>
+                                              <p:pRg st="1" end="1"/>
+                                            </p:txEl>
+                                          </p:spTgt>
+                                        </p:tgtEl>
+                                        <p:attrNameLst>
+                                          <p:attrName>style.visibility</p:attrName>
+                                        </p:attrNameLst>
+                                      </p:cBhvr>
+                                      <p:to>
+                                        <p:strVal val="visible"/>
+                                      </p:to>
+                                    </p:set>
+                                  </p:childTnLst>
+                                </p:cTn>
+                              </p:par>
+                            </p:childTnLst>
+                          </p:cTn>
+                        </p:par>
+                      </p:childTnLst>
+                    </p:cTn>
+                  </p:par>
+                </p:childTnLst>
+              </p:cTn>
+              <p:prevCondLst>
+                <p:cond evt="onPrev" delay="0">
+                  <p:tgtEl>
+                    <p:sldTgt/>
+                  </p:tgtEl>
+                </p:cond>
+              </p:prevCondLst>
+              <p:nextCondLst>
+                <p:cond evt="onNext" delay="0">
+                  <p:tgtEl>
+                    <p:sldTgt/>
+                  </p:tgtEl>
+                </p:cond>
+              </p:nextCondLst>
+            </p:seq>
+          </p:childTnLst>
+        </p:cTn>
+      </p:par>
+    </p:tnLst>
+    <p:bldLst>
+      <p:bldP spid="3" grpId="0" build="p"/>
+    </p:bldLst>
+  </p:timing>
+</p:sld>
+</file>
+
+<file path=ppt/slides/slide11.xml><?xml version="1.0" encoding="utf-8"?>
+<p:sld xmlns:a="http://schemas.openxmlformats.org/drawingml/2006/main" xmlns:r="http://schemas.openxmlformats.org/officeDocument/2006/relationships" xmlns:p="http://schemas.openxmlformats.org/presentationml/2006/main">
+  <p:cSld>
+    <p:spTree>
+      <p:nvGrpSpPr>
+        <p:cNvPr id="1" name=""/>
+        <p:cNvGrpSpPr/>
+        <p:nvPr/>
+      </p:nvGrpSpPr>
+      <p:grpSpPr>
+        <a:xfrm>
+          <a:off x="0" y="0"/>
+          <a:ext cx="0" cy="0"/>
+          <a:chOff x="0" y="0"/>
+          <a:chExt cx="0" cy="0"/>
+        </a:xfrm>
+      </p:grpSpPr>
+      <p:sp>
+        <p:nvSpPr>
+          <p:cNvPr id="2" name="Title 1">
+            <a:extLst>
+              <a:ext uri="{FF2B5EF4-FFF2-40B4-BE49-F238E27FC236}">
+                <a16:creationId xmlns:a16="http://schemas.microsoft.com/office/drawing/2014/main" id="{AC91DBF9-7007-4BB8-8622-BE788E00C8E8}"/>
+              </a:ext>
+            </a:extLst>
+          </p:cNvPr>
+          <p:cNvSpPr>
+            <a:spLocks noGrp="1"/>
+          </p:cNvSpPr>
+          <p:nvPr>
+            <p:ph type="title"/>
+          </p:nvPr>
+        </p:nvSpPr>
+        <p:spPr/>
+        <p:txBody>
+          <a:bodyPr/>
+          <a:lstStyle/>
+          <a:p>
+            <a:r>
+              <a:rPr lang="pt-PT" dirty="0" err="1"/>
+              <a:t>People</a:t>
+            </a:r>
+            <a:r>
+              <a:rPr lang="pt-PT" dirty="0"/>
+              <a:t> </a:t>
+            </a:r>
+            <a:r>
+              <a:rPr lang="pt-PT" dirty="0" err="1"/>
+              <a:t>love</a:t>
+            </a:r>
+            <a:r>
+              <a:rPr lang="pt-PT" dirty="0"/>
+              <a:t> to </a:t>
+            </a:r>
+            <a:r>
+              <a:rPr lang="pt-PT" dirty="0" err="1"/>
+              <a:t>preach</a:t>
+            </a:r>
+            <a:r>
+              <a:rPr lang="pt-PT" dirty="0"/>
+              <a:t> SOLID...</a:t>
+            </a:r>
+          </a:p>
+        </p:txBody>
+      </p:sp>
+      <p:sp>
+        <p:nvSpPr>
+          <p:cNvPr id="3" name="Content Placeholder 2">
+            <a:extLst>
+              <a:ext uri="{FF2B5EF4-FFF2-40B4-BE49-F238E27FC236}">
+                <a16:creationId xmlns:a16="http://schemas.microsoft.com/office/drawing/2014/main" id="{27C86653-040F-47C8-95F2-C32479440CFB}"/>
+              </a:ext>
+            </a:extLst>
+          </p:cNvPr>
+          <p:cNvSpPr>
+            <a:spLocks noGrp="1"/>
+          </p:cNvSpPr>
+          <p:nvPr>
+            <p:ph idx="1"/>
+          </p:nvPr>
+        </p:nvSpPr>
+        <p:spPr/>
+        <p:txBody>
+          <a:bodyPr/>
+          <a:lstStyle/>
+          <a:p>
+            <a:pPr marL="0" indent="0">
+              <a:buNone/>
+            </a:pPr>
+            <a:r>
+              <a:rPr lang="en-US" dirty="0"/>
+              <a:t>But is it being practiced?</a:t>
+            </a:r>
+          </a:p>
+          <a:p>
+            <a:r>
+              <a:rPr lang="en-US" dirty="0"/>
+              <a:t>(S)ingle responsibility principle</a:t>
+            </a:r>
+          </a:p>
+          <a:p>
+            <a:r>
+              <a:rPr lang="en-US" dirty="0"/>
+              <a:t>(O)pen-closed principle</a:t>
+            </a:r>
+          </a:p>
+          <a:p>
+            <a:r>
+              <a:rPr lang="en-US" dirty="0"/>
+              <a:t>(I)</a:t>
+            </a:r>
+            <a:r>
+              <a:rPr lang="en-US" dirty="0" err="1"/>
+              <a:t>nterface</a:t>
+            </a:r>
+            <a:r>
+              <a:rPr lang="en-US" dirty="0"/>
+              <a:t> segregation principle</a:t>
+            </a:r>
+            <a:endParaRPr lang="pt-PT" dirty="0"/>
+          </a:p>
+        </p:txBody>
+      </p:sp>
+    </p:spTree>
+    <p:extLst>
+      <p:ext uri="{BB962C8B-B14F-4D97-AF65-F5344CB8AC3E}">
+        <p14:creationId xmlns:p14="http://schemas.microsoft.com/office/powerpoint/2010/main" val="333226168"/>
       </p:ext>
     </p:extLst>
   </p:cSld>
@@ -6258,6 +3739,55 @@
                       </p:childTnLst>
                     </p:cTn>
                   </p:par>
+                  <p:par>
+                    <p:cTn id="15" fill="hold">
+                      <p:stCondLst>
+                        <p:cond delay="indefinite"/>
+                      </p:stCondLst>
+                      <p:childTnLst>
+                        <p:par>
+                          <p:cTn id="16" fill="hold">
+                            <p:stCondLst>
+                              <p:cond delay="0"/>
+                            </p:stCondLst>
+                            <p:childTnLst>
+                              <p:par>
+                                <p:cTn id="17" presetID="1" presetClass="entr" presetSubtype="0" fill="hold" nodeType="clickEffect">
+                                  <p:stCondLst>
+                                    <p:cond delay="0"/>
+                                  </p:stCondLst>
+                                  <p:childTnLst>
+                                    <p:set>
+                                      <p:cBhvr>
+                                        <p:cTn id="18" dur="1" fill="hold">
+                                          <p:stCondLst>
+                                            <p:cond delay="0"/>
+                                          </p:stCondLst>
+                                        </p:cTn>
+                                        <p:tgtEl>
+                                          <p:spTgt spid="3">
+                                            <p:txEl>
+                                              <p:pRg st="3" end="3"/>
+                                            </p:txEl>
+                                          </p:spTgt>
+                                        </p:tgtEl>
+                                        <p:attrNameLst>
+                                          <p:attrName>style.visibility</p:attrName>
+                                        </p:attrNameLst>
+                                      </p:cBhvr>
+                                      <p:to>
+                                        <p:strVal val="visible"/>
+                                      </p:to>
+                                    </p:set>
+                                  </p:childTnLst>
+                                </p:cTn>
+                              </p:par>
+                            </p:childTnLst>
+                          </p:cTn>
+                        </p:par>
+                      </p:childTnLst>
+                    </p:cTn>
+                  </p:par>
                 </p:childTnLst>
               </p:cTn>
               <p:prevCondLst>
@@ -6283,7 +3813,7 @@
 </p:sld>
 </file>
 
-<file path=ppt/slides/slide11.xml><?xml version="1.0" encoding="utf-8"?>
+<file path=ppt/slides/slide12.xml><?xml version="1.0" encoding="utf-8"?>
 <p:sld xmlns:a="http://schemas.openxmlformats.org/drawingml/2006/main" xmlns:r="http://schemas.openxmlformats.org/officeDocument/2006/relationships" xmlns:p="http://schemas.openxmlformats.org/presentationml/2006/main">
   <p:cSld>
     <p:spTree>
@@ -6395,73 +3925,6 @@
 </p:sld>
 </file>
 
-<file path=ppt/slides/slide12.xml><?xml version="1.0" encoding="utf-8"?>
-<p:sld xmlns:a="http://schemas.openxmlformats.org/drawingml/2006/main" xmlns:r="http://schemas.openxmlformats.org/officeDocument/2006/relationships" xmlns:p="http://schemas.openxmlformats.org/presentationml/2006/main">
-  <p:cSld>
-    <p:spTree>
-      <p:nvGrpSpPr>
-        <p:cNvPr id="1" name=""/>
-        <p:cNvGrpSpPr/>
-        <p:nvPr/>
-      </p:nvGrpSpPr>
-      <p:grpSpPr>
-        <a:xfrm>
-          <a:off x="0" y="0"/>
-          <a:ext cx="0" cy="0"/>
-          <a:chOff x="0" y="0"/>
-          <a:chExt cx="0" cy="0"/>
-        </a:xfrm>
-      </p:grpSpPr>
-      <p:sp>
-        <p:nvSpPr>
-          <p:cNvPr id="7" name="TextBox 6">
-            <a:extLst>
-              <a:ext uri="{FF2B5EF4-FFF2-40B4-BE49-F238E27FC236}">
-                <a16:creationId xmlns:a16="http://schemas.microsoft.com/office/drawing/2014/main" id="{5FD66E39-A739-4577-9D17-1D5AC73DFA93}"/>
-              </a:ext>
-            </a:extLst>
-          </p:cNvPr>
-          <p:cNvSpPr txBox="1"/>
-          <p:nvPr/>
-        </p:nvSpPr>
-        <p:spPr>
-          <a:xfrm>
-            <a:off x="3047628" y="3245449"/>
-            <a:ext cx="6095256" cy="584775"/>
-          </a:xfrm>
-          <a:prstGeom prst="rect">
-            <a:avLst/>
-          </a:prstGeom>
-          <a:noFill/>
-        </p:spPr>
-        <p:txBody>
-          <a:bodyPr wrap="square">
-            <a:spAutoFit/>
-          </a:bodyPr>
-          <a:lstStyle/>
-          <a:p>
-            <a:pPr algn="ctr"/>
-            <a:r>
-              <a:rPr lang="en-US" sz="3200" dirty="0"/>
-              <a:t>Back to the IDE!</a:t>
-            </a:r>
-            <a:endParaRPr lang="pt-PT" sz="3200" dirty="0"/>
-          </a:p>
-        </p:txBody>
-      </p:sp>
-    </p:spTree>
-    <p:extLst>
-      <p:ext uri="{BB962C8B-B14F-4D97-AF65-F5344CB8AC3E}">
-        <p14:creationId xmlns:p14="http://schemas.microsoft.com/office/powerpoint/2010/main" val="3647150060"/>
-      </p:ext>
-    </p:extLst>
-  </p:cSld>
-  <p:clrMapOvr>
-    <a:masterClrMapping/>
-  </p:clrMapOvr>
-</p:sld>
-</file>
-
 <file path=ppt/slides/slide13.xml><?xml version="1.0" encoding="utf-8"?>
 <p:sld xmlns:a="http://schemas.openxmlformats.org/drawingml/2006/main" xmlns:r="http://schemas.openxmlformats.org/officeDocument/2006/relationships" xmlns:p="http://schemas.openxmlformats.org/presentationml/2006/main">
   <p:cSld>
@@ -6481,6 +3944,73 @@
       </p:grpSpPr>
       <p:sp>
         <p:nvSpPr>
+          <p:cNvPr id="7" name="TextBox 6">
+            <a:extLst>
+              <a:ext uri="{FF2B5EF4-FFF2-40B4-BE49-F238E27FC236}">
+                <a16:creationId xmlns:a16="http://schemas.microsoft.com/office/drawing/2014/main" id="{5FD66E39-A739-4577-9D17-1D5AC73DFA93}"/>
+              </a:ext>
+            </a:extLst>
+          </p:cNvPr>
+          <p:cNvSpPr txBox="1"/>
+          <p:nvPr/>
+        </p:nvSpPr>
+        <p:spPr>
+          <a:xfrm>
+            <a:off x="3047628" y="3245449"/>
+            <a:ext cx="6095256" cy="584775"/>
+          </a:xfrm>
+          <a:prstGeom prst="rect">
+            <a:avLst/>
+          </a:prstGeom>
+          <a:noFill/>
+        </p:spPr>
+        <p:txBody>
+          <a:bodyPr wrap="square">
+            <a:spAutoFit/>
+          </a:bodyPr>
+          <a:lstStyle/>
+          <a:p>
+            <a:pPr algn="ctr"/>
+            <a:r>
+              <a:rPr lang="en-US" sz="3200" dirty="0"/>
+              <a:t>Back to the IDE!</a:t>
+            </a:r>
+            <a:endParaRPr lang="pt-PT" sz="3200" dirty="0"/>
+          </a:p>
+        </p:txBody>
+      </p:sp>
+    </p:spTree>
+    <p:extLst>
+      <p:ext uri="{BB962C8B-B14F-4D97-AF65-F5344CB8AC3E}">
+        <p14:creationId xmlns:p14="http://schemas.microsoft.com/office/powerpoint/2010/main" val="3647150060"/>
+      </p:ext>
+    </p:extLst>
+  </p:cSld>
+  <p:clrMapOvr>
+    <a:masterClrMapping/>
+  </p:clrMapOvr>
+</p:sld>
+</file>
+
+<file path=ppt/slides/slide14.xml><?xml version="1.0" encoding="utf-8"?>
+<p:sld xmlns:a="http://schemas.openxmlformats.org/drawingml/2006/main" xmlns:r="http://schemas.openxmlformats.org/officeDocument/2006/relationships" xmlns:p="http://schemas.openxmlformats.org/presentationml/2006/main">
+  <p:cSld>
+    <p:spTree>
+      <p:nvGrpSpPr>
+        <p:cNvPr id="1" name=""/>
+        <p:cNvGrpSpPr/>
+        <p:nvPr/>
+      </p:nvGrpSpPr>
+      <p:grpSpPr>
+        <a:xfrm>
+          <a:off x="0" y="0"/>
+          <a:ext cx="0" cy="0"/>
+          <a:chOff x="0" y="0"/>
+          <a:chExt cx="0" cy="0"/>
+        </a:xfrm>
+      </p:grpSpPr>
+      <p:sp>
+        <p:nvSpPr>
           <p:cNvPr id="2" name="Title 1">
             <a:extLst>
               <a:ext uri="{FF2B5EF4-FFF2-40B4-BE49-F238E27FC236}">
@@ -6495,7 +4025,12 @@
             <p:ph type="title"/>
           </p:nvPr>
         </p:nvSpPr>
-        <p:spPr/>
+        <p:spPr>
+          <a:xfrm>
+            <a:off x="0" y="365125"/>
+            <a:ext cx="12191999" cy="1325563"/>
+          </a:xfrm>
+        </p:spPr>
         <p:txBody>
           <a:bodyPr/>
           <a:lstStyle/>
@@ -6503,11 +4038,19 @@
             <a:pPr algn="ctr"/>
             <a:r>
               <a:rPr lang="pt-PT" dirty="0"/>
-              <a:t>SOLID </a:t>
+              <a:t>SOLID/CUPID/</a:t>
             </a:r>
             <a:r>
               <a:rPr lang="pt-PT" dirty="0" err="1"/>
-              <a:t>Principles</a:t>
+              <a:t>other</a:t>
+            </a:r>
+            <a:r>
+              <a:rPr lang="pt-PT" dirty="0"/>
+              <a:t> </a:t>
+            </a:r>
+            <a:r>
+              <a:rPr lang="pt-PT" dirty="0" err="1"/>
+              <a:t>principles</a:t>
             </a:r>
             <a:endParaRPr lang="pt-PT" dirty="0"/>
           </a:p>
@@ -6552,7 +4095,7 @@
     </p:spTree>
     <p:extLst>
       <p:ext uri="{BB962C8B-B14F-4D97-AF65-F5344CB8AC3E}">
-        <p14:creationId xmlns:p14="http://schemas.microsoft.com/office/powerpoint/2010/main" val="35180171"/>
+        <p14:creationId xmlns:p14="http://schemas.microsoft.com/office/powerpoint/2010/main" val="4171965266"/>
       </p:ext>
     </p:extLst>
   </p:cSld>
@@ -6562,7 +4105,7 @@
 </p:sld>
 </file>
 
-<file path=ppt/slides/slide14.xml><?xml version="1.0" encoding="utf-8"?>
+<file path=ppt/slides/slide15.xml><?xml version="1.0" encoding="utf-8"?>
 <p:sld xmlns:a="http://schemas.openxmlformats.org/drawingml/2006/main" xmlns:r="http://schemas.openxmlformats.org/officeDocument/2006/relationships" xmlns:p="http://schemas.openxmlformats.org/presentationml/2006/main">
   <p:cSld>
     <p:spTree>
@@ -6862,83 +4405,6 @@
 </p:sld>
 </file>
 
-<file path=ppt/slides/slide15.xml><?xml version="1.0" encoding="utf-8"?>
-<p:sld xmlns:a="http://schemas.openxmlformats.org/drawingml/2006/main" xmlns:r="http://schemas.openxmlformats.org/officeDocument/2006/relationships" xmlns:p="http://schemas.openxmlformats.org/presentationml/2006/main">
-  <p:cSld>
-    <p:spTree>
-      <p:nvGrpSpPr>
-        <p:cNvPr id="1" name=""/>
-        <p:cNvGrpSpPr/>
-        <p:nvPr/>
-      </p:nvGrpSpPr>
-      <p:grpSpPr>
-        <a:xfrm>
-          <a:off x="0" y="0"/>
-          <a:ext cx="0" cy="0"/>
-          <a:chOff x="0" y="0"/>
-          <a:chExt cx="0" cy="0"/>
-        </a:xfrm>
-      </p:grpSpPr>
-      <p:sp>
-        <p:nvSpPr>
-          <p:cNvPr id="2" name="Title 1">
-            <a:extLst>
-              <a:ext uri="{FF2B5EF4-FFF2-40B4-BE49-F238E27FC236}">
-                <a16:creationId xmlns:a16="http://schemas.microsoft.com/office/drawing/2014/main" id="{4C8404F8-E6E6-4919-8E72-4D9669B4D86A}"/>
-              </a:ext>
-            </a:extLst>
-          </p:cNvPr>
-          <p:cNvSpPr>
-            <a:spLocks noGrp="1"/>
-          </p:cNvSpPr>
-          <p:nvPr>
-            <p:ph type="title"/>
-          </p:nvPr>
-        </p:nvSpPr>
-        <p:spPr>
-          <a:xfrm>
-            <a:off x="838200" y="365125"/>
-            <a:ext cx="10515600" cy="6162937"/>
-          </a:xfrm>
-        </p:spPr>
-        <p:txBody>
-          <a:bodyPr/>
-          <a:lstStyle/>
-          <a:p>
-            <a:pPr algn="ctr"/>
-            <a:r>
-              <a:rPr lang="pt-PT" dirty="0"/>
-              <a:t>Individual </a:t>
-            </a:r>
-            <a:r>
-              <a:rPr lang="pt-PT" dirty="0" err="1"/>
-              <a:t>request</a:t>
-            </a:r>
-            <a:r>
-              <a:rPr lang="pt-PT" dirty="0"/>
-              <a:t> </a:t>
-            </a:r>
-            <a:r>
-              <a:rPr lang="pt-PT" dirty="0" err="1"/>
-              <a:t>handlers</a:t>
-            </a:r>
-            <a:endParaRPr lang="pt-PT" dirty="0"/>
-          </a:p>
-        </p:txBody>
-      </p:sp>
-    </p:spTree>
-    <p:extLst>
-      <p:ext uri="{BB962C8B-B14F-4D97-AF65-F5344CB8AC3E}">
-        <p14:creationId xmlns:p14="http://schemas.microsoft.com/office/powerpoint/2010/main" val="1822226070"/>
-      </p:ext>
-    </p:extLst>
-  </p:cSld>
-  <p:clrMapOvr>
-    <a:masterClrMapping/>
-  </p:clrMapOvr>
-</p:sld>
-</file>
-
 <file path=ppt/slides/slide16.xml><?xml version="1.0" encoding="utf-8"?>
 <p:sld xmlns:a="http://schemas.openxmlformats.org/drawingml/2006/main" xmlns:r="http://schemas.openxmlformats.org/officeDocument/2006/relationships" xmlns:p="http://schemas.openxmlformats.org/presentationml/2006/main">
   <p:cSld>
@@ -6961,6 +4427,83 @@
           <p:cNvPr id="2" name="Title 1">
             <a:extLst>
               <a:ext uri="{FF2B5EF4-FFF2-40B4-BE49-F238E27FC236}">
+                <a16:creationId xmlns:a16="http://schemas.microsoft.com/office/drawing/2014/main" id="{4C8404F8-E6E6-4919-8E72-4D9669B4D86A}"/>
+              </a:ext>
+            </a:extLst>
+          </p:cNvPr>
+          <p:cNvSpPr>
+            <a:spLocks noGrp="1"/>
+          </p:cNvSpPr>
+          <p:nvPr>
+            <p:ph type="title"/>
+          </p:nvPr>
+        </p:nvSpPr>
+        <p:spPr>
+          <a:xfrm>
+            <a:off x="838200" y="365125"/>
+            <a:ext cx="10515600" cy="6162937"/>
+          </a:xfrm>
+        </p:spPr>
+        <p:txBody>
+          <a:bodyPr/>
+          <a:lstStyle/>
+          <a:p>
+            <a:pPr algn="ctr"/>
+            <a:r>
+              <a:rPr lang="pt-PT" dirty="0"/>
+              <a:t>Individual </a:t>
+            </a:r>
+            <a:r>
+              <a:rPr lang="pt-PT" dirty="0" err="1"/>
+              <a:t>request</a:t>
+            </a:r>
+            <a:r>
+              <a:rPr lang="pt-PT" dirty="0"/>
+              <a:t> </a:t>
+            </a:r>
+            <a:r>
+              <a:rPr lang="pt-PT" dirty="0" err="1"/>
+              <a:t>handlers</a:t>
+            </a:r>
+            <a:endParaRPr lang="pt-PT" dirty="0"/>
+          </a:p>
+        </p:txBody>
+      </p:sp>
+    </p:spTree>
+    <p:extLst>
+      <p:ext uri="{BB962C8B-B14F-4D97-AF65-F5344CB8AC3E}">
+        <p14:creationId xmlns:p14="http://schemas.microsoft.com/office/powerpoint/2010/main" val="1822226070"/>
+      </p:ext>
+    </p:extLst>
+  </p:cSld>
+  <p:clrMapOvr>
+    <a:masterClrMapping/>
+  </p:clrMapOvr>
+</p:sld>
+</file>
+
+<file path=ppt/slides/slide17.xml><?xml version="1.0" encoding="utf-8"?>
+<p:sld xmlns:a="http://schemas.openxmlformats.org/drawingml/2006/main" xmlns:r="http://schemas.openxmlformats.org/officeDocument/2006/relationships" xmlns:p="http://schemas.openxmlformats.org/presentationml/2006/main">
+  <p:cSld>
+    <p:spTree>
+      <p:nvGrpSpPr>
+        <p:cNvPr id="1" name=""/>
+        <p:cNvGrpSpPr/>
+        <p:nvPr/>
+      </p:nvGrpSpPr>
+      <p:grpSpPr>
+        <a:xfrm>
+          <a:off x="0" y="0"/>
+          <a:ext cx="0" cy="0"/>
+          <a:chOff x="0" y="0"/>
+          <a:chExt cx="0" cy="0"/>
+        </a:xfrm>
+      </p:grpSpPr>
+      <p:sp>
+        <p:nvSpPr>
+          <p:cNvPr id="2" name="Title 1">
+            <a:extLst>
+              <a:ext uri="{FF2B5EF4-FFF2-40B4-BE49-F238E27FC236}">
                 <a16:creationId xmlns:a16="http://schemas.microsoft.com/office/drawing/2014/main" id="{AC91DBF9-7007-4BB8-8622-BE788E00C8E8}"/>
               </a:ext>
             </a:extLst>
@@ -7057,7 +4600,7 @@
 </p:sld>
 </file>
 
-<file path=ppt/slides/slide17.xml><?xml version="1.0" encoding="utf-8"?>
+<file path=ppt/slides/slide18.xml><?xml version="1.0" encoding="utf-8"?>
 <p:sld xmlns:a="http://schemas.openxmlformats.org/drawingml/2006/main" xmlns:r="http://schemas.openxmlformats.org/officeDocument/2006/relationships" xmlns:p="http://schemas.openxmlformats.org/presentationml/2006/main">
   <p:cSld>
     <p:spTree>
@@ -7445,7 +4988,7 @@
 </p:sld>
 </file>
 
-<file path=ppt/slides/slide18.xml><?xml version="1.0" encoding="utf-8"?>
+<file path=ppt/slides/slide19.xml><?xml version="1.0" encoding="utf-8"?>
 <p:sld xmlns:a="http://schemas.openxmlformats.org/drawingml/2006/main" xmlns:r="http://schemas.openxmlformats.org/officeDocument/2006/relationships" xmlns:p="http://schemas.openxmlformats.org/presentationml/2006/main">
   <p:cSld>
     <p:spTree>
@@ -7613,71 +5156,6 @@
 </p:sld>
 </file>
 
-<file path=ppt/slides/slide19.xml><?xml version="1.0" encoding="utf-8"?>
-<p:sld xmlns:a="http://schemas.openxmlformats.org/drawingml/2006/main" xmlns:r="http://schemas.openxmlformats.org/officeDocument/2006/relationships" xmlns:p="http://schemas.openxmlformats.org/presentationml/2006/main">
-  <p:cSld>
-    <p:spTree>
-      <p:nvGrpSpPr>
-        <p:cNvPr id="1" name=""/>
-        <p:cNvGrpSpPr/>
-        <p:nvPr/>
-      </p:nvGrpSpPr>
-      <p:grpSpPr>
-        <a:xfrm>
-          <a:off x="0" y="0"/>
-          <a:ext cx="0" cy="0"/>
-          <a:chOff x="0" y="0"/>
-          <a:chExt cx="0" cy="0"/>
-        </a:xfrm>
-      </p:grpSpPr>
-      <p:sp>
-        <p:nvSpPr>
-          <p:cNvPr id="2" name="Title 1">
-            <a:extLst>
-              <a:ext uri="{FF2B5EF4-FFF2-40B4-BE49-F238E27FC236}">
-                <a16:creationId xmlns:a16="http://schemas.microsoft.com/office/drawing/2014/main" id="{4C8404F8-E6E6-4919-8E72-4D9669B4D86A}"/>
-              </a:ext>
-            </a:extLst>
-          </p:cNvPr>
-          <p:cNvSpPr>
-            <a:spLocks noGrp="1"/>
-          </p:cNvSpPr>
-          <p:nvPr>
-            <p:ph type="title"/>
-          </p:nvPr>
-        </p:nvSpPr>
-        <p:spPr>
-          <a:xfrm>
-            <a:off x="838200" y="365125"/>
-            <a:ext cx="10515600" cy="6162937"/>
-          </a:xfrm>
-        </p:spPr>
-        <p:txBody>
-          <a:bodyPr/>
-          <a:lstStyle/>
-          <a:p>
-            <a:pPr algn="ctr"/>
-            <a:r>
-              <a:rPr lang="pt-PT" dirty="0" err="1"/>
-              <a:t>OOifying</a:t>
-            </a:r>
-            <a:endParaRPr lang="pt-PT" dirty="0"/>
-          </a:p>
-        </p:txBody>
-      </p:sp>
-    </p:spTree>
-    <p:extLst>
-      <p:ext uri="{BB962C8B-B14F-4D97-AF65-F5344CB8AC3E}">
-        <p14:creationId xmlns:p14="http://schemas.microsoft.com/office/powerpoint/2010/main" val="1964895904"/>
-      </p:ext>
-    </p:extLst>
-  </p:cSld>
-  <p:clrMapOvr>
-    <a:masterClrMapping/>
-  </p:clrMapOvr>
-</p:sld>
-</file>
-
 <file path=ppt/slides/slide2.xml><?xml version="1.0" encoding="utf-8"?>
 <p:sld xmlns:a="http://schemas.openxmlformats.org/drawingml/2006/main" xmlns:r="http://schemas.openxmlformats.org/officeDocument/2006/relationships" xmlns:p="http://schemas.openxmlformats.org/presentationml/2006/main">
   <p:cSld>
@@ -7762,7 +5240,7 @@
         <p:spPr/>
         <p:txBody>
           <a:bodyPr>
-            <a:normAutofit lnSpcReduction="10000"/>
+            <a:normAutofit/>
           </a:bodyPr>
           <a:lstStyle/>
           <a:p>
@@ -7794,15 +5272,15 @@
             </a:r>
             <a:r>
               <a:rPr lang="en-US" dirty="0"/>
-              <a:t>engineer</a:t>
+              <a:t>Architect</a:t>
             </a:r>
             <a:r>
               <a:rPr lang="pt-PT" dirty="0"/>
-              <a:t> @ BOLD </a:t>
+              <a:t> @ </a:t>
             </a:r>
             <a:r>
               <a:rPr lang="pt-PT" dirty="0" err="1"/>
-              <a:t>by</a:t>
+              <a:t>Openvia</a:t>
             </a:r>
             <a:r>
               <a:rPr lang="pt-PT" dirty="0"/>
@@ -7810,7 +5288,7 @@
             </a:r>
             <a:r>
               <a:rPr lang="pt-PT" dirty="0" err="1"/>
-              <a:t>Devoteam</a:t>
+              <a:t>Mobility</a:t>
             </a:r>
             <a:endParaRPr lang="pt-PT" dirty="0"/>
           </a:p>
@@ -7829,27 +5307,6 @@
             <a:r>
               <a:rPr lang="pt-PT" dirty="0"/>
               <a:t> Technologies</a:t>
-            </a:r>
-          </a:p>
-          <a:p>
-            <a:endParaRPr lang="pt-PT" dirty="0"/>
-          </a:p>
-          <a:p>
-            <a:r>
-              <a:rPr lang="pt-PT" dirty="0" err="1"/>
-              <a:t>Find</a:t>
-            </a:r>
-            <a:r>
-              <a:rPr lang="pt-PT" dirty="0"/>
-              <a:t> me </a:t>
-            </a:r>
-            <a:r>
-              <a:rPr lang="pt-PT" dirty="0" err="1"/>
-              <a:t>on</a:t>
-            </a:r>
-            <a:r>
-              <a:rPr lang="pt-PT" dirty="0"/>
-              <a:t> Twitter @joaofbantunes</a:t>
             </a:r>
           </a:p>
         </p:txBody>
@@ -7868,6 +5325,71 @@
 </file>
 
 <file path=ppt/slides/slide20.xml><?xml version="1.0" encoding="utf-8"?>
+<p:sld xmlns:a="http://schemas.openxmlformats.org/drawingml/2006/main" xmlns:r="http://schemas.openxmlformats.org/officeDocument/2006/relationships" xmlns:p="http://schemas.openxmlformats.org/presentationml/2006/main">
+  <p:cSld>
+    <p:spTree>
+      <p:nvGrpSpPr>
+        <p:cNvPr id="1" name=""/>
+        <p:cNvGrpSpPr/>
+        <p:nvPr/>
+      </p:nvGrpSpPr>
+      <p:grpSpPr>
+        <a:xfrm>
+          <a:off x="0" y="0"/>
+          <a:ext cx="0" cy="0"/>
+          <a:chOff x="0" y="0"/>
+          <a:chExt cx="0" cy="0"/>
+        </a:xfrm>
+      </p:grpSpPr>
+      <p:sp>
+        <p:nvSpPr>
+          <p:cNvPr id="2" name="Title 1">
+            <a:extLst>
+              <a:ext uri="{FF2B5EF4-FFF2-40B4-BE49-F238E27FC236}">
+                <a16:creationId xmlns:a16="http://schemas.microsoft.com/office/drawing/2014/main" id="{4C8404F8-E6E6-4919-8E72-4D9669B4D86A}"/>
+              </a:ext>
+            </a:extLst>
+          </p:cNvPr>
+          <p:cNvSpPr>
+            <a:spLocks noGrp="1"/>
+          </p:cNvSpPr>
+          <p:nvPr>
+            <p:ph type="title"/>
+          </p:nvPr>
+        </p:nvSpPr>
+        <p:spPr>
+          <a:xfrm>
+            <a:off x="838200" y="365125"/>
+            <a:ext cx="10515600" cy="6162937"/>
+          </a:xfrm>
+        </p:spPr>
+        <p:txBody>
+          <a:bodyPr/>
+          <a:lstStyle/>
+          <a:p>
+            <a:pPr algn="ctr"/>
+            <a:r>
+              <a:rPr lang="pt-PT" dirty="0" err="1"/>
+              <a:t>OOifying</a:t>
+            </a:r>
+            <a:endParaRPr lang="pt-PT" dirty="0"/>
+          </a:p>
+        </p:txBody>
+      </p:sp>
+    </p:spTree>
+    <p:extLst>
+      <p:ext uri="{BB962C8B-B14F-4D97-AF65-F5344CB8AC3E}">
+        <p14:creationId xmlns:p14="http://schemas.microsoft.com/office/powerpoint/2010/main" val="1964895904"/>
+      </p:ext>
+    </p:extLst>
+  </p:cSld>
+  <p:clrMapOvr>
+    <a:masterClrMapping/>
+  </p:clrMapOvr>
+</p:sld>
+</file>
+
+<file path=ppt/slides/slide21.xml><?xml version="1.0" encoding="utf-8"?>
 <p:sld xmlns:a="http://schemas.openxmlformats.org/drawingml/2006/main" xmlns:r="http://schemas.openxmlformats.org/officeDocument/2006/relationships" xmlns:p="http://schemas.openxmlformats.org/presentationml/2006/main">
   <p:cSld>
     <p:spTree>
@@ -7933,7 +5455,7 @@
 </p:sld>
 </file>
 
-<file path=ppt/slides/slide21.xml><?xml version="1.0" encoding="utf-8"?>
+<file path=ppt/slides/slide22.xml><?xml version="1.0" encoding="utf-8"?>
 <p:sld xmlns:a="http://schemas.openxmlformats.org/drawingml/2006/main" xmlns:r="http://schemas.openxmlformats.org/officeDocument/2006/relationships" xmlns:p="http://schemas.openxmlformats.org/presentationml/2006/main">
   <p:cSld>
     <p:spTree>
@@ -8002,48 +5524,274 @@
           </a:p>
         </p:txBody>
       </p:sp>
-      <p:graphicFrame>
-        <p:nvGraphicFramePr>
-          <p:cNvPr id="3" name="Diagram 2">
+      <p:sp>
+        <p:nvSpPr>
+          <p:cNvPr id="5" name="Oval 4">
             <a:extLst>
               <a:ext uri="{FF2B5EF4-FFF2-40B4-BE49-F238E27FC236}">
-                <a16:creationId xmlns:a16="http://schemas.microsoft.com/office/drawing/2014/main" id="{CF376611-5105-49A7-968B-470ED6495803}"/>
+                <a16:creationId xmlns:a16="http://schemas.microsoft.com/office/drawing/2014/main" id="{64EFDED9-0EFE-F8B1-8C5A-3F6CC56C610C}"/>
               </a:ext>
             </a:extLst>
           </p:cNvPr>
-          <p:cNvGraphicFramePr/>
-          <p:nvPr>
-            <p:extLst>
-              <p:ext uri="{D42A27DB-BD31-4B8C-83A1-F6EECF244321}">
-                <p14:modId xmlns:p14="http://schemas.microsoft.com/office/powerpoint/2010/main" val="3546332405"/>
-              </p:ext>
-            </p:extLst>
-          </p:nvPr>
-        </p:nvGraphicFramePr>
-        <p:xfrm>
-          <a:off x="2032000" y="719666"/>
-          <a:ext cx="8128000" cy="5418667"/>
-        </p:xfrm>
-        <a:graphic>
-          <a:graphicData uri="http://schemas.openxmlformats.org/drawingml/2006/diagram">
-            <dgm:relIds xmlns:dgm="http://schemas.openxmlformats.org/drawingml/2006/diagram" xmlns:r="http://schemas.openxmlformats.org/officeDocument/2006/relationships" r:dm="rId2" r:lo="rId3" r:qs="rId4" r:cs="rId5"/>
-          </a:graphicData>
-        </a:graphic>
-      </p:graphicFrame>
+          <p:cNvSpPr/>
+          <p:nvPr/>
+        </p:nvSpPr>
+        <p:spPr>
+          <a:xfrm>
+            <a:off x="3850031" y="1233597"/>
+            <a:ext cx="4491937" cy="4390806"/>
+          </a:xfrm>
+          <a:prstGeom prst="ellipse">
+            <a:avLst/>
+          </a:prstGeom>
+          <a:solidFill>
+            <a:schemeClr val="tx1">
+              <a:lumMod val="65000"/>
+              <a:lumOff val="35000"/>
+            </a:schemeClr>
+          </a:solidFill>
+          <a:ln w="38100">
+            <a:solidFill>
+              <a:schemeClr val="bg1"/>
+            </a:solidFill>
+          </a:ln>
+        </p:spPr>
+        <p:style>
+          <a:lnRef idx="2">
+            <a:schemeClr val="accent1">
+              <a:shade val="50000"/>
+            </a:schemeClr>
+          </a:lnRef>
+          <a:fillRef idx="1">
+            <a:schemeClr val="accent1"/>
+          </a:fillRef>
+          <a:effectRef idx="0">
+            <a:schemeClr val="accent1"/>
+          </a:effectRef>
+          <a:fontRef idx="minor">
+            <a:schemeClr val="lt1"/>
+          </a:fontRef>
+        </p:style>
+        <p:txBody>
+          <a:bodyPr rtlCol="0" anchor="ctr"/>
+          <a:lstStyle/>
+          <a:p>
+            <a:pPr algn="ctr"/>
+            <a:r>
+              <a:rPr lang="en-US" sz="4000" dirty="0"/>
+              <a:t>POCO</a:t>
+            </a:r>
+            <a:br>
+              <a:rPr lang="en-US" sz="4000" dirty="0"/>
+            </a:br>
+            <a:br>
+              <a:rPr lang="en-US" sz="4000" dirty="0"/>
+            </a:br>
+            <a:br>
+              <a:rPr lang="en-US" sz="4000" dirty="0"/>
+            </a:br>
+            <a:endParaRPr lang="pt-PT" sz="4000" dirty="0"/>
+          </a:p>
+        </p:txBody>
+      </p:sp>
+      <p:sp>
+        <p:nvSpPr>
+          <p:cNvPr id="6" name="Oval 5">
+            <a:extLst>
+              <a:ext uri="{FF2B5EF4-FFF2-40B4-BE49-F238E27FC236}">
+                <a16:creationId xmlns:a16="http://schemas.microsoft.com/office/drawing/2014/main" id="{634F0A14-FD05-47CF-4E7E-93DBD4A53ED2}"/>
+              </a:ext>
+            </a:extLst>
+          </p:cNvPr>
+          <p:cNvSpPr/>
+          <p:nvPr/>
+        </p:nvSpPr>
+        <p:spPr>
+          <a:xfrm>
+            <a:off x="5105224" y="3489046"/>
+            <a:ext cx="1981550" cy="1803517"/>
+          </a:xfrm>
+          <a:prstGeom prst="ellipse">
+            <a:avLst/>
+          </a:prstGeom>
+          <a:solidFill>
+            <a:schemeClr val="bg2">
+              <a:lumMod val="50000"/>
+            </a:schemeClr>
+          </a:solidFill>
+          <a:ln w="38100">
+            <a:solidFill>
+              <a:schemeClr val="bg1"/>
+            </a:solidFill>
+          </a:ln>
+        </p:spPr>
+        <p:style>
+          <a:lnRef idx="2">
+            <a:schemeClr val="accent1">
+              <a:shade val="50000"/>
+            </a:schemeClr>
+          </a:lnRef>
+          <a:fillRef idx="1">
+            <a:schemeClr val="accent1"/>
+          </a:fillRef>
+          <a:effectRef idx="0">
+            <a:schemeClr val="accent1"/>
+          </a:effectRef>
+          <a:fontRef idx="minor">
+            <a:schemeClr val="lt1"/>
+          </a:fontRef>
+        </p:style>
+        <p:txBody>
+          <a:bodyPr rtlCol="0" anchor="ctr"/>
+          <a:lstStyle/>
+          <a:p>
+            <a:pPr algn="ctr"/>
+            <a:r>
+              <a:rPr lang="en-US" sz="4000" dirty="0"/>
+              <a:t>DTO</a:t>
+            </a:r>
+            <a:endParaRPr lang="pt-PT" sz="4000" dirty="0"/>
+          </a:p>
+        </p:txBody>
+      </p:sp>
     </p:spTree>
     <p:extLst>
       <p:ext uri="{BB962C8B-B14F-4D97-AF65-F5344CB8AC3E}">
-        <p14:creationId xmlns:p14="http://schemas.microsoft.com/office/powerpoint/2010/main" val="3123246972"/>
+        <p14:creationId xmlns:p14="http://schemas.microsoft.com/office/powerpoint/2010/main" val="2367424767"/>
       </p:ext>
     </p:extLst>
   </p:cSld>
   <p:clrMapOvr>
     <a:masterClrMapping/>
   </p:clrMapOvr>
+  <p:timing>
+    <p:tnLst>
+      <p:par>
+        <p:cTn id="1" dur="indefinite" restart="never" nodeType="tmRoot">
+          <p:childTnLst>
+            <p:seq concurrent="1" nextAc="seek">
+              <p:cTn id="2" dur="indefinite" nodeType="mainSeq">
+                <p:childTnLst>
+                  <p:par>
+                    <p:cTn id="3" fill="hold">
+                      <p:stCondLst>
+                        <p:cond delay="indefinite"/>
+                      </p:stCondLst>
+                      <p:childTnLst>
+                        <p:par>
+                          <p:cTn id="4" fill="hold">
+                            <p:stCondLst>
+                              <p:cond delay="0"/>
+                            </p:stCondLst>
+                            <p:childTnLst>
+                              <p:par>
+                                <p:cTn id="5" presetID="1" presetClass="entr" presetSubtype="0" fill="hold" grpId="0" nodeType="clickEffect">
+                                  <p:stCondLst>
+                                    <p:cond delay="0"/>
+                                  </p:stCondLst>
+                                  <p:childTnLst>
+                                    <p:set>
+                                      <p:cBhvr>
+                                        <p:cTn id="6" dur="1" fill="hold">
+                                          <p:stCondLst>
+                                            <p:cond delay="0"/>
+                                          </p:stCondLst>
+                                        </p:cTn>
+                                        <p:tgtEl>
+                                          <p:spTgt spid="5"/>
+                                        </p:tgtEl>
+                                        <p:attrNameLst>
+                                          <p:attrName>style.visibility</p:attrName>
+                                        </p:attrNameLst>
+                                      </p:cBhvr>
+                                      <p:to>
+                                        <p:strVal val="visible"/>
+                                      </p:to>
+                                    </p:set>
+                                  </p:childTnLst>
+                                </p:cTn>
+                              </p:par>
+                            </p:childTnLst>
+                          </p:cTn>
+                        </p:par>
+                      </p:childTnLst>
+                    </p:cTn>
+                  </p:par>
+                  <p:par>
+                    <p:cTn id="7" fill="hold">
+                      <p:stCondLst>
+                        <p:cond delay="indefinite"/>
+                      </p:stCondLst>
+                      <p:childTnLst>
+                        <p:par>
+                          <p:cTn id="8" fill="hold">
+                            <p:stCondLst>
+                              <p:cond delay="0"/>
+                            </p:stCondLst>
+                            <p:childTnLst>
+                              <p:par>
+                                <p:cTn id="9" presetID="1" presetClass="entr" presetSubtype="0" fill="hold" grpId="0" nodeType="clickEffect">
+                                  <p:stCondLst>
+                                    <p:cond delay="0"/>
+                                  </p:stCondLst>
+                                  <p:childTnLst>
+                                    <p:set>
+                                      <p:cBhvr>
+                                        <p:cTn id="10" dur="1" fill="hold">
+                                          <p:stCondLst>
+                                            <p:cond delay="0"/>
+                                          </p:stCondLst>
+                                        </p:cTn>
+                                        <p:tgtEl>
+                                          <p:spTgt spid="6"/>
+                                        </p:tgtEl>
+                                        <p:attrNameLst>
+                                          <p:attrName>style.visibility</p:attrName>
+                                        </p:attrNameLst>
+                                      </p:cBhvr>
+                                      <p:to>
+                                        <p:strVal val="visible"/>
+                                      </p:to>
+                                    </p:set>
+                                  </p:childTnLst>
+                                </p:cTn>
+                              </p:par>
+                            </p:childTnLst>
+                          </p:cTn>
+                        </p:par>
+                      </p:childTnLst>
+                    </p:cTn>
+                  </p:par>
+                </p:childTnLst>
+              </p:cTn>
+              <p:prevCondLst>
+                <p:cond evt="onPrev" delay="0">
+                  <p:tgtEl>
+                    <p:sldTgt/>
+                  </p:tgtEl>
+                </p:cond>
+              </p:prevCondLst>
+              <p:nextCondLst>
+                <p:cond evt="onNext" delay="0">
+                  <p:tgtEl>
+                    <p:sldTgt/>
+                  </p:tgtEl>
+                </p:cond>
+              </p:nextCondLst>
+            </p:seq>
+          </p:childTnLst>
+        </p:cTn>
+      </p:par>
+    </p:tnLst>
+    <p:bldLst>
+      <p:bldP spid="5" grpId="0" animBg="1"/>
+      <p:bldP spid="6" grpId="0" animBg="1"/>
+    </p:bldLst>
+  </p:timing>
 </p:sld>
 </file>
 
-<file path=ppt/slides/slide22.xml><?xml version="1.0" encoding="utf-8"?>
+<file path=ppt/slides/slide23.xml><?xml version="1.0" encoding="utf-8"?>
 <p:sld xmlns:a="http://schemas.openxmlformats.org/drawingml/2006/main" xmlns:r="http://schemas.openxmlformats.org/officeDocument/2006/relationships" xmlns:p="http://schemas.openxmlformats.org/presentationml/2006/main">
   <p:cSld>
     <p:spTree>
@@ -8263,7 +6011,7 @@
 </p:sld>
 </file>
 
-<file path=ppt/slides/slide23.xml><?xml version="1.0" encoding="utf-8"?>
+<file path=ppt/slides/slide24.xml><?xml version="1.0" encoding="utf-8"?>
 <p:sld xmlns:a="http://schemas.openxmlformats.org/drawingml/2006/main" xmlns:r="http://schemas.openxmlformats.org/officeDocument/2006/relationships" xmlns:p="http://schemas.openxmlformats.org/presentationml/2006/main">
   <p:cSld>
     <p:spTree>
@@ -8343,7 +6091,7 @@
           <a:p>
             <a:r>
               <a:rPr lang="en-US" dirty="0"/>
-              <a:t>Consolidate domain logic in the respective classes</a:t>
+              <a:t>Consolidate logic in the respective classes</a:t>
             </a:r>
           </a:p>
           <a:p>
@@ -8365,6 +6113,13 @@
             <a:r>
               <a:rPr lang="en-US" dirty="0"/>
               <a:t>Enforces its invariants, keeping itself valid</a:t>
+            </a:r>
+          </a:p>
+          <a:p>
+            <a:pPr lvl="2"/>
+            <a:r>
+              <a:rPr lang="en-US" dirty="0"/>
+              <a:t>Abstracts the rest of the code from its internal details</a:t>
             </a:r>
           </a:p>
           <a:p>
@@ -8389,7 +6144,7 @@
 </p:sld>
 </file>
 
-<file path=ppt/slides/slide24.xml><?xml version="1.0" encoding="utf-8"?>
+<file path=ppt/slides/slide25.xml><?xml version="1.0" encoding="utf-8"?>
 <p:sld xmlns:a="http://schemas.openxmlformats.org/drawingml/2006/main" xmlns:r="http://schemas.openxmlformats.org/officeDocument/2006/relationships" xmlns:p="http://schemas.openxmlformats.org/presentationml/2006/main">
   <p:cSld>
     <p:spTree>
@@ -8780,71 +6535,6 @@
 </p:sld>
 </file>
 
-<file path=ppt/slides/slide25.xml><?xml version="1.0" encoding="utf-8"?>
-<p:sld xmlns:a="http://schemas.openxmlformats.org/drawingml/2006/main" xmlns:r="http://schemas.openxmlformats.org/officeDocument/2006/relationships" xmlns:p="http://schemas.openxmlformats.org/presentationml/2006/main">
-  <p:cSld>
-    <p:spTree>
-      <p:nvGrpSpPr>
-        <p:cNvPr id="1" name=""/>
-        <p:cNvGrpSpPr/>
-        <p:nvPr/>
-      </p:nvGrpSpPr>
-      <p:grpSpPr>
-        <a:xfrm>
-          <a:off x="0" y="0"/>
-          <a:ext cx="0" cy="0"/>
-          <a:chOff x="0" y="0"/>
-          <a:chExt cx="0" cy="0"/>
-        </a:xfrm>
-      </p:grpSpPr>
-      <p:sp>
-        <p:nvSpPr>
-          <p:cNvPr id="2" name="Title 1">
-            <a:extLst>
-              <a:ext uri="{FF2B5EF4-FFF2-40B4-BE49-F238E27FC236}">
-                <a16:creationId xmlns:a16="http://schemas.microsoft.com/office/drawing/2014/main" id="{4C8404F8-E6E6-4919-8E72-4D9669B4D86A}"/>
-              </a:ext>
-            </a:extLst>
-          </p:cNvPr>
-          <p:cNvSpPr>
-            <a:spLocks noGrp="1"/>
-          </p:cNvSpPr>
-          <p:nvPr>
-            <p:ph type="title"/>
-          </p:nvPr>
-        </p:nvSpPr>
-        <p:spPr>
-          <a:xfrm>
-            <a:off x="838200" y="365125"/>
-            <a:ext cx="10515600" cy="6162937"/>
-          </a:xfrm>
-        </p:spPr>
-        <p:txBody>
-          <a:bodyPr/>
-          <a:lstStyle/>
-          <a:p>
-            <a:pPr algn="ctr"/>
-            <a:r>
-              <a:rPr lang="en-US" dirty="0"/>
-              <a:t>Make use of type safety</a:t>
-            </a:r>
-            <a:endParaRPr lang="pt-PT" dirty="0"/>
-          </a:p>
-        </p:txBody>
-      </p:sp>
-    </p:spTree>
-    <p:extLst>
-      <p:ext uri="{BB962C8B-B14F-4D97-AF65-F5344CB8AC3E}">
-        <p14:creationId xmlns:p14="http://schemas.microsoft.com/office/powerpoint/2010/main" val="3867256949"/>
-      </p:ext>
-    </p:extLst>
-  </p:cSld>
-  <p:clrMapOvr>
-    <a:masterClrMapping/>
-  </p:clrMapOvr>
-</p:sld>
-</file>
-
 <file path=ppt/slides/slide26.xml><?xml version="1.0" encoding="utf-8"?>
 <p:sld xmlns:a="http://schemas.openxmlformats.org/drawingml/2006/main" xmlns:r="http://schemas.openxmlformats.org/officeDocument/2006/relationships" xmlns:p="http://schemas.openxmlformats.org/presentationml/2006/main">
   <p:cSld>
@@ -8864,45 +6554,43 @@
       </p:grpSpPr>
       <p:sp>
         <p:nvSpPr>
-          <p:cNvPr id="7" name="TextBox 6">
+          <p:cNvPr id="2" name="Title 1">
             <a:extLst>
               <a:ext uri="{FF2B5EF4-FFF2-40B4-BE49-F238E27FC236}">
-                <a16:creationId xmlns:a16="http://schemas.microsoft.com/office/drawing/2014/main" id="{5FD66E39-A739-4577-9D17-1D5AC73DFA93}"/>
+                <a16:creationId xmlns:a16="http://schemas.microsoft.com/office/drawing/2014/main" id="{4C8404F8-E6E6-4919-8E72-4D9669B4D86A}"/>
               </a:ext>
             </a:extLst>
           </p:cNvPr>
-          <p:cNvSpPr txBox="1"/>
-          <p:nvPr/>
+          <p:cNvSpPr>
+            <a:spLocks noGrp="1"/>
+          </p:cNvSpPr>
+          <p:nvPr>
+            <p:ph type="title"/>
+          </p:nvPr>
         </p:nvSpPr>
         <p:spPr>
           <a:xfrm>
-            <a:off x="3048372" y="2951947"/>
-            <a:ext cx="6095256" cy="954107"/>
+            <a:off x="838200" y="365125"/>
+            <a:ext cx="10515600" cy="6162937"/>
           </a:xfrm>
-          <a:prstGeom prst="rect">
-            <a:avLst/>
-          </a:prstGeom>
-          <a:noFill/>
         </p:spPr>
         <p:txBody>
-          <a:bodyPr wrap="square">
-            <a:spAutoFit/>
-          </a:bodyPr>
+          <a:bodyPr/>
           <a:lstStyle/>
           <a:p>
             <a:pPr algn="ctr"/>
             <a:r>
-              <a:rPr lang="en-US" sz="2800" dirty="0"/>
-              <a:t>(Not really object-oriented specific, but common in such languages)</a:t>
-            </a:r>
-            <a:endParaRPr lang="pt-PT" sz="2800" dirty="0"/>
+              <a:rPr lang="en-US" dirty="0"/>
+              <a:t>Make use of type safety</a:t>
+            </a:r>
+            <a:endParaRPr lang="pt-PT" dirty="0"/>
           </a:p>
         </p:txBody>
       </p:sp>
     </p:spTree>
     <p:extLst>
       <p:ext uri="{BB962C8B-B14F-4D97-AF65-F5344CB8AC3E}">
-        <p14:creationId xmlns:p14="http://schemas.microsoft.com/office/powerpoint/2010/main" val="1945985091"/>
+        <p14:creationId xmlns:p14="http://schemas.microsoft.com/office/powerpoint/2010/main" val="3867256949"/>
       </p:ext>
     </p:extLst>
   </p:cSld>
@@ -8931,6 +6619,73 @@
       </p:grpSpPr>
       <p:sp>
         <p:nvSpPr>
+          <p:cNvPr id="7" name="TextBox 6">
+            <a:extLst>
+              <a:ext uri="{FF2B5EF4-FFF2-40B4-BE49-F238E27FC236}">
+                <a16:creationId xmlns:a16="http://schemas.microsoft.com/office/drawing/2014/main" id="{5FD66E39-A739-4577-9D17-1D5AC73DFA93}"/>
+              </a:ext>
+            </a:extLst>
+          </p:cNvPr>
+          <p:cNvSpPr txBox="1"/>
+          <p:nvPr/>
+        </p:nvSpPr>
+        <p:spPr>
+          <a:xfrm>
+            <a:off x="3048372" y="2951947"/>
+            <a:ext cx="6095256" cy="954107"/>
+          </a:xfrm>
+          <a:prstGeom prst="rect">
+            <a:avLst/>
+          </a:prstGeom>
+          <a:noFill/>
+        </p:spPr>
+        <p:txBody>
+          <a:bodyPr wrap="square">
+            <a:spAutoFit/>
+          </a:bodyPr>
+          <a:lstStyle/>
+          <a:p>
+            <a:pPr algn="ctr"/>
+            <a:r>
+              <a:rPr lang="en-US" sz="2800" dirty="0"/>
+              <a:t>(Not really object-oriented specific, but common in such languages)</a:t>
+            </a:r>
+            <a:endParaRPr lang="pt-PT" sz="2800" dirty="0"/>
+          </a:p>
+        </p:txBody>
+      </p:sp>
+    </p:spTree>
+    <p:extLst>
+      <p:ext uri="{BB962C8B-B14F-4D97-AF65-F5344CB8AC3E}">
+        <p14:creationId xmlns:p14="http://schemas.microsoft.com/office/powerpoint/2010/main" val="1945985091"/>
+      </p:ext>
+    </p:extLst>
+  </p:cSld>
+  <p:clrMapOvr>
+    <a:masterClrMapping/>
+  </p:clrMapOvr>
+</p:sld>
+</file>
+
+<file path=ppt/slides/slide28.xml><?xml version="1.0" encoding="utf-8"?>
+<p:sld xmlns:a="http://schemas.openxmlformats.org/drawingml/2006/main" xmlns:r="http://schemas.openxmlformats.org/officeDocument/2006/relationships" xmlns:p="http://schemas.openxmlformats.org/presentationml/2006/main">
+  <p:cSld>
+    <p:spTree>
+      <p:nvGrpSpPr>
+        <p:cNvPr id="1" name=""/>
+        <p:cNvGrpSpPr/>
+        <p:nvPr/>
+      </p:nvGrpSpPr>
+      <p:grpSpPr>
+        <a:xfrm>
+          <a:off x="0" y="0"/>
+          <a:ext cx="0" cy="0"/>
+          <a:chOff x="0" y="0"/>
+          <a:chExt cx="0" cy="0"/>
+        </a:xfrm>
+      </p:grpSpPr>
+      <p:sp>
+        <p:nvSpPr>
           <p:cNvPr id="2" name="Title 1">
             <a:extLst>
               <a:ext uri="{FF2B5EF4-FFF2-40B4-BE49-F238E27FC236}">
@@ -9022,7 +6777,7 @@
 </p:sld>
 </file>
 
-<file path=ppt/slides/slide28.xml><?xml version="1.0" encoding="utf-8"?>
+<file path=ppt/slides/slide29.xml><?xml version="1.0" encoding="utf-8"?>
 <p:sld xmlns:a="http://schemas.openxmlformats.org/drawingml/2006/main" xmlns:r="http://schemas.openxmlformats.org/officeDocument/2006/relationships" xmlns:p="http://schemas.openxmlformats.org/presentationml/2006/main">
   <p:cSld>
     <p:spTree>
@@ -9481,71 +7236,6 @@
 </p:sld>
 </file>
 
-<file path=ppt/slides/slide29.xml><?xml version="1.0" encoding="utf-8"?>
-<p:sld xmlns:a="http://schemas.openxmlformats.org/drawingml/2006/main" xmlns:r="http://schemas.openxmlformats.org/officeDocument/2006/relationships" xmlns:p="http://schemas.openxmlformats.org/presentationml/2006/main">
-  <p:cSld>
-    <p:spTree>
-      <p:nvGrpSpPr>
-        <p:cNvPr id="1" name=""/>
-        <p:cNvGrpSpPr/>
-        <p:nvPr/>
-      </p:nvGrpSpPr>
-      <p:grpSpPr>
-        <a:xfrm>
-          <a:off x="0" y="0"/>
-          <a:ext cx="0" cy="0"/>
-          <a:chOff x="0" y="0"/>
-          <a:chExt cx="0" cy="0"/>
-        </a:xfrm>
-      </p:grpSpPr>
-      <p:sp>
-        <p:nvSpPr>
-          <p:cNvPr id="2" name="Title 1">
-            <a:extLst>
-              <a:ext uri="{FF2B5EF4-FFF2-40B4-BE49-F238E27FC236}">
-                <a16:creationId xmlns:a16="http://schemas.microsoft.com/office/drawing/2014/main" id="{4C8404F8-E6E6-4919-8E72-4D9669B4D86A}"/>
-              </a:ext>
-            </a:extLst>
-          </p:cNvPr>
-          <p:cNvSpPr>
-            <a:spLocks noGrp="1"/>
-          </p:cNvSpPr>
-          <p:nvPr>
-            <p:ph type="title"/>
-          </p:nvPr>
-        </p:nvSpPr>
-        <p:spPr>
-          <a:xfrm>
-            <a:off x="838200" y="365125"/>
-            <a:ext cx="10515600" cy="6162937"/>
-          </a:xfrm>
-        </p:spPr>
-        <p:txBody>
-          <a:bodyPr/>
-          <a:lstStyle/>
-          <a:p>
-            <a:pPr algn="ctr"/>
-            <a:r>
-              <a:rPr lang="en-US" dirty="0"/>
-              <a:t>Minimize exceptions</a:t>
-            </a:r>
-            <a:endParaRPr lang="pt-PT" dirty="0"/>
-          </a:p>
-        </p:txBody>
-      </p:sp>
-    </p:spTree>
-    <p:extLst>
-      <p:ext uri="{BB962C8B-B14F-4D97-AF65-F5344CB8AC3E}">
-        <p14:creationId xmlns:p14="http://schemas.microsoft.com/office/powerpoint/2010/main" val="3036177709"/>
-      </p:ext>
-    </p:extLst>
-  </p:cSld>
-  <p:clrMapOvr>
-    <a:masterClrMapping/>
-  </p:clrMapOvr>
-</p:sld>
-</file>
-
 <file path=ppt/slides/slide3.xml><?xml version="1.0" encoding="utf-8"?>
 <p:sld xmlns:a="http://schemas.openxmlformats.org/drawingml/2006/main" xmlns:r="http://schemas.openxmlformats.org/officeDocument/2006/relationships" xmlns:p="http://schemas.openxmlformats.org/presentationml/2006/main">
   <p:cSld>
@@ -9911,6 +7601,71 @@
           <p:cNvPr id="2" name="Title 1">
             <a:extLst>
               <a:ext uri="{FF2B5EF4-FFF2-40B4-BE49-F238E27FC236}">
+                <a16:creationId xmlns:a16="http://schemas.microsoft.com/office/drawing/2014/main" id="{4C8404F8-E6E6-4919-8E72-4D9669B4D86A}"/>
+              </a:ext>
+            </a:extLst>
+          </p:cNvPr>
+          <p:cNvSpPr>
+            <a:spLocks noGrp="1"/>
+          </p:cNvSpPr>
+          <p:nvPr>
+            <p:ph type="title"/>
+          </p:nvPr>
+        </p:nvSpPr>
+        <p:spPr>
+          <a:xfrm>
+            <a:off x="838200" y="365125"/>
+            <a:ext cx="10515600" cy="6162937"/>
+          </a:xfrm>
+        </p:spPr>
+        <p:txBody>
+          <a:bodyPr/>
+          <a:lstStyle/>
+          <a:p>
+            <a:pPr algn="ctr"/>
+            <a:r>
+              <a:rPr lang="en-US" dirty="0"/>
+              <a:t>Minimize exceptions</a:t>
+            </a:r>
+            <a:endParaRPr lang="pt-PT" dirty="0"/>
+          </a:p>
+        </p:txBody>
+      </p:sp>
+    </p:spTree>
+    <p:extLst>
+      <p:ext uri="{BB962C8B-B14F-4D97-AF65-F5344CB8AC3E}">
+        <p14:creationId xmlns:p14="http://schemas.microsoft.com/office/powerpoint/2010/main" val="3036177709"/>
+      </p:ext>
+    </p:extLst>
+  </p:cSld>
+  <p:clrMapOvr>
+    <a:masterClrMapping/>
+  </p:clrMapOvr>
+</p:sld>
+</file>
+
+<file path=ppt/slides/slide31.xml><?xml version="1.0" encoding="utf-8"?>
+<p:sld xmlns:a="http://schemas.openxmlformats.org/drawingml/2006/main" xmlns:r="http://schemas.openxmlformats.org/officeDocument/2006/relationships" xmlns:p="http://schemas.openxmlformats.org/presentationml/2006/main">
+  <p:cSld>
+    <p:spTree>
+      <p:nvGrpSpPr>
+        <p:cNvPr id="1" name=""/>
+        <p:cNvGrpSpPr/>
+        <p:nvPr/>
+      </p:nvGrpSpPr>
+      <p:grpSpPr>
+        <a:xfrm>
+          <a:off x="0" y="0"/>
+          <a:ext cx="0" cy="0"/>
+          <a:chOff x="0" y="0"/>
+          <a:chExt cx="0" cy="0"/>
+        </a:xfrm>
+      </p:grpSpPr>
+      <p:sp>
+        <p:nvSpPr>
+          <p:cNvPr id="2" name="Title 1">
+            <a:extLst>
+              <a:ext uri="{FF2B5EF4-FFF2-40B4-BE49-F238E27FC236}">
                 <a16:creationId xmlns:a16="http://schemas.microsoft.com/office/drawing/2014/main" id="{AC91DBF9-7007-4BB8-8622-BE788E00C8E8}"/>
               </a:ext>
             </a:extLst>
@@ -9971,7 +7726,7 @@
           <a:p>
             <a:r>
               <a:rPr lang="en-US" dirty="0"/>
-              <a:t>Some domain rule fail → throw</a:t>
+              <a:t>Some business logic rule fail → throw</a:t>
             </a:r>
           </a:p>
           <a:p>
@@ -9994,7 +7749,7 @@
           <a:p>
             <a:r>
               <a:rPr lang="en-US" dirty="0"/>
-              <a:t>What if we make the possible domain errors obvious?</a:t>
+              <a:t>What if we make the possible business logic errors obvious?</a:t>
             </a:r>
             <a:endParaRPr lang="pt-PT" dirty="0"/>
           </a:p>
@@ -10288,96 +8043,6 @@
 </p:sld>
 </file>
 
-<file path=ppt/slides/slide31.xml><?xml version="1.0" encoding="utf-8"?>
-<p:sld xmlns:a="http://schemas.openxmlformats.org/drawingml/2006/main" xmlns:r="http://schemas.openxmlformats.org/officeDocument/2006/relationships" xmlns:p="http://schemas.openxmlformats.org/presentationml/2006/main">
-  <p:cSld>
-    <p:spTree>
-      <p:nvGrpSpPr>
-        <p:cNvPr id="1" name=""/>
-        <p:cNvGrpSpPr/>
-        <p:nvPr/>
-      </p:nvGrpSpPr>
-      <p:grpSpPr>
-        <a:xfrm>
-          <a:off x="0" y="0"/>
-          <a:ext cx="0" cy="0"/>
-          <a:chOff x="0" y="0"/>
-          <a:chExt cx="0" cy="0"/>
-        </a:xfrm>
-      </p:grpSpPr>
-      <p:sp>
-        <p:nvSpPr>
-          <p:cNvPr id="2" name="Title 1">
-            <a:extLst>
-              <a:ext uri="{FF2B5EF4-FFF2-40B4-BE49-F238E27FC236}">
-                <a16:creationId xmlns:a16="http://schemas.microsoft.com/office/drawing/2014/main" id="{AC91DBF9-7007-4BB8-8622-BE788E00C8E8}"/>
-              </a:ext>
-            </a:extLst>
-          </p:cNvPr>
-          <p:cNvSpPr>
-            <a:spLocks noGrp="1"/>
-          </p:cNvSpPr>
-          <p:nvPr>
-            <p:ph type="title"/>
-          </p:nvPr>
-        </p:nvSpPr>
-        <p:spPr/>
-        <p:txBody>
-          <a:bodyPr/>
-          <a:lstStyle/>
-          <a:p>
-            <a:r>
-              <a:rPr lang="en-US" dirty="0"/>
-              <a:t>Last look at some code</a:t>
-            </a:r>
-            <a:endParaRPr lang="pt-PT" dirty="0"/>
-          </a:p>
-        </p:txBody>
-      </p:sp>
-      <p:sp>
-        <p:nvSpPr>
-          <p:cNvPr id="3" name="Content Placeholder 2">
-            <a:extLst>
-              <a:ext uri="{FF2B5EF4-FFF2-40B4-BE49-F238E27FC236}">
-                <a16:creationId xmlns:a16="http://schemas.microsoft.com/office/drawing/2014/main" id="{27C86653-040F-47C8-95F2-C32479440CFB}"/>
-              </a:ext>
-            </a:extLst>
-          </p:cNvPr>
-          <p:cNvSpPr>
-            <a:spLocks noGrp="1"/>
-          </p:cNvSpPr>
-          <p:nvPr>
-            <p:ph idx="1"/>
-          </p:nvPr>
-        </p:nvSpPr>
-        <p:spPr/>
-        <p:txBody>
-          <a:bodyPr>
-            <a:normAutofit/>
-          </a:bodyPr>
-          <a:lstStyle/>
-          <a:p>
-            <a:r>
-              <a:rPr lang="en-US" dirty="0"/>
-              <a:t>Return explicit success/error information</a:t>
-            </a:r>
-            <a:endParaRPr lang="pt-PT" dirty="0"/>
-          </a:p>
-        </p:txBody>
-      </p:sp>
-    </p:spTree>
-    <p:extLst>
-      <p:ext uri="{BB962C8B-B14F-4D97-AF65-F5344CB8AC3E}">
-        <p14:creationId xmlns:p14="http://schemas.microsoft.com/office/powerpoint/2010/main" val="3004016861"/>
-      </p:ext>
-    </p:extLst>
-  </p:cSld>
-  <p:clrMapOvr>
-    <a:masterClrMapping/>
-  </p:clrMapOvr>
-</p:sld>
-</file>
-
 <file path=ppt/slides/slide32.xml><?xml version="1.0" encoding="utf-8"?>
 <p:sld xmlns:a="http://schemas.openxmlformats.org/drawingml/2006/main" xmlns:r="http://schemas.openxmlformats.org/officeDocument/2006/relationships" xmlns:p="http://schemas.openxmlformats.org/presentationml/2006/main">
   <p:cSld>
@@ -10417,9 +8082,10 @@
           <a:lstStyle/>
           <a:p>
             <a:r>
-              <a:rPr lang="pt-PT" dirty="0"/>
-              <a:t>Some takeaways</a:t>
-            </a:r>
+              <a:rPr lang="en-US" dirty="0"/>
+              <a:t>Last look at some code</a:t>
+            </a:r>
+            <a:endParaRPr lang="pt-PT" dirty="0"/>
           </a:p>
         </p:txBody>
       </p:sp>
@@ -10439,6 +8105,95 @@
             <p:ph idx="1"/>
           </p:nvPr>
         </p:nvSpPr>
+        <p:spPr/>
+        <p:txBody>
+          <a:bodyPr>
+            <a:normAutofit/>
+          </a:bodyPr>
+          <a:lstStyle/>
+          <a:p>
+            <a:r>
+              <a:rPr lang="en-US" dirty="0"/>
+              <a:t>Return explicit success/error information</a:t>
+            </a:r>
+            <a:endParaRPr lang="pt-PT" dirty="0"/>
+          </a:p>
+        </p:txBody>
+      </p:sp>
+    </p:spTree>
+    <p:extLst>
+      <p:ext uri="{BB962C8B-B14F-4D97-AF65-F5344CB8AC3E}">
+        <p14:creationId xmlns:p14="http://schemas.microsoft.com/office/powerpoint/2010/main" val="3004016861"/>
+      </p:ext>
+    </p:extLst>
+  </p:cSld>
+  <p:clrMapOvr>
+    <a:masterClrMapping/>
+  </p:clrMapOvr>
+</p:sld>
+</file>
+
+<file path=ppt/slides/slide33.xml><?xml version="1.0" encoding="utf-8"?>
+<p:sld xmlns:a="http://schemas.openxmlformats.org/drawingml/2006/main" xmlns:r="http://schemas.openxmlformats.org/officeDocument/2006/relationships" xmlns:p="http://schemas.openxmlformats.org/presentationml/2006/main">
+  <p:cSld>
+    <p:spTree>
+      <p:nvGrpSpPr>
+        <p:cNvPr id="1" name=""/>
+        <p:cNvGrpSpPr/>
+        <p:nvPr/>
+      </p:nvGrpSpPr>
+      <p:grpSpPr>
+        <a:xfrm>
+          <a:off x="0" y="0"/>
+          <a:ext cx="0" cy="0"/>
+          <a:chOff x="0" y="0"/>
+          <a:chExt cx="0" cy="0"/>
+        </a:xfrm>
+      </p:grpSpPr>
+      <p:sp>
+        <p:nvSpPr>
+          <p:cNvPr id="2" name="Title 1">
+            <a:extLst>
+              <a:ext uri="{FF2B5EF4-FFF2-40B4-BE49-F238E27FC236}">
+                <a16:creationId xmlns:a16="http://schemas.microsoft.com/office/drawing/2014/main" id="{AC91DBF9-7007-4BB8-8622-BE788E00C8E8}"/>
+              </a:ext>
+            </a:extLst>
+          </p:cNvPr>
+          <p:cNvSpPr>
+            <a:spLocks noGrp="1"/>
+          </p:cNvSpPr>
+          <p:nvPr>
+            <p:ph type="title"/>
+          </p:nvPr>
+        </p:nvSpPr>
+        <p:spPr/>
+        <p:txBody>
+          <a:bodyPr/>
+          <a:lstStyle/>
+          <a:p>
+            <a:r>
+              <a:rPr lang="pt-PT" dirty="0"/>
+              <a:t>Some takeaways</a:t>
+            </a:r>
+          </a:p>
+        </p:txBody>
+      </p:sp>
+      <p:sp>
+        <p:nvSpPr>
+          <p:cNvPr id="3" name="Content Placeholder 2">
+            <a:extLst>
+              <a:ext uri="{FF2B5EF4-FFF2-40B4-BE49-F238E27FC236}">
+                <a16:creationId xmlns:a16="http://schemas.microsoft.com/office/drawing/2014/main" id="{27C86653-040F-47C8-95F2-C32479440CFB}"/>
+              </a:ext>
+            </a:extLst>
+          </p:cNvPr>
+          <p:cNvSpPr>
+            <a:spLocks noGrp="1"/>
+          </p:cNvSpPr>
+          <p:nvPr>
+            <p:ph idx="1"/>
+          </p:nvPr>
+        </p:nvSpPr>
         <p:spPr>
           <a:xfrm>
             <a:off x="838200" y="1690688"/>
@@ -10459,18 +8214,14 @@
           <a:p>
             <a:pPr lvl="1"/>
             <a:r>
-              <a:rPr lang="en-US"/>
-              <a:t>Forcing </a:t>
-            </a:r>
-            <a:r>
               <a:rPr lang="en-US" dirty="0"/>
-              <a:t>us to think about it</a:t>
+              <a:t>Forcing us to think about it</a:t>
             </a:r>
           </a:p>
           <a:p>
             <a:r>
               <a:rPr lang="en-US" dirty="0"/>
-              <a:t>Not to replace all exceptions, but at least domain specific</a:t>
+              <a:t>Not to replace all exceptions, focus on business logic</a:t>
             </a:r>
           </a:p>
           <a:p>
@@ -10484,7 +8235,7 @@
             <a:pPr lvl="1"/>
             <a:r>
               <a:rPr lang="en-US" dirty="0"/>
-              <a:t>Trying to buy more items than allowed, not really an exception, but a domain error</a:t>
+              <a:t>Trying to buy more items than allowed, not really an exception, but a business logic error</a:t>
             </a:r>
           </a:p>
           <a:p>
@@ -10833,7 +8584,7 @@
 </p:sld>
 </file>
 
-<file path=ppt/slides/slide33.xml><?xml version="1.0" encoding="utf-8"?>
+<file path=ppt/slides/slide34.xml><?xml version="1.0" encoding="utf-8"?>
 <p:sld xmlns:a="http://schemas.openxmlformats.org/drawingml/2006/main" xmlns:r="http://schemas.openxmlformats.org/officeDocument/2006/relationships" xmlns:p="http://schemas.openxmlformats.org/presentationml/2006/main">
   <p:cSld>
     <p:spTree>
@@ -10926,15 +8677,7 @@
           <a:p>
             <a:r>
               <a:rPr lang="en-US" dirty="0"/>
-              <a:t>But don’t hate </a:t>
-            </a:r>
-            <a:r>
-              <a:rPr lang="en-US"/>
-              <a:t>object-oriented when </a:t>
-            </a:r>
-            <a:r>
-              <a:rPr lang="en-US" dirty="0"/>
-              <a:t>writing procedural</a:t>
+              <a:t>But don’t hate object-oriented if writing procedural</a:t>
             </a:r>
           </a:p>
         </p:txBody>
@@ -11178,7 +8921,7 @@
 </p:sld>
 </file>
 
-<file path=ppt/slides/slide34.xml><?xml version="1.0" encoding="utf-8"?>
+<file path=ppt/slides/slide35.xml><?xml version="1.0" encoding="utf-8"?>
 <p:sld xmlns:a="http://schemas.openxmlformats.org/drawingml/2006/main" xmlns:r="http://schemas.openxmlformats.org/officeDocument/2006/relationships" xmlns:p="http://schemas.openxmlformats.org/presentationml/2006/main">
   <p:cSld>
     <p:spTree>
@@ -11408,7 +9151,7 @@
 </p:sld>
 </file>
 
-<file path=ppt/slides/slide35.xml><?xml version="1.0" encoding="utf-8"?>
+<file path=ppt/slides/slide36.xml><?xml version="1.0" encoding="utf-8"?>
 <p:sld xmlns:a="http://schemas.openxmlformats.org/drawingml/2006/main" xmlns:r="http://schemas.openxmlformats.org/officeDocument/2006/relationships" xmlns:p="http://schemas.openxmlformats.org/presentationml/2006/main">
   <p:cSld>
     <p:spTree>
@@ -11558,7 +9301,7 @@
 </p:sld>
 </file>
 
-<file path=ppt/slides/slide36.xml><?xml version="1.0" encoding="utf-8"?>
+<file path=ppt/slides/slide37.xml><?xml version="1.0" encoding="utf-8"?>
 <p:sld xmlns:a="http://schemas.openxmlformats.org/drawingml/2006/main" xmlns:r="http://schemas.openxmlformats.org/officeDocument/2006/relationships" xmlns:p="http://schemas.openxmlformats.org/presentationml/2006/main">
   <p:cSld>
     <p:spTree>
@@ -11623,9 +9366,16 @@
             <p:ph idx="1"/>
           </p:nvPr>
         </p:nvSpPr>
-        <p:spPr/>
-        <p:txBody>
-          <a:bodyPr/>
+        <p:spPr>
+          <a:xfrm>
+            <a:off x="838200" y="1597040"/>
+            <a:ext cx="10515600" cy="4579923"/>
+          </a:xfrm>
+        </p:spPr>
+        <p:txBody>
+          <a:bodyPr>
+            <a:normAutofit/>
+          </a:bodyPr>
           <a:lstStyle/>
           <a:p>
             <a:pPr marL="0" indent="0">
@@ -11687,8 +9437,12 @@
               <a:buNone/>
             </a:pPr>
             <a:r>
+              <a:rPr lang="pt-PT" dirty="0" err="1"/>
+              <a:t>mastodon.social</a:t>
+            </a:r>
+            <a:r>
               <a:rPr lang="pt-PT" dirty="0"/>
-              <a:t>twitter.com/joaofbantunes</a:t>
+              <a:t>/@joaofbantunes</a:t>
             </a:r>
           </a:p>
           <a:p>
@@ -11703,11 +9457,32 @@
             </a:pPr>
             <a:r>
               <a:rPr lang="pt-PT" dirty="0"/>
-              <a:t>linkedin.com/in/joaofbantunes</a:t>
-            </a:r>
-          </a:p>
-          <a:p>
-            <a:pPr lvl="1"/>
+              <a:t>linkedin.com/in/</a:t>
+            </a:r>
+            <a:r>
+              <a:rPr lang="pt-PT" dirty="0" err="1"/>
+              <a:t>joaofbantunes</a:t>
+            </a:r>
+            <a:endParaRPr lang="pt-PT" dirty="0"/>
+          </a:p>
+          <a:p>
+            <a:pPr marL="457200" lvl="1" indent="0">
+              <a:buNone/>
+            </a:pPr>
+            <a:endParaRPr lang="pt-PT" dirty="0"/>
+          </a:p>
+          <a:p>
+            <a:pPr marL="457200" lvl="1" indent="0">
+              <a:buNone/>
+            </a:pPr>
+            <a:r>
+              <a:rPr lang="pt-PT" dirty="0"/>
+              <a:t>twitter.com/</a:t>
+            </a:r>
+            <a:r>
+              <a:rPr lang="pt-PT" dirty="0" err="1"/>
+              <a:t>joaofbantunes</a:t>
+            </a:r>
             <a:endParaRPr lang="pt-PT" dirty="0"/>
           </a:p>
           <a:p>
@@ -12684,7 +10459,12 @@
             <p:ph type="title"/>
           </p:nvPr>
         </p:nvSpPr>
-        <p:spPr/>
+        <p:spPr>
+          <a:xfrm>
+            <a:off x="0" y="365125"/>
+            <a:ext cx="12191999" cy="1325563"/>
+          </a:xfrm>
+        </p:spPr>
         <p:txBody>
           <a:bodyPr/>
           <a:lstStyle/>
@@ -12692,11 +10472,19 @@
             <a:pPr algn="ctr"/>
             <a:r>
               <a:rPr lang="pt-PT" dirty="0"/>
-              <a:t>SOLID </a:t>
+              <a:t>SOLID/CUPID/</a:t>
             </a:r>
             <a:r>
               <a:rPr lang="pt-PT" dirty="0" err="1"/>
-              <a:t>Principles</a:t>
+              <a:t>other</a:t>
+            </a:r>
+            <a:r>
+              <a:rPr lang="pt-PT" dirty="0"/>
+              <a:t> </a:t>
+            </a:r>
+            <a:r>
+              <a:rPr lang="pt-PT" dirty="0" err="1"/>
+              <a:t>principles</a:t>
             </a:r>
             <a:endParaRPr lang="pt-PT" dirty="0"/>
           </a:p>
@@ -12741,7 +10529,7 @@
     </p:spTree>
     <p:extLst>
       <p:ext uri="{BB962C8B-B14F-4D97-AF65-F5344CB8AC3E}">
-        <p14:creationId xmlns:p14="http://schemas.microsoft.com/office/powerpoint/2010/main" val="3862379383"/>
+        <p14:creationId xmlns:p14="http://schemas.microsoft.com/office/powerpoint/2010/main" val="2028832503"/>
       </p:ext>
     </p:extLst>
   </p:cSld>
